--- a/Robot met mecanum wheels.pptx
+++ b/Robot met mecanum wheels.pptx
@@ -5,13 +5,21 @@
     <p:sldMasterId id="2147483648" r:id="rId1"/>
   </p:sldMasterIdLst>
   <p:notesMasterIdLst>
-    <p:notesMasterId r:id="rId6"/>
+    <p:notesMasterId r:id="rId14"/>
   </p:notesMasterIdLst>
   <p:sldIdLst>
     <p:sldId id="256" r:id="rId2"/>
     <p:sldId id="257" r:id="rId3"/>
     <p:sldId id="259" r:id="rId4"/>
     <p:sldId id="258" r:id="rId5"/>
+    <p:sldId id="260" r:id="rId6"/>
+    <p:sldId id="261" r:id="rId7"/>
+    <p:sldId id="262" r:id="rId8"/>
+    <p:sldId id="263" r:id="rId9"/>
+    <p:sldId id="264" r:id="rId10"/>
+    <p:sldId id="265" r:id="rId11"/>
+    <p:sldId id="266" r:id="rId12"/>
+    <p:sldId id="267" r:id="rId13"/>
   </p:sldIdLst>
   <p:sldSz cx="12192000" cy="6858000"/>
   <p:notesSz cx="6858000" cy="9144000"/>
@@ -315,7 +323,7 @@
           <a:p>
             <a:fld id="{24E876C3-F3F2-4D3A-99C6-3D901606E548}" type="datetimeFigureOut">
               <a:rPr lang="nl-BE" smtClean="0"/>
-              <a:t>2025-05-19</a:t>
+              <a:t>2025-05-26</a:t>
             </a:fld>
             <a:endParaRPr lang="nl-BE"/>
           </a:p>
@@ -667,6 +675,90 @@
 </p:notes>
 </file>
 
+<file path=ppt/notesSlides/notesSlide2.xml><?xml version="1.0" encoding="utf-8"?>
+<p:notes xmlns:a="http://schemas.openxmlformats.org/drawingml/2006/main" xmlns:r="http://schemas.openxmlformats.org/officeDocument/2006/relationships" xmlns:p="http://schemas.openxmlformats.org/presentationml/2006/main">
+  <p:cSld>
+    <p:spTree>
+      <p:nvGrpSpPr>
+        <p:cNvPr id="1" name=""/>
+        <p:cNvGrpSpPr/>
+        <p:nvPr/>
+      </p:nvGrpSpPr>
+      <p:grpSpPr>
+        <a:xfrm>
+          <a:off x="0" y="0"/>
+          <a:ext cx="0" cy="0"/>
+          <a:chOff x="0" y="0"/>
+          <a:chExt cx="0" cy="0"/>
+        </a:xfrm>
+      </p:grpSpPr>
+      <p:sp>
+        <p:nvSpPr>
+          <p:cNvPr id="2" name="Tijdelijke aanduiding voor dia-afbeelding 1"/>
+          <p:cNvSpPr>
+            <a:spLocks noGrp="1" noRot="1" noChangeAspect="1"/>
+          </p:cNvSpPr>
+          <p:nvPr>
+            <p:ph type="sldImg"/>
+          </p:nvPr>
+        </p:nvSpPr>
+        <p:spPr/>
+      </p:sp>
+      <p:sp>
+        <p:nvSpPr>
+          <p:cNvPr id="3" name="Tijdelijke aanduiding voor notities 2"/>
+          <p:cNvSpPr>
+            <a:spLocks noGrp="1"/>
+          </p:cNvSpPr>
+          <p:nvPr>
+            <p:ph type="body" idx="1"/>
+          </p:nvPr>
+        </p:nvSpPr>
+        <p:spPr/>
+        <p:txBody>
+          <a:bodyPr/>
+          <a:lstStyle/>
+          <a:p>
+            <a:endParaRPr lang="nl-BE" dirty="0"/>
+          </a:p>
+        </p:txBody>
+      </p:sp>
+      <p:sp>
+        <p:nvSpPr>
+          <p:cNvPr id="4" name="Tijdelijke aanduiding voor dianummer 3"/>
+          <p:cNvSpPr>
+            <a:spLocks noGrp="1"/>
+          </p:cNvSpPr>
+          <p:nvPr>
+            <p:ph type="sldNum" sz="quarter" idx="5"/>
+          </p:nvPr>
+        </p:nvSpPr>
+        <p:spPr/>
+        <p:txBody>
+          <a:bodyPr/>
+          <a:lstStyle/>
+          <a:p>
+            <a:fld id="{DFCE5C7E-3DF3-4475-9DB5-77E2CC7032CB}" type="slidenum">
+              <a:rPr lang="nl-BE" smtClean="0"/>
+              <a:t>5</a:t>
+            </a:fld>
+            <a:endParaRPr lang="nl-BE"/>
+          </a:p>
+        </p:txBody>
+      </p:sp>
+    </p:spTree>
+    <p:extLst>
+      <p:ext uri="{BB962C8B-B14F-4D97-AF65-F5344CB8AC3E}">
+        <p14:creationId xmlns:p14="http://schemas.microsoft.com/office/powerpoint/2010/main" val="1664713786"/>
+      </p:ext>
+    </p:extLst>
+  </p:cSld>
+  <p:clrMapOvr>
+    <a:masterClrMapping/>
+  </p:clrMapOvr>
+</p:notes>
+</file>
+
 <file path=ppt/slideLayouts/slideLayout1.xml><?xml version="1.0" encoding="utf-8"?>
 <p:sldLayout xmlns:a="http://schemas.openxmlformats.org/drawingml/2006/main" xmlns:r="http://schemas.openxmlformats.org/officeDocument/2006/relationships" xmlns:p="http://schemas.openxmlformats.org/presentationml/2006/main" type="title" preserve="1">
   <p:cSld name="Titeldia">
@@ -816,7 +908,7 @@
           <a:p>
             <a:fld id="{AB938E35-A715-4EA6-8479-0DA6EEA4F420}" type="datetime1">
               <a:rPr lang="nl-BE" smtClean="0"/>
-              <a:t>2025-05-20</a:t>
+              <a:t>2025-05-26</a:t>
             </a:fld>
             <a:endParaRPr lang="nl-BE"/>
           </a:p>
@@ -1016,7 +1108,7 @@
           <a:p>
             <a:fld id="{EEBC4108-36BE-4AFD-9934-D802DA16D715}" type="datetime1">
               <a:rPr lang="nl-BE" smtClean="0"/>
-              <a:t>2025-05-20</a:t>
+              <a:t>2025-05-26</a:t>
             </a:fld>
             <a:endParaRPr lang="nl-BE"/>
           </a:p>
@@ -1226,7 +1318,7 @@
           <a:p>
             <a:fld id="{E5708938-517C-4EE6-BAEE-C16A152DF5BA}" type="datetime1">
               <a:rPr lang="nl-BE" smtClean="0"/>
-              <a:t>2025-05-20</a:t>
+              <a:t>2025-05-26</a:t>
             </a:fld>
             <a:endParaRPr lang="nl-BE"/>
           </a:p>
@@ -1426,7 +1518,7 @@
           <a:p>
             <a:fld id="{9B987D2F-9A8B-41C4-8B19-5C98425FD893}" type="datetime1">
               <a:rPr lang="nl-BE" smtClean="0"/>
-              <a:t>2025-05-20</a:t>
+              <a:t>2025-05-26</a:t>
             </a:fld>
             <a:endParaRPr lang="nl-BE"/>
           </a:p>
@@ -1702,7 +1794,7 @@
           <a:p>
             <a:fld id="{8EACD837-68B5-4BB2-A279-97C5C7650312}" type="datetime1">
               <a:rPr lang="nl-BE" smtClean="0"/>
-              <a:t>2025-05-20</a:t>
+              <a:t>2025-05-26</a:t>
             </a:fld>
             <a:endParaRPr lang="nl-BE"/>
           </a:p>
@@ -1970,7 +2062,7 @@
           <a:p>
             <a:fld id="{FC793439-C99A-4211-8424-7248038FD675}" type="datetime1">
               <a:rPr lang="nl-BE" smtClean="0"/>
-              <a:t>2025-05-20</a:t>
+              <a:t>2025-05-26</a:t>
             </a:fld>
             <a:endParaRPr lang="nl-BE"/>
           </a:p>
@@ -2385,7 +2477,7 @@
           <a:p>
             <a:fld id="{43007AE6-3B91-4F6F-969F-08860491E7E9}" type="datetime1">
               <a:rPr lang="nl-BE" smtClean="0"/>
-              <a:t>2025-05-20</a:t>
+              <a:t>2025-05-26</a:t>
             </a:fld>
             <a:endParaRPr lang="nl-BE"/>
           </a:p>
@@ -2527,7 +2619,7 @@
           <a:p>
             <a:fld id="{4A6E6EC5-3BFA-4D51-B04A-3874F0F15FB2}" type="datetime1">
               <a:rPr lang="nl-BE" smtClean="0"/>
-              <a:t>2025-05-20</a:t>
+              <a:t>2025-05-26</a:t>
             </a:fld>
             <a:endParaRPr lang="nl-BE"/>
           </a:p>
@@ -2640,7 +2732,7 @@
           <a:p>
             <a:fld id="{2E01214B-630B-4ACB-B3E2-19A4FD8185B6}" type="datetime1">
               <a:rPr lang="nl-BE" smtClean="0"/>
-              <a:t>2025-05-20</a:t>
+              <a:t>2025-05-26</a:t>
             </a:fld>
             <a:endParaRPr lang="nl-BE"/>
           </a:p>
@@ -2953,7 +3045,7 @@
           <a:p>
             <a:fld id="{A995163D-7F00-4232-AB7E-C0A29CFFDE06}" type="datetime1">
               <a:rPr lang="nl-BE" smtClean="0"/>
-              <a:t>2025-05-20</a:t>
+              <a:t>2025-05-26</a:t>
             </a:fld>
             <a:endParaRPr lang="nl-BE"/>
           </a:p>
@@ -3242,7 +3334,7 @@
           <a:p>
             <a:fld id="{5CAC211A-33E5-477E-B412-C248E354E4C6}" type="datetime1">
               <a:rPr lang="nl-BE" smtClean="0"/>
-              <a:t>2025-05-20</a:t>
+              <a:t>2025-05-26</a:t>
             </a:fld>
             <a:endParaRPr lang="nl-BE"/>
           </a:p>
@@ -3485,7 +3577,7 @@
           <a:p>
             <a:fld id="{ACE81286-71E9-4E6C-836F-4FDFFC3C7A6E}" type="datetime1">
               <a:rPr lang="nl-BE" smtClean="0"/>
-              <a:t>2025-05-20</a:t>
+              <a:t>2025-05-26</a:t>
             </a:fld>
             <a:endParaRPr lang="nl-BE"/>
           </a:p>
@@ -3989,7 +4081,7 @@
           <p:nvPr/>
         </p:nvPicPr>
         <p:blipFill>
-          <a:blip r:embed="rId2">
+          <a:blip r:embed="rId3">
             <a:alphaModFix amt="50000"/>
             <a:extLst>
               <a:ext uri="{28A0092B-C50C-407E-A947-70E740481C1C}">
@@ -4078,18 +4170,13 @@
           <a:lstStyle/>
           <a:p>
             <a:r>
-              <a:rPr lang="nl-BE" dirty="0" err="1">
+              <a:rPr lang="nl-BE" dirty="0">
                 <a:solidFill>
                   <a:srgbClr val="FFFFFF"/>
                 </a:solidFill>
               </a:rPr>
               <a:t>Onderzoekscompetentie</a:t>
             </a:r>
-            <a:endParaRPr lang="nl-BE" dirty="0">
-              <a:solidFill>
-                <a:srgbClr val="FFFFFF"/>
-              </a:solidFill>
-            </a:endParaRPr>
           </a:p>
           <a:p>
             <a:r>
@@ -4153,7 +4240,10 @@
           <a:bodyPr/>
           <a:lstStyle/>
           <a:p>
-            <a:endParaRPr lang="nl-BE"/>
+            <a:r>
+              <a:rPr lang="nl-BE" dirty="0"/>
+              <a:t>Introductie</a:t>
+            </a:r>
           </a:p>
         </p:txBody>
       </p:sp>
@@ -4167,6 +4257,28 @@
   <p:clrMapOvr>
     <a:overrideClrMapping bg1="dk1" tx1="lt1" bg2="dk2" tx2="lt2" accent1="accent1" accent2="accent2" accent3="accent3" accent4="accent4" accent5="accent5" accent6="accent6" hlink="hlink" folHlink="folHlink"/>
   </p:clrMapOvr>
+  <mc:AlternateContent xmlns:mc="http://schemas.openxmlformats.org/markup-compatibility/2006">
+    <mc:Choice xmlns:p15="http://schemas.microsoft.com/office/powerpoint/2012/main" Requires="p15">
+      <p:transition xmlns:p14="http://schemas.microsoft.com/office/powerpoint/2010/main" spd="slow" p14:dur="5000">
+        <p15:prstTrans prst="curtains"/>
+        <p:sndAc>
+          <p:stSnd>
+            <p:snd r:embed="rId2" name="applause.wav"/>
+          </p:stSnd>
+        </p:sndAc>
+      </p:transition>
+    </mc:Choice>
+    <mc:Fallback>
+      <p:transition spd="slow">
+        <p:fade/>
+        <p:sndAc>
+          <p:stSnd>
+            <p:snd r:embed="rId2" name="applause.wav"/>
+          </p:stSnd>
+        </p:sndAc>
+      </p:transition>
+    </mc:Fallback>
+  </mc:AlternateContent>
   <p:timing>
     <p:tnLst>
       <p:par>
@@ -4366,7 +4478,7 @@
 </p:sld>
 </file>
 
-<file path=ppt/slides/slide2.xml><?xml version="1.0" encoding="utf-8"?>
+<file path=ppt/slides/slide10.xml><?xml version="1.0" encoding="utf-8"?>
 <p:sld xmlns:a="http://schemas.openxmlformats.org/drawingml/2006/main" xmlns:r="http://schemas.openxmlformats.org/officeDocument/2006/relationships" xmlns:p="http://schemas.openxmlformats.org/presentationml/2006/main">
   <p:cSld>
     <p:bg>
@@ -4391,12 +4503,101 @@
           <a:chExt cx="0" cy="0"/>
         </a:xfrm>
       </p:grpSpPr>
-      <p:sp>
-        <p:nvSpPr>
-          <p:cNvPr id="10" name="Rectangle 9">
-            <a:extLst>
-              <a:ext uri="{FF2B5EF4-FFF2-40B4-BE49-F238E27FC236}">
-                <a16:creationId xmlns:a16="http://schemas.microsoft.com/office/drawing/2014/main" id="{9228552E-C8B1-4A80-8448-0787CE0FC704}"/>
+      <p:sp useBgFill="1">
+        <p:nvSpPr>
+          <p:cNvPr id="12" name="Rectangle 11">
+            <a:extLst>
+              <a:ext uri="{FF2B5EF4-FFF2-40B4-BE49-F238E27FC236}">
+                <a16:creationId xmlns:a16="http://schemas.microsoft.com/office/drawing/2014/main" id="{330D6772-5550-42D5-B8BC-CDE28365623B}"/>
+              </a:ext>
+              <a:ext uri="{C183D7F6-B498-43B3-948B-1728B52AA6E4}">
+                <adec:decorative xmlns:adec="http://schemas.microsoft.com/office/drawing/2017/decorative" val="1"/>
+              </a:ext>
+            </a:extLst>
+          </p:cNvPr>
+          <p:cNvSpPr>
+            <a:spLocks noGrp="1" noRot="1" noChangeAspect="1" noMove="1" noResize="1" noEditPoints="1" noAdjustHandles="1" noChangeArrowheads="1" noChangeShapeType="1" noTextEdit="1"/>
+          </p:cNvSpPr>
+          <p:nvPr>
+            <p:extLst>
+              <p:ext uri="{386F3935-93C4-4BCD-93E2-E3B085C9AB24}">
+                <p16:designElem xmlns:p16="http://schemas.microsoft.com/office/powerpoint/2015/main" val="1"/>
+              </p:ext>
+            </p:extLst>
+          </p:nvPr>
+        </p:nvSpPr>
+        <p:spPr>
+          <a:xfrm>
+            <a:off x="0" y="-1"/>
+            <a:ext cx="12188952" cy="6858000"/>
+          </a:xfrm>
+          <a:prstGeom prst="rect">
+            <a:avLst/>
+          </a:prstGeom>
+          <a:ln>
+            <a:noFill/>
+          </a:ln>
+        </p:spPr>
+        <p:style>
+          <a:lnRef idx="2">
+            <a:schemeClr val="accent1">
+              <a:shade val="50000"/>
+            </a:schemeClr>
+          </a:lnRef>
+          <a:fillRef idx="1">
+            <a:schemeClr val="accent1"/>
+          </a:fillRef>
+          <a:effectRef idx="0">
+            <a:schemeClr val="accent1"/>
+          </a:effectRef>
+          <a:fontRef idx="minor">
+            <a:schemeClr val="lt1"/>
+          </a:fontRef>
+        </p:style>
+        <p:txBody>
+          <a:bodyPr rtlCol="0" anchor="ctr"/>
+          <a:lstStyle/>
+          <a:p>
+            <a:pPr marL="0" marR="0" lvl="0" indent="0" algn="ctr" defTabSz="914400" rtl="0" eaLnBrk="1" fontAlgn="auto" latinLnBrk="0" hangingPunct="1">
+              <a:lnSpc>
+                <a:spcPct val="100000"/>
+              </a:lnSpc>
+              <a:spcBef>
+                <a:spcPts val="0"/>
+              </a:spcBef>
+              <a:spcAft>
+                <a:spcPts val="0"/>
+              </a:spcAft>
+              <a:buClrTx/>
+              <a:buSzTx/>
+              <a:buFontTx/>
+              <a:buNone/>
+              <a:tabLst/>
+              <a:defRPr/>
+            </a:pPr>
+            <a:endParaRPr kumimoji="0" lang="en-US" sz="1800" b="0" i="0" u="none" strike="noStrike" kern="1200" cap="none" spc="0" normalizeH="0" baseline="0" noProof="0">
+              <a:ln>
+                <a:noFill/>
+              </a:ln>
+              <a:solidFill>
+                <a:prstClr val="white"/>
+              </a:solidFill>
+              <a:effectLst/>
+              <a:uLnTx/>
+              <a:uFillTx/>
+              <a:latin typeface="Calibri" panose="020F0502020204030204"/>
+              <a:ea typeface="+mn-ea"/>
+              <a:cs typeface="+mn-cs"/>
+            </a:endParaRPr>
+          </a:p>
+        </p:txBody>
+      </p:sp>
+      <p:sp>
+        <p:nvSpPr>
+          <p:cNvPr id="14" name="Rectangle 13">
+            <a:extLst>
+              <a:ext uri="{FF2B5EF4-FFF2-40B4-BE49-F238E27FC236}">
+                <a16:creationId xmlns:a16="http://schemas.microsoft.com/office/drawing/2014/main" id="{97DB0DD1-0F30-4B7E-A6DC-3DDA7D5B351C}"/>
               </a:ext>
               <a:ext uri="{C183D7F6-B498-43B3-948B-1728B52AA6E4}">
                 <adec:decorative xmlns:adec="http://schemas.microsoft.com/office/drawing/2017/decorative" val="1"/>
@@ -4449,17 +4650,46 @@
           <a:bodyPr rtlCol="0" anchor="ctr"/>
           <a:lstStyle/>
           <a:p>
-            <a:pPr algn="ctr"/>
-            <a:endParaRPr lang="en-US"/>
+            <a:pPr marL="0" marR="0" lvl="0" indent="0" algn="ctr" defTabSz="914400" rtl="0" eaLnBrk="1" fontAlgn="auto" latinLnBrk="0" hangingPunct="1">
+              <a:lnSpc>
+                <a:spcPct val="100000"/>
+              </a:lnSpc>
+              <a:spcBef>
+                <a:spcPts val="0"/>
+              </a:spcBef>
+              <a:spcAft>
+                <a:spcPts val="0"/>
+              </a:spcAft>
+              <a:buClrTx/>
+              <a:buSzTx/>
+              <a:buFontTx/>
+              <a:buNone/>
+              <a:tabLst/>
+              <a:defRPr/>
+            </a:pPr>
+            <a:endParaRPr kumimoji="0" lang="en-US" sz="1800" b="0" i="0" u="none" strike="noStrike" kern="1200" cap="none" spc="0" normalizeH="0" baseline="0" noProof="0">
+              <a:ln>
+                <a:noFill/>
+              </a:ln>
+              <a:solidFill>
+                <a:srgbClr val="000000"/>
+              </a:solidFill>
+              <a:effectLst/>
+              <a:uLnTx/>
+              <a:uFillTx/>
+              <a:latin typeface="Calibri" panose="020F0502020204030204"/>
+              <a:ea typeface="+mn-ea"/>
+              <a:cs typeface="+mn-cs"/>
+            </a:endParaRPr>
           </a:p>
         </p:txBody>
       </p:sp>
       <p:pic>
         <p:nvPicPr>
-          <p:cNvPr id="5" name="Afbeelding 4" descr="Afbeelding met wiel, speelgoed, band, Schaalmodel&#10;&#10;Door AI gegenereerde inhoud is mogelijk onjuist.">
-            <a:extLst>
-              <a:ext uri="{FF2B5EF4-FFF2-40B4-BE49-F238E27FC236}">
-                <a16:creationId xmlns:a16="http://schemas.microsoft.com/office/drawing/2014/main" id="{C6F596F5-18C6-0F3E-91BE-CE3BA52E9C55}"/>
+          <p:cNvPr id="7" name="Afbeelding 6" descr="Afbeelding met wiel, speelgoed, band, Schaalmodel">
+            <a:extLst>
+              <a:ext uri="{FF2B5EF4-FFF2-40B4-BE49-F238E27FC236}">
+                <a16:creationId xmlns:a16="http://schemas.microsoft.com/office/drawing/2014/main" id="{6BB185BD-8704-2041-D893-DDEB542F4A0F}"/>
               </a:ext>
             </a:extLst>
           </p:cNvPr>
@@ -4470,7 +4700,7 @@
         </p:nvPicPr>
         <p:blipFill>
           <a:blip r:embed="rId2">
-            <a:alphaModFix amt="35000"/>
+            <a:alphaModFix amt="60000"/>
             <a:extLst>
               <a:ext uri="{28A0092B-C50C-407E-A947-70E740481C1C}">
                 <a14:useLocalDpi xmlns:a14="http://schemas.microsoft.com/office/drawing/2010/main" val="0"/>
@@ -4478,12 +4708,14 @@
             </a:extLst>
           </a:blip>
           <a:srcRect/>
-          <a:stretch/>
+          <a:stretch>
+            <a:fillRect/>
+          </a:stretch>
         </p:blipFill>
         <p:spPr>
           <a:xfrm>
-            <a:off x="20" y="10"/>
-            <a:ext cx="12191980" cy="6857990"/>
+            <a:off x="-1" y="10"/>
+            <a:ext cx="12192001" cy="6857990"/>
           </a:xfrm>
           <a:prstGeom prst="rect">
             <a:avLst/>
@@ -4495,7 +4727,7 @@
           <p:cNvPr id="2" name="Titel 1">
             <a:extLst>
               <a:ext uri="{FF2B5EF4-FFF2-40B4-BE49-F238E27FC236}">
-                <a16:creationId xmlns:a16="http://schemas.microsoft.com/office/drawing/2014/main" id="{E657426F-BFF0-1572-7573-52D8DBB0BDFC}"/>
+                <a16:creationId xmlns:a16="http://schemas.microsoft.com/office/drawing/2014/main" id="{06C825B5-1F41-2215-952F-1CDF11EE575D}"/>
               </a:ext>
             </a:extLst>
           </p:cNvPr>
@@ -4508,12 +4740,12 @@
         </p:nvSpPr>
         <p:spPr>
           <a:xfrm>
-            <a:off x="838200" y="365125"/>
-            <a:ext cx="10515600" cy="1325563"/>
+            <a:off x="838199" y="1671569"/>
+            <a:ext cx="4155825" cy="4072044"/>
           </a:xfrm>
         </p:spPr>
         <p:txBody>
-          <a:bodyPr>
+          <a:bodyPr anchor="t">
             <a:normAutofit/>
           </a:bodyPr>
           <a:lstStyle/>
@@ -4524,7 +4756,7 @@
                   <a:srgbClr val="FFFFFF"/>
                 </a:solidFill>
               </a:rPr>
-              <a:t>Inhoud</a:t>
+              <a:t>Raspberry-pi</a:t>
             </a:r>
           </a:p>
         </p:txBody>
@@ -4534,7 +4766,7 @@
           <p:cNvPr id="3" name="Tijdelijke aanduiding voor inhoud 2">
             <a:extLst>
               <a:ext uri="{FF2B5EF4-FFF2-40B4-BE49-F238E27FC236}">
-                <a16:creationId xmlns:a16="http://schemas.microsoft.com/office/drawing/2014/main" id="{11A7B326-49A2-B512-FDF0-716BEDDABD24}"/>
+                <a16:creationId xmlns:a16="http://schemas.microsoft.com/office/drawing/2014/main" id="{9F96BDF3-5084-753A-A940-0A7F28214118}"/>
               </a:ext>
             </a:extLst>
           </p:cNvPr>
@@ -4547,8 +4779,8 @@
         </p:nvSpPr>
         <p:spPr>
           <a:xfrm>
-            <a:off x="838200" y="1825625"/>
-            <a:ext cx="10515600" cy="4351338"/>
+            <a:off x="5186551" y="1671569"/>
+            <a:ext cx="6167248" cy="4072044"/>
           </a:xfrm>
         </p:spPr>
         <p:txBody>
@@ -4558,34 +4790,53 @@
           <a:lstStyle/>
           <a:p>
             <a:r>
-              <a:rPr lang="nl-BE" dirty="0">
+              <a:rPr lang="nl-BE" sz="2000">
                 <a:solidFill>
                   <a:srgbClr val="FFFFFF"/>
                 </a:solidFill>
               </a:rPr>
-              <a:t>Algemene uitleg</a:t>
-            </a:r>
-          </a:p>
-          <a:p>
-            <a:r>
-              <a:rPr lang="nl-BE" dirty="0">
+              <a:t>H-bruggen</a:t>
+            </a:r>
+          </a:p>
+          <a:p>
+            <a:r>
+              <a:rPr lang="nl-BE" sz="2000">
                 <a:solidFill>
                   <a:srgbClr val="FFFFFF"/>
                 </a:solidFill>
               </a:rPr>
-              <a:t>Demo</a:t>
-            </a:r>
-          </a:p>
-          <a:p>
-            <a:r>
-              <a:rPr lang="nl-BE" dirty="0">
-                <a:solidFill>
-                  <a:srgbClr val="FFFFFF"/>
-                </a:solidFill>
-              </a:rPr>
-              <a:t>Hardware</a:t>
-            </a:r>
-          </a:p>
+              <a:t>DC-motoren</a:t>
+            </a:r>
+          </a:p>
+        </p:txBody>
+      </p:sp>
+      <p:sp>
+        <p:nvSpPr>
+          <p:cNvPr id="4" name="Tijdelijke aanduiding voor voettekst 3">
+            <a:extLst>
+              <a:ext uri="{FF2B5EF4-FFF2-40B4-BE49-F238E27FC236}">
+                <a16:creationId xmlns:a16="http://schemas.microsoft.com/office/drawing/2014/main" id="{295D54D3-6E8D-B7C8-4034-876814896BD9}"/>
+              </a:ext>
+            </a:extLst>
+          </p:cNvPr>
+          <p:cNvSpPr>
+            <a:spLocks noGrp="1"/>
+          </p:cNvSpPr>
+          <p:nvPr>
+            <p:ph type="ftr" sz="quarter" idx="11"/>
+          </p:nvPr>
+        </p:nvSpPr>
+        <p:spPr>
+          <a:xfrm>
+            <a:off x="4038600" y="6356350"/>
+            <a:ext cx="4114800" cy="365125"/>
+          </a:xfrm>
+        </p:spPr>
+        <p:txBody>
+          <a:bodyPr>
+            <a:normAutofit/>
+          </a:bodyPr>
+          <a:lstStyle/>
           <a:p>
             <a:r>
               <a:rPr lang="nl-BE" dirty="0">
@@ -4596,93 +4847,88 @@
               <a:t>Software</a:t>
             </a:r>
           </a:p>
-          <a:p>
-            <a:endParaRPr lang="nl-BE" dirty="0">
+        </p:txBody>
+      </p:sp>
+      <p:sp>
+        <p:nvSpPr>
+          <p:cNvPr id="5" name="Tijdelijke aanduiding voor dianummer 4">
+            <a:extLst>
+              <a:ext uri="{FF2B5EF4-FFF2-40B4-BE49-F238E27FC236}">
+                <a16:creationId xmlns:a16="http://schemas.microsoft.com/office/drawing/2014/main" id="{CAC6A70F-972B-2686-35B1-2B71CB8D417F}"/>
+              </a:ext>
+            </a:extLst>
+          </p:cNvPr>
+          <p:cNvSpPr>
+            <a:spLocks noGrp="1"/>
+          </p:cNvSpPr>
+          <p:nvPr>
+            <p:ph type="sldNum" sz="quarter" idx="12"/>
+          </p:nvPr>
+        </p:nvSpPr>
+        <p:spPr>
+          <a:xfrm>
+            <a:off x="8610600" y="6356350"/>
+            <a:ext cx="2743200" cy="365125"/>
+          </a:xfrm>
+        </p:spPr>
+        <p:txBody>
+          <a:bodyPr>
+            <a:normAutofit/>
+          </a:bodyPr>
+          <a:lstStyle/>
+          <a:p>
+            <a:pPr>
+              <a:spcAft>
+                <a:spcPts val="600"/>
+              </a:spcAft>
+            </a:pPr>
+            <a:fld id="{CF769C61-EDDB-4958-A626-BA0E0F3C6BBE}" type="slidenum">
+              <a:rPr lang="nl-BE">
+                <a:solidFill>
+                  <a:srgbClr val="FFFFFF"/>
+                </a:solidFill>
+              </a:rPr>
+              <a:pPr>
+                <a:spcAft>
+                  <a:spcPts val="600"/>
+                </a:spcAft>
+              </a:pPr>
+              <a:t>10</a:t>
+            </a:fld>
+            <a:endParaRPr lang="nl-BE">
               <a:solidFill>
                 <a:srgbClr val="FFFFFF"/>
               </a:solidFill>
             </a:endParaRPr>
           </a:p>
-          <a:p>
-            <a:endParaRPr lang="nl-BE" dirty="0">
-              <a:solidFill>
-                <a:srgbClr val="FFFFFF"/>
-              </a:solidFill>
-            </a:endParaRPr>
-          </a:p>
-        </p:txBody>
-      </p:sp>
-      <p:sp>
-        <p:nvSpPr>
-          <p:cNvPr id="7" name="Tijdelijke aanduiding voor dianummer 6">
-            <a:extLst>
-              <a:ext uri="{FF2B5EF4-FFF2-40B4-BE49-F238E27FC236}">
-                <a16:creationId xmlns:a16="http://schemas.microsoft.com/office/drawing/2014/main" id="{22E3C48A-13DA-7D33-CB31-8DA206A087EB}"/>
-              </a:ext>
-            </a:extLst>
-          </p:cNvPr>
-          <p:cNvSpPr>
-            <a:spLocks noGrp="1"/>
-          </p:cNvSpPr>
-          <p:nvPr>
-            <p:ph type="sldNum" sz="quarter" idx="12"/>
-          </p:nvPr>
-        </p:nvSpPr>
-        <p:spPr/>
-        <p:txBody>
-          <a:bodyPr/>
-          <a:lstStyle/>
-          <a:p>
-            <a:fld id="{CF769C61-EDDB-4958-A626-BA0E0F3C6BBE}" type="slidenum">
-              <a:rPr lang="nl-BE" smtClean="0"/>
-              <a:t>2</a:t>
-            </a:fld>
-            <a:endParaRPr lang="nl-BE"/>
-          </a:p>
-        </p:txBody>
-      </p:sp>
-      <p:sp>
-        <p:nvSpPr>
-          <p:cNvPr id="4" name="Tijdelijke aanduiding voor voettekst 3">
-            <a:extLst>
-              <a:ext uri="{FF2B5EF4-FFF2-40B4-BE49-F238E27FC236}">
-                <a16:creationId xmlns:a16="http://schemas.microsoft.com/office/drawing/2014/main" id="{C275525B-AEBF-7F6D-9C7F-0FABFB19558E}"/>
-              </a:ext>
-            </a:extLst>
-          </p:cNvPr>
-          <p:cNvSpPr>
-            <a:spLocks noGrp="1"/>
-          </p:cNvSpPr>
-          <p:nvPr>
-            <p:ph type="ftr" sz="quarter" idx="11"/>
-          </p:nvPr>
-        </p:nvSpPr>
-        <p:spPr/>
-        <p:txBody>
-          <a:bodyPr/>
-          <a:lstStyle/>
-          <a:p>
-            <a:r>
-              <a:rPr lang="nl-BE" dirty="0"/>
-              <a:t>Inhoud</a:t>
-            </a:r>
-          </a:p>
         </p:txBody>
       </p:sp>
     </p:spTree>
     <p:extLst>
       <p:ext uri="{BB962C8B-B14F-4D97-AF65-F5344CB8AC3E}">
-        <p14:creationId xmlns:p14="http://schemas.microsoft.com/office/powerpoint/2010/main" val="1157252764"/>
+        <p14:creationId xmlns:p14="http://schemas.microsoft.com/office/powerpoint/2010/main" val="1744645325"/>
       </p:ext>
     </p:extLst>
   </p:cSld>
   <p:clrMapOvr>
-    <a:overrideClrMapping bg1="dk1" tx1="lt1" bg2="dk2" tx2="lt2" accent1="accent1" accent2="accent2" accent3="accent3" accent4="accent4" accent5="accent5" accent6="accent6" hlink="hlink" folHlink="folHlink"/>
+    <a:masterClrMapping/>
   </p:clrMapOvr>
+  <mc:AlternateContent xmlns:mc="http://schemas.openxmlformats.org/markup-compatibility/2006">
+    <mc:Choice xmlns:p14="http://schemas.microsoft.com/office/powerpoint/2010/main" Requires="p14">
+      <p:transition spd="med" p14:dur="700">
+        <p:fade/>
+      </p:transition>
+    </mc:Choice>
+    <mc:Fallback>
+      <p:transition spd="med">
+        <p:fade/>
+      </p:transition>
+    </mc:Fallback>
+  </mc:AlternateContent>
 </p:sld>
 </file>
 
-<file path=ppt/slides/slide3.xml><?xml version="1.0" encoding="utf-8"?>
+<file path=ppt/slides/slide11.xml><?xml version="1.0" encoding="utf-8"?>
 <p:sld xmlns:a="http://schemas.openxmlformats.org/drawingml/2006/main" xmlns:r="http://schemas.openxmlformats.org/officeDocument/2006/relationships" xmlns:p="http://schemas.openxmlformats.org/presentationml/2006/main">
   <p:cSld>
     <p:bg>
@@ -4709,7 +4955,7 @@
       </p:grpSpPr>
       <p:sp>
         <p:nvSpPr>
-          <p:cNvPr id="11" name="Rectangle 10">
+          <p:cNvPr id="12" name="Rectangle 11">
             <a:extLst>
               <a:ext uri="{FF2B5EF4-FFF2-40B4-BE49-F238E27FC236}">
                 <a16:creationId xmlns:a16="http://schemas.microsoft.com/office/drawing/2014/main" id="{9228552E-C8B1-4A80-8448-0787CE0FC704}"/>
@@ -4772,10 +5018,10 @@
       </p:sp>
       <p:pic>
         <p:nvPicPr>
-          <p:cNvPr id="6" name="Afbeelding 5" descr="Afbeelding met wiel, speelgoed, band, Schaalmodel&#10;&#10;Door AI gegenereerde inhoud is mogelijk onjuist.">
-            <a:extLst>
-              <a:ext uri="{FF2B5EF4-FFF2-40B4-BE49-F238E27FC236}">
-                <a16:creationId xmlns:a16="http://schemas.microsoft.com/office/drawing/2014/main" id="{C714F390-A57B-567F-553A-8B3A5C5F9F6F}"/>
+          <p:cNvPr id="7" name="Afbeelding 6" descr="Afbeelding met wiel, speelgoed, band, Schaalmodel&#10;&#10;Door AI gegenereerde inhoud is mogelijk onjuist.">
+            <a:extLst>
+              <a:ext uri="{FF2B5EF4-FFF2-40B4-BE49-F238E27FC236}">
+                <a16:creationId xmlns:a16="http://schemas.microsoft.com/office/drawing/2014/main" id="{2FCAF7F1-58E8-A9D6-4857-4F4F68856BC6}"/>
               </a:ext>
             </a:extLst>
           </p:cNvPr>
@@ -4813,7 +5059,7 @@
           <p:cNvPr id="2" name="Titel 1">
             <a:extLst>
               <a:ext uri="{FF2B5EF4-FFF2-40B4-BE49-F238E27FC236}">
-                <a16:creationId xmlns:a16="http://schemas.microsoft.com/office/drawing/2014/main" id="{0BA7CB16-7758-B924-26DB-EAAD856F9001}"/>
+                <a16:creationId xmlns:a16="http://schemas.microsoft.com/office/drawing/2014/main" id="{B1E09D67-DBE7-8B54-8C1F-E9D9CA3D84BE}"/>
               </a:ext>
             </a:extLst>
           </p:cNvPr>
@@ -4842,7 +5088,7 @@
                   <a:srgbClr val="FFFFFF"/>
                 </a:solidFill>
               </a:rPr>
-              <a:t>De werking</a:t>
+              <a:t>Website</a:t>
             </a:r>
           </a:p>
         </p:txBody>
@@ -4852,7 +5098,7 @@
           <p:cNvPr id="3" name="Tijdelijke aanduiding voor inhoud 2">
             <a:extLst>
               <a:ext uri="{FF2B5EF4-FFF2-40B4-BE49-F238E27FC236}">
-                <a16:creationId xmlns:a16="http://schemas.microsoft.com/office/drawing/2014/main" id="{263FFF7D-B274-90BD-DC66-C08D36DCAC0F}"/>
+                <a16:creationId xmlns:a16="http://schemas.microsoft.com/office/drawing/2014/main" id="{AF85832B-89D0-1109-9775-C6272C565C70}"/>
               </a:ext>
             </a:extLst>
           </p:cNvPr>
@@ -4881,17 +5127,21 @@
                   <a:srgbClr val="FFFFFF"/>
                 </a:solidFill>
               </a:rPr>
-              <a:t>Raspberry-pi</a:t>
-            </a:r>
-          </a:p>
-          <a:p>
+              <a:t>Waarom?</a:t>
+            </a:r>
+          </a:p>
+          <a:p>
+            <a:pPr lvl="1">
+              <a:buFont typeface="Courier New" panose="02070309020205020404" pitchFamily="49" charset="0"/>
+              <a:buChar char="o"/>
+            </a:pPr>
             <a:r>
               <a:rPr lang="nl-BE">
                 <a:solidFill>
                   <a:srgbClr val="FFFFFF"/>
                 </a:solidFill>
               </a:rPr>
-              <a:t>WiFi</a:t>
+              <a:t>Uitleg geven over robot</a:t>
             </a:r>
           </a:p>
           <a:p>
@@ -4901,17 +5151,35 @@
                   <a:srgbClr val="FFFFFF"/>
                 </a:solidFill>
               </a:rPr>
-              <a:t>Microcontroller</a:t>
-            </a:r>
-          </a:p>
-          <a:p>
+              <a:t>Programmeertaal</a:t>
+            </a:r>
+          </a:p>
+          <a:p>
+            <a:pPr lvl="1">
+              <a:buFont typeface="Courier New" panose="02070309020205020404" pitchFamily="49" charset="0"/>
+              <a:buChar char="o"/>
+            </a:pPr>
             <a:r>
               <a:rPr lang="nl-BE">
                 <a:solidFill>
                   <a:srgbClr val="FFFFFF"/>
                 </a:solidFill>
               </a:rPr>
-              <a:t>Dashboard</a:t>
+              <a:t>HTML</a:t>
+            </a:r>
+          </a:p>
+          <a:p>
+            <a:pPr lvl="1">
+              <a:buFont typeface="Courier New" panose="02070309020205020404" pitchFamily="49" charset="0"/>
+              <a:buChar char="o"/>
+            </a:pPr>
+            <a:r>
+              <a:rPr lang="nl-BE">
+                <a:solidFill>
+                  <a:srgbClr val="FFFFFF"/>
+                </a:solidFill>
+              </a:rPr>
+              <a:t>CSS</a:t>
             </a:r>
           </a:p>
           <a:p>
@@ -4921,21 +5189,53 @@
               </a:solidFill>
             </a:endParaRPr>
           </a:p>
-          <a:p>
-            <a:endParaRPr lang="nl-BE">
-              <a:solidFill>
-                <a:srgbClr val="FFFFFF"/>
-              </a:solidFill>
-            </a:endParaRPr>
-          </a:p>
-        </p:txBody>
-      </p:sp>
-      <p:sp>
-        <p:nvSpPr>
-          <p:cNvPr id="4" name="Tijdelijke aanduiding voor dianummer 3">
-            <a:extLst>
-              <a:ext uri="{FF2B5EF4-FFF2-40B4-BE49-F238E27FC236}">
-                <a16:creationId xmlns:a16="http://schemas.microsoft.com/office/drawing/2014/main" id="{DE7B21B7-9C61-2F4A-575F-5B86AA93DA3B}"/>
+        </p:txBody>
+      </p:sp>
+      <p:sp>
+        <p:nvSpPr>
+          <p:cNvPr id="4" name="Tijdelijke aanduiding voor voettekst 3">
+            <a:extLst>
+              <a:ext uri="{FF2B5EF4-FFF2-40B4-BE49-F238E27FC236}">
+                <a16:creationId xmlns:a16="http://schemas.microsoft.com/office/drawing/2014/main" id="{ED3A6253-2723-0083-B389-553B856DE705}"/>
+              </a:ext>
+            </a:extLst>
+          </p:cNvPr>
+          <p:cNvSpPr>
+            <a:spLocks noGrp="1"/>
+          </p:cNvSpPr>
+          <p:nvPr>
+            <p:ph type="ftr" sz="quarter" idx="11"/>
+          </p:nvPr>
+        </p:nvSpPr>
+        <p:spPr>
+          <a:xfrm>
+            <a:off x="4038600" y="6356350"/>
+            <a:ext cx="4114800" cy="365125"/>
+          </a:xfrm>
+        </p:spPr>
+        <p:txBody>
+          <a:bodyPr>
+            <a:normAutofit/>
+          </a:bodyPr>
+          <a:lstStyle/>
+          <a:p>
+            <a:r>
+              <a:rPr lang="nl-BE" dirty="0">
+                <a:solidFill>
+                  <a:srgbClr val="FFFFFF"/>
+                </a:solidFill>
+              </a:rPr>
+              <a:t>Extra</a:t>
+            </a:r>
+          </a:p>
+        </p:txBody>
+      </p:sp>
+      <p:sp>
+        <p:nvSpPr>
+          <p:cNvPr id="5" name="Tijdelijke aanduiding voor dianummer 4">
+            <a:extLst>
+              <a:ext uri="{FF2B5EF4-FFF2-40B4-BE49-F238E27FC236}">
+                <a16:creationId xmlns:a16="http://schemas.microsoft.com/office/drawing/2014/main" id="{2E5275C4-923E-0A92-983C-6D00DE4E4ECF}"/>
               </a:ext>
             </a:extLst>
           </p:cNvPr>
@@ -4974,7 +5274,7 @@
                   <a:spcPts val="600"/>
                 </a:spcAft>
               </a:pPr>
-              <a:t>3</a:t>
+              <a:t>11</a:t>
             </a:fld>
             <a:endParaRPr lang="nl-BE">
               <a:solidFill>
@@ -4984,48 +5284,628 @@
           </a:p>
         </p:txBody>
       </p:sp>
-      <p:sp>
-        <p:nvSpPr>
-          <p:cNvPr id="7" name="Tijdelijke aanduiding voor voettekst 6">
-            <a:extLst>
-              <a:ext uri="{FF2B5EF4-FFF2-40B4-BE49-F238E27FC236}">
-                <a16:creationId xmlns:a16="http://schemas.microsoft.com/office/drawing/2014/main" id="{1532075D-D358-4426-240B-6282E847913E}"/>
-              </a:ext>
-            </a:extLst>
-          </p:cNvPr>
-          <p:cNvSpPr>
-            <a:spLocks noGrp="1"/>
-          </p:cNvSpPr>
-          <p:nvPr>
-            <p:ph type="ftr" sz="quarter" idx="11"/>
-          </p:nvPr>
-        </p:nvSpPr>
-        <p:spPr/>
-        <p:txBody>
-          <a:bodyPr/>
-          <a:lstStyle/>
-          <a:p>
-            <a:r>
-              <a:rPr lang="nl-BE" dirty="0"/>
-              <a:t>Algemene werking</a:t>
-            </a:r>
-          </a:p>
-        </p:txBody>
-      </p:sp>
     </p:spTree>
     <p:extLst>
       <p:ext uri="{BB962C8B-B14F-4D97-AF65-F5344CB8AC3E}">
-        <p14:creationId xmlns:p14="http://schemas.microsoft.com/office/powerpoint/2010/main" val="3841951322"/>
+        <p14:creationId xmlns:p14="http://schemas.microsoft.com/office/powerpoint/2010/main" val="3898959155"/>
       </p:ext>
     </p:extLst>
   </p:cSld>
   <p:clrMapOvr>
     <a:overrideClrMapping bg1="dk1" tx1="lt1" bg2="dk2" tx2="lt2" accent1="accent1" accent2="accent2" accent3="accent3" accent4="accent4" accent5="accent5" accent6="accent6" hlink="hlink" folHlink="folHlink"/>
   </p:clrMapOvr>
+  <mc:AlternateContent xmlns:mc="http://schemas.openxmlformats.org/markup-compatibility/2006">
+    <mc:Choice xmlns:p14="http://schemas.microsoft.com/office/powerpoint/2010/main" Requires="p14">
+      <p:transition spd="med" p14:dur="700">
+        <p:fade/>
+      </p:transition>
+    </mc:Choice>
+    <mc:Fallback>
+      <p:transition spd="med">
+        <p:fade/>
+      </p:transition>
+    </mc:Fallback>
+  </mc:AlternateContent>
 </p:sld>
 </file>
 
-<file path=ppt/slides/slide4.xml><?xml version="1.0" encoding="utf-8"?>
+<file path=ppt/slides/slide12.xml><?xml version="1.0" encoding="utf-8"?>
+<p:sld xmlns:a="http://schemas.openxmlformats.org/drawingml/2006/main" xmlns:r="http://schemas.openxmlformats.org/officeDocument/2006/relationships" xmlns:p="http://schemas.openxmlformats.org/presentationml/2006/main">
+  <p:cSld>
+    <p:bg>
+      <p:bgPr>
+        <a:solidFill>
+          <a:srgbClr val="000000"/>
+        </a:solidFill>
+        <a:effectLst/>
+      </p:bgPr>
+    </p:bg>
+    <p:spTree>
+      <p:nvGrpSpPr>
+        <p:cNvPr id="1" name=""/>
+        <p:cNvGrpSpPr/>
+        <p:nvPr/>
+      </p:nvGrpSpPr>
+      <p:grpSpPr>
+        <a:xfrm>
+          <a:off x="0" y="0"/>
+          <a:ext cx="0" cy="0"/>
+          <a:chOff x="0" y="0"/>
+          <a:chExt cx="0" cy="0"/>
+        </a:xfrm>
+      </p:grpSpPr>
+      <p:sp>
+        <p:nvSpPr>
+          <p:cNvPr id="12" name="Rectangle 11">
+            <a:extLst>
+              <a:ext uri="{FF2B5EF4-FFF2-40B4-BE49-F238E27FC236}">
+                <a16:creationId xmlns:a16="http://schemas.microsoft.com/office/drawing/2014/main" id="{71B2258F-86CA-4D4D-8270-BC05FCDEBFB3}"/>
+              </a:ext>
+              <a:ext uri="{C183D7F6-B498-43B3-948B-1728B52AA6E4}">
+                <adec:decorative xmlns:adec="http://schemas.microsoft.com/office/drawing/2017/decorative" val="1"/>
+              </a:ext>
+            </a:extLst>
+          </p:cNvPr>
+          <p:cNvSpPr>
+            <a:spLocks noGrp="1" noRot="1" noChangeAspect="1" noMove="1" noResize="1" noEditPoints="1" noAdjustHandles="1" noChangeArrowheads="1" noChangeShapeType="1" noTextEdit="1"/>
+          </p:cNvSpPr>
+          <p:nvPr>
+            <p:extLst>
+              <p:ext uri="{386F3935-93C4-4BCD-93E2-E3B085C9AB24}">
+                <p16:designElem xmlns:p16="http://schemas.microsoft.com/office/powerpoint/2015/main" val="1"/>
+              </p:ext>
+            </p:extLst>
+          </p:nvPr>
+        </p:nvSpPr>
+        <p:spPr>
+          <a:xfrm>
+            <a:off x="0" y="0"/>
+            <a:ext cx="12192000" cy="6857999"/>
+          </a:xfrm>
+          <a:prstGeom prst="rect">
+            <a:avLst/>
+          </a:prstGeom>
+          <a:solidFill>
+            <a:srgbClr val="000000"/>
+          </a:solidFill>
+          <a:ln>
+            <a:noFill/>
+          </a:ln>
+        </p:spPr>
+        <p:style>
+          <a:lnRef idx="2">
+            <a:schemeClr val="accent1">
+              <a:shade val="50000"/>
+            </a:schemeClr>
+          </a:lnRef>
+          <a:fillRef idx="1">
+            <a:schemeClr val="accent1"/>
+          </a:fillRef>
+          <a:effectRef idx="0">
+            <a:schemeClr val="accent1"/>
+          </a:effectRef>
+          <a:fontRef idx="minor">
+            <a:schemeClr val="lt1"/>
+          </a:fontRef>
+        </p:style>
+        <p:txBody>
+          <a:bodyPr rtlCol="0" anchor="ctr"/>
+          <a:lstStyle/>
+          <a:p>
+            <a:pPr algn="ctr"/>
+            <a:endParaRPr lang="en-US"/>
+          </a:p>
+        </p:txBody>
+      </p:sp>
+      <p:pic>
+        <p:nvPicPr>
+          <p:cNvPr id="7" name="Afbeelding 6" descr="Afbeelding met wiel, speelgoed, band, Schaalmodel">
+            <a:extLst>
+              <a:ext uri="{FF2B5EF4-FFF2-40B4-BE49-F238E27FC236}">
+                <a16:creationId xmlns:a16="http://schemas.microsoft.com/office/drawing/2014/main" id="{D5E9569F-6545-7911-8A56-79FBAA6E6A99}"/>
+              </a:ext>
+            </a:extLst>
+          </p:cNvPr>
+          <p:cNvPicPr>
+            <a:picLocks noChangeAspect="1"/>
+          </p:cNvPicPr>
+          <p:nvPr/>
+        </p:nvPicPr>
+        <p:blipFill>
+          <a:blip r:embed="rId2">
+            <a:alphaModFix amt="50000"/>
+            <a:extLst>
+              <a:ext uri="{28A0092B-C50C-407E-A947-70E740481C1C}">
+                <a14:useLocalDpi xmlns:a14="http://schemas.microsoft.com/office/drawing/2010/main" val="0"/>
+              </a:ext>
+            </a:extLst>
+          </a:blip>
+          <a:srcRect/>
+          <a:stretch>
+            <a:fillRect/>
+          </a:stretch>
+        </p:blipFill>
+        <p:spPr>
+          <a:xfrm>
+            <a:off x="20" y="1"/>
+            <a:ext cx="12191980" cy="6857999"/>
+          </a:xfrm>
+          <a:prstGeom prst="rect">
+            <a:avLst/>
+          </a:prstGeom>
+        </p:spPr>
+      </p:pic>
+      <p:sp>
+        <p:nvSpPr>
+          <p:cNvPr id="2" name="Titel 1">
+            <a:extLst>
+              <a:ext uri="{FF2B5EF4-FFF2-40B4-BE49-F238E27FC236}">
+                <a16:creationId xmlns:a16="http://schemas.microsoft.com/office/drawing/2014/main" id="{8B86BA1F-360B-8053-5AE0-6C35A24D1511}"/>
+              </a:ext>
+            </a:extLst>
+          </p:cNvPr>
+          <p:cNvSpPr>
+            <a:spLocks noGrp="1"/>
+          </p:cNvSpPr>
+          <p:nvPr>
+            <p:ph type="title"/>
+          </p:nvPr>
+        </p:nvSpPr>
+        <p:spPr>
+          <a:xfrm>
+            <a:off x="1524000" y="1122362"/>
+            <a:ext cx="9144000" cy="2900518"/>
+          </a:xfrm>
+        </p:spPr>
+        <p:txBody>
+          <a:bodyPr vert="horz" lIns="91440" tIns="45720" rIns="91440" bIns="45720" rtlCol="0" anchor="b">
+            <a:normAutofit/>
+          </a:bodyPr>
+          <a:lstStyle/>
+          <a:p>
+            <a:pPr algn="ctr"/>
+            <a:r>
+              <a:rPr lang="en-US" sz="6000" dirty="0" err="1">
+                <a:solidFill>
+                  <a:srgbClr val="FFFFFF"/>
+                </a:solidFill>
+              </a:rPr>
+              <a:t>Einde</a:t>
+            </a:r>
+            <a:endParaRPr lang="en-US" sz="6000" dirty="0">
+              <a:solidFill>
+                <a:srgbClr val="FFFFFF"/>
+              </a:solidFill>
+            </a:endParaRPr>
+          </a:p>
+        </p:txBody>
+      </p:sp>
+      <p:sp>
+        <p:nvSpPr>
+          <p:cNvPr id="3" name="Tijdelijke aanduiding voor inhoud 2">
+            <a:extLst>
+              <a:ext uri="{FF2B5EF4-FFF2-40B4-BE49-F238E27FC236}">
+                <a16:creationId xmlns:a16="http://schemas.microsoft.com/office/drawing/2014/main" id="{38785E8D-D7B0-5680-9F28-0D7E13AC86E4}"/>
+              </a:ext>
+            </a:extLst>
+          </p:cNvPr>
+          <p:cNvSpPr>
+            <a:spLocks noGrp="1"/>
+          </p:cNvSpPr>
+          <p:nvPr>
+            <p:ph idx="1"/>
+          </p:nvPr>
+        </p:nvSpPr>
+        <p:spPr>
+          <a:xfrm>
+            <a:off x="1524000" y="4159404"/>
+            <a:ext cx="9144000" cy="1098395"/>
+          </a:xfrm>
+        </p:spPr>
+        <p:txBody>
+          <a:bodyPr vert="horz" lIns="91440" tIns="45720" rIns="91440" bIns="45720" rtlCol="0">
+            <a:normAutofit/>
+          </a:bodyPr>
+          <a:lstStyle/>
+          <a:p>
+            <a:pPr marL="0" indent="0" algn="ctr">
+              <a:buNone/>
+            </a:pPr>
+            <a:r>
+              <a:rPr lang="en-US" sz="2400" dirty="0" err="1">
+                <a:solidFill>
+                  <a:srgbClr val="FFFFFF"/>
+                </a:solidFill>
+              </a:rPr>
+              <a:t>Zijn</a:t>
+            </a:r>
+            <a:r>
+              <a:rPr lang="en-US" sz="2400" dirty="0">
+                <a:solidFill>
+                  <a:srgbClr val="FFFFFF"/>
+                </a:solidFill>
+              </a:rPr>
+              <a:t> er </a:t>
+            </a:r>
+            <a:r>
+              <a:rPr lang="en-US" sz="2400" dirty="0" err="1">
+                <a:solidFill>
+                  <a:srgbClr val="FFFFFF"/>
+                </a:solidFill>
+              </a:rPr>
+              <a:t>nog</a:t>
+            </a:r>
+            <a:r>
+              <a:rPr lang="en-US" sz="2400" dirty="0">
+                <a:solidFill>
+                  <a:srgbClr val="FFFFFF"/>
+                </a:solidFill>
+              </a:rPr>
+              <a:t> </a:t>
+            </a:r>
+            <a:r>
+              <a:rPr lang="en-US" sz="2400" dirty="0" err="1">
+                <a:solidFill>
+                  <a:srgbClr val="FFFFFF"/>
+                </a:solidFill>
+              </a:rPr>
+              <a:t>vragen</a:t>
+            </a:r>
+            <a:r>
+              <a:rPr lang="en-US" sz="2400" dirty="0">
+                <a:solidFill>
+                  <a:srgbClr val="FFFFFF"/>
+                </a:solidFill>
+              </a:rPr>
+              <a:t>?</a:t>
+            </a:r>
+          </a:p>
+        </p:txBody>
+      </p:sp>
+      <p:sp>
+        <p:nvSpPr>
+          <p:cNvPr id="4" name="Tijdelijke aanduiding voor voettekst 3">
+            <a:extLst>
+              <a:ext uri="{FF2B5EF4-FFF2-40B4-BE49-F238E27FC236}">
+                <a16:creationId xmlns:a16="http://schemas.microsoft.com/office/drawing/2014/main" id="{CE5F77B0-7490-9193-423E-DE9CF91AF79D}"/>
+              </a:ext>
+            </a:extLst>
+          </p:cNvPr>
+          <p:cNvSpPr>
+            <a:spLocks noGrp="1"/>
+          </p:cNvSpPr>
+          <p:nvPr>
+            <p:ph type="ftr" sz="quarter" idx="11"/>
+          </p:nvPr>
+        </p:nvSpPr>
+        <p:spPr>
+          <a:xfrm>
+            <a:off x="4038600" y="6356350"/>
+            <a:ext cx="4114800" cy="365125"/>
+          </a:xfrm>
+        </p:spPr>
+        <p:txBody>
+          <a:bodyPr vert="horz" lIns="91440" tIns="45720" rIns="91440" bIns="45720" rtlCol="0" anchor="ctr">
+            <a:normAutofit/>
+          </a:bodyPr>
+          <a:lstStyle/>
+          <a:p>
+            <a:pPr>
+              <a:defRPr/>
+            </a:pPr>
+            <a:r>
+              <a:rPr lang="en-US" kern="1200" dirty="0" err="1">
+                <a:solidFill>
+                  <a:srgbClr val="FFFFFF"/>
+                </a:solidFill>
+                <a:latin typeface="Calibri" panose="020F0502020204030204"/>
+                <a:ea typeface="+mn-ea"/>
+                <a:cs typeface="+mn-cs"/>
+              </a:rPr>
+              <a:t>Afsluiter</a:t>
+            </a:r>
+            <a:endParaRPr lang="en-US" kern="1200" dirty="0">
+              <a:solidFill>
+                <a:srgbClr val="FFFFFF"/>
+              </a:solidFill>
+              <a:latin typeface="Calibri" panose="020F0502020204030204"/>
+              <a:ea typeface="+mn-ea"/>
+              <a:cs typeface="+mn-cs"/>
+            </a:endParaRPr>
+          </a:p>
+        </p:txBody>
+      </p:sp>
+      <p:sp>
+        <p:nvSpPr>
+          <p:cNvPr id="5" name="Tijdelijke aanduiding voor dianummer 4">
+            <a:extLst>
+              <a:ext uri="{FF2B5EF4-FFF2-40B4-BE49-F238E27FC236}">
+                <a16:creationId xmlns:a16="http://schemas.microsoft.com/office/drawing/2014/main" id="{6858B3D6-4257-82F2-B062-FC49355323F5}"/>
+              </a:ext>
+            </a:extLst>
+          </p:cNvPr>
+          <p:cNvSpPr>
+            <a:spLocks noGrp="1"/>
+          </p:cNvSpPr>
+          <p:nvPr>
+            <p:ph type="sldNum" sz="quarter" idx="12"/>
+          </p:nvPr>
+        </p:nvSpPr>
+        <p:spPr>
+          <a:xfrm>
+            <a:off x="8610600" y="6356350"/>
+            <a:ext cx="2743200" cy="365125"/>
+          </a:xfrm>
+        </p:spPr>
+        <p:txBody>
+          <a:bodyPr vert="horz" lIns="91440" tIns="45720" rIns="91440" bIns="45720" rtlCol="0" anchor="ctr">
+            <a:normAutofit/>
+          </a:bodyPr>
+          <a:lstStyle/>
+          <a:p>
+            <a:pPr>
+              <a:spcAft>
+                <a:spcPts val="600"/>
+              </a:spcAft>
+              <a:defRPr/>
+            </a:pPr>
+            <a:fld id="{CF769C61-EDDB-4958-A626-BA0E0F3C6BBE}" type="slidenum">
+              <a:rPr lang="en-US">
+                <a:solidFill>
+                  <a:srgbClr val="FFFFFF"/>
+                </a:solidFill>
+                <a:latin typeface="Calibri" panose="020F0502020204030204"/>
+              </a:rPr>
+              <a:pPr>
+                <a:spcAft>
+                  <a:spcPts val="600"/>
+                </a:spcAft>
+                <a:defRPr/>
+              </a:pPr>
+              <a:t>12</a:t>
+            </a:fld>
+            <a:endParaRPr lang="en-US">
+              <a:solidFill>
+                <a:srgbClr val="FFFFFF"/>
+              </a:solidFill>
+              <a:latin typeface="Calibri" panose="020F0502020204030204"/>
+            </a:endParaRPr>
+          </a:p>
+        </p:txBody>
+      </p:sp>
+    </p:spTree>
+    <p:extLst>
+      <p:ext uri="{BB962C8B-B14F-4D97-AF65-F5344CB8AC3E}">
+        <p14:creationId xmlns:p14="http://schemas.microsoft.com/office/powerpoint/2010/main" val="1322337779"/>
+      </p:ext>
+    </p:extLst>
+  </p:cSld>
+  <p:clrMapOvr>
+    <a:overrideClrMapping bg1="dk1" tx1="lt1" bg2="dk2" tx2="lt2" accent1="accent1" accent2="accent2" accent3="accent3" accent4="accent4" accent5="accent5" accent6="accent6" hlink="hlink" folHlink="folHlink"/>
+  </p:clrMapOvr>
+  <mc:AlternateContent xmlns:mc="http://schemas.openxmlformats.org/markup-compatibility/2006">
+    <mc:Choice xmlns:p14="http://schemas.microsoft.com/office/powerpoint/2010/main" Requires="p14">
+      <p:transition spd="med" p14:dur="700">
+        <p:fade/>
+      </p:transition>
+    </mc:Choice>
+    <mc:Fallback>
+      <p:transition spd="med">
+        <p:fade/>
+      </p:transition>
+    </mc:Fallback>
+  </mc:AlternateContent>
+  <p:timing>
+    <p:tnLst>
+      <p:par>
+        <p:cTn id="1" dur="indefinite" restart="never" nodeType="tmRoot">
+          <p:childTnLst>
+            <p:seq concurrent="1" nextAc="seek">
+              <p:cTn id="2" dur="indefinite" nodeType="mainSeq">
+                <p:childTnLst>
+                  <p:par>
+                    <p:cTn id="3" fill="hold">
+                      <p:stCondLst>
+                        <p:cond delay="indefinite"/>
+                        <p:cond evt="onBegin" delay="0">
+                          <p:tn val="2"/>
+                        </p:cond>
+                      </p:stCondLst>
+                      <p:childTnLst>
+                        <p:par>
+                          <p:cTn id="4" fill="hold">
+                            <p:stCondLst>
+                              <p:cond delay="0"/>
+                            </p:stCondLst>
+                            <p:childTnLst>
+                              <p:par>
+                                <p:cTn id="5" presetID="10" presetClass="entr" presetSubtype="0" fill="hold" grpId="0" nodeType="withEffect">
+                                  <p:stCondLst>
+                                    <p:cond delay="1000"/>
+                                  </p:stCondLst>
+                                  <p:iterate>
+                                    <p:tmPct val="10000"/>
+                                  </p:iterate>
+                                  <p:childTnLst>
+                                    <p:set>
+                                      <p:cBhvr>
+                                        <p:cTn id="6" dur="1" fill="hold">
+                                          <p:stCondLst>
+                                            <p:cond delay="0"/>
+                                          </p:stCondLst>
+                                        </p:cTn>
+                                        <p:tgtEl>
+                                          <p:spTgt spid="2"/>
+                                        </p:tgtEl>
+                                        <p:attrNameLst>
+                                          <p:attrName>style.visibility</p:attrName>
+                                        </p:attrNameLst>
+                                      </p:cBhvr>
+                                      <p:to>
+                                        <p:strVal val="visible"/>
+                                      </p:to>
+                                    </p:set>
+                                    <p:animEffect transition="in" filter="fade">
+                                      <p:cBhvr>
+                                        <p:cTn id="7" dur="700"/>
+                                        <p:tgtEl>
+                                          <p:spTgt spid="2"/>
+                                        </p:tgtEl>
+                                      </p:cBhvr>
+                                    </p:animEffect>
+                                  </p:childTnLst>
+                                </p:cTn>
+                              </p:par>
+                            </p:childTnLst>
+                          </p:cTn>
+                        </p:par>
+                      </p:childTnLst>
+                    </p:cTn>
+                  </p:par>
+                  <p:par>
+                    <p:cTn id="8" fill="hold">
+                      <p:stCondLst>
+                        <p:cond delay="indefinite"/>
+                      </p:stCondLst>
+                      <p:childTnLst>
+                        <p:par>
+                          <p:cTn id="9" fill="hold">
+                            <p:stCondLst>
+                              <p:cond delay="0"/>
+                            </p:stCondLst>
+                            <p:childTnLst>
+                              <p:par>
+                                <p:cTn id="10" presetID="45" presetClass="entr" presetSubtype="0" fill="hold" nodeType="clickEffect">
+                                  <p:stCondLst>
+                                    <p:cond delay="0"/>
+                                  </p:stCondLst>
+                                  <p:childTnLst>
+                                    <p:set>
+                                      <p:cBhvr>
+                                        <p:cTn id="11" dur="1" fill="hold">
+                                          <p:stCondLst>
+                                            <p:cond delay="0"/>
+                                          </p:stCondLst>
+                                        </p:cTn>
+                                        <p:tgtEl>
+                                          <p:spTgt spid="3">
+                                            <p:txEl>
+                                              <p:pRg st="0" end="0"/>
+                                            </p:txEl>
+                                          </p:spTgt>
+                                        </p:tgtEl>
+                                        <p:attrNameLst>
+                                          <p:attrName>style.visibility</p:attrName>
+                                        </p:attrNameLst>
+                                      </p:cBhvr>
+                                      <p:to>
+                                        <p:strVal val="visible"/>
+                                      </p:to>
+                                    </p:set>
+                                    <p:animEffect transition="in" filter="fade">
+                                      <p:cBhvr>
+                                        <p:cTn id="12" dur="2000"/>
+                                        <p:tgtEl>
+                                          <p:spTgt spid="3">
+                                            <p:txEl>
+                                              <p:pRg st="0" end="0"/>
+                                            </p:txEl>
+                                          </p:spTgt>
+                                        </p:tgtEl>
+                                      </p:cBhvr>
+                                    </p:animEffect>
+                                    <p:anim calcmode="lin" valueType="num">
+                                      <p:cBhvr>
+                                        <p:cTn id="13" dur="2000" fill="hold"/>
+                                        <p:tgtEl>
+                                          <p:spTgt spid="3">
+                                            <p:txEl>
+                                              <p:pRg st="0" end="0"/>
+                                            </p:txEl>
+                                          </p:spTgt>
+                                        </p:tgtEl>
+                                        <p:attrNameLst>
+                                          <p:attrName>ppt_w</p:attrName>
+                                        </p:attrNameLst>
+                                      </p:cBhvr>
+                                      <p:tavLst>
+                                        <p:tav tm="0" fmla="#ppt_w*sin(2.5*pi*$)">
+                                          <p:val>
+                                            <p:fltVal val="0"/>
+                                          </p:val>
+                                        </p:tav>
+                                        <p:tav tm="100000">
+                                          <p:val>
+                                            <p:fltVal val="1"/>
+                                          </p:val>
+                                        </p:tav>
+                                      </p:tavLst>
+                                    </p:anim>
+                                    <p:anim calcmode="lin" valueType="num">
+                                      <p:cBhvr>
+                                        <p:cTn id="14" dur="2000" fill="hold"/>
+                                        <p:tgtEl>
+                                          <p:spTgt spid="3">
+                                            <p:txEl>
+                                              <p:pRg st="0" end="0"/>
+                                            </p:txEl>
+                                          </p:spTgt>
+                                        </p:tgtEl>
+                                        <p:attrNameLst>
+                                          <p:attrName>ppt_h</p:attrName>
+                                        </p:attrNameLst>
+                                      </p:cBhvr>
+                                      <p:tavLst>
+                                        <p:tav tm="0">
+                                          <p:val>
+                                            <p:strVal val="#ppt_h"/>
+                                          </p:val>
+                                        </p:tav>
+                                        <p:tav tm="100000">
+                                          <p:val>
+                                            <p:strVal val="#ppt_h"/>
+                                          </p:val>
+                                        </p:tav>
+                                      </p:tavLst>
+                                    </p:anim>
+                                  </p:childTnLst>
+                                </p:cTn>
+                              </p:par>
+                            </p:childTnLst>
+                          </p:cTn>
+                        </p:par>
+                      </p:childTnLst>
+                    </p:cTn>
+                  </p:par>
+                </p:childTnLst>
+              </p:cTn>
+              <p:prevCondLst>
+                <p:cond evt="onPrev" delay="0">
+                  <p:tgtEl>
+                    <p:sldTgt/>
+                  </p:tgtEl>
+                </p:cond>
+              </p:prevCondLst>
+              <p:nextCondLst>
+                <p:cond evt="onNext" delay="0">
+                  <p:tgtEl>
+                    <p:sldTgt/>
+                  </p:tgtEl>
+                </p:cond>
+              </p:nextCondLst>
+            </p:seq>
+          </p:childTnLst>
+        </p:cTn>
+      </p:par>
+    </p:tnLst>
+    <p:bldLst>
+      <p:bldP spid="2" grpId="0"/>
+    </p:bldLst>
+  </p:timing>
+</p:sld>
+</file>
+
+<file path=ppt/slides/slide2.xml><?xml version="1.0" encoding="utf-8"?>
 <p:sld xmlns:a="http://schemas.openxmlformats.org/drawingml/2006/main" xmlns:r="http://schemas.openxmlformats.org/officeDocument/2006/relationships" xmlns:p="http://schemas.openxmlformats.org/presentationml/2006/main">
   <p:cSld>
     <p:bg>
@@ -5052,7 +5932,7 @@
       </p:grpSpPr>
       <p:sp>
         <p:nvSpPr>
-          <p:cNvPr id="14" name="Rectangle 13">
+          <p:cNvPr id="10" name="Rectangle 9">
             <a:extLst>
               <a:ext uri="{FF2B5EF4-FFF2-40B4-BE49-F238E27FC236}">
                 <a16:creationId xmlns:a16="http://schemas.microsoft.com/office/drawing/2014/main" id="{9228552E-C8B1-4A80-8448-0787CE0FC704}"/>
@@ -5115,6 +5995,724 @@
       </p:sp>
       <p:pic>
         <p:nvPicPr>
+          <p:cNvPr id="5" name="Afbeelding 4" descr="Afbeelding met wiel, speelgoed, band, Schaalmodel&#10;&#10;Door AI gegenereerde inhoud is mogelijk onjuist.">
+            <a:extLst>
+              <a:ext uri="{FF2B5EF4-FFF2-40B4-BE49-F238E27FC236}">
+                <a16:creationId xmlns:a16="http://schemas.microsoft.com/office/drawing/2014/main" id="{C6F596F5-18C6-0F3E-91BE-CE3BA52E9C55}"/>
+              </a:ext>
+            </a:extLst>
+          </p:cNvPr>
+          <p:cNvPicPr>
+            <a:picLocks noChangeAspect="1"/>
+          </p:cNvPicPr>
+          <p:nvPr/>
+        </p:nvPicPr>
+        <p:blipFill>
+          <a:blip r:embed="rId3">
+            <a:alphaModFix amt="35000"/>
+            <a:extLst>
+              <a:ext uri="{28A0092B-C50C-407E-A947-70E740481C1C}">
+                <a14:useLocalDpi xmlns:a14="http://schemas.microsoft.com/office/drawing/2010/main" val="0"/>
+              </a:ext>
+            </a:extLst>
+          </a:blip>
+          <a:srcRect/>
+          <a:stretch/>
+        </p:blipFill>
+        <p:spPr>
+          <a:xfrm>
+            <a:off x="20" y="10"/>
+            <a:ext cx="12191980" cy="6857990"/>
+          </a:xfrm>
+          <a:prstGeom prst="rect">
+            <a:avLst/>
+          </a:prstGeom>
+        </p:spPr>
+      </p:pic>
+      <p:sp>
+        <p:nvSpPr>
+          <p:cNvPr id="2" name="Titel 1">
+            <a:extLst>
+              <a:ext uri="{FF2B5EF4-FFF2-40B4-BE49-F238E27FC236}">
+                <a16:creationId xmlns:a16="http://schemas.microsoft.com/office/drawing/2014/main" id="{E657426F-BFF0-1572-7573-52D8DBB0BDFC}"/>
+              </a:ext>
+            </a:extLst>
+          </p:cNvPr>
+          <p:cNvSpPr>
+            <a:spLocks noGrp="1"/>
+          </p:cNvSpPr>
+          <p:nvPr>
+            <p:ph type="title"/>
+          </p:nvPr>
+        </p:nvSpPr>
+        <p:spPr>
+          <a:xfrm>
+            <a:off x="838200" y="365125"/>
+            <a:ext cx="10515600" cy="1325563"/>
+          </a:xfrm>
+        </p:spPr>
+        <p:txBody>
+          <a:bodyPr>
+            <a:normAutofit/>
+          </a:bodyPr>
+          <a:lstStyle/>
+          <a:p>
+            <a:r>
+              <a:rPr lang="nl-BE">
+                <a:solidFill>
+                  <a:srgbClr val="FFFFFF"/>
+                </a:solidFill>
+              </a:rPr>
+              <a:t>Inhoud</a:t>
+            </a:r>
+          </a:p>
+        </p:txBody>
+      </p:sp>
+      <p:sp>
+        <p:nvSpPr>
+          <p:cNvPr id="3" name="Tijdelijke aanduiding voor inhoud 2">
+            <a:extLst>
+              <a:ext uri="{FF2B5EF4-FFF2-40B4-BE49-F238E27FC236}">
+                <a16:creationId xmlns:a16="http://schemas.microsoft.com/office/drawing/2014/main" id="{11A7B326-49A2-B512-FDF0-716BEDDABD24}"/>
+              </a:ext>
+            </a:extLst>
+          </p:cNvPr>
+          <p:cNvSpPr>
+            <a:spLocks noGrp="1"/>
+          </p:cNvSpPr>
+          <p:nvPr>
+            <p:ph idx="1"/>
+          </p:nvPr>
+        </p:nvSpPr>
+        <p:spPr>
+          <a:xfrm>
+            <a:off x="838200" y="1825625"/>
+            <a:ext cx="10515600" cy="4351338"/>
+          </a:xfrm>
+        </p:spPr>
+        <p:txBody>
+          <a:bodyPr>
+            <a:normAutofit/>
+          </a:bodyPr>
+          <a:lstStyle/>
+          <a:p>
+            <a:r>
+              <a:rPr lang="nl-BE" dirty="0">
+                <a:solidFill>
+                  <a:srgbClr val="FFFFFF"/>
+                </a:solidFill>
+              </a:rPr>
+              <a:t>Algemene uitleg</a:t>
+            </a:r>
+          </a:p>
+          <a:p>
+            <a:r>
+              <a:rPr lang="nl-BE" dirty="0">
+                <a:solidFill>
+                  <a:srgbClr val="FFFFFF"/>
+                </a:solidFill>
+              </a:rPr>
+              <a:t>Demo</a:t>
+            </a:r>
+          </a:p>
+          <a:p>
+            <a:r>
+              <a:rPr lang="nl-BE" dirty="0">
+                <a:solidFill>
+                  <a:srgbClr val="FFFFFF"/>
+                </a:solidFill>
+              </a:rPr>
+              <a:t>Hardware</a:t>
+            </a:r>
+          </a:p>
+          <a:p>
+            <a:r>
+              <a:rPr lang="nl-BE" dirty="0">
+                <a:solidFill>
+                  <a:srgbClr val="FFFFFF"/>
+                </a:solidFill>
+              </a:rPr>
+              <a:t>Software</a:t>
+            </a:r>
+          </a:p>
+          <a:p>
+            <a:r>
+              <a:rPr lang="nl-BE" dirty="0">
+                <a:solidFill>
+                  <a:srgbClr val="FFFFFF"/>
+                </a:solidFill>
+              </a:rPr>
+              <a:t>Extra</a:t>
+            </a:r>
+          </a:p>
+          <a:p>
+            <a:r>
+              <a:rPr lang="nl-BE" dirty="0">
+                <a:solidFill>
+                  <a:srgbClr val="FFFFFF"/>
+                </a:solidFill>
+              </a:rPr>
+              <a:t>Afsluiter</a:t>
+            </a:r>
+          </a:p>
+          <a:p>
+            <a:endParaRPr lang="nl-BE" dirty="0">
+              <a:solidFill>
+                <a:srgbClr val="FFFFFF"/>
+              </a:solidFill>
+            </a:endParaRPr>
+          </a:p>
+          <a:p>
+            <a:endParaRPr lang="nl-BE" dirty="0">
+              <a:solidFill>
+                <a:srgbClr val="FFFFFF"/>
+              </a:solidFill>
+            </a:endParaRPr>
+          </a:p>
+        </p:txBody>
+      </p:sp>
+      <p:sp>
+        <p:nvSpPr>
+          <p:cNvPr id="7" name="Tijdelijke aanduiding voor dianummer 6">
+            <a:extLst>
+              <a:ext uri="{FF2B5EF4-FFF2-40B4-BE49-F238E27FC236}">
+                <a16:creationId xmlns:a16="http://schemas.microsoft.com/office/drawing/2014/main" id="{22E3C48A-13DA-7D33-CB31-8DA206A087EB}"/>
+              </a:ext>
+            </a:extLst>
+          </p:cNvPr>
+          <p:cNvSpPr>
+            <a:spLocks noGrp="1"/>
+          </p:cNvSpPr>
+          <p:nvPr>
+            <p:ph type="sldNum" sz="quarter" idx="12"/>
+          </p:nvPr>
+        </p:nvSpPr>
+        <p:spPr/>
+        <p:txBody>
+          <a:bodyPr/>
+          <a:lstStyle/>
+          <a:p>
+            <a:fld id="{CF769C61-EDDB-4958-A626-BA0E0F3C6BBE}" type="slidenum">
+              <a:rPr lang="nl-BE" smtClean="0"/>
+              <a:t>2</a:t>
+            </a:fld>
+            <a:endParaRPr lang="nl-BE"/>
+          </a:p>
+        </p:txBody>
+      </p:sp>
+      <p:sp>
+        <p:nvSpPr>
+          <p:cNvPr id="4" name="Tijdelijke aanduiding voor voettekst 3">
+            <a:extLst>
+              <a:ext uri="{FF2B5EF4-FFF2-40B4-BE49-F238E27FC236}">
+                <a16:creationId xmlns:a16="http://schemas.microsoft.com/office/drawing/2014/main" id="{C275525B-AEBF-7F6D-9C7F-0FABFB19558E}"/>
+              </a:ext>
+            </a:extLst>
+          </p:cNvPr>
+          <p:cNvSpPr>
+            <a:spLocks noGrp="1"/>
+          </p:cNvSpPr>
+          <p:nvPr>
+            <p:ph type="ftr" sz="quarter" idx="11"/>
+          </p:nvPr>
+        </p:nvSpPr>
+        <p:spPr/>
+        <p:txBody>
+          <a:bodyPr/>
+          <a:lstStyle/>
+          <a:p>
+            <a:r>
+              <a:rPr lang="nl-BE" dirty="0"/>
+              <a:t>Inhoud</a:t>
+            </a:r>
+          </a:p>
+        </p:txBody>
+      </p:sp>
+    </p:spTree>
+    <p:extLst>
+      <p:ext uri="{BB962C8B-B14F-4D97-AF65-F5344CB8AC3E}">
+        <p14:creationId xmlns:p14="http://schemas.microsoft.com/office/powerpoint/2010/main" val="1157252764"/>
+      </p:ext>
+    </p:extLst>
+  </p:cSld>
+  <p:clrMapOvr>
+    <a:overrideClrMapping bg1="dk1" tx1="lt1" bg2="dk2" tx2="lt2" accent1="accent1" accent2="accent2" accent3="accent3" accent4="accent4" accent5="accent5" accent6="accent6" hlink="hlink" folHlink="folHlink"/>
+  </p:clrMapOvr>
+  <mc:AlternateContent xmlns:mc="http://schemas.openxmlformats.org/markup-compatibility/2006">
+    <mc:Choice xmlns:p14="http://schemas.microsoft.com/office/powerpoint/2010/main" Requires="p14">
+      <p:transition spd="med" p14:dur="700">
+        <p:fade/>
+        <p:sndAc>
+          <p:stSnd>
+            <p:snd r:embed="rId2" name="click.wav"/>
+          </p:stSnd>
+        </p:sndAc>
+      </p:transition>
+    </mc:Choice>
+    <mc:Fallback>
+      <p:transition spd="med">
+        <p:fade/>
+        <p:sndAc>
+          <p:stSnd>
+            <p:snd r:embed="rId2" name="click.wav"/>
+          </p:stSnd>
+        </p:sndAc>
+      </p:transition>
+    </mc:Fallback>
+  </mc:AlternateContent>
+</p:sld>
+</file>
+
+<file path=ppt/slides/slide3.xml><?xml version="1.0" encoding="utf-8"?>
+<p:sld xmlns:a="http://schemas.openxmlformats.org/drawingml/2006/main" xmlns:r="http://schemas.openxmlformats.org/officeDocument/2006/relationships" xmlns:p="http://schemas.openxmlformats.org/presentationml/2006/main">
+  <p:cSld>
+    <p:bg>
+      <p:bgPr>
+        <a:solidFill>
+          <a:schemeClr val="bg1"/>
+        </a:solidFill>
+        <a:effectLst/>
+      </p:bgPr>
+    </p:bg>
+    <p:spTree>
+      <p:nvGrpSpPr>
+        <p:cNvPr id="1" name=""/>
+        <p:cNvGrpSpPr/>
+        <p:nvPr/>
+      </p:nvGrpSpPr>
+      <p:grpSpPr>
+        <a:xfrm>
+          <a:off x="0" y="0"/>
+          <a:ext cx="0" cy="0"/>
+          <a:chOff x="0" y="0"/>
+          <a:chExt cx="0" cy="0"/>
+        </a:xfrm>
+      </p:grpSpPr>
+      <p:sp>
+        <p:nvSpPr>
+          <p:cNvPr id="11" name="Rectangle 10">
+            <a:extLst>
+              <a:ext uri="{FF2B5EF4-FFF2-40B4-BE49-F238E27FC236}">
+                <a16:creationId xmlns:a16="http://schemas.microsoft.com/office/drawing/2014/main" id="{9228552E-C8B1-4A80-8448-0787CE0FC704}"/>
+              </a:ext>
+              <a:ext uri="{C183D7F6-B498-43B3-948B-1728B52AA6E4}">
+                <adec:decorative xmlns:adec="http://schemas.microsoft.com/office/drawing/2017/decorative" val="1"/>
+              </a:ext>
+            </a:extLst>
+          </p:cNvPr>
+          <p:cNvSpPr>
+            <a:spLocks noGrp="1" noRot="1" noChangeAspect="1" noMove="1" noResize="1" noEditPoints="1" noAdjustHandles="1" noChangeArrowheads="1" noChangeShapeType="1" noTextEdit="1"/>
+          </p:cNvSpPr>
+          <p:nvPr>
+            <p:extLst>
+              <p:ext uri="{386F3935-93C4-4BCD-93E2-E3B085C9AB24}">
+                <p16:designElem xmlns:p16="http://schemas.microsoft.com/office/powerpoint/2015/main" val="1"/>
+              </p:ext>
+            </p:extLst>
+          </p:nvPr>
+        </p:nvSpPr>
+        <p:spPr>
+          <a:xfrm>
+            <a:off x="0" y="0"/>
+            <a:ext cx="12192000" cy="6858000"/>
+          </a:xfrm>
+          <a:prstGeom prst="rect">
+            <a:avLst/>
+          </a:prstGeom>
+          <a:solidFill>
+            <a:srgbClr val="000000"/>
+          </a:solidFill>
+          <a:ln>
+            <a:noFill/>
+          </a:ln>
+        </p:spPr>
+        <p:style>
+          <a:lnRef idx="2">
+            <a:schemeClr val="accent1">
+              <a:shade val="50000"/>
+            </a:schemeClr>
+          </a:lnRef>
+          <a:fillRef idx="1">
+            <a:schemeClr val="accent1"/>
+          </a:fillRef>
+          <a:effectRef idx="0">
+            <a:schemeClr val="accent1"/>
+          </a:effectRef>
+          <a:fontRef idx="minor">
+            <a:schemeClr val="lt1"/>
+          </a:fontRef>
+        </p:style>
+        <p:txBody>
+          <a:bodyPr rtlCol="0" anchor="ctr"/>
+          <a:lstStyle/>
+          <a:p>
+            <a:pPr algn="ctr"/>
+            <a:endParaRPr lang="en-US"/>
+          </a:p>
+        </p:txBody>
+      </p:sp>
+      <p:pic>
+        <p:nvPicPr>
+          <p:cNvPr id="6" name="Afbeelding 5" descr="Afbeelding met wiel, speelgoed, band, Schaalmodel&#10;&#10;Door AI gegenereerde inhoud is mogelijk onjuist.">
+            <a:extLst>
+              <a:ext uri="{FF2B5EF4-FFF2-40B4-BE49-F238E27FC236}">
+                <a16:creationId xmlns:a16="http://schemas.microsoft.com/office/drawing/2014/main" id="{C714F390-A57B-567F-553A-8B3A5C5F9F6F}"/>
+              </a:ext>
+            </a:extLst>
+          </p:cNvPr>
+          <p:cNvPicPr>
+            <a:picLocks noChangeAspect="1"/>
+          </p:cNvPicPr>
+          <p:nvPr/>
+        </p:nvPicPr>
+        <p:blipFill>
+          <a:blip r:embed="rId2">
+            <a:alphaModFix amt="35000"/>
+            <a:extLst>
+              <a:ext uri="{28A0092B-C50C-407E-A947-70E740481C1C}">
+                <a14:useLocalDpi xmlns:a14="http://schemas.microsoft.com/office/drawing/2010/main" val="0"/>
+              </a:ext>
+            </a:extLst>
+          </a:blip>
+          <a:srcRect/>
+          <a:stretch>
+            <a:fillRect/>
+          </a:stretch>
+        </p:blipFill>
+        <p:spPr>
+          <a:xfrm>
+            <a:off x="20" y="10"/>
+            <a:ext cx="12191980" cy="6857990"/>
+          </a:xfrm>
+          <a:prstGeom prst="rect">
+            <a:avLst/>
+          </a:prstGeom>
+        </p:spPr>
+      </p:pic>
+      <p:sp>
+        <p:nvSpPr>
+          <p:cNvPr id="2" name="Titel 1">
+            <a:extLst>
+              <a:ext uri="{FF2B5EF4-FFF2-40B4-BE49-F238E27FC236}">
+                <a16:creationId xmlns:a16="http://schemas.microsoft.com/office/drawing/2014/main" id="{0BA7CB16-7758-B924-26DB-EAAD856F9001}"/>
+              </a:ext>
+            </a:extLst>
+          </p:cNvPr>
+          <p:cNvSpPr>
+            <a:spLocks noGrp="1"/>
+          </p:cNvSpPr>
+          <p:nvPr>
+            <p:ph type="title"/>
+          </p:nvPr>
+        </p:nvSpPr>
+        <p:spPr>
+          <a:xfrm>
+            <a:off x="838200" y="365125"/>
+            <a:ext cx="10515600" cy="1325563"/>
+          </a:xfrm>
+        </p:spPr>
+        <p:txBody>
+          <a:bodyPr>
+            <a:normAutofit/>
+          </a:bodyPr>
+          <a:lstStyle/>
+          <a:p>
+            <a:r>
+              <a:rPr lang="nl-BE">
+                <a:solidFill>
+                  <a:srgbClr val="FFFFFF"/>
+                </a:solidFill>
+              </a:rPr>
+              <a:t>De werking</a:t>
+            </a:r>
+          </a:p>
+        </p:txBody>
+      </p:sp>
+      <p:sp>
+        <p:nvSpPr>
+          <p:cNvPr id="3" name="Tijdelijke aanduiding voor inhoud 2">
+            <a:extLst>
+              <a:ext uri="{FF2B5EF4-FFF2-40B4-BE49-F238E27FC236}">
+                <a16:creationId xmlns:a16="http://schemas.microsoft.com/office/drawing/2014/main" id="{263FFF7D-B274-90BD-DC66-C08D36DCAC0F}"/>
+              </a:ext>
+            </a:extLst>
+          </p:cNvPr>
+          <p:cNvSpPr>
+            <a:spLocks noGrp="1"/>
+          </p:cNvSpPr>
+          <p:nvPr>
+            <p:ph idx="1"/>
+          </p:nvPr>
+        </p:nvSpPr>
+        <p:spPr>
+          <a:xfrm>
+            <a:off x="838200" y="1825625"/>
+            <a:ext cx="10515600" cy="4351338"/>
+          </a:xfrm>
+        </p:spPr>
+        <p:txBody>
+          <a:bodyPr>
+            <a:normAutofit/>
+          </a:bodyPr>
+          <a:lstStyle/>
+          <a:p>
+            <a:r>
+              <a:rPr lang="nl-BE" dirty="0">
+                <a:solidFill>
+                  <a:srgbClr val="FFFFFF"/>
+                </a:solidFill>
+              </a:rPr>
+              <a:t>Raspberry-pi</a:t>
+            </a:r>
+          </a:p>
+          <a:p>
+            <a:r>
+              <a:rPr lang="nl-BE" dirty="0" err="1">
+                <a:solidFill>
+                  <a:srgbClr val="FFFFFF"/>
+                </a:solidFill>
+              </a:rPr>
+              <a:t>WiFi</a:t>
+            </a:r>
+            <a:endParaRPr lang="nl-BE" dirty="0">
+              <a:solidFill>
+                <a:srgbClr val="FFFFFF"/>
+              </a:solidFill>
+            </a:endParaRPr>
+          </a:p>
+          <a:p>
+            <a:r>
+              <a:rPr lang="nl-BE" dirty="0">
+                <a:solidFill>
+                  <a:srgbClr val="FFFFFF"/>
+                </a:solidFill>
+              </a:rPr>
+              <a:t>ESP32-Feather</a:t>
+            </a:r>
+          </a:p>
+          <a:p>
+            <a:r>
+              <a:rPr lang="nl-BE" dirty="0">
+                <a:solidFill>
+                  <a:srgbClr val="FFFFFF"/>
+                </a:solidFill>
+              </a:rPr>
+              <a:t>Dashboard</a:t>
+            </a:r>
+          </a:p>
+          <a:p>
+            <a:endParaRPr lang="nl-BE" dirty="0">
+              <a:solidFill>
+                <a:srgbClr val="FFFFFF"/>
+              </a:solidFill>
+            </a:endParaRPr>
+          </a:p>
+          <a:p>
+            <a:endParaRPr lang="nl-BE" dirty="0">
+              <a:solidFill>
+                <a:srgbClr val="FFFFFF"/>
+              </a:solidFill>
+            </a:endParaRPr>
+          </a:p>
+        </p:txBody>
+      </p:sp>
+      <p:sp>
+        <p:nvSpPr>
+          <p:cNvPr id="4" name="Tijdelijke aanduiding voor dianummer 3">
+            <a:extLst>
+              <a:ext uri="{FF2B5EF4-FFF2-40B4-BE49-F238E27FC236}">
+                <a16:creationId xmlns:a16="http://schemas.microsoft.com/office/drawing/2014/main" id="{DE7B21B7-9C61-2F4A-575F-5B86AA93DA3B}"/>
+              </a:ext>
+            </a:extLst>
+          </p:cNvPr>
+          <p:cNvSpPr>
+            <a:spLocks noGrp="1"/>
+          </p:cNvSpPr>
+          <p:nvPr>
+            <p:ph type="sldNum" sz="quarter" idx="12"/>
+          </p:nvPr>
+        </p:nvSpPr>
+        <p:spPr>
+          <a:xfrm>
+            <a:off x="8610600" y="6356350"/>
+            <a:ext cx="2743200" cy="365125"/>
+          </a:xfrm>
+        </p:spPr>
+        <p:txBody>
+          <a:bodyPr>
+            <a:normAutofit/>
+          </a:bodyPr>
+          <a:lstStyle/>
+          <a:p>
+            <a:pPr>
+              <a:spcAft>
+                <a:spcPts val="600"/>
+              </a:spcAft>
+            </a:pPr>
+            <a:fld id="{CF769C61-EDDB-4958-A626-BA0E0F3C6BBE}" type="slidenum">
+              <a:rPr lang="nl-BE">
+                <a:solidFill>
+                  <a:srgbClr val="FFFFFF"/>
+                </a:solidFill>
+              </a:rPr>
+              <a:pPr>
+                <a:spcAft>
+                  <a:spcPts val="600"/>
+                </a:spcAft>
+              </a:pPr>
+              <a:t>3</a:t>
+            </a:fld>
+            <a:endParaRPr lang="nl-BE">
+              <a:solidFill>
+                <a:srgbClr val="FFFFFF"/>
+              </a:solidFill>
+            </a:endParaRPr>
+          </a:p>
+        </p:txBody>
+      </p:sp>
+      <p:sp>
+        <p:nvSpPr>
+          <p:cNvPr id="7" name="Tijdelijke aanduiding voor voettekst 6">
+            <a:extLst>
+              <a:ext uri="{FF2B5EF4-FFF2-40B4-BE49-F238E27FC236}">
+                <a16:creationId xmlns:a16="http://schemas.microsoft.com/office/drawing/2014/main" id="{1532075D-D358-4426-240B-6282E847913E}"/>
+              </a:ext>
+            </a:extLst>
+          </p:cNvPr>
+          <p:cNvSpPr>
+            <a:spLocks noGrp="1"/>
+          </p:cNvSpPr>
+          <p:nvPr>
+            <p:ph type="ftr" sz="quarter" idx="11"/>
+          </p:nvPr>
+        </p:nvSpPr>
+        <p:spPr/>
+        <p:txBody>
+          <a:bodyPr/>
+          <a:lstStyle/>
+          <a:p>
+            <a:r>
+              <a:rPr lang="nl-BE" dirty="0"/>
+              <a:t>Algemene werking</a:t>
+            </a:r>
+          </a:p>
+        </p:txBody>
+      </p:sp>
+    </p:spTree>
+    <p:extLst>
+      <p:ext uri="{BB962C8B-B14F-4D97-AF65-F5344CB8AC3E}">
+        <p14:creationId xmlns:p14="http://schemas.microsoft.com/office/powerpoint/2010/main" val="3841951322"/>
+      </p:ext>
+    </p:extLst>
+  </p:cSld>
+  <p:clrMapOvr>
+    <a:overrideClrMapping bg1="dk1" tx1="lt1" bg2="dk2" tx2="lt2" accent1="accent1" accent2="accent2" accent3="accent3" accent4="accent4" accent5="accent5" accent6="accent6" hlink="hlink" folHlink="folHlink"/>
+  </p:clrMapOvr>
+  <mc:AlternateContent xmlns:mc="http://schemas.openxmlformats.org/markup-compatibility/2006">
+    <mc:Choice xmlns:p14="http://schemas.microsoft.com/office/powerpoint/2010/main" Requires="p14">
+      <p:transition spd="med" p14:dur="700">
+        <p:fade/>
+      </p:transition>
+    </mc:Choice>
+    <mc:Fallback>
+      <p:transition spd="med">
+        <p:fade/>
+      </p:transition>
+    </mc:Fallback>
+  </mc:AlternateContent>
+</p:sld>
+</file>
+
+<file path=ppt/slides/slide4.xml><?xml version="1.0" encoding="utf-8"?>
+<p:sld xmlns:a="http://schemas.openxmlformats.org/drawingml/2006/main" xmlns:r="http://schemas.openxmlformats.org/officeDocument/2006/relationships" xmlns:p="http://schemas.openxmlformats.org/presentationml/2006/main">
+  <p:cSld>
+    <p:bg>
+      <p:bgPr>
+        <a:solidFill>
+          <a:schemeClr val="bg1"/>
+        </a:solidFill>
+        <a:effectLst/>
+      </p:bgPr>
+    </p:bg>
+    <p:spTree>
+      <p:nvGrpSpPr>
+        <p:cNvPr id="1" name=""/>
+        <p:cNvGrpSpPr/>
+        <p:nvPr/>
+      </p:nvGrpSpPr>
+      <p:grpSpPr>
+        <a:xfrm>
+          <a:off x="0" y="0"/>
+          <a:ext cx="0" cy="0"/>
+          <a:chOff x="0" y="0"/>
+          <a:chExt cx="0" cy="0"/>
+        </a:xfrm>
+      </p:grpSpPr>
+      <p:sp>
+        <p:nvSpPr>
+          <p:cNvPr id="14" name="Rectangle 13">
+            <a:extLst>
+              <a:ext uri="{FF2B5EF4-FFF2-40B4-BE49-F238E27FC236}">
+                <a16:creationId xmlns:a16="http://schemas.microsoft.com/office/drawing/2014/main" id="{9228552E-C8B1-4A80-8448-0787CE0FC704}"/>
+              </a:ext>
+              <a:ext uri="{C183D7F6-B498-43B3-948B-1728B52AA6E4}">
+                <adec:decorative xmlns:adec="http://schemas.microsoft.com/office/drawing/2017/decorative" val="1"/>
+              </a:ext>
+            </a:extLst>
+          </p:cNvPr>
+          <p:cNvSpPr>
+            <a:spLocks noGrp="1" noRot="1" noChangeAspect="1" noMove="1" noResize="1" noEditPoints="1" noAdjustHandles="1" noChangeArrowheads="1" noChangeShapeType="1" noTextEdit="1"/>
+          </p:cNvSpPr>
+          <p:nvPr>
+            <p:extLst>
+              <p:ext uri="{386F3935-93C4-4BCD-93E2-E3B085C9AB24}">
+                <p16:designElem xmlns:p16="http://schemas.microsoft.com/office/powerpoint/2015/main" val="1"/>
+              </p:ext>
+            </p:extLst>
+          </p:nvPr>
+        </p:nvSpPr>
+        <p:spPr>
+          <a:xfrm>
+            <a:off x="0" y="0"/>
+            <a:ext cx="12192000" cy="6858000"/>
+          </a:xfrm>
+          <a:prstGeom prst="rect">
+            <a:avLst/>
+          </a:prstGeom>
+          <a:solidFill>
+            <a:srgbClr val="000000"/>
+          </a:solidFill>
+          <a:ln>
+            <a:noFill/>
+          </a:ln>
+        </p:spPr>
+        <p:style>
+          <a:lnRef idx="2">
+            <a:schemeClr val="accent1">
+              <a:shade val="50000"/>
+            </a:schemeClr>
+          </a:lnRef>
+          <a:fillRef idx="1">
+            <a:schemeClr val="accent1"/>
+          </a:fillRef>
+          <a:effectRef idx="0">
+            <a:schemeClr val="accent1"/>
+          </a:effectRef>
+          <a:fontRef idx="minor">
+            <a:schemeClr val="lt1"/>
+          </a:fontRef>
+        </p:style>
+        <p:txBody>
+          <a:bodyPr rtlCol="0" anchor="ctr"/>
+          <a:lstStyle/>
+          <a:p>
+            <a:pPr algn="ctr"/>
+            <a:endParaRPr lang="en-US"/>
+          </a:p>
+        </p:txBody>
+      </p:sp>
+      <p:pic>
+        <p:nvPicPr>
           <p:cNvPr id="9" name="Afbeelding 8" descr="Afbeelding met wiel, speelgoed, band, Schaalmodel&#10;&#10;Door AI gegenereerde inhoud is mogelijk onjuist.">
             <a:extLst>
               <a:ext uri="{FF2B5EF4-FFF2-40B4-BE49-F238E27FC236}">
@@ -5365,6 +6963,3591 @@
   <p:clrMapOvr>
     <a:overrideClrMapping bg1="dk1" tx1="lt1" bg2="dk2" tx2="lt2" accent1="accent1" accent2="accent2" accent3="accent3" accent4="accent4" accent5="accent5" accent6="accent6" hlink="hlink" folHlink="folHlink"/>
   </p:clrMapOvr>
+  <mc:AlternateContent xmlns:mc="http://schemas.openxmlformats.org/markup-compatibility/2006">
+    <mc:Choice xmlns:p14="http://schemas.microsoft.com/office/powerpoint/2010/main" Requires="p14">
+      <p:transition spd="med" p14:dur="700">
+        <p:fade/>
+      </p:transition>
+    </mc:Choice>
+    <mc:Fallback>
+      <p:transition spd="med">
+        <p:fade/>
+      </p:transition>
+    </mc:Fallback>
+  </mc:AlternateContent>
+</p:sld>
+</file>
+
+<file path=ppt/slides/slide5.xml><?xml version="1.0" encoding="utf-8"?>
+<p:sld xmlns:a="http://schemas.openxmlformats.org/drawingml/2006/main" xmlns:r="http://schemas.openxmlformats.org/officeDocument/2006/relationships" xmlns:p="http://schemas.openxmlformats.org/presentationml/2006/main">
+  <p:cSld>
+    <p:bg>
+      <p:bgPr>
+        <a:solidFill>
+          <a:srgbClr val="000000"/>
+        </a:solidFill>
+        <a:effectLst/>
+      </p:bgPr>
+    </p:bg>
+    <p:spTree>
+      <p:nvGrpSpPr>
+        <p:cNvPr id="1" name=""/>
+        <p:cNvGrpSpPr/>
+        <p:nvPr/>
+      </p:nvGrpSpPr>
+      <p:grpSpPr>
+        <a:xfrm>
+          <a:off x="0" y="0"/>
+          <a:ext cx="0" cy="0"/>
+          <a:chOff x="0" y="0"/>
+          <a:chExt cx="0" cy="0"/>
+        </a:xfrm>
+      </p:grpSpPr>
+      <p:sp>
+        <p:nvSpPr>
+          <p:cNvPr id="12" name="Rectangle 11">
+            <a:extLst>
+              <a:ext uri="{FF2B5EF4-FFF2-40B4-BE49-F238E27FC236}">
+                <a16:creationId xmlns:a16="http://schemas.microsoft.com/office/drawing/2014/main" id="{71B2258F-86CA-4D4D-8270-BC05FCDEBFB3}"/>
+              </a:ext>
+              <a:ext uri="{C183D7F6-B498-43B3-948B-1728B52AA6E4}">
+                <adec:decorative xmlns:adec="http://schemas.microsoft.com/office/drawing/2017/decorative" val="1"/>
+              </a:ext>
+            </a:extLst>
+          </p:cNvPr>
+          <p:cNvSpPr>
+            <a:spLocks noGrp="1" noRot="1" noChangeAspect="1" noMove="1" noResize="1" noEditPoints="1" noAdjustHandles="1" noChangeArrowheads="1" noChangeShapeType="1" noTextEdit="1"/>
+          </p:cNvSpPr>
+          <p:nvPr>
+            <p:extLst>
+              <p:ext uri="{386F3935-93C4-4BCD-93E2-E3B085C9AB24}">
+                <p16:designElem xmlns:p16="http://schemas.microsoft.com/office/powerpoint/2015/main" val="1"/>
+              </p:ext>
+            </p:extLst>
+          </p:nvPr>
+        </p:nvSpPr>
+        <p:spPr>
+          <a:xfrm>
+            <a:off x="0" y="0"/>
+            <a:ext cx="12192000" cy="6857999"/>
+          </a:xfrm>
+          <a:prstGeom prst="rect">
+            <a:avLst/>
+          </a:prstGeom>
+          <a:solidFill>
+            <a:srgbClr val="000000"/>
+          </a:solidFill>
+          <a:ln>
+            <a:noFill/>
+          </a:ln>
+        </p:spPr>
+        <p:style>
+          <a:lnRef idx="2">
+            <a:schemeClr val="accent1">
+              <a:shade val="50000"/>
+            </a:schemeClr>
+          </a:lnRef>
+          <a:fillRef idx="1">
+            <a:schemeClr val="accent1"/>
+          </a:fillRef>
+          <a:effectRef idx="0">
+            <a:schemeClr val="accent1"/>
+          </a:effectRef>
+          <a:fontRef idx="minor">
+            <a:schemeClr val="lt1"/>
+          </a:fontRef>
+        </p:style>
+        <p:txBody>
+          <a:bodyPr rtlCol="0" anchor="ctr"/>
+          <a:lstStyle/>
+          <a:p>
+            <a:pPr algn="ctr"/>
+            <a:endParaRPr lang="en-US"/>
+          </a:p>
+        </p:txBody>
+      </p:sp>
+      <p:pic>
+        <p:nvPicPr>
+          <p:cNvPr id="7" name="Afbeelding 6" descr="Afbeelding met wiel, speelgoed, band, Schaalmodel">
+            <a:extLst>
+              <a:ext uri="{FF2B5EF4-FFF2-40B4-BE49-F238E27FC236}">
+                <a16:creationId xmlns:a16="http://schemas.microsoft.com/office/drawing/2014/main" id="{6B93DF43-2E0A-CE02-6048-1281FA69B2EF}"/>
+              </a:ext>
+            </a:extLst>
+          </p:cNvPr>
+          <p:cNvPicPr>
+            <a:picLocks noChangeAspect="1"/>
+          </p:cNvPicPr>
+          <p:nvPr/>
+        </p:nvPicPr>
+        <p:blipFill>
+          <a:blip r:embed="rId3">
+            <a:alphaModFix amt="50000"/>
+            <a:extLst>
+              <a:ext uri="{28A0092B-C50C-407E-A947-70E740481C1C}">
+                <a14:useLocalDpi xmlns:a14="http://schemas.microsoft.com/office/drawing/2010/main" val="0"/>
+              </a:ext>
+            </a:extLst>
+          </a:blip>
+          <a:srcRect/>
+          <a:stretch>
+            <a:fillRect/>
+          </a:stretch>
+        </p:blipFill>
+        <p:spPr>
+          <a:xfrm>
+            <a:off x="20" y="1"/>
+            <a:ext cx="12191980" cy="6857999"/>
+          </a:xfrm>
+          <a:prstGeom prst="rect">
+            <a:avLst/>
+          </a:prstGeom>
+        </p:spPr>
+      </p:pic>
+      <p:sp>
+        <p:nvSpPr>
+          <p:cNvPr id="2" name="Titel 1">
+            <a:extLst>
+              <a:ext uri="{FF2B5EF4-FFF2-40B4-BE49-F238E27FC236}">
+                <a16:creationId xmlns:a16="http://schemas.microsoft.com/office/drawing/2014/main" id="{5AECB385-57DD-585D-F94C-3D3040ADFFB1}"/>
+              </a:ext>
+            </a:extLst>
+          </p:cNvPr>
+          <p:cNvSpPr>
+            <a:spLocks noGrp="1"/>
+          </p:cNvSpPr>
+          <p:nvPr>
+            <p:ph type="title"/>
+          </p:nvPr>
+        </p:nvSpPr>
+        <p:spPr>
+          <a:xfrm>
+            <a:off x="1524000" y="1122362"/>
+            <a:ext cx="9144000" cy="2900518"/>
+          </a:xfrm>
+        </p:spPr>
+        <p:txBody>
+          <a:bodyPr vert="horz" lIns="91440" tIns="45720" rIns="91440" bIns="45720" rtlCol="0" anchor="b">
+            <a:normAutofit/>
+          </a:bodyPr>
+          <a:lstStyle/>
+          <a:p>
+            <a:pPr algn="ctr"/>
+            <a:r>
+              <a:rPr lang="en-US" sz="6000">
+                <a:solidFill>
+                  <a:srgbClr val="FFFFFF"/>
+                </a:solidFill>
+              </a:rPr>
+              <a:t>Demo</a:t>
+            </a:r>
+          </a:p>
+        </p:txBody>
+      </p:sp>
+      <p:sp>
+        <p:nvSpPr>
+          <p:cNvPr id="3" name="Tijdelijke aanduiding voor inhoud 2">
+            <a:extLst>
+              <a:ext uri="{FF2B5EF4-FFF2-40B4-BE49-F238E27FC236}">
+                <a16:creationId xmlns:a16="http://schemas.microsoft.com/office/drawing/2014/main" id="{0B642E9B-1DB4-6D3A-5C06-09D7C5B154C7}"/>
+              </a:ext>
+            </a:extLst>
+          </p:cNvPr>
+          <p:cNvSpPr>
+            <a:spLocks noGrp="1"/>
+          </p:cNvSpPr>
+          <p:nvPr>
+            <p:ph idx="1"/>
+          </p:nvPr>
+        </p:nvSpPr>
+        <p:spPr>
+          <a:xfrm>
+            <a:off x="1524000" y="4159404"/>
+            <a:ext cx="9144000" cy="1098395"/>
+          </a:xfrm>
+        </p:spPr>
+        <p:txBody>
+          <a:bodyPr vert="horz" lIns="91440" tIns="45720" rIns="91440" bIns="45720" rtlCol="0">
+            <a:normAutofit/>
+          </a:bodyPr>
+          <a:lstStyle/>
+          <a:p>
+            <a:pPr marL="0" indent="0" algn="ctr">
+              <a:buNone/>
+            </a:pPr>
+            <a:r>
+              <a:rPr lang="en-US" sz="2400">
+                <a:solidFill>
+                  <a:srgbClr val="FFFFFF"/>
+                </a:solidFill>
+              </a:rPr>
+              <a:t>Korte demonstratie van de robot</a:t>
+            </a:r>
+          </a:p>
+        </p:txBody>
+      </p:sp>
+      <p:sp>
+        <p:nvSpPr>
+          <p:cNvPr id="4" name="Tijdelijke aanduiding voor voettekst 3">
+            <a:extLst>
+              <a:ext uri="{FF2B5EF4-FFF2-40B4-BE49-F238E27FC236}">
+                <a16:creationId xmlns:a16="http://schemas.microsoft.com/office/drawing/2014/main" id="{5178E575-189F-F27A-4BB6-FDE7CF62E242}"/>
+              </a:ext>
+            </a:extLst>
+          </p:cNvPr>
+          <p:cNvSpPr>
+            <a:spLocks noGrp="1"/>
+          </p:cNvSpPr>
+          <p:nvPr>
+            <p:ph type="ftr" sz="quarter" idx="11"/>
+          </p:nvPr>
+        </p:nvSpPr>
+        <p:spPr>
+          <a:xfrm>
+            <a:off x="4038600" y="6356350"/>
+            <a:ext cx="4114800" cy="365125"/>
+          </a:xfrm>
+        </p:spPr>
+        <p:txBody>
+          <a:bodyPr vert="horz" lIns="91440" tIns="45720" rIns="91440" bIns="45720" rtlCol="0" anchor="ctr">
+            <a:normAutofit/>
+          </a:bodyPr>
+          <a:lstStyle/>
+          <a:p>
+            <a:pPr>
+              <a:defRPr/>
+            </a:pPr>
+            <a:r>
+              <a:rPr lang="en-US" kern="1200" dirty="0">
+                <a:solidFill>
+                  <a:srgbClr val="FFFFFF"/>
+                </a:solidFill>
+                <a:latin typeface="Calibri" panose="020F0502020204030204"/>
+                <a:ea typeface="+mn-ea"/>
+                <a:cs typeface="+mn-cs"/>
+              </a:rPr>
+              <a:t>Demo</a:t>
+            </a:r>
+          </a:p>
+        </p:txBody>
+      </p:sp>
+      <p:sp>
+        <p:nvSpPr>
+          <p:cNvPr id="5" name="Tijdelijke aanduiding voor dianummer 4">
+            <a:extLst>
+              <a:ext uri="{FF2B5EF4-FFF2-40B4-BE49-F238E27FC236}">
+                <a16:creationId xmlns:a16="http://schemas.microsoft.com/office/drawing/2014/main" id="{0B52FCDB-BC60-7812-7E0E-F87A69911089}"/>
+              </a:ext>
+            </a:extLst>
+          </p:cNvPr>
+          <p:cNvSpPr>
+            <a:spLocks noGrp="1"/>
+          </p:cNvSpPr>
+          <p:nvPr>
+            <p:ph type="sldNum" sz="quarter" idx="12"/>
+          </p:nvPr>
+        </p:nvSpPr>
+        <p:spPr>
+          <a:xfrm>
+            <a:off x="8610600" y="6356350"/>
+            <a:ext cx="2743200" cy="365125"/>
+          </a:xfrm>
+        </p:spPr>
+        <p:txBody>
+          <a:bodyPr vert="horz" lIns="91440" tIns="45720" rIns="91440" bIns="45720" rtlCol="0" anchor="ctr">
+            <a:normAutofit/>
+          </a:bodyPr>
+          <a:lstStyle/>
+          <a:p>
+            <a:pPr>
+              <a:spcAft>
+                <a:spcPts val="600"/>
+              </a:spcAft>
+              <a:defRPr/>
+            </a:pPr>
+            <a:fld id="{CF769C61-EDDB-4958-A626-BA0E0F3C6BBE}" type="slidenum">
+              <a:rPr lang="en-US">
+                <a:solidFill>
+                  <a:srgbClr val="FFFFFF"/>
+                </a:solidFill>
+                <a:latin typeface="Calibri" panose="020F0502020204030204"/>
+              </a:rPr>
+              <a:pPr>
+                <a:spcAft>
+                  <a:spcPts val="600"/>
+                </a:spcAft>
+                <a:defRPr/>
+              </a:pPr>
+              <a:t>5</a:t>
+            </a:fld>
+            <a:endParaRPr lang="en-US">
+              <a:solidFill>
+                <a:srgbClr val="FFFFFF"/>
+              </a:solidFill>
+              <a:latin typeface="Calibri" panose="020F0502020204030204"/>
+            </a:endParaRPr>
+          </a:p>
+        </p:txBody>
+      </p:sp>
+    </p:spTree>
+    <p:extLst>
+      <p:ext uri="{BB962C8B-B14F-4D97-AF65-F5344CB8AC3E}">
+        <p14:creationId xmlns:p14="http://schemas.microsoft.com/office/powerpoint/2010/main" val="134436026"/>
+      </p:ext>
+    </p:extLst>
+  </p:cSld>
+  <p:clrMapOvr>
+    <a:overrideClrMapping bg1="dk1" tx1="lt1" bg2="dk2" tx2="lt2" accent1="accent1" accent2="accent2" accent3="accent3" accent4="accent4" accent5="accent5" accent6="accent6" hlink="hlink" folHlink="folHlink"/>
+  </p:clrMapOvr>
+  <mc:AlternateContent xmlns:mc="http://schemas.openxmlformats.org/markup-compatibility/2006">
+    <mc:Choice xmlns:p14="http://schemas.microsoft.com/office/powerpoint/2010/main" Requires="p14">
+      <p:transition spd="med" p14:dur="700">
+        <p:fade/>
+      </p:transition>
+    </mc:Choice>
+    <mc:Fallback>
+      <p:transition spd="med">
+        <p:fade/>
+      </p:transition>
+    </mc:Fallback>
+  </mc:AlternateContent>
+</p:sld>
+</file>
+
+<file path=ppt/slides/slide6.xml><?xml version="1.0" encoding="utf-8"?>
+<p:sld xmlns:a="http://schemas.openxmlformats.org/drawingml/2006/main" xmlns:r="http://schemas.openxmlformats.org/officeDocument/2006/relationships" xmlns:p="http://schemas.openxmlformats.org/presentationml/2006/main">
+  <p:cSld>
+    <p:spTree>
+      <p:nvGrpSpPr>
+        <p:cNvPr id="1" name=""/>
+        <p:cNvGrpSpPr/>
+        <p:nvPr/>
+      </p:nvGrpSpPr>
+      <p:grpSpPr>
+        <a:xfrm>
+          <a:off x="0" y="0"/>
+          <a:ext cx="0" cy="0"/>
+          <a:chOff x="0" y="0"/>
+          <a:chExt cx="0" cy="0"/>
+        </a:xfrm>
+      </p:grpSpPr>
+      <p:pic>
+        <p:nvPicPr>
+          <p:cNvPr id="12" name="Afbeelding 11" descr="Afbeelding met wiel, speelgoed, band, Schaalmodel&#10;&#10;Door AI gegenereerde inhoud is mogelijk onjuist.">
+            <a:extLst>
+              <a:ext uri="{FF2B5EF4-FFF2-40B4-BE49-F238E27FC236}">
+                <a16:creationId xmlns:a16="http://schemas.microsoft.com/office/drawing/2014/main" id="{7AD5E94E-3B8E-ACA1-81A6-75EACA7EBB27}"/>
+              </a:ext>
+            </a:extLst>
+          </p:cNvPr>
+          <p:cNvPicPr>
+            <a:picLocks noChangeAspect="1"/>
+          </p:cNvPicPr>
+          <p:nvPr/>
+        </p:nvPicPr>
+        <p:blipFill>
+          <a:blip r:embed="rId2">
+            <a:grayscl/>
+            <a:extLst>
+              <a:ext uri="{BEBA8EAE-BF5A-486C-A8C5-ECC9F3942E4B}">
+                <a14:imgProps xmlns:a14="http://schemas.microsoft.com/office/drawing/2010/main">
+                  <a14:imgLayer r:embed="rId3">
+                    <a14:imgEffect>
+                      <a14:colorTemperature colorTemp="5187"/>
+                    </a14:imgEffect>
+                  </a14:imgLayer>
+                </a14:imgProps>
+              </a:ext>
+              <a:ext uri="{28A0092B-C50C-407E-A947-70E740481C1C}">
+                <a14:useLocalDpi xmlns:a14="http://schemas.microsoft.com/office/drawing/2010/main" val="0"/>
+              </a:ext>
+            </a:extLst>
+          </a:blip>
+          <a:stretch>
+            <a:fillRect/>
+          </a:stretch>
+        </p:blipFill>
+        <p:spPr>
+          <a:xfrm>
+            <a:off x="9231" y="-136526"/>
+            <a:ext cx="12182769" cy="7092911"/>
+          </a:xfrm>
+          <a:prstGeom prst="rect">
+            <a:avLst/>
+          </a:prstGeom>
+          <a:effectLst>
+            <a:innerShdw blurRad="114300">
+              <a:prstClr val="black"/>
+            </a:innerShdw>
+          </a:effectLst>
+        </p:spPr>
+      </p:pic>
+      <p:sp>
+        <p:nvSpPr>
+          <p:cNvPr id="2" name="Titel 1">
+            <a:extLst>
+              <a:ext uri="{FF2B5EF4-FFF2-40B4-BE49-F238E27FC236}">
+                <a16:creationId xmlns:a16="http://schemas.microsoft.com/office/drawing/2014/main" id="{9C876057-90E5-306B-E13B-7980F51FF1AA}"/>
+              </a:ext>
+            </a:extLst>
+          </p:cNvPr>
+          <p:cNvSpPr>
+            <a:spLocks noGrp="1"/>
+          </p:cNvSpPr>
+          <p:nvPr>
+            <p:ph type="title"/>
+          </p:nvPr>
+        </p:nvSpPr>
+        <p:spPr/>
+        <p:txBody>
+          <a:bodyPr/>
+          <a:lstStyle/>
+          <a:p>
+            <a:r>
+              <a:rPr lang="nl-BE" dirty="0"/>
+              <a:t>Componenten</a:t>
+            </a:r>
+          </a:p>
+        </p:txBody>
+      </p:sp>
+      <p:sp>
+        <p:nvSpPr>
+          <p:cNvPr id="4" name="Tijdelijke aanduiding voor voettekst 3">
+            <a:extLst>
+              <a:ext uri="{FF2B5EF4-FFF2-40B4-BE49-F238E27FC236}">
+                <a16:creationId xmlns:a16="http://schemas.microsoft.com/office/drawing/2014/main" id="{CE52546A-315F-C502-4F24-253C55064808}"/>
+              </a:ext>
+            </a:extLst>
+          </p:cNvPr>
+          <p:cNvSpPr>
+            <a:spLocks noGrp="1"/>
+          </p:cNvSpPr>
+          <p:nvPr>
+            <p:ph type="ftr" sz="quarter" idx="11"/>
+          </p:nvPr>
+        </p:nvSpPr>
+        <p:spPr/>
+        <p:txBody>
+          <a:bodyPr/>
+          <a:lstStyle/>
+          <a:p>
+            <a:r>
+              <a:rPr lang="nl-BE" dirty="0"/>
+              <a:t>Hardware</a:t>
+            </a:r>
+          </a:p>
+        </p:txBody>
+      </p:sp>
+      <p:sp>
+        <p:nvSpPr>
+          <p:cNvPr id="5" name="Tijdelijke aanduiding voor dianummer 4">
+            <a:extLst>
+              <a:ext uri="{FF2B5EF4-FFF2-40B4-BE49-F238E27FC236}">
+                <a16:creationId xmlns:a16="http://schemas.microsoft.com/office/drawing/2014/main" id="{40BC97F9-577C-33DE-CDEE-470B6CE21786}"/>
+              </a:ext>
+            </a:extLst>
+          </p:cNvPr>
+          <p:cNvSpPr>
+            <a:spLocks noGrp="1"/>
+          </p:cNvSpPr>
+          <p:nvPr>
+            <p:ph type="sldNum" sz="quarter" idx="12"/>
+          </p:nvPr>
+        </p:nvSpPr>
+        <p:spPr/>
+        <p:txBody>
+          <a:bodyPr/>
+          <a:lstStyle/>
+          <a:p>
+            <a:fld id="{CF769C61-EDDB-4958-A626-BA0E0F3C6BBE}" type="slidenum">
+              <a:rPr lang="nl-BE" smtClean="0"/>
+              <a:t>6</a:t>
+            </a:fld>
+            <a:endParaRPr lang="nl-BE" dirty="0"/>
+          </a:p>
+        </p:txBody>
+      </p:sp>
+      <p:graphicFrame>
+        <p:nvGraphicFramePr>
+          <p:cNvPr id="10" name="Tijdelijke aanduiding voor inhoud 9">
+            <a:extLst>
+              <a:ext uri="{FF2B5EF4-FFF2-40B4-BE49-F238E27FC236}">
+                <a16:creationId xmlns:a16="http://schemas.microsoft.com/office/drawing/2014/main" id="{18C31288-7058-5959-523A-EF7F6467EF6B}"/>
+              </a:ext>
+            </a:extLst>
+          </p:cNvPr>
+          <p:cNvGraphicFramePr>
+            <a:graphicFrameLocks noGrp="1"/>
+          </p:cNvGraphicFramePr>
+          <p:nvPr>
+            <p:ph idx="1"/>
+            <p:extLst>
+              <p:ext uri="{D42A27DB-BD31-4B8C-83A1-F6EECF244321}">
+                <p14:modId xmlns:p14="http://schemas.microsoft.com/office/powerpoint/2010/main" val="2870130333"/>
+              </p:ext>
+            </p:extLst>
+          </p:nvPr>
+        </p:nvGraphicFramePr>
+        <p:xfrm>
+          <a:off x="838200" y="1825625"/>
+          <a:ext cx="10515600" cy="3307080"/>
+        </p:xfrm>
+        <a:graphic>
+          <a:graphicData uri="http://schemas.openxmlformats.org/drawingml/2006/table">
+            <a:tbl>
+              <a:tblPr firstRow="1" bandRow="1">
+                <a:tableStyleId>{5C22544A-7EE6-4342-B048-85BDC9FD1C3A}</a:tableStyleId>
+              </a:tblPr>
+              <a:tblGrid>
+                <a:gridCol w="1735318">
+                  <a:extLst>
+                    <a:ext uri="{9D8B030D-6E8A-4147-A177-3AD203B41FA5}">
+                      <a16:colId xmlns:a16="http://schemas.microsoft.com/office/drawing/2014/main" val="3686363852"/>
+                    </a:ext>
+                  </a:extLst>
+                </a:gridCol>
+                <a:gridCol w="3522482">
+                  <a:extLst>
+                    <a:ext uri="{9D8B030D-6E8A-4147-A177-3AD203B41FA5}">
+                      <a16:colId xmlns:a16="http://schemas.microsoft.com/office/drawing/2014/main" val="3117087841"/>
+                    </a:ext>
+                  </a:extLst>
+                </a:gridCol>
+                <a:gridCol w="1633979">
+                  <a:extLst>
+                    <a:ext uri="{9D8B030D-6E8A-4147-A177-3AD203B41FA5}">
+                      <a16:colId xmlns:a16="http://schemas.microsoft.com/office/drawing/2014/main" val="866588181"/>
+                    </a:ext>
+                  </a:extLst>
+                </a:gridCol>
+                <a:gridCol w="3623821">
+                  <a:extLst>
+                    <a:ext uri="{9D8B030D-6E8A-4147-A177-3AD203B41FA5}">
+                      <a16:colId xmlns:a16="http://schemas.microsoft.com/office/drawing/2014/main" val="1371200918"/>
+                    </a:ext>
+                  </a:extLst>
+                </a:gridCol>
+              </a:tblGrid>
+              <a:tr h="370840">
+                <a:tc>
+                  <a:txBody>
+                    <a:bodyPr/>
+                    <a:lstStyle/>
+                    <a:p>
+                      <a:r>
+                        <a:rPr lang="nl-BE" dirty="0"/>
+                        <a:t>Component</a:t>
+                      </a:r>
+                    </a:p>
+                  </a:txBody>
+                  <a:tcPr>
+                    <a:lnL w="12700" cap="flat" cmpd="sng" algn="ctr">
+                      <a:solidFill>
+                        <a:schemeClr val="tx1"/>
+                      </a:solidFill>
+                      <a:prstDash val="solid"/>
+                      <a:round/>
+                      <a:headEnd type="none" w="med" len="med"/>
+                      <a:tailEnd type="none" w="med" len="med"/>
+                    </a:lnL>
+                    <a:lnR w="12700" cap="flat" cmpd="sng" algn="ctr">
+                      <a:solidFill>
+                        <a:schemeClr val="tx1"/>
+                      </a:solidFill>
+                      <a:prstDash val="solid"/>
+                      <a:round/>
+                      <a:headEnd type="none" w="med" len="med"/>
+                      <a:tailEnd type="none" w="med" len="med"/>
+                    </a:lnR>
+                    <a:lnT w="12700" cap="flat" cmpd="sng" algn="ctr">
+                      <a:solidFill>
+                        <a:schemeClr val="tx1"/>
+                      </a:solidFill>
+                      <a:prstDash val="solid"/>
+                      <a:round/>
+                      <a:headEnd type="none" w="med" len="med"/>
+                      <a:tailEnd type="none" w="med" len="med"/>
+                    </a:lnT>
+                    <a:lnB w="12700" cap="flat" cmpd="sng" algn="ctr">
+                      <a:solidFill>
+                        <a:schemeClr val="tx1"/>
+                      </a:solidFill>
+                      <a:prstDash val="solid"/>
+                      <a:round/>
+                      <a:headEnd type="none" w="med" len="med"/>
+                      <a:tailEnd type="none" w="med" len="med"/>
+                    </a:lnB>
+                    <a:solidFill>
+                      <a:srgbClr val="FFC000"/>
+                    </a:solidFill>
+                  </a:tcPr>
+                </a:tc>
+                <a:tc>
+                  <a:txBody>
+                    <a:bodyPr/>
+                    <a:lstStyle/>
+                    <a:p>
+                      <a:r>
+                        <a:rPr lang="nl-BE" dirty="0"/>
+                        <a:t>Bedoeling component</a:t>
+                      </a:r>
+                    </a:p>
+                  </a:txBody>
+                  <a:tcPr>
+                    <a:lnL w="12700" cap="flat" cmpd="sng" algn="ctr">
+                      <a:solidFill>
+                        <a:schemeClr val="tx1"/>
+                      </a:solidFill>
+                      <a:prstDash val="solid"/>
+                      <a:round/>
+                      <a:headEnd type="none" w="med" len="med"/>
+                      <a:tailEnd type="none" w="med" len="med"/>
+                    </a:lnL>
+                    <a:lnR w="12700" cap="flat" cmpd="sng" algn="ctr">
+                      <a:solidFill>
+                        <a:schemeClr val="tx1"/>
+                      </a:solidFill>
+                      <a:prstDash val="solid"/>
+                      <a:round/>
+                      <a:headEnd type="none" w="med" len="med"/>
+                      <a:tailEnd type="none" w="med" len="med"/>
+                    </a:lnR>
+                    <a:lnT w="12700" cap="flat" cmpd="sng" algn="ctr">
+                      <a:solidFill>
+                        <a:schemeClr val="tx1"/>
+                      </a:solidFill>
+                      <a:prstDash val="solid"/>
+                      <a:round/>
+                      <a:headEnd type="none" w="med" len="med"/>
+                      <a:tailEnd type="none" w="med" len="med"/>
+                    </a:lnT>
+                    <a:lnB w="12700" cap="flat" cmpd="sng" algn="ctr">
+                      <a:solidFill>
+                        <a:schemeClr val="tx1"/>
+                      </a:solidFill>
+                      <a:prstDash val="solid"/>
+                      <a:round/>
+                      <a:headEnd type="none" w="med" len="med"/>
+                      <a:tailEnd type="none" w="med" len="med"/>
+                    </a:lnB>
+                    <a:solidFill>
+                      <a:srgbClr val="FFC000"/>
+                    </a:solidFill>
+                  </a:tcPr>
+                </a:tc>
+                <a:tc>
+                  <a:txBody>
+                    <a:bodyPr/>
+                    <a:lstStyle/>
+                    <a:p>
+                      <a:r>
+                        <a:rPr lang="nl-BE" dirty="0"/>
+                        <a:t>Component</a:t>
+                      </a:r>
+                    </a:p>
+                  </a:txBody>
+                  <a:tcPr>
+                    <a:lnL w="12700" cap="flat" cmpd="sng" algn="ctr">
+                      <a:solidFill>
+                        <a:schemeClr val="tx1"/>
+                      </a:solidFill>
+                      <a:prstDash val="solid"/>
+                      <a:round/>
+                      <a:headEnd type="none" w="med" len="med"/>
+                      <a:tailEnd type="none" w="med" len="med"/>
+                    </a:lnL>
+                    <a:lnR w="12700" cap="flat" cmpd="sng" algn="ctr">
+                      <a:solidFill>
+                        <a:schemeClr val="tx1"/>
+                      </a:solidFill>
+                      <a:prstDash val="solid"/>
+                      <a:round/>
+                      <a:headEnd type="none" w="med" len="med"/>
+                      <a:tailEnd type="none" w="med" len="med"/>
+                    </a:lnR>
+                    <a:lnT w="12700" cap="flat" cmpd="sng" algn="ctr">
+                      <a:solidFill>
+                        <a:schemeClr val="tx1"/>
+                      </a:solidFill>
+                      <a:prstDash val="solid"/>
+                      <a:round/>
+                      <a:headEnd type="none" w="med" len="med"/>
+                      <a:tailEnd type="none" w="med" len="med"/>
+                    </a:lnT>
+                    <a:lnB w="12700" cap="flat" cmpd="sng" algn="ctr">
+                      <a:solidFill>
+                        <a:schemeClr val="tx1"/>
+                      </a:solidFill>
+                      <a:prstDash val="solid"/>
+                      <a:round/>
+                      <a:headEnd type="none" w="med" len="med"/>
+                      <a:tailEnd type="none" w="med" len="med"/>
+                    </a:lnB>
+                    <a:solidFill>
+                      <a:srgbClr val="FFC000"/>
+                    </a:solidFill>
+                  </a:tcPr>
+                </a:tc>
+                <a:tc>
+                  <a:txBody>
+                    <a:bodyPr/>
+                    <a:lstStyle/>
+                    <a:p>
+                      <a:r>
+                        <a:rPr lang="nl-BE" dirty="0"/>
+                        <a:t>Bedoeling component</a:t>
+                      </a:r>
+                    </a:p>
+                  </a:txBody>
+                  <a:tcPr>
+                    <a:lnL w="12700" cap="flat" cmpd="sng" algn="ctr">
+                      <a:solidFill>
+                        <a:schemeClr val="tx1"/>
+                      </a:solidFill>
+                      <a:prstDash val="solid"/>
+                      <a:round/>
+                      <a:headEnd type="none" w="med" len="med"/>
+                      <a:tailEnd type="none" w="med" len="med"/>
+                    </a:lnL>
+                    <a:lnR w="12700" cap="flat" cmpd="sng" algn="ctr">
+                      <a:solidFill>
+                        <a:schemeClr val="tx1"/>
+                      </a:solidFill>
+                      <a:prstDash val="solid"/>
+                      <a:round/>
+                      <a:headEnd type="none" w="med" len="med"/>
+                      <a:tailEnd type="none" w="med" len="med"/>
+                    </a:lnR>
+                    <a:lnT w="12700" cap="flat" cmpd="sng" algn="ctr">
+                      <a:solidFill>
+                        <a:schemeClr val="tx1"/>
+                      </a:solidFill>
+                      <a:prstDash val="solid"/>
+                      <a:round/>
+                      <a:headEnd type="none" w="med" len="med"/>
+                      <a:tailEnd type="none" w="med" len="med"/>
+                    </a:lnT>
+                    <a:lnB w="12700" cap="flat" cmpd="sng" algn="ctr">
+                      <a:solidFill>
+                        <a:schemeClr val="tx1"/>
+                      </a:solidFill>
+                      <a:prstDash val="solid"/>
+                      <a:round/>
+                      <a:headEnd type="none" w="med" len="med"/>
+                      <a:tailEnd type="none" w="med" len="med"/>
+                    </a:lnB>
+                    <a:solidFill>
+                      <a:srgbClr val="FFC000"/>
+                    </a:solidFill>
+                  </a:tcPr>
+                </a:tc>
+                <a:extLst>
+                  <a:ext uri="{0D108BD9-81ED-4DB2-BD59-A6C34878D82A}">
+                    <a16:rowId xmlns:a16="http://schemas.microsoft.com/office/drawing/2014/main" val="2294245853"/>
+                  </a:ext>
+                </a:extLst>
+              </a:tr>
+              <a:tr h="370840">
+                <a:tc>
+                  <a:txBody>
+                    <a:bodyPr/>
+                    <a:lstStyle/>
+                    <a:p>
+                      <a:r>
+                        <a:rPr lang="nl-BE" dirty="0">
+                          <a:solidFill>
+                            <a:schemeClr val="bg1"/>
+                          </a:solidFill>
+                        </a:rPr>
+                        <a:t>Raspberry-pi</a:t>
+                      </a:r>
+                    </a:p>
+                  </a:txBody>
+                  <a:tcPr>
+                    <a:lnL w="12700" cap="flat" cmpd="sng" algn="ctr">
+                      <a:solidFill>
+                        <a:schemeClr val="tx1"/>
+                      </a:solidFill>
+                      <a:prstDash val="solid"/>
+                      <a:round/>
+                      <a:headEnd type="none" w="med" len="med"/>
+                      <a:tailEnd type="none" w="med" len="med"/>
+                    </a:lnL>
+                    <a:lnR w="12700" cap="flat" cmpd="sng" algn="ctr">
+                      <a:solidFill>
+                        <a:schemeClr val="tx1"/>
+                      </a:solidFill>
+                      <a:prstDash val="solid"/>
+                      <a:round/>
+                      <a:headEnd type="none" w="med" len="med"/>
+                      <a:tailEnd type="none" w="med" len="med"/>
+                    </a:lnR>
+                    <a:lnT w="12700" cap="flat" cmpd="sng" algn="ctr">
+                      <a:solidFill>
+                        <a:schemeClr val="tx1"/>
+                      </a:solidFill>
+                      <a:prstDash val="solid"/>
+                      <a:round/>
+                      <a:headEnd type="none" w="med" len="med"/>
+                      <a:tailEnd type="none" w="med" len="med"/>
+                    </a:lnT>
+                    <a:lnB w="12700" cap="flat" cmpd="sng" algn="ctr">
+                      <a:solidFill>
+                        <a:schemeClr val="tx1"/>
+                      </a:solidFill>
+                      <a:prstDash val="solid"/>
+                      <a:round/>
+                      <a:headEnd type="none" w="med" len="med"/>
+                      <a:tailEnd type="none" w="med" len="med"/>
+                    </a:lnB>
+                    <a:solidFill>
+                      <a:schemeClr val="tx1">
+                        <a:lumMod val="65000"/>
+                        <a:lumOff val="35000"/>
+                      </a:schemeClr>
+                    </a:solidFill>
+                  </a:tcPr>
+                </a:tc>
+                <a:tc>
+                  <a:txBody>
+                    <a:bodyPr/>
+                    <a:lstStyle/>
+                    <a:p>
+                      <a:r>
+                        <a:rPr lang="nl-BE" dirty="0">
+                          <a:solidFill>
+                            <a:schemeClr val="bg1"/>
+                          </a:solidFill>
+                        </a:rPr>
+                        <a:t>Juiste aansturing naar </a:t>
+                      </a:r>
+                      <a:br>
+                        <a:rPr lang="nl-BE" dirty="0">
+                          <a:solidFill>
+                            <a:schemeClr val="bg1"/>
+                          </a:solidFill>
+                        </a:rPr>
+                      </a:br>
+                      <a:r>
+                        <a:rPr lang="nl-BE" dirty="0">
+                          <a:solidFill>
+                            <a:schemeClr val="bg1"/>
+                          </a:solidFill>
+                        </a:rPr>
+                        <a:t>DC-motoren</a:t>
+                      </a:r>
+                    </a:p>
+                  </a:txBody>
+                  <a:tcPr>
+                    <a:lnL w="12700" cap="flat" cmpd="sng" algn="ctr">
+                      <a:solidFill>
+                        <a:schemeClr val="tx1"/>
+                      </a:solidFill>
+                      <a:prstDash val="solid"/>
+                      <a:round/>
+                      <a:headEnd type="none" w="med" len="med"/>
+                      <a:tailEnd type="none" w="med" len="med"/>
+                    </a:lnL>
+                    <a:lnR w="12700" cap="flat" cmpd="sng" algn="ctr">
+                      <a:solidFill>
+                        <a:schemeClr val="tx1"/>
+                      </a:solidFill>
+                      <a:prstDash val="solid"/>
+                      <a:round/>
+                      <a:headEnd type="none" w="med" len="med"/>
+                      <a:tailEnd type="none" w="med" len="med"/>
+                    </a:lnR>
+                    <a:lnT w="12700" cap="flat" cmpd="sng" algn="ctr">
+                      <a:solidFill>
+                        <a:schemeClr val="tx1"/>
+                      </a:solidFill>
+                      <a:prstDash val="solid"/>
+                      <a:round/>
+                      <a:headEnd type="none" w="med" len="med"/>
+                      <a:tailEnd type="none" w="med" len="med"/>
+                    </a:lnT>
+                    <a:lnB w="12700" cap="flat" cmpd="sng" algn="ctr">
+                      <a:solidFill>
+                        <a:schemeClr val="tx1"/>
+                      </a:solidFill>
+                      <a:prstDash val="solid"/>
+                      <a:round/>
+                      <a:headEnd type="none" w="med" len="med"/>
+                      <a:tailEnd type="none" w="med" len="med"/>
+                    </a:lnB>
+                    <a:solidFill>
+                      <a:schemeClr val="tx1">
+                        <a:lumMod val="65000"/>
+                        <a:lumOff val="35000"/>
+                      </a:schemeClr>
+                    </a:solidFill>
+                  </a:tcPr>
+                </a:tc>
+                <a:tc>
+                  <a:txBody>
+                    <a:bodyPr/>
+                    <a:lstStyle/>
+                    <a:p>
+                      <a:r>
+                        <a:rPr lang="nl-BE" dirty="0">
+                          <a:solidFill>
+                            <a:schemeClr val="bg1"/>
+                          </a:solidFill>
+                        </a:rPr>
+                        <a:t>Schakelaar</a:t>
+                      </a:r>
+                    </a:p>
+                  </a:txBody>
+                  <a:tcPr>
+                    <a:lnL w="12700" cap="flat" cmpd="sng" algn="ctr">
+                      <a:solidFill>
+                        <a:schemeClr val="tx1"/>
+                      </a:solidFill>
+                      <a:prstDash val="solid"/>
+                      <a:round/>
+                      <a:headEnd type="none" w="med" len="med"/>
+                      <a:tailEnd type="none" w="med" len="med"/>
+                    </a:lnL>
+                    <a:lnR w="12700" cap="flat" cmpd="sng" algn="ctr">
+                      <a:solidFill>
+                        <a:schemeClr val="tx1"/>
+                      </a:solidFill>
+                      <a:prstDash val="solid"/>
+                      <a:round/>
+                      <a:headEnd type="none" w="med" len="med"/>
+                      <a:tailEnd type="none" w="med" len="med"/>
+                    </a:lnR>
+                    <a:lnT w="12700" cap="flat" cmpd="sng" algn="ctr">
+                      <a:solidFill>
+                        <a:schemeClr val="tx1"/>
+                      </a:solidFill>
+                      <a:prstDash val="solid"/>
+                      <a:round/>
+                      <a:headEnd type="none" w="med" len="med"/>
+                      <a:tailEnd type="none" w="med" len="med"/>
+                    </a:lnT>
+                    <a:lnB w="12700" cap="flat" cmpd="sng" algn="ctr">
+                      <a:solidFill>
+                        <a:schemeClr val="tx1"/>
+                      </a:solidFill>
+                      <a:prstDash val="solid"/>
+                      <a:round/>
+                      <a:headEnd type="none" w="med" len="med"/>
+                      <a:tailEnd type="none" w="med" len="med"/>
+                    </a:lnB>
+                    <a:solidFill>
+                      <a:schemeClr val="tx1">
+                        <a:lumMod val="65000"/>
+                        <a:lumOff val="35000"/>
+                      </a:schemeClr>
+                    </a:solidFill>
+                  </a:tcPr>
+                </a:tc>
+                <a:tc>
+                  <a:txBody>
+                    <a:bodyPr/>
+                    <a:lstStyle/>
+                    <a:p>
+                      <a:r>
+                        <a:rPr lang="nl-BE" dirty="0">
+                          <a:solidFill>
+                            <a:schemeClr val="bg1"/>
+                          </a:solidFill>
+                        </a:rPr>
+                        <a:t>Aan- en uitzetten controller</a:t>
+                      </a:r>
+                    </a:p>
+                  </a:txBody>
+                  <a:tcPr>
+                    <a:lnL w="12700" cap="flat" cmpd="sng" algn="ctr">
+                      <a:solidFill>
+                        <a:schemeClr val="tx1"/>
+                      </a:solidFill>
+                      <a:prstDash val="solid"/>
+                      <a:round/>
+                      <a:headEnd type="none" w="med" len="med"/>
+                      <a:tailEnd type="none" w="med" len="med"/>
+                    </a:lnL>
+                    <a:lnR w="12700" cap="flat" cmpd="sng" algn="ctr">
+                      <a:solidFill>
+                        <a:schemeClr val="tx1"/>
+                      </a:solidFill>
+                      <a:prstDash val="solid"/>
+                      <a:round/>
+                      <a:headEnd type="none" w="med" len="med"/>
+                      <a:tailEnd type="none" w="med" len="med"/>
+                    </a:lnR>
+                    <a:lnT w="12700" cap="flat" cmpd="sng" algn="ctr">
+                      <a:solidFill>
+                        <a:schemeClr val="tx1"/>
+                      </a:solidFill>
+                      <a:prstDash val="solid"/>
+                      <a:round/>
+                      <a:headEnd type="none" w="med" len="med"/>
+                      <a:tailEnd type="none" w="med" len="med"/>
+                    </a:lnT>
+                    <a:lnB w="12700" cap="flat" cmpd="sng" algn="ctr">
+                      <a:solidFill>
+                        <a:schemeClr val="tx1"/>
+                      </a:solidFill>
+                      <a:prstDash val="solid"/>
+                      <a:round/>
+                      <a:headEnd type="none" w="med" len="med"/>
+                      <a:tailEnd type="none" w="med" len="med"/>
+                    </a:lnB>
+                    <a:solidFill>
+                      <a:schemeClr val="tx1">
+                        <a:lumMod val="65000"/>
+                        <a:lumOff val="35000"/>
+                      </a:schemeClr>
+                    </a:solidFill>
+                  </a:tcPr>
+                </a:tc>
+                <a:extLst>
+                  <a:ext uri="{0D108BD9-81ED-4DB2-BD59-A6C34878D82A}">
+                    <a16:rowId xmlns:a16="http://schemas.microsoft.com/office/drawing/2014/main" val="2078450679"/>
+                  </a:ext>
+                </a:extLst>
+              </a:tr>
+              <a:tr h="370840">
+                <a:tc>
+                  <a:txBody>
+                    <a:bodyPr/>
+                    <a:lstStyle/>
+                    <a:p>
+                      <a:r>
+                        <a:rPr lang="nl-BE" dirty="0">
+                          <a:solidFill>
+                            <a:schemeClr val="bg1"/>
+                          </a:solidFill>
+                        </a:rPr>
+                        <a:t>ESP32-Feather</a:t>
+                      </a:r>
+                    </a:p>
+                  </a:txBody>
+                  <a:tcPr>
+                    <a:lnL w="12700" cap="flat" cmpd="sng" algn="ctr">
+                      <a:solidFill>
+                        <a:schemeClr val="tx1"/>
+                      </a:solidFill>
+                      <a:prstDash val="solid"/>
+                      <a:round/>
+                      <a:headEnd type="none" w="med" len="med"/>
+                      <a:tailEnd type="none" w="med" len="med"/>
+                    </a:lnL>
+                    <a:lnR w="12700" cap="flat" cmpd="sng" algn="ctr">
+                      <a:solidFill>
+                        <a:schemeClr val="tx1"/>
+                      </a:solidFill>
+                      <a:prstDash val="solid"/>
+                      <a:round/>
+                      <a:headEnd type="none" w="med" len="med"/>
+                      <a:tailEnd type="none" w="med" len="med"/>
+                    </a:lnR>
+                    <a:lnT w="12700" cap="flat" cmpd="sng" algn="ctr">
+                      <a:solidFill>
+                        <a:schemeClr val="tx1"/>
+                      </a:solidFill>
+                      <a:prstDash val="solid"/>
+                      <a:round/>
+                      <a:headEnd type="none" w="med" len="med"/>
+                      <a:tailEnd type="none" w="med" len="med"/>
+                    </a:lnT>
+                    <a:lnB w="12700" cap="flat" cmpd="sng" algn="ctr">
+                      <a:solidFill>
+                        <a:schemeClr val="tx1"/>
+                      </a:solidFill>
+                      <a:prstDash val="solid"/>
+                      <a:round/>
+                      <a:headEnd type="none" w="med" len="med"/>
+                      <a:tailEnd type="none" w="med" len="med"/>
+                    </a:lnB>
+                    <a:solidFill>
+                      <a:schemeClr val="bg2">
+                        <a:lumMod val="75000"/>
+                      </a:schemeClr>
+                    </a:solidFill>
+                  </a:tcPr>
+                </a:tc>
+                <a:tc>
+                  <a:txBody>
+                    <a:bodyPr/>
+                    <a:lstStyle/>
+                    <a:p>
+                      <a:r>
+                        <a:rPr lang="nl-BE" dirty="0">
+                          <a:solidFill>
+                            <a:schemeClr val="bg1"/>
+                          </a:solidFill>
+                        </a:rPr>
+                        <a:t>Doorgeven van juiste waarden naar de Raspberry-pi voor besturen robot</a:t>
+                      </a:r>
+                    </a:p>
+                  </a:txBody>
+                  <a:tcPr>
+                    <a:lnL w="12700" cap="flat" cmpd="sng" algn="ctr">
+                      <a:solidFill>
+                        <a:schemeClr val="tx1"/>
+                      </a:solidFill>
+                      <a:prstDash val="solid"/>
+                      <a:round/>
+                      <a:headEnd type="none" w="med" len="med"/>
+                      <a:tailEnd type="none" w="med" len="med"/>
+                    </a:lnL>
+                    <a:lnR w="12700" cap="flat" cmpd="sng" algn="ctr">
+                      <a:solidFill>
+                        <a:schemeClr val="tx1"/>
+                      </a:solidFill>
+                      <a:prstDash val="solid"/>
+                      <a:round/>
+                      <a:headEnd type="none" w="med" len="med"/>
+                      <a:tailEnd type="none" w="med" len="med"/>
+                    </a:lnR>
+                    <a:lnT w="12700" cap="flat" cmpd="sng" algn="ctr">
+                      <a:solidFill>
+                        <a:schemeClr val="tx1"/>
+                      </a:solidFill>
+                      <a:prstDash val="solid"/>
+                      <a:round/>
+                      <a:headEnd type="none" w="med" len="med"/>
+                      <a:tailEnd type="none" w="med" len="med"/>
+                    </a:lnT>
+                    <a:lnB w="12700" cap="flat" cmpd="sng" algn="ctr">
+                      <a:solidFill>
+                        <a:schemeClr val="tx1"/>
+                      </a:solidFill>
+                      <a:prstDash val="solid"/>
+                      <a:round/>
+                      <a:headEnd type="none" w="med" len="med"/>
+                      <a:tailEnd type="none" w="med" len="med"/>
+                    </a:lnB>
+                    <a:solidFill>
+                      <a:schemeClr val="bg2">
+                        <a:lumMod val="75000"/>
+                      </a:schemeClr>
+                    </a:solidFill>
+                  </a:tcPr>
+                </a:tc>
+                <a:tc>
+                  <a:txBody>
+                    <a:bodyPr/>
+                    <a:lstStyle/>
+                    <a:p>
+                      <a:r>
+                        <a:rPr lang="nl-BE" dirty="0">
+                          <a:solidFill>
+                            <a:schemeClr val="bg1"/>
+                          </a:solidFill>
+                        </a:rPr>
+                        <a:t>H-bruggen</a:t>
+                      </a:r>
+                    </a:p>
+                  </a:txBody>
+                  <a:tcPr>
+                    <a:lnL w="12700" cap="flat" cmpd="sng" algn="ctr">
+                      <a:solidFill>
+                        <a:schemeClr val="tx1"/>
+                      </a:solidFill>
+                      <a:prstDash val="solid"/>
+                      <a:round/>
+                      <a:headEnd type="none" w="med" len="med"/>
+                      <a:tailEnd type="none" w="med" len="med"/>
+                    </a:lnL>
+                    <a:lnR w="12700" cap="flat" cmpd="sng" algn="ctr">
+                      <a:solidFill>
+                        <a:schemeClr val="tx1"/>
+                      </a:solidFill>
+                      <a:prstDash val="solid"/>
+                      <a:round/>
+                      <a:headEnd type="none" w="med" len="med"/>
+                      <a:tailEnd type="none" w="med" len="med"/>
+                    </a:lnR>
+                    <a:lnT w="12700" cap="flat" cmpd="sng" algn="ctr">
+                      <a:solidFill>
+                        <a:schemeClr val="tx1"/>
+                      </a:solidFill>
+                      <a:prstDash val="solid"/>
+                      <a:round/>
+                      <a:headEnd type="none" w="med" len="med"/>
+                      <a:tailEnd type="none" w="med" len="med"/>
+                    </a:lnT>
+                    <a:lnB w="12700" cap="flat" cmpd="sng" algn="ctr">
+                      <a:solidFill>
+                        <a:schemeClr val="tx1"/>
+                      </a:solidFill>
+                      <a:prstDash val="solid"/>
+                      <a:round/>
+                      <a:headEnd type="none" w="med" len="med"/>
+                      <a:tailEnd type="none" w="med" len="med"/>
+                    </a:lnB>
+                    <a:solidFill>
+                      <a:schemeClr val="bg2">
+                        <a:lumMod val="75000"/>
+                      </a:schemeClr>
+                    </a:solidFill>
+                  </a:tcPr>
+                </a:tc>
+                <a:tc>
+                  <a:txBody>
+                    <a:bodyPr/>
+                    <a:lstStyle/>
+                    <a:p>
+                      <a:r>
+                        <a:rPr lang="nl-BE" dirty="0">
+                          <a:solidFill>
+                            <a:schemeClr val="bg1"/>
+                          </a:solidFill>
+                        </a:rPr>
+                        <a:t>Zorgen juiste snelheid en draaikant van DC-motors</a:t>
+                      </a:r>
+                    </a:p>
+                  </a:txBody>
+                  <a:tcPr>
+                    <a:lnL w="12700" cap="flat" cmpd="sng" algn="ctr">
+                      <a:solidFill>
+                        <a:schemeClr val="tx1"/>
+                      </a:solidFill>
+                      <a:prstDash val="solid"/>
+                      <a:round/>
+                      <a:headEnd type="none" w="med" len="med"/>
+                      <a:tailEnd type="none" w="med" len="med"/>
+                    </a:lnL>
+                    <a:lnR w="12700" cap="flat" cmpd="sng" algn="ctr">
+                      <a:solidFill>
+                        <a:schemeClr val="tx1"/>
+                      </a:solidFill>
+                      <a:prstDash val="solid"/>
+                      <a:round/>
+                      <a:headEnd type="none" w="med" len="med"/>
+                      <a:tailEnd type="none" w="med" len="med"/>
+                    </a:lnR>
+                    <a:lnT w="12700" cap="flat" cmpd="sng" algn="ctr">
+                      <a:solidFill>
+                        <a:schemeClr val="tx1"/>
+                      </a:solidFill>
+                      <a:prstDash val="solid"/>
+                      <a:round/>
+                      <a:headEnd type="none" w="med" len="med"/>
+                      <a:tailEnd type="none" w="med" len="med"/>
+                    </a:lnT>
+                    <a:lnB w="12700" cap="flat" cmpd="sng" algn="ctr">
+                      <a:solidFill>
+                        <a:schemeClr val="tx1"/>
+                      </a:solidFill>
+                      <a:prstDash val="solid"/>
+                      <a:round/>
+                      <a:headEnd type="none" w="med" len="med"/>
+                      <a:tailEnd type="none" w="med" len="med"/>
+                    </a:lnB>
+                    <a:solidFill>
+                      <a:schemeClr val="bg2">
+                        <a:lumMod val="75000"/>
+                      </a:schemeClr>
+                    </a:solidFill>
+                  </a:tcPr>
+                </a:tc>
+                <a:extLst>
+                  <a:ext uri="{0D108BD9-81ED-4DB2-BD59-A6C34878D82A}">
+                    <a16:rowId xmlns:a16="http://schemas.microsoft.com/office/drawing/2014/main" val="652919433"/>
+                  </a:ext>
+                </a:extLst>
+              </a:tr>
+              <a:tr h="370840">
+                <a:tc>
+                  <a:txBody>
+                    <a:bodyPr/>
+                    <a:lstStyle/>
+                    <a:p>
+                      <a:r>
+                        <a:rPr lang="nl-BE" dirty="0">
+                          <a:solidFill>
+                            <a:schemeClr val="bg1"/>
+                          </a:solidFill>
+                        </a:rPr>
+                        <a:t>Laptop</a:t>
+                      </a:r>
+                    </a:p>
+                  </a:txBody>
+                  <a:tcPr>
+                    <a:lnL w="12700" cap="flat" cmpd="sng" algn="ctr">
+                      <a:solidFill>
+                        <a:schemeClr val="tx1"/>
+                      </a:solidFill>
+                      <a:prstDash val="solid"/>
+                      <a:round/>
+                      <a:headEnd type="none" w="med" len="med"/>
+                      <a:tailEnd type="none" w="med" len="med"/>
+                    </a:lnL>
+                    <a:lnR w="12700" cap="flat" cmpd="sng" algn="ctr">
+                      <a:solidFill>
+                        <a:schemeClr val="tx1"/>
+                      </a:solidFill>
+                      <a:prstDash val="solid"/>
+                      <a:round/>
+                      <a:headEnd type="none" w="med" len="med"/>
+                      <a:tailEnd type="none" w="med" len="med"/>
+                    </a:lnR>
+                    <a:lnT w="12700" cap="flat" cmpd="sng" algn="ctr">
+                      <a:solidFill>
+                        <a:schemeClr val="tx1"/>
+                      </a:solidFill>
+                      <a:prstDash val="solid"/>
+                      <a:round/>
+                      <a:headEnd type="none" w="med" len="med"/>
+                      <a:tailEnd type="none" w="med" len="med"/>
+                    </a:lnT>
+                    <a:lnB w="12700" cap="flat" cmpd="sng" algn="ctr">
+                      <a:solidFill>
+                        <a:schemeClr val="tx1"/>
+                      </a:solidFill>
+                      <a:prstDash val="solid"/>
+                      <a:round/>
+                      <a:headEnd type="none" w="med" len="med"/>
+                      <a:tailEnd type="none" w="med" len="med"/>
+                    </a:lnB>
+                    <a:solidFill>
+                      <a:schemeClr val="tx1">
+                        <a:lumMod val="65000"/>
+                        <a:lumOff val="35000"/>
+                      </a:schemeClr>
+                    </a:solidFill>
+                  </a:tcPr>
+                </a:tc>
+                <a:tc>
+                  <a:txBody>
+                    <a:bodyPr/>
+                    <a:lstStyle/>
+                    <a:p>
+                      <a:r>
+                        <a:rPr lang="nl-BE" dirty="0">
+                          <a:solidFill>
+                            <a:schemeClr val="bg1"/>
+                          </a:solidFill>
+                        </a:rPr>
+                        <a:t>Besturen robot via dashboard</a:t>
+                      </a:r>
+                    </a:p>
+                  </a:txBody>
+                  <a:tcPr>
+                    <a:lnL w="12700" cap="flat" cmpd="sng" algn="ctr">
+                      <a:solidFill>
+                        <a:schemeClr val="tx1"/>
+                      </a:solidFill>
+                      <a:prstDash val="solid"/>
+                      <a:round/>
+                      <a:headEnd type="none" w="med" len="med"/>
+                      <a:tailEnd type="none" w="med" len="med"/>
+                    </a:lnL>
+                    <a:lnR w="12700" cap="flat" cmpd="sng" algn="ctr">
+                      <a:solidFill>
+                        <a:schemeClr val="tx1"/>
+                      </a:solidFill>
+                      <a:prstDash val="solid"/>
+                      <a:round/>
+                      <a:headEnd type="none" w="med" len="med"/>
+                      <a:tailEnd type="none" w="med" len="med"/>
+                    </a:lnR>
+                    <a:lnT w="12700" cap="flat" cmpd="sng" algn="ctr">
+                      <a:solidFill>
+                        <a:schemeClr val="tx1"/>
+                      </a:solidFill>
+                      <a:prstDash val="solid"/>
+                      <a:round/>
+                      <a:headEnd type="none" w="med" len="med"/>
+                      <a:tailEnd type="none" w="med" len="med"/>
+                    </a:lnT>
+                    <a:lnB w="12700" cap="flat" cmpd="sng" algn="ctr">
+                      <a:solidFill>
+                        <a:schemeClr val="tx1"/>
+                      </a:solidFill>
+                      <a:prstDash val="solid"/>
+                      <a:round/>
+                      <a:headEnd type="none" w="med" len="med"/>
+                      <a:tailEnd type="none" w="med" len="med"/>
+                    </a:lnB>
+                    <a:solidFill>
+                      <a:schemeClr val="tx1">
+                        <a:lumMod val="65000"/>
+                        <a:lumOff val="35000"/>
+                      </a:schemeClr>
+                    </a:solidFill>
+                  </a:tcPr>
+                </a:tc>
+                <a:tc>
+                  <a:txBody>
+                    <a:bodyPr/>
+                    <a:lstStyle/>
+                    <a:p>
+                      <a:r>
+                        <a:rPr lang="nl-BE" dirty="0">
+                          <a:solidFill>
+                            <a:schemeClr val="bg1"/>
+                          </a:solidFill>
+                        </a:rPr>
+                        <a:t>Potentiometer</a:t>
+                      </a:r>
+                    </a:p>
+                  </a:txBody>
+                  <a:tcPr>
+                    <a:lnL w="12700" cap="flat" cmpd="sng" algn="ctr">
+                      <a:solidFill>
+                        <a:schemeClr val="tx1"/>
+                      </a:solidFill>
+                      <a:prstDash val="solid"/>
+                      <a:round/>
+                      <a:headEnd type="none" w="med" len="med"/>
+                      <a:tailEnd type="none" w="med" len="med"/>
+                    </a:lnL>
+                    <a:lnR w="12700" cap="flat" cmpd="sng" algn="ctr">
+                      <a:solidFill>
+                        <a:schemeClr val="tx1"/>
+                      </a:solidFill>
+                      <a:prstDash val="solid"/>
+                      <a:round/>
+                      <a:headEnd type="none" w="med" len="med"/>
+                      <a:tailEnd type="none" w="med" len="med"/>
+                    </a:lnR>
+                    <a:lnT w="12700" cap="flat" cmpd="sng" algn="ctr">
+                      <a:solidFill>
+                        <a:schemeClr val="tx1"/>
+                      </a:solidFill>
+                      <a:prstDash val="solid"/>
+                      <a:round/>
+                      <a:headEnd type="none" w="med" len="med"/>
+                      <a:tailEnd type="none" w="med" len="med"/>
+                    </a:lnT>
+                    <a:lnB w="12700" cap="flat" cmpd="sng" algn="ctr">
+                      <a:solidFill>
+                        <a:schemeClr val="tx1"/>
+                      </a:solidFill>
+                      <a:prstDash val="solid"/>
+                      <a:round/>
+                      <a:headEnd type="none" w="med" len="med"/>
+                      <a:tailEnd type="none" w="med" len="med"/>
+                    </a:lnB>
+                    <a:solidFill>
+                      <a:schemeClr val="tx1">
+                        <a:lumMod val="65000"/>
+                        <a:lumOff val="35000"/>
+                      </a:schemeClr>
+                    </a:solidFill>
+                  </a:tcPr>
+                </a:tc>
+                <a:tc>
+                  <a:txBody>
+                    <a:bodyPr/>
+                    <a:lstStyle/>
+                    <a:p>
+                      <a:r>
+                        <a:rPr lang="nl-BE" dirty="0">
+                          <a:solidFill>
+                            <a:schemeClr val="bg1"/>
+                          </a:solidFill>
+                        </a:rPr>
+                        <a:t>Zelf snelheid instellen van robot</a:t>
+                      </a:r>
+                    </a:p>
+                  </a:txBody>
+                  <a:tcPr>
+                    <a:lnL w="12700" cap="flat" cmpd="sng" algn="ctr">
+                      <a:solidFill>
+                        <a:schemeClr val="tx1"/>
+                      </a:solidFill>
+                      <a:prstDash val="solid"/>
+                      <a:round/>
+                      <a:headEnd type="none" w="med" len="med"/>
+                      <a:tailEnd type="none" w="med" len="med"/>
+                    </a:lnL>
+                    <a:lnR w="12700" cap="flat" cmpd="sng" algn="ctr">
+                      <a:solidFill>
+                        <a:schemeClr val="tx1"/>
+                      </a:solidFill>
+                      <a:prstDash val="solid"/>
+                      <a:round/>
+                      <a:headEnd type="none" w="med" len="med"/>
+                      <a:tailEnd type="none" w="med" len="med"/>
+                    </a:lnR>
+                    <a:lnT w="12700" cap="flat" cmpd="sng" algn="ctr">
+                      <a:solidFill>
+                        <a:schemeClr val="tx1"/>
+                      </a:solidFill>
+                      <a:prstDash val="solid"/>
+                      <a:round/>
+                      <a:headEnd type="none" w="med" len="med"/>
+                      <a:tailEnd type="none" w="med" len="med"/>
+                    </a:lnT>
+                    <a:lnB w="12700" cap="flat" cmpd="sng" algn="ctr">
+                      <a:solidFill>
+                        <a:schemeClr val="tx1"/>
+                      </a:solidFill>
+                      <a:prstDash val="solid"/>
+                      <a:round/>
+                      <a:headEnd type="none" w="med" len="med"/>
+                      <a:tailEnd type="none" w="med" len="med"/>
+                    </a:lnB>
+                    <a:solidFill>
+                      <a:schemeClr val="tx1">
+                        <a:lumMod val="65000"/>
+                        <a:lumOff val="35000"/>
+                      </a:schemeClr>
+                    </a:solidFill>
+                  </a:tcPr>
+                </a:tc>
+                <a:extLst>
+                  <a:ext uri="{0D108BD9-81ED-4DB2-BD59-A6C34878D82A}">
+                    <a16:rowId xmlns:a16="http://schemas.microsoft.com/office/drawing/2014/main" val="62828417"/>
+                  </a:ext>
+                </a:extLst>
+              </a:tr>
+              <a:tr h="370840">
+                <a:tc>
+                  <a:txBody>
+                    <a:bodyPr/>
+                    <a:lstStyle/>
+                    <a:p>
+                      <a:r>
+                        <a:rPr lang="nl-BE" dirty="0">
+                          <a:solidFill>
+                            <a:schemeClr val="bg1"/>
+                          </a:solidFill>
+                        </a:rPr>
+                        <a:t>DC-motors</a:t>
+                      </a:r>
+                    </a:p>
+                  </a:txBody>
+                  <a:tcPr>
+                    <a:lnL w="12700" cap="flat" cmpd="sng" algn="ctr">
+                      <a:solidFill>
+                        <a:schemeClr val="tx1"/>
+                      </a:solidFill>
+                      <a:prstDash val="solid"/>
+                      <a:round/>
+                      <a:headEnd type="none" w="med" len="med"/>
+                      <a:tailEnd type="none" w="med" len="med"/>
+                    </a:lnL>
+                    <a:lnR w="12700" cap="flat" cmpd="sng" algn="ctr">
+                      <a:solidFill>
+                        <a:schemeClr val="tx1"/>
+                      </a:solidFill>
+                      <a:prstDash val="solid"/>
+                      <a:round/>
+                      <a:headEnd type="none" w="med" len="med"/>
+                      <a:tailEnd type="none" w="med" len="med"/>
+                    </a:lnR>
+                    <a:lnT w="12700" cap="flat" cmpd="sng" algn="ctr">
+                      <a:solidFill>
+                        <a:schemeClr val="tx1"/>
+                      </a:solidFill>
+                      <a:prstDash val="solid"/>
+                      <a:round/>
+                      <a:headEnd type="none" w="med" len="med"/>
+                      <a:tailEnd type="none" w="med" len="med"/>
+                    </a:lnT>
+                    <a:lnB w="12700" cap="flat" cmpd="sng" algn="ctr">
+                      <a:solidFill>
+                        <a:schemeClr val="tx1"/>
+                      </a:solidFill>
+                      <a:prstDash val="solid"/>
+                      <a:round/>
+                      <a:headEnd type="none" w="med" len="med"/>
+                      <a:tailEnd type="none" w="med" len="med"/>
+                    </a:lnB>
+                    <a:solidFill>
+                      <a:schemeClr val="bg2">
+                        <a:lumMod val="75000"/>
+                      </a:schemeClr>
+                    </a:solidFill>
+                  </a:tcPr>
+                </a:tc>
+                <a:tc>
+                  <a:txBody>
+                    <a:bodyPr/>
+                    <a:lstStyle/>
+                    <a:p>
+                      <a:r>
+                        <a:rPr lang="nl-BE" dirty="0">
+                          <a:solidFill>
+                            <a:schemeClr val="bg1"/>
+                          </a:solidFill>
+                        </a:rPr>
+                        <a:t>Draaien en rijden</a:t>
+                      </a:r>
+                    </a:p>
+                  </a:txBody>
+                  <a:tcPr>
+                    <a:lnL w="12700" cap="flat" cmpd="sng" algn="ctr">
+                      <a:solidFill>
+                        <a:schemeClr val="tx1"/>
+                      </a:solidFill>
+                      <a:prstDash val="solid"/>
+                      <a:round/>
+                      <a:headEnd type="none" w="med" len="med"/>
+                      <a:tailEnd type="none" w="med" len="med"/>
+                    </a:lnL>
+                    <a:lnR w="12700" cap="flat" cmpd="sng" algn="ctr">
+                      <a:solidFill>
+                        <a:schemeClr val="tx1"/>
+                      </a:solidFill>
+                      <a:prstDash val="solid"/>
+                      <a:round/>
+                      <a:headEnd type="none" w="med" len="med"/>
+                      <a:tailEnd type="none" w="med" len="med"/>
+                    </a:lnR>
+                    <a:lnT w="12700" cap="flat" cmpd="sng" algn="ctr">
+                      <a:solidFill>
+                        <a:schemeClr val="tx1"/>
+                      </a:solidFill>
+                      <a:prstDash val="solid"/>
+                      <a:round/>
+                      <a:headEnd type="none" w="med" len="med"/>
+                      <a:tailEnd type="none" w="med" len="med"/>
+                    </a:lnT>
+                    <a:lnB w="12700" cap="flat" cmpd="sng" algn="ctr">
+                      <a:solidFill>
+                        <a:schemeClr val="tx1"/>
+                      </a:solidFill>
+                      <a:prstDash val="solid"/>
+                      <a:round/>
+                      <a:headEnd type="none" w="med" len="med"/>
+                      <a:tailEnd type="none" w="med" len="med"/>
+                    </a:lnB>
+                    <a:solidFill>
+                      <a:schemeClr val="bg2">
+                        <a:lumMod val="75000"/>
+                      </a:schemeClr>
+                    </a:solidFill>
+                  </a:tcPr>
+                </a:tc>
+                <a:tc>
+                  <a:txBody>
+                    <a:bodyPr/>
+                    <a:lstStyle/>
+                    <a:p>
+                      <a:r>
+                        <a:rPr lang="nl-BE" dirty="0">
+                          <a:solidFill>
+                            <a:schemeClr val="bg1"/>
+                          </a:solidFill>
+                        </a:rPr>
+                        <a:t>Batterij</a:t>
+                      </a:r>
+                    </a:p>
+                  </a:txBody>
+                  <a:tcPr>
+                    <a:lnL w="12700" cap="flat" cmpd="sng" algn="ctr">
+                      <a:solidFill>
+                        <a:schemeClr val="tx1"/>
+                      </a:solidFill>
+                      <a:prstDash val="solid"/>
+                      <a:round/>
+                      <a:headEnd type="none" w="med" len="med"/>
+                      <a:tailEnd type="none" w="med" len="med"/>
+                    </a:lnL>
+                    <a:lnR w="12700" cap="flat" cmpd="sng" algn="ctr">
+                      <a:solidFill>
+                        <a:schemeClr val="tx1"/>
+                      </a:solidFill>
+                      <a:prstDash val="solid"/>
+                      <a:round/>
+                      <a:headEnd type="none" w="med" len="med"/>
+                      <a:tailEnd type="none" w="med" len="med"/>
+                    </a:lnR>
+                    <a:lnT w="12700" cap="flat" cmpd="sng" algn="ctr">
+                      <a:solidFill>
+                        <a:schemeClr val="tx1"/>
+                      </a:solidFill>
+                      <a:prstDash val="solid"/>
+                      <a:round/>
+                      <a:headEnd type="none" w="med" len="med"/>
+                      <a:tailEnd type="none" w="med" len="med"/>
+                    </a:lnT>
+                    <a:lnB w="12700" cap="flat" cmpd="sng" algn="ctr">
+                      <a:solidFill>
+                        <a:schemeClr val="tx1"/>
+                      </a:solidFill>
+                      <a:prstDash val="solid"/>
+                      <a:round/>
+                      <a:headEnd type="none" w="med" len="med"/>
+                      <a:tailEnd type="none" w="med" len="med"/>
+                    </a:lnB>
+                    <a:solidFill>
+                      <a:schemeClr val="bg2">
+                        <a:lumMod val="75000"/>
+                      </a:schemeClr>
+                    </a:solidFill>
+                  </a:tcPr>
+                </a:tc>
+                <a:tc>
+                  <a:txBody>
+                    <a:bodyPr/>
+                    <a:lstStyle/>
+                    <a:p>
+                      <a:r>
+                        <a:rPr lang="nl-BE" dirty="0">
+                          <a:solidFill>
+                            <a:schemeClr val="bg1"/>
+                          </a:solidFill>
+                        </a:rPr>
+                        <a:t>Controller kunnen gebruiken zonder aangesloten op laptop</a:t>
+                      </a:r>
+                    </a:p>
+                  </a:txBody>
+                  <a:tcPr>
+                    <a:lnL w="12700" cap="flat" cmpd="sng" algn="ctr">
+                      <a:solidFill>
+                        <a:schemeClr val="tx1"/>
+                      </a:solidFill>
+                      <a:prstDash val="solid"/>
+                      <a:round/>
+                      <a:headEnd type="none" w="med" len="med"/>
+                      <a:tailEnd type="none" w="med" len="med"/>
+                    </a:lnL>
+                    <a:lnR w="12700" cap="flat" cmpd="sng" algn="ctr">
+                      <a:solidFill>
+                        <a:schemeClr val="tx1"/>
+                      </a:solidFill>
+                      <a:prstDash val="solid"/>
+                      <a:round/>
+                      <a:headEnd type="none" w="med" len="med"/>
+                      <a:tailEnd type="none" w="med" len="med"/>
+                    </a:lnR>
+                    <a:lnT w="12700" cap="flat" cmpd="sng" algn="ctr">
+                      <a:solidFill>
+                        <a:schemeClr val="tx1"/>
+                      </a:solidFill>
+                      <a:prstDash val="solid"/>
+                      <a:round/>
+                      <a:headEnd type="none" w="med" len="med"/>
+                      <a:tailEnd type="none" w="med" len="med"/>
+                    </a:lnT>
+                    <a:lnB w="12700" cap="flat" cmpd="sng" algn="ctr">
+                      <a:solidFill>
+                        <a:schemeClr val="tx1"/>
+                      </a:solidFill>
+                      <a:prstDash val="solid"/>
+                      <a:round/>
+                      <a:headEnd type="none" w="med" len="med"/>
+                      <a:tailEnd type="none" w="med" len="med"/>
+                    </a:lnB>
+                    <a:solidFill>
+                      <a:schemeClr val="bg2">
+                        <a:lumMod val="75000"/>
+                      </a:schemeClr>
+                    </a:solidFill>
+                  </a:tcPr>
+                </a:tc>
+                <a:extLst>
+                  <a:ext uri="{0D108BD9-81ED-4DB2-BD59-A6C34878D82A}">
+                    <a16:rowId xmlns:a16="http://schemas.microsoft.com/office/drawing/2014/main" val="2742761129"/>
+                  </a:ext>
+                </a:extLst>
+              </a:tr>
+              <a:tr h="370840">
+                <a:tc>
+                  <a:txBody>
+                    <a:bodyPr/>
+                    <a:lstStyle/>
+                    <a:p>
+                      <a:r>
+                        <a:rPr lang="nl-BE" dirty="0">
+                          <a:solidFill>
+                            <a:schemeClr val="bg1"/>
+                          </a:solidFill>
+                        </a:rPr>
+                        <a:t>Joysticks</a:t>
+                      </a:r>
+                    </a:p>
+                  </a:txBody>
+                  <a:tcPr>
+                    <a:lnL w="12700" cap="flat" cmpd="sng" algn="ctr">
+                      <a:solidFill>
+                        <a:schemeClr val="tx1"/>
+                      </a:solidFill>
+                      <a:prstDash val="solid"/>
+                      <a:round/>
+                      <a:headEnd type="none" w="med" len="med"/>
+                      <a:tailEnd type="none" w="med" len="med"/>
+                    </a:lnL>
+                    <a:lnR w="12700" cap="flat" cmpd="sng" algn="ctr">
+                      <a:solidFill>
+                        <a:schemeClr val="tx1"/>
+                      </a:solidFill>
+                      <a:prstDash val="solid"/>
+                      <a:round/>
+                      <a:headEnd type="none" w="med" len="med"/>
+                      <a:tailEnd type="none" w="med" len="med"/>
+                    </a:lnR>
+                    <a:lnT w="12700" cap="flat" cmpd="sng" algn="ctr">
+                      <a:solidFill>
+                        <a:schemeClr val="tx1"/>
+                      </a:solidFill>
+                      <a:prstDash val="solid"/>
+                      <a:round/>
+                      <a:headEnd type="none" w="med" len="med"/>
+                      <a:tailEnd type="none" w="med" len="med"/>
+                    </a:lnT>
+                    <a:lnB w="12700" cap="flat" cmpd="sng" algn="ctr">
+                      <a:solidFill>
+                        <a:schemeClr val="tx1"/>
+                      </a:solidFill>
+                      <a:prstDash val="solid"/>
+                      <a:round/>
+                      <a:headEnd type="none" w="med" len="med"/>
+                      <a:tailEnd type="none" w="med" len="med"/>
+                    </a:lnB>
+                    <a:solidFill>
+                      <a:schemeClr val="tx1">
+                        <a:lumMod val="65000"/>
+                        <a:lumOff val="35000"/>
+                      </a:schemeClr>
+                    </a:solidFill>
+                  </a:tcPr>
+                </a:tc>
+                <a:tc>
+                  <a:txBody>
+                    <a:bodyPr/>
+                    <a:lstStyle/>
+                    <a:p>
+                      <a:r>
+                        <a:rPr lang="nl-BE" dirty="0">
+                          <a:solidFill>
+                            <a:schemeClr val="bg1"/>
+                          </a:solidFill>
+                        </a:rPr>
+                        <a:t>Besturen robot via controller</a:t>
+                      </a:r>
+                    </a:p>
+                  </a:txBody>
+                  <a:tcPr>
+                    <a:lnL w="12700" cap="flat" cmpd="sng" algn="ctr">
+                      <a:solidFill>
+                        <a:schemeClr val="tx1"/>
+                      </a:solidFill>
+                      <a:prstDash val="solid"/>
+                      <a:round/>
+                      <a:headEnd type="none" w="med" len="med"/>
+                      <a:tailEnd type="none" w="med" len="med"/>
+                    </a:lnL>
+                    <a:lnR w="12700" cap="flat" cmpd="sng" algn="ctr">
+                      <a:solidFill>
+                        <a:schemeClr val="tx1"/>
+                      </a:solidFill>
+                      <a:prstDash val="solid"/>
+                      <a:round/>
+                      <a:headEnd type="none" w="med" len="med"/>
+                      <a:tailEnd type="none" w="med" len="med"/>
+                    </a:lnR>
+                    <a:lnT w="12700" cap="flat" cmpd="sng" algn="ctr">
+                      <a:solidFill>
+                        <a:schemeClr val="tx1"/>
+                      </a:solidFill>
+                      <a:prstDash val="solid"/>
+                      <a:round/>
+                      <a:headEnd type="none" w="med" len="med"/>
+                      <a:tailEnd type="none" w="med" len="med"/>
+                    </a:lnT>
+                    <a:lnB w="12700" cap="flat" cmpd="sng" algn="ctr">
+                      <a:solidFill>
+                        <a:schemeClr val="tx1"/>
+                      </a:solidFill>
+                      <a:prstDash val="solid"/>
+                      <a:round/>
+                      <a:headEnd type="none" w="med" len="med"/>
+                      <a:tailEnd type="none" w="med" len="med"/>
+                    </a:lnB>
+                    <a:solidFill>
+                      <a:schemeClr val="tx1">
+                        <a:lumMod val="65000"/>
+                        <a:lumOff val="35000"/>
+                      </a:schemeClr>
+                    </a:solidFill>
+                  </a:tcPr>
+                </a:tc>
+                <a:tc>
+                  <a:txBody>
+                    <a:bodyPr/>
+                    <a:lstStyle/>
+                    <a:p>
+                      <a:r>
+                        <a:rPr lang="nl-BE" dirty="0">
+                          <a:solidFill>
+                            <a:schemeClr val="bg1"/>
+                          </a:solidFill>
+                        </a:rPr>
+                        <a:t>Powerbank</a:t>
+                      </a:r>
+                    </a:p>
+                  </a:txBody>
+                  <a:tcPr>
+                    <a:lnL w="12700" cap="flat" cmpd="sng" algn="ctr">
+                      <a:solidFill>
+                        <a:schemeClr val="tx1"/>
+                      </a:solidFill>
+                      <a:prstDash val="solid"/>
+                      <a:round/>
+                      <a:headEnd type="none" w="med" len="med"/>
+                      <a:tailEnd type="none" w="med" len="med"/>
+                    </a:lnL>
+                    <a:lnR w="12700" cap="flat" cmpd="sng" algn="ctr">
+                      <a:solidFill>
+                        <a:schemeClr val="tx1"/>
+                      </a:solidFill>
+                      <a:prstDash val="solid"/>
+                      <a:round/>
+                      <a:headEnd type="none" w="med" len="med"/>
+                      <a:tailEnd type="none" w="med" len="med"/>
+                    </a:lnR>
+                    <a:lnT w="12700" cap="flat" cmpd="sng" algn="ctr">
+                      <a:solidFill>
+                        <a:schemeClr val="tx1"/>
+                      </a:solidFill>
+                      <a:prstDash val="solid"/>
+                      <a:round/>
+                      <a:headEnd type="none" w="med" len="med"/>
+                      <a:tailEnd type="none" w="med" len="med"/>
+                    </a:lnT>
+                    <a:lnB w="12700" cap="flat" cmpd="sng" algn="ctr">
+                      <a:solidFill>
+                        <a:schemeClr val="tx1"/>
+                      </a:solidFill>
+                      <a:prstDash val="solid"/>
+                      <a:round/>
+                      <a:headEnd type="none" w="med" len="med"/>
+                      <a:tailEnd type="none" w="med" len="med"/>
+                    </a:lnB>
+                    <a:solidFill>
+                      <a:schemeClr val="tx1">
+                        <a:lumMod val="65000"/>
+                        <a:lumOff val="35000"/>
+                      </a:schemeClr>
+                    </a:solidFill>
+                  </a:tcPr>
+                </a:tc>
+                <a:tc>
+                  <a:txBody>
+                    <a:bodyPr/>
+                    <a:lstStyle/>
+                    <a:p>
+                      <a:r>
+                        <a:rPr lang="nl-BE" dirty="0">
+                          <a:solidFill>
+                            <a:schemeClr val="bg1"/>
+                          </a:solidFill>
+                        </a:rPr>
+                        <a:t>Voeding voorzien aan robot</a:t>
+                      </a:r>
+                    </a:p>
+                  </a:txBody>
+                  <a:tcPr>
+                    <a:lnL w="12700" cap="flat" cmpd="sng" algn="ctr">
+                      <a:solidFill>
+                        <a:schemeClr val="tx1"/>
+                      </a:solidFill>
+                      <a:prstDash val="solid"/>
+                      <a:round/>
+                      <a:headEnd type="none" w="med" len="med"/>
+                      <a:tailEnd type="none" w="med" len="med"/>
+                    </a:lnL>
+                    <a:lnR w="12700" cap="flat" cmpd="sng" algn="ctr">
+                      <a:solidFill>
+                        <a:schemeClr val="tx1"/>
+                      </a:solidFill>
+                      <a:prstDash val="solid"/>
+                      <a:round/>
+                      <a:headEnd type="none" w="med" len="med"/>
+                      <a:tailEnd type="none" w="med" len="med"/>
+                    </a:lnR>
+                    <a:lnT w="12700" cap="flat" cmpd="sng" algn="ctr">
+                      <a:solidFill>
+                        <a:schemeClr val="tx1"/>
+                      </a:solidFill>
+                      <a:prstDash val="solid"/>
+                      <a:round/>
+                      <a:headEnd type="none" w="med" len="med"/>
+                      <a:tailEnd type="none" w="med" len="med"/>
+                    </a:lnT>
+                    <a:lnB w="12700" cap="flat" cmpd="sng" algn="ctr">
+                      <a:solidFill>
+                        <a:schemeClr val="tx1"/>
+                      </a:solidFill>
+                      <a:prstDash val="solid"/>
+                      <a:round/>
+                      <a:headEnd type="none" w="med" len="med"/>
+                      <a:tailEnd type="none" w="med" len="med"/>
+                    </a:lnB>
+                    <a:solidFill>
+                      <a:schemeClr val="tx1">
+                        <a:lumMod val="65000"/>
+                        <a:lumOff val="35000"/>
+                      </a:schemeClr>
+                    </a:solidFill>
+                  </a:tcPr>
+                </a:tc>
+                <a:extLst>
+                  <a:ext uri="{0D108BD9-81ED-4DB2-BD59-A6C34878D82A}">
+                    <a16:rowId xmlns:a16="http://schemas.microsoft.com/office/drawing/2014/main" val="1427763754"/>
+                  </a:ext>
+                </a:extLst>
+              </a:tr>
+            </a:tbl>
+          </a:graphicData>
+        </a:graphic>
+      </p:graphicFrame>
+    </p:spTree>
+    <p:extLst>
+      <p:ext uri="{BB962C8B-B14F-4D97-AF65-F5344CB8AC3E}">
+        <p14:creationId xmlns:p14="http://schemas.microsoft.com/office/powerpoint/2010/main" val="2258537256"/>
+      </p:ext>
+    </p:extLst>
+  </p:cSld>
+  <p:clrMapOvr>
+    <a:masterClrMapping/>
+  </p:clrMapOvr>
+  <mc:AlternateContent xmlns:mc="http://schemas.openxmlformats.org/markup-compatibility/2006">
+    <mc:Choice xmlns:p14="http://schemas.microsoft.com/office/powerpoint/2010/main" Requires="p14">
+      <p:transition spd="med" p14:dur="700">
+        <p:fade/>
+      </p:transition>
+    </mc:Choice>
+    <mc:Fallback>
+      <p:transition spd="med">
+        <p:fade/>
+      </p:transition>
+    </mc:Fallback>
+  </mc:AlternateContent>
+</p:sld>
+</file>
+
+<file path=ppt/slides/slide7.xml><?xml version="1.0" encoding="utf-8"?>
+<p:sld xmlns:a="http://schemas.openxmlformats.org/drawingml/2006/main" xmlns:r="http://schemas.openxmlformats.org/officeDocument/2006/relationships" xmlns:p="http://schemas.openxmlformats.org/presentationml/2006/main">
+  <p:cSld>
+    <p:bg>
+      <p:bgPr>
+        <a:solidFill>
+          <a:schemeClr val="bg1"/>
+        </a:solidFill>
+        <a:effectLst/>
+      </p:bgPr>
+    </p:bg>
+    <p:spTree>
+      <p:nvGrpSpPr>
+        <p:cNvPr id="1" name=""/>
+        <p:cNvGrpSpPr/>
+        <p:nvPr/>
+      </p:nvGrpSpPr>
+      <p:grpSpPr>
+        <a:xfrm>
+          <a:off x="0" y="0"/>
+          <a:ext cx="0" cy="0"/>
+          <a:chOff x="0" y="0"/>
+          <a:chExt cx="0" cy="0"/>
+        </a:xfrm>
+      </p:grpSpPr>
+      <p:sp useBgFill="1">
+        <p:nvSpPr>
+          <p:cNvPr id="16" name="Rectangle 11">
+            <a:extLst>
+              <a:ext uri="{FF2B5EF4-FFF2-40B4-BE49-F238E27FC236}">
+                <a16:creationId xmlns:a16="http://schemas.microsoft.com/office/drawing/2014/main" id="{6CC7D015-0DD8-420F-A568-AC4FEDC41251}"/>
+              </a:ext>
+              <a:ext uri="{C183D7F6-B498-43B3-948B-1728B52AA6E4}">
+                <adec:decorative xmlns:adec="http://schemas.microsoft.com/office/drawing/2017/decorative" val="1"/>
+              </a:ext>
+            </a:extLst>
+          </p:cNvPr>
+          <p:cNvSpPr>
+            <a:spLocks noGrp="1" noRot="1" noChangeAspect="1" noMove="1" noResize="1" noEditPoints="1" noAdjustHandles="1" noChangeArrowheads="1" noChangeShapeType="1" noTextEdit="1"/>
+          </p:cNvSpPr>
+          <p:nvPr>
+            <p:extLst>
+              <p:ext uri="{386F3935-93C4-4BCD-93E2-E3B085C9AB24}">
+                <p16:designElem xmlns:p16="http://schemas.microsoft.com/office/powerpoint/2015/main" val="1"/>
+              </p:ext>
+            </p:extLst>
+          </p:nvPr>
+        </p:nvSpPr>
+        <p:spPr>
+          <a:xfrm>
+            <a:off x="0" y="-1"/>
+            <a:ext cx="12188952" cy="6858000"/>
+          </a:xfrm>
+          <a:prstGeom prst="rect">
+            <a:avLst/>
+          </a:prstGeom>
+          <a:ln>
+            <a:noFill/>
+          </a:ln>
+        </p:spPr>
+        <p:style>
+          <a:lnRef idx="2">
+            <a:schemeClr val="accent1">
+              <a:shade val="50000"/>
+            </a:schemeClr>
+          </a:lnRef>
+          <a:fillRef idx="1">
+            <a:schemeClr val="accent1"/>
+          </a:fillRef>
+          <a:effectRef idx="0">
+            <a:schemeClr val="accent1"/>
+          </a:effectRef>
+          <a:fontRef idx="minor">
+            <a:schemeClr val="lt1"/>
+          </a:fontRef>
+        </p:style>
+        <p:txBody>
+          <a:bodyPr rtlCol="0" anchor="ctr"/>
+          <a:lstStyle/>
+          <a:p>
+            <a:pPr marL="0" marR="0" lvl="0" indent="0" algn="ctr" defTabSz="914400" rtl="0" eaLnBrk="1" fontAlgn="auto" latinLnBrk="0" hangingPunct="1">
+              <a:lnSpc>
+                <a:spcPct val="100000"/>
+              </a:lnSpc>
+              <a:spcBef>
+                <a:spcPts val="0"/>
+              </a:spcBef>
+              <a:spcAft>
+                <a:spcPts val="0"/>
+              </a:spcAft>
+              <a:buClrTx/>
+              <a:buSzTx/>
+              <a:buFontTx/>
+              <a:buNone/>
+              <a:tabLst/>
+              <a:defRPr/>
+            </a:pPr>
+            <a:endParaRPr kumimoji="0" lang="en-US" sz="1800" b="0" i="0" u="none" strike="noStrike" kern="1200" cap="none" spc="0" normalizeH="0" baseline="0" noProof="0">
+              <a:ln>
+                <a:noFill/>
+              </a:ln>
+              <a:solidFill>
+                <a:prstClr val="white"/>
+              </a:solidFill>
+              <a:effectLst/>
+              <a:uLnTx/>
+              <a:uFillTx/>
+              <a:latin typeface="Calibri" panose="020F0502020204030204"/>
+              <a:ea typeface="+mn-ea"/>
+              <a:cs typeface="+mn-cs"/>
+            </a:endParaRPr>
+          </a:p>
+        </p:txBody>
+      </p:sp>
+      <p:sp>
+        <p:nvSpPr>
+          <p:cNvPr id="17" name="Rectangle 13">
+            <a:extLst>
+              <a:ext uri="{FF2B5EF4-FFF2-40B4-BE49-F238E27FC236}">
+                <a16:creationId xmlns:a16="http://schemas.microsoft.com/office/drawing/2014/main" id="{DC595556-C814-4F1F-B0E5-71812F38A8CD}"/>
+              </a:ext>
+              <a:ext uri="{C183D7F6-B498-43B3-948B-1728B52AA6E4}">
+                <adec:decorative xmlns:adec="http://schemas.microsoft.com/office/drawing/2017/decorative" val="1"/>
+              </a:ext>
+            </a:extLst>
+          </p:cNvPr>
+          <p:cNvSpPr>
+            <a:spLocks noGrp="1" noRot="1" noChangeAspect="1" noMove="1" noResize="1" noEditPoints="1" noAdjustHandles="1" noChangeArrowheads="1" noChangeShapeType="1" noTextEdit="1"/>
+          </p:cNvSpPr>
+          <p:nvPr>
+            <p:extLst>
+              <p:ext uri="{386F3935-93C4-4BCD-93E2-E3B085C9AB24}">
+                <p16:designElem xmlns:p16="http://schemas.microsoft.com/office/powerpoint/2015/main" val="1"/>
+              </p:ext>
+            </p:extLst>
+          </p:nvPr>
+        </p:nvSpPr>
+        <p:spPr>
+          <a:xfrm>
+            <a:off x="0" y="0"/>
+            <a:ext cx="12192000" cy="6858000"/>
+          </a:xfrm>
+          <a:prstGeom prst="rect">
+            <a:avLst/>
+          </a:prstGeom>
+          <a:solidFill>
+            <a:srgbClr val="000000"/>
+          </a:solidFill>
+          <a:ln>
+            <a:noFill/>
+          </a:ln>
+        </p:spPr>
+        <p:style>
+          <a:lnRef idx="2">
+            <a:schemeClr val="accent1">
+              <a:shade val="50000"/>
+            </a:schemeClr>
+          </a:lnRef>
+          <a:fillRef idx="1">
+            <a:schemeClr val="accent1"/>
+          </a:fillRef>
+          <a:effectRef idx="0">
+            <a:schemeClr val="accent1"/>
+          </a:effectRef>
+          <a:fontRef idx="minor">
+            <a:schemeClr val="lt1"/>
+          </a:fontRef>
+        </p:style>
+        <p:txBody>
+          <a:bodyPr rtlCol="0" anchor="ctr"/>
+          <a:lstStyle/>
+          <a:p>
+            <a:pPr marL="0" marR="0" lvl="0" indent="0" algn="ctr" defTabSz="914400" rtl="0" eaLnBrk="1" fontAlgn="auto" latinLnBrk="0" hangingPunct="1">
+              <a:lnSpc>
+                <a:spcPct val="100000"/>
+              </a:lnSpc>
+              <a:spcBef>
+                <a:spcPts val="0"/>
+              </a:spcBef>
+              <a:spcAft>
+                <a:spcPts val="0"/>
+              </a:spcAft>
+              <a:buClrTx/>
+              <a:buSzTx/>
+              <a:buFontTx/>
+              <a:buNone/>
+              <a:tabLst/>
+              <a:defRPr/>
+            </a:pPr>
+            <a:endParaRPr kumimoji="0" lang="en-US" sz="1800" b="0" i="0" u="none" strike="noStrike" kern="1200" cap="none" spc="0" normalizeH="0" baseline="0" noProof="0">
+              <a:ln>
+                <a:noFill/>
+              </a:ln>
+              <a:solidFill>
+                <a:srgbClr val="000000"/>
+              </a:solidFill>
+              <a:effectLst/>
+              <a:uLnTx/>
+              <a:uFillTx/>
+              <a:latin typeface="Calibri" panose="020F0502020204030204"/>
+              <a:ea typeface="+mn-ea"/>
+              <a:cs typeface="+mn-cs"/>
+            </a:endParaRPr>
+          </a:p>
+        </p:txBody>
+      </p:sp>
+      <p:pic>
+        <p:nvPicPr>
+          <p:cNvPr id="7" name="Afbeelding 6" descr="Afbeelding met wiel, speelgoed, band, Schaalmodel&#10;&#10;Door AI gegenereerde inhoud is mogelijk onjuist.">
+            <a:extLst>
+              <a:ext uri="{FF2B5EF4-FFF2-40B4-BE49-F238E27FC236}">
+                <a16:creationId xmlns:a16="http://schemas.microsoft.com/office/drawing/2014/main" id="{7ACAD7B2-8085-00D9-6944-5BEC4AFC663B}"/>
+              </a:ext>
+            </a:extLst>
+          </p:cNvPr>
+          <p:cNvPicPr>
+            <a:picLocks noChangeAspect="1"/>
+          </p:cNvPicPr>
+          <p:nvPr/>
+        </p:nvPicPr>
+        <p:blipFill>
+          <a:blip r:embed="rId2">
+            <a:alphaModFix amt="60000"/>
+            <a:extLst>
+              <a:ext uri="{28A0092B-C50C-407E-A947-70E740481C1C}">
+                <a14:useLocalDpi xmlns:a14="http://schemas.microsoft.com/office/drawing/2010/main" val="0"/>
+              </a:ext>
+            </a:extLst>
+          </a:blip>
+          <a:srcRect/>
+          <a:stretch>
+            <a:fillRect/>
+          </a:stretch>
+        </p:blipFill>
+        <p:spPr>
+          <a:xfrm>
+            <a:off x="-1" y="10"/>
+            <a:ext cx="12192001" cy="6857990"/>
+          </a:xfrm>
+          <a:prstGeom prst="rect">
+            <a:avLst/>
+          </a:prstGeom>
+        </p:spPr>
+      </p:pic>
+      <p:sp>
+        <p:nvSpPr>
+          <p:cNvPr id="2" name="Titel 1">
+            <a:extLst>
+              <a:ext uri="{FF2B5EF4-FFF2-40B4-BE49-F238E27FC236}">
+                <a16:creationId xmlns:a16="http://schemas.microsoft.com/office/drawing/2014/main" id="{E9057FC2-68C9-7685-4383-389721ED4CFB}"/>
+              </a:ext>
+            </a:extLst>
+          </p:cNvPr>
+          <p:cNvSpPr>
+            <a:spLocks noGrp="1"/>
+          </p:cNvSpPr>
+          <p:nvPr>
+            <p:ph type="title"/>
+          </p:nvPr>
+        </p:nvSpPr>
+        <p:spPr>
+          <a:xfrm>
+            <a:off x="838200" y="557189"/>
+            <a:ext cx="4155825" cy="5571898"/>
+          </a:xfrm>
+        </p:spPr>
+        <p:txBody>
+          <a:bodyPr>
+            <a:normAutofit/>
+          </a:bodyPr>
+          <a:lstStyle/>
+          <a:p>
+            <a:r>
+              <a:rPr lang="nl-BE">
+                <a:solidFill>
+                  <a:srgbClr val="FFFFFF"/>
+                </a:solidFill>
+              </a:rPr>
+              <a:t>Verbinding</a:t>
+            </a:r>
+          </a:p>
+        </p:txBody>
+      </p:sp>
+      <p:sp>
+        <p:nvSpPr>
+          <p:cNvPr id="3" name="Tijdelijke aanduiding voor inhoud 2">
+            <a:extLst>
+              <a:ext uri="{FF2B5EF4-FFF2-40B4-BE49-F238E27FC236}">
+                <a16:creationId xmlns:a16="http://schemas.microsoft.com/office/drawing/2014/main" id="{736C3BEA-E454-FC90-9D83-8119B93208FE}"/>
+              </a:ext>
+            </a:extLst>
+          </p:cNvPr>
+          <p:cNvSpPr>
+            <a:spLocks noGrp="1"/>
+          </p:cNvSpPr>
+          <p:nvPr>
+            <p:ph idx="1"/>
+          </p:nvPr>
+        </p:nvSpPr>
+        <p:spPr>
+          <a:xfrm>
+            <a:off x="5186552" y="557189"/>
+            <a:ext cx="6167246" cy="5571898"/>
+          </a:xfrm>
+        </p:spPr>
+        <p:txBody>
+          <a:bodyPr anchor="ctr">
+            <a:normAutofit/>
+          </a:bodyPr>
+          <a:lstStyle/>
+          <a:p>
+            <a:r>
+              <a:rPr lang="nl-BE" sz="2000" dirty="0">
+                <a:solidFill>
+                  <a:srgbClr val="FFFFFF"/>
+                </a:solidFill>
+              </a:rPr>
+              <a:t>Router voor </a:t>
+            </a:r>
+            <a:r>
+              <a:rPr lang="nl-BE" sz="2000" dirty="0" err="1">
+                <a:solidFill>
+                  <a:srgbClr val="FFFFFF"/>
+                </a:solidFill>
+              </a:rPr>
+              <a:t>WiFi</a:t>
+            </a:r>
+            <a:endParaRPr lang="nl-BE" sz="2000" dirty="0">
+              <a:solidFill>
+                <a:srgbClr val="FFFFFF"/>
+              </a:solidFill>
+            </a:endParaRPr>
+          </a:p>
+          <a:p>
+            <a:r>
+              <a:rPr lang="nl-BE" sz="2000" dirty="0">
+                <a:solidFill>
+                  <a:srgbClr val="FFFFFF"/>
+                </a:solidFill>
+              </a:rPr>
+              <a:t>Solderen</a:t>
+            </a:r>
+          </a:p>
+          <a:p>
+            <a:pPr lvl="1">
+              <a:buFont typeface="Wingdings" panose="05000000000000000000" pitchFamily="2" charset="2"/>
+              <a:buChar char="v"/>
+            </a:pPr>
+            <a:r>
+              <a:rPr lang="nl-BE" sz="2000" dirty="0">
+                <a:solidFill>
+                  <a:srgbClr val="FFFFFF"/>
+                </a:solidFill>
+              </a:rPr>
+              <a:t>Raspberry-pi</a:t>
+            </a:r>
+          </a:p>
+          <a:p>
+            <a:pPr lvl="2">
+              <a:buFont typeface="Courier New" panose="02070309020205020404" pitchFamily="49" charset="0"/>
+              <a:buChar char="o"/>
+            </a:pPr>
+            <a:r>
+              <a:rPr lang="nl-BE" dirty="0">
+                <a:solidFill>
+                  <a:srgbClr val="FFFFFF"/>
+                </a:solidFill>
+              </a:rPr>
+              <a:t>DC-motors </a:t>
+            </a:r>
+            <a:r>
+              <a:rPr lang="nl-BE" dirty="0">
+                <a:solidFill>
+                  <a:srgbClr val="FFFFFF"/>
+                </a:solidFill>
+                <a:sym typeface="Wingdings" panose="05000000000000000000" pitchFamily="2" charset="2"/>
+              </a:rPr>
+              <a:t> H-Bruggen  Raspberry-pi</a:t>
+            </a:r>
+            <a:endParaRPr lang="nl-BE" dirty="0">
+              <a:solidFill>
+                <a:srgbClr val="FFFFFF"/>
+              </a:solidFill>
+            </a:endParaRPr>
+          </a:p>
+          <a:p>
+            <a:pPr lvl="1">
+              <a:buFont typeface="Wingdings" panose="05000000000000000000" pitchFamily="2" charset="2"/>
+              <a:buChar char="v"/>
+            </a:pPr>
+            <a:r>
+              <a:rPr lang="nl-BE" sz="2000" dirty="0">
+                <a:solidFill>
+                  <a:srgbClr val="FFFFFF"/>
+                </a:solidFill>
+              </a:rPr>
+              <a:t>ESP32-Feather</a:t>
+            </a:r>
+          </a:p>
+          <a:p>
+            <a:pPr lvl="2">
+              <a:buFont typeface="Courier New" panose="02070309020205020404" pitchFamily="49" charset="0"/>
+              <a:buChar char="o"/>
+            </a:pPr>
+            <a:r>
+              <a:rPr lang="nl-BE" dirty="0">
+                <a:solidFill>
+                  <a:srgbClr val="FFFFFF"/>
+                </a:solidFill>
+              </a:rPr>
+              <a:t>Joysticks </a:t>
+            </a:r>
+            <a:r>
+              <a:rPr lang="nl-BE" dirty="0">
+                <a:solidFill>
+                  <a:srgbClr val="FFFFFF"/>
+                </a:solidFill>
+                <a:sym typeface="Wingdings" panose="05000000000000000000" pitchFamily="2" charset="2"/>
+              </a:rPr>
+              <a:t> ESP32</a:t>
+            </a:r>
+          </a:p>
+          <a:p>
+            <a:pPr lvl="2">
+              <a:buFont typeface="Courier New" panose="02070309020205020404" pitchFamily="49" charset="0"/>
+              <a:buChar char="o"/>
+            </a:pPr>
+            <a:r>
+              <a:rPr lang="nl-BE" dirty="0">
+                <a:solidFill>
+                  <a:srgbClr val="FFFFFF"/>
+                </a:solidFill>
+                <a:sym typeface="Wingdings" panose="05000000000000000000" pitchFamily="2" charset="2"/>
+              </a:rPr>
+              <a:t>Potentiometer  ESP32</a:t>
+            </a:r>
+          </a:p>
+          <a:p>
+            <a:pPr lvl="2">
+              <a:buFont typeface="Courier New" panose="02070309020205020404" pitchFamily="49" charset="0"/>
+              <a:buChar char="o"/>
+            </a:pPr>
+            <a:r>
+              <a:rPr lang="nl-BE" dirty="0">
+                <a:solidFill>
+                  <a:srgbClr val="FFFFFF"/>
+                </a:solidFill>
+                <a:sym typeface="Wingdings" panose="05000000000000000000" pitchFamily="2" charset="2"/>
+              </a:rPr>
+              <a:t>Schakelaar  Batterij/ESP32</a:t>
+            </a:r>
+            <a:endParaRPr lang="nl-BE" dirty="0">
+              <a:solidFill>
+                <a:srgbClr val="FFFFFF"/>
+              </a:solidFill>
+            </a:endParaRPr>
+          </a:p>
+        </p:txBody>
+      </p:sp>
+      <p:sp>
+        <p:nvSpPr>
+          <p:cNvPr id="4" name="Tijdelijke aanduiding voor voettekst 3">
+            <a:extLst>
+              <a:ext uri="{FF2B5EF4-FFF2-40B4-BE49-F238E27FC236}">
+                <a16:creationId xmlns:a16="http://schemas.microsoft.com/office/drawing/2014/main" id="{963191B8-5AB1-429B-320A-B2721329620E}"/>
+              </a:ext>
+            </a:extLst>
+          </p:cNvPr>
+          <p:cNvSpPr>
+            <a:spLocks noGrp="1"/>
+          </p:cNvSpPr>
+          <p:nvPr>
+            <p:ph type="ftr" sz="quarter" idx="11"/>
+          </p:nvPr>
+        </p:nvSpPr>
+        <p:spPr>
+          <a:xfrm>
+            <a:off x="4038600" y="6356350"/>
+            <a:ext cx="4114800" cy="365125"/>
+          </a:xfrm>
+        </p:spPr>
+        <p:txBody>
+          <a:bodyPr>
+            <a:normAutofit/>
+          </a:bodyPr>
+          <a:lstStyle/>
+          <a:p>
+            <a:r>
+              <a:rPr lang="nl-BE" dirty="0">
+                <a:solidFill>
+                  <a:srgbClr val="FFFFFF"/>
+                </a:solidFill>
+              </a:rPr>
+              <a:t>Hardware</a:t>
+            </a:r>
+          </a:p>
+        </p:txBody>
+      </p:sp>
+      <p:sp>
+        <p:nvSpPr>
+          <p:cNvPr id="5" name="Tijdelijke aanduiding voor dianummer 4">
+            <a:extLst>
+              <a:ext uri="{FF2B5EF4-FFF2-40B4-BE49-F238E27FC236}">
+                <a16:creationId xmlns:a16="http://schemas.microsoft.com/office/drawing/2014/main" id="{69696F79-3AC5-68A3-87DE-1197258DD316}"/>
+              </a:ext>
+            </a:extLst>
+          </p:cNvPr>
+          <p:cNvSpPr>
+            <a:spLocks noGrp="1"/>
+          </p:cNvSpPr>
+          <p:nvPr>
+            <p:ph type="sldNum" sz="quarter" idx="12"/>
+          </p:nvPr>
+        </p:nvSpPr>
+        <p:spPr>
+          <a:xfrm>
+            <a:off x="8610600" y="6356350"/>
+            <a:ext cx="2743200" cy="365125"/>
+          </a:xfrm>
+        </p:spPr>
+        <p:txBody>
+          <a:bodyPr>
+            <a:normAutofit/>
+          </a:bodyPr>
+          <a:lstStyle/>
+          <a:p>
+            <a:pPr>
+              <a:spcAft>
+                <a:spcPts val="600"/>
+              </a:spcAft>
+            </a:pPr>
+            <a:fld id="{CF769C61-EDDB-4958-A626-BA0E0F3C6BBE}" type="slidenum">
+              <a:rPr lang="nl-BE">
+                <a:solidFill>
+                  <a:srgbClr val="FFFFFF"/>
+                </a:solidFill>
+              </a:rPr>
+              <a:pPr>
+                <a:spcAft>
+                  <a:spcPts val="600"/>
+                </a:spcAft>
+              </a:pPr>
+              <a:t>7</a:t>
+            </a:fld>
+            <a:endParaRPr lang="nl-BE">
+              <a:solidFill>
+                <a:srgbClr val="FFFFFF"/>
+              </a:solidFill>
+            </a:endParaRPr>
+          </a:p>
+        </p:txBody>
+      </p:sp>
+    </p:spTree>
+    <p:extLst>
+      <p:ext uri="{BB962C8B-B14F-4D97-AF65-F5344CB8AC3E}">
+        <p14:creationId xmlns:p14="http://schemas.microsoft.com/office/powerpoint/2010/main" val="3461417132"/>
+      </p:ext>
+    </p:extLst>
+  </p:cSld>
+  <p:clrMapOvr>
+    <a:masterClrMapping/>
+  </p:clrMapOvr>
+  <mc:AlternateContent xmlns:mc="http://schemas.openxmlformats.org/markup-compatibility/2006">
+    <mc:Choice xmlns:p14="http://schemas.microsoft.com/office/powerpoint/2010/main" Requires="p14">
+      <p:transition spd="med" p14:dur="700">
+        <p:fade/>
+      </p:transition>
+    </mc:Choice>
+    <mc:Fallback>
+      <p:transition spd="med">
+        <p:fade/>
+      </p:transition>
+    </mc:Fallback>
+  </mc:AlternateContent>
+</p:sld>
+</file>
+
+<file path=ppt/slides/slide8.xml><?xml version="1.0" encoding="utf-8"?>
+<p:sld xmlns:a="http://schemas.openxmlformats.org/drawingml/2006/main" xmlns:r="http://schemas.openxmlformats.org/officeDocument/2006/relationships" xmlns:p="http://schemas.openxmlformats.org/presentationml/2006/main">
+  <p:cSld>
+    <p:bg>
+      <p:bgPr>
+        <a:solidFill>
+          <a:schemeClr val="bg1"/>
+        </a:solidFill>
+        <a:effectLst/>
+      </p:bgPr>
+    </p:bg>
+    <p:spTree>
+      <p:nvGrpSpPr>
+        <p:cNvPr id="1" name=""/>
+        <p:cNvGrpSpPr/>
+        <p:nvPr/>
+      </p:nvGrpSpPr>
+      <p:grpSpPr>
+        <a:xfrm>
+          <a:off x="0" y="0"/>
+          <a:ext cx="0" cy="0"/>
+          <a:chOff x="0" y="0"/>
+          <a:chExt cx="0" cy="0"/>
+        </a:xfrm>
+      </p:grpSpPr>
+      <p:sp useBgFill="1">
+        <p:nvSpPr>
+          <p:cNvPr id="12" name="Rectangle 11">
+            <a:extLst>
+              <a:ext uri="{FF2B5EF4-FFF2-40B4-BE49-F238E27FC236}">
+                <a16:creationId xmlns:a16="http://schemas.microsoft.com/office/drawing/2014/main" id="{56688E73-49B9-4052-A836-D248C825D70D}"/>
+              </a:ext>
+              <a:ext uri="{C183D7F6-B498-43B3-948B-1728B52AA6E4}">
+                <adec:decorative xmlns:adec="http://schemas.microsoft.com/office/drawing/2017/decorative" val="1"/>
+              </a:ext>
+            </a:extLst>
+          </p:cNvPr>
+          <p:cNvSpPr>
+            <a:spLocks noGrp="1" noRot="1" noChangeAspect="1" noMove="1" noResize="1" noEditPoints="1" noAdjustHandles="1" noChangeArrowheads="1" noChangeShapeType="1" noTextEdit="1"/>
+          </p:cNvSpPr>
+          <p:nvPr>
+            <p:extLst>
+              <p:ext uri="{386F3935-93C4-4BCD-93E2-E3B085C9AB24}">
+                <p16:designElem xmlns:p16="http://schemas.microsoft.com/office/powerpoint/2015/main" val="1"/>
+              </p:ext>
+            </p:extLst>
+          </p:nvPr>
+        </p:nvSpPr>
+        <p:spPr>
+          <a:xfrm>
+            <a:off x="0" y="-1"/>
+            <a:ext cx="12188952" cy="6858000"/>
+          </a:xfrm>
+          <a:prstGeom prst="rect">
+            <a:avLst/>
+          </a:prstGeom>
+          <a:ln>
+            <a:noFill/>
+          </a:ln>
+        </p:spPr>
+        <p:style>
+          <a:lnRef idx="2">
+            <a:schemeClr val="accent1">
+              <a:shade val="50000"/>
+            </a:schemeClr>
+          </a:lnRef>
+          <a:fillRef idx="1">
+            <a:schemeClr val="accent1"/>
+          </a:fillRef>
+          <a:effectRef idx="0">
+            <a:schemeClr val="accent1"/>
+          </a:effectRef>
+          <a:fontRef idx="minor">
+            <a:schemeClr val="lt1"/>
+          </a:fontRef>
+        </p:style>
+        <p:txBody>
+          <a:bodyPr rtlCol="0" anchor="ctr"/>
+          <a:lstStyle/>
+          <a:p>
+            <a:pPr marL="0" marR="0" lvl="0" indent="0" algn="ctr" defTabSz="914400" rtl="0" eaLnBrk="1" fontAlgn="auto" latinLnBrk="0" hangingPunct="1">
+              <a:lnSpc>
+                <a:spcPct val="100000"/>
+              </a:lnSpc>
+              <a:spcBef>
+                <a:spcPts val="0"/>
+              </a:spcBef>
+              <a:spcAft>
+                <a:spcPts val="0"/>
+              </a:spcAft>
+              <a:buClrTx/>
+              <a:buSzTx/>
+              <a:buFontTx/>
+              <a:buNone/>
+              <a:tabLst/>
+              <a:defRPr/>
+            </a:pPr>
+            <a:endParaRPr kumimoji="0" lang="en-US" sz="1800" b="0" i="0" u="none" strike="noStrike" kern="1200" cap="none" spc="0" normalizeH="0" baseline="0" noProof="0">
+              <a:ln>
+                <a:noFill/>
+              </a:ln>
+              <a:solidFill>
+                <a:prstClr val="white"/>
+              </a:solidFill>
+              <a:effectLst/>
+              <a:uLnTx/>
+              <a:uFillTx/>
+              <a:latin typeface="Calibri" panose="020F0502020204030204"/>
+              <a:ea typeface="+mn-ea"/>
+              <a:cs typeface="+mn-cs"/>
+            </a:endParaRPr>
+          </a:p>
+        </p:txBody>
+      </p:sp>
+      <p:sp>
+        <p:nvSpPr>
+          <p:cNvPr id="14" name="Rectangle 13">
+            <a:extLst>
+              <a:ext uri="{FF2B5EF4-FFF2-40B4-BE49-F238E27FC236}">
+                <a16:creationId xmlns:a16="http://schemas.microsoft.com/office/drawing/2014/main" id="{5B6AEE0C-07FE-4154-BC7C-2F20530BC556}"/>
+              </a:ext>
+              <a:ext uri="{C183D7F6-B498-43B3-948B-1728B52AA6E4}">
+                <adec:decorative xmlns:adec="http://schemas.microsoft.com/office/drawing/2017/decorative" val="1"/>
+              </a:ext>
+            </a:extLst>
+          </p:cNvPr>
+          <p:cNvSpPr>
+            <a:spLocks noGrp="1" noRot="1" noChangeAspect="1" noMove="1" noResize="1" noEditPoints="1" noAdjustHandles="1" noChangeArrowheads="1" noChangeShapeType="1" noTextEdit="1"/>
+          </p:cNvSpPr>
+          <p:nvPr>
+            <p:extLst>
+              <p:ext uri="{386F3935-93C4-4BCD-93E2-E3B085C9AB24}">
+                <p16:designElem xmlns:p16="http://schemas.microsoft.com/office/powerpoint/2015/main" val="1"/>
+              </p:ext>
+            </p:extLst>
+          </p:nvPr>
+        </p:nvSpPr>
+        <p:spPr>
+          <a:xfrm>
+            <a:off x="0" y="0"/>
+            <a:ext cx="12192000" cy="6858000"/>
+          </a:xfrm>
+          <a:prstGeom prst="rect">
+            <a:avLst/>
+          </a:prstGeom>
+          <a:solidFill>
+            <a:srgbClr val="000000"/>
+          </a:solidFill>
+          <a:ln>
+            <a:noFill/>
+          </a:ln>
+        </p:spPr>
+        <p:style>
+          <a:lnRef idx="2">
+            <a:schemeClr val="accent1">
+              <a:shade val="50000"/>
+            </a:schemeClr>
+          </a:lnRef>
+          <a:fillRef idx="1">
+            <a:schemeClr val="accent1"/>
+          </a:fillRef>
+          <a:effectRef idx="0">
+            <a:schemeClr val="accent1"/>
+          </a:effectRef>
+          <a:fontRef idx="minor">
+            <a:schemeClr val="lt1"/>
+          </a:fontRef>
+        </p:style>
+        <p:txBody>
+          <a:bodyPr rtlCol="0" anchor="ctr"/>
+          <a:lstStyle/>
+          <a:p>
+            <a:pPr marL="0" marR="0" lvl="0" indent="0" algn="ctr" defTabSz="914400" rtl="0" eaLnBrk="1" fontAlgn="auto" latinLnBrk="0" hangingPunct="1">
+              <a:lnSpc>
+                <a:spcPct val="100000"/>
+              </a:lnSpc>
+              <a:spcBef>
+                <a:spcPts val="0"/>
+              </a:spcBef>
+              <a:spcAft>
+                <a:spcPts val="0"/>
+              </a:spcAft>
+              <a:buClrTx/>
+              <a:buSzTx/>
+              <a:buFontTx/>
+              <a:buNone/>
+              <a:tabLst/>
+              <a:defRPr/>
+            </a:pPr>
+            <a:endParaRPr kumimoji="0" lang="en-US" sz="1800" b="0" i="0" u="none" strike="noStrike" kern="1200" cap="none" spc="0" normalizeH="0" baseline="0" noProof="0">
+              <a:ln>
+                <a:noFill/>
+              </a:ln>
+              <a:solidFill>
+                <a:srgbClr val="000000"/>
+              </a:solidFill>
+              <a:effectLst/>
+              <a:uLnTx/>
+              <a:uFillTx/>
+              <a:latin typeface="Calibri" panose="020F0502020204030204"/>
+              <a:ea typeface="+mn-ea"/>
+              <a:cs typeface="+mn-cs"/>
+            </a:endParaRPr>
+          </a:p>
+        </p:txBody>
+      </p:sp>
+      <p:pic>
+        <p:nvPicPr>
+          <p:cNvPr id="7" name="Afbeelding 6" descr="Afbeelding met wiel, speelgoed, band, Schaalmodel&#10;&#10;Door AI gegenereerde inhoud is mogelijk onjuist.">
+            <a:extLst>
+              <a:ext uri="{FF2B5EF4-FFF2-40B4-BE49-F238E27FC236}">
+                <a16:creationId xmlns:a16="http://schemas.microsoft.com/office/drawing/2014/main" id="{5764B05E-C5F5-CEF8-9328-2518B65B6A42}"/>
+              </a:ext>
+            </a:extLst>
+          </p:cNvPr>
+          <p:cNvPicPr>
+            <a:picLocks noChangeAspect="1"/>
+          </p:cNvPicPr>
+          <p:nvPr/>
+        </p:nvPicPr>
+        <p:blipFill>
+          <a:blip r:embed="rId2">
+            <a:alphaModFix amt="60000"/>
+            <a:extLst>
+              <a:ext uri="{28A0092B-C50C-407E-A947-70E740481C1C}">
+                <a14:useLocalDpi xmlns:a14="http://schemas.microsoft.com/office/drawing/2010/main" val="0"/>
+              </a:ext>
+            </a:extLst>
+          </a:blip>
+          <a:srcRect/>
+          <a:stretch>
+            <a:fillRect/>
+          </a:stretch>
+        </p:blipFill>
+        <p:spPr>
+          <a:xfrm>
+            <a:off x="-1" y="10"/>
+            <a:ext cx="12192001" cy="6857990"/>
+          </a:xfrm>
+          <a:prstGeom prst="rect">
+            <a:avLst/>
+          </a:prstGeom>
+        </p:spPr>
+      </p:pic>
+      <p:sp>
+        <p:nvSpPr>
+          <p:cNvPr id="2" name="Titel 1">
+            <a:extLst>
+              <a:ext uri="{FF2B5EF4-FFF2-40B4-BE49-F238E27FC236}">
+                <a16:creationId xmlns:a16="http://schemas.microsoft.com/office/drawing/2014/main" id="{35277B9D-14AA-72BC-8FCB-B48A6D305886}"/>
+              </a:ext>
+            </a:extLst>
+          </p:cNvPr>
+          <p:cNvSpPr>
+            <a:spLocks noGrp="1"/>
+          </p:cNvSpPr>
+          <p:nvPr>
+            <p:ph type="title"/>
+          </p:nvPr>
+        </p:nvSpPr>
+        <p:spPr>
+          <a:xfrm>
+            <a:off x="838199" y="557189"/>
+            <a:ext cx="5155263" cy="5571899"/>
+          </a:xfrm>
+        </p:spPr>
+        <p:txBody>
+          <a:bodyPr>
+            <a:normAutofit/>
+          </a:bodyPr>
+          <a:lstStyle/>
+          <a:p>
+            <a:r>
+              <a:rPr lang="nl-BE">
+                <a:solidFill>
+                  <a:srgbClr val="FFFFFF"/>
+                </a:solidFill>
+              </a:rPr>
+              <a:t>Programma’s</a:t>
+            </a:r>
+          </a:p>
+        </p:txBody>
+      </p:sp>
+      <p:sp>
+        <p:nvSpPr>
+          <p:cNvPr id="3" name="Tijdelijke aanduiding voor inhoud 2">
+            <a:extLst>
+              <a:ext uri="{FF2B5EF4-FFF2-40B4-BE49-F238E27FC236}">
+                <a16:creationId xmlns:a16="http://schemas.microsoft.com/office/drawing/2014/main" id="{F2627ECA-7B5F-E7B2-95D1-7E5572D4948B}"/>
+              </a:ext>
+            </a:extLst>
+          </p:cNvPr>
+          <p:cNvSpPr>
+            <a:spLocks noGrp="1"/>
+          </p:cNvSpPr>
+          <p:nvPr>
+            <p:ph idx="1"/>
+          </p:nvPr>
+        </p:nvSpPr>
+        <p:spPr>
+          <a:xfrm>
+            <a:off x="6195375" y="557189"/>
+            <a:ext cx="5158424" cy="5571899"/>
+          </a:xfrm>
+        </p:spPr>
+        <p:txBody>
+          <a:bodyPr anchor="ctr">
+            <a:normAutofit/>
+          </a:bodyPr>
+          <a:lstStyle/>
+          <a:p>
+            <a:r>
+              <a:rPr lang="nl-BE" sz="2000" dirty="0">
+                <a:solidFill>
+                  <a:srgbClr val="FFFFFF"/>
+                </a:solidFill>
+              </a:rPr>
+              <a:t>Node-Red </a:t>
+            </a:r>
+            <a:r>
+              <a:rPr lang="nl-BE" sz="2000" dirty="0">
+                <a:solidFill>
+                  <a:srgbClr val="FFFFFF"/>
+                </a:solidFill>
+                <a:sym typeface="Wingdings" panose="05000000000000000000" pitchFamily="2" charset="2"/>
+              </a:rPr>
+              <a:t> Raspberry-pi</a:t>
+            </a:r>
+            <a:endParaRPr lang="nl-BE" sz="2000" dirty="0">
+              <a:solidFill>
+                <a:srgbClr val="FFFFFF"/>
+              </a:solidFill>
+            </a:endParaRPr>
+          </a:p>
+          <a:p>
+            <a:r>
+              <a:rPr lang="nl-BE" sz="2000" dirty="0">
+                <a:solidFill>
+                  <a:srgbClr val="FFFFFF"/>
+                </a:solidFill>
+              </a:rPr>
+              <a:t>C++ (</a:t>
+            </a:r>
+            <a:r>
+              <a:rPr lang="nl-BE" sz="2000" dirty="0" err="1">
+                <a:solidFill>
+                  <a:srgbClr val="FFFFFF"/>
+                </a:solidFill>
+              </a:rPr>
+              <a:t>Arduino</a:t>
+            </a:r>
+            <a:r>
+              <a:rPr lang="nl-BE" sz="2000" dirty="0">
+                <a:solidFill>
+                  <a:srgbClr val="FFFFFF"/>
+                </a:solidFill>
+              </a:rPr>
+              <a:t>) </a:t>
+            </a:r>
+            <a:r>
+              <a:rPr lang="nl-BE" sz="2000" dirty="0">
+                <a:solidFill>
+                  <a:srgbClr val="FFFFFF"/>
+                </a:solidFill>
+                <a:sym typeface="Wingdings" panose="05000000000000000000" pitchFamily="2" charset="2"/>
+              </a:rPr>
+              <a:t> ESP32-Feather</a:t>
+            </a:r>
+            <a:endParaRPr lang="nl-BE" sz="2000" dirty="0">
+              <a:solidFill>
+                <a:srgbClr val="FFFFFF"/>
+              </a:solidFill>
+            </a:endParaRPr>
+          </a:p>
+          <a:p>
+            <a:endParaRPr lang="nl-BE" sz="2000" dirty="0">
+              <a:solidFill>
+                <a:srgbClr val="FFFFFF"/>
+              </a:solidFill>
+            </a:endParaRPr>
+          </a:p>
+        </p:txBody>
+      </p:sp>
+      <p:sp>
+        <p:nvSpPr>
+          <p:cNvPr id="4" name="Tijdelijke aanduiding voor voettekst 3">
+            <a:extLst>
+              <a:ext uri="{FF2B5EF4-FFF2-40B4-BE49-F238E27FC236}">
+                <a16:creationId xmlns:a16="http://schemas.microsoft.com/office/drawing/2014/main" id="{06B1E96E-5F34-B4C3-2D29-F74DFC8ECBCF}"/>
+              </a:ext>
+            </a:extLst>
+          </p:cNvPr>
+          <p:cNvSpPr>
+            <a:spLocks noGrp="1"/>
+          </p:cNvSpPr>
+          <p:nvPr>
+            <p:ph type="ftr" sz="quarter" idx="11"/>
+          </p:nvPr>
+        </p:nvSpPr>
+        <p:spPr>
+          <a:xfrm>
+            <a:off x="4038600" y="6356350"/>
+            <a:ext cx="4114800" cy="365125"/>
+          </a:xfrm>
+        </p:spPr>
+        <p:txBody>
+          <a:bodyPr>
+            <a:normAutofit/>
+          </a:bodyPr>
+          <a:lstStyle/>
+          <a:p>
+            <a:pPr>
+              <a:spcAft>
+                <a:spcPts val="600"/>
+              </a:spcAft>
+            </a:pPr>
+            <a:r>
+              <a:rPr lang="nl-BE">
+                <a:solidFill>
+                  <a:srgbClr val="FFFFFF"/>
+                </a:solidFill>
+              </a:rPr>
+              <a:t>Software</a:t>
+            </a:r>
+          </a:p>
+        </p:txBody>
+      </p:sp>
+      <p:sp>
+        <p:nvSpPr>
+          <p:cNvPr id="5" name="Tijdelijke aanduiding voor dianummer 4">
+            <a:extLst>
+              <a:ext uri="{FF2B5EF4-FFF2-40B4-BE49-F238E27FC236}">
+                <a16:creationId xmlns:a16="http://schemas.microsoft.com/office/drawing/2014/main" id="{D7A8AC8E-B578-4649-54D0-DA592339EEE4}"/>
+              </a:ext>
+            </a:extLst>
+          </p:cNvPr>
+          <p:cNvSpPr>
+            <a:spLocks noGrp="1"/>
+          </p:cNvSpPr>
+          <p:nvPr>
+            <p:ph type="sldNum" sz="quarter" idx="12"/>
+          </p:nvPr>
+        </p:nvSpPr>
+        <p:spPr>
+          <a:xfrm>
+            <a:off x="8610600" y="6356350"/>
+            <a:ext cx="2743200" cy="365125"/>
+          </a:xfrm>
+        </p:spPr>
+        <p:txBody>
+          <a:bodyPr>
+            <a:normAutofit/>
+          </a:bodyPr>
+          <a:lstStyle/>
+          <a:p>
+            <a:pPr>
+              <a:spcAft>
+                <a:spcPts val="600"/>
+              </a:spcAft>
+            </a:pPr>
+            <a:fld id="{CF769C61-EDDB-4958-A626-BA0E0F3C6BBE}" type="slidenum">
+              <a:rPr lang="nl-BE">
+                <a:solidFill>
+                  <a:srgbClr val="FFFFFF"/>
+                </a:solidFill>
+              </a:rPr>
+              <a:pPr>
+                <a:spcAft>
+                  <a:spcPts val="600"/>
+                </a:spcAft>
+              </a:pPr>
+              <a:t>8</a:t>
+            </a:fld>
+            <a:endParaRPr lang="nl-BE">
+              <a:solidFill>
+                <a:srgbClr val="FFFFFF"/>
+              </a:solidFill>
+            </a:endParaRPr>
+          </a:p>
+        </p:txBody>
+      </p:sp>
+    </p:spTree>
+    <p:extLst>
+      <p:ext uri="{BB962C8B-B14F-4D97-AF65-F5344CB8AC3E}">
+        <p14:creationId xmlns:p14="http://schemas.microsoft.com/office/powerpoint/2010/main" val="867792170"/>
+      </p:ext>
+    </p:extLst>
+  </p:cSld>
+  <p:clrMapOvr>
+    <a:masterClrMapping/>
+  </p:clrMapOvr>
+  <mc:AlternateContent xmlns:mc="http://schemas.openxmlformats.org/markup-compatibility/2006">
+    <mc:Choice xmlns:p14="http://schemas.microsoft.com/office/powerpoint/2010/main" Requires="p14">
+      <p:transition spd="med" p14:dur="700">
+        <p:fade/>
+      </p:transition>
+    </mc:Choice>
+    <mc:Fallback>
+      <p:transition spd="med">
+        <p:fade/>
+      </p:transition>
+    </mc:Fallback>
+  </mc:AlternateContent>
+</p:sld>
+</file>
+
+<file path=ppt/slides/slide9.xml><?xml version="1.0" encoding="utf-8"?>
+<p:sld xmlns:a="http://schemas.openxmlformats.org/drawingml/2006/main" xmlns:r="http://schemas.openxmlformats.org/officeDocument/2006/relationships" xmlns:p="http://schemas.openxmlformats.org/presentationml/2006/main">
+  <p:cSld>
+    <p:bg>
+      <p:bgPr>
+        <a:solidFill>
+          <a:schemeClr val="bg1"/>
+        </a:solidFill>
+        <a:effectLst/>
+      </p:bgPr>
+    </p:bg>
+    <p:spTree>
+      <p:nvGrpSpPr>
+        <p:cNvPr id="1" name=""/>
+        <p:cNvGrpSpPr/>
+        <p:nvPr/>
+      </p:nvGrpSpPr>
+      <p:grpSpPr>
+        <a:xfrm>
+          <a:off x="0" y="0"/>
+          <a:ext cx="0" cy="0"/>
+          <a:chOff x="0" y="0"/>
+          <a:chExt cx="0" cy="0"/>
+        </a:xfrm>
+      </p:grpSpPr>
+      <p:sp useBgFill="1">
+        <p:nvSpPr>
+          <p:cNvPr id="12" name="Rectangle 11">
+            <a:extLst>
+              <a:ext uri="{FF2B5EF4-FFF2-40B4-BE49-F238E27FC236}">
+                <a16:creationId xmlns:a16="http://schemas.microsoft.com/office/drawing/2014/main" id="{8F90786E-B72D-4C32-BDCE-A170B007822D}"/>
+              </a:ext>
+              <a:ext uri="{C183D7F6-B498-43B3-948B-1728B52AA6E4}">
+                <adec:decorative xmlns:adec="http://schemas.microsoft.com/office/drawing/2017/decorative" val="1"/>
+              </a:ext>
+            </a:extLst>
+          </p:cNvPr>
+          <p:cNvSpPr>
+            <a:spLocks noGrp="1" noRot="1" noChangeAspect="1" noMove="1" noResize="1" noEditPoints="1" noAdjustHandles="1" noChangeArrowheads="1" noChangeShapeType="1" noTextEdit="1"/>
+          </p:cNvSpPr>
+          <p:nvPr>
+            <p:extLst>
+              <p:ext uri="{386F3935-93C4-4BCD-93E2-E3B085C9AB24}">
+                <p16:designElem xmlns:p16="http://schemas.microsoft.com/office/powerpoint/2015/main" val="1"/>
+              </p:ext>
+            </p:extLst>
+          </p:nvPr>
+        </p:nvSpPr>
+        <p:spPr>
+          <a:xfrm>
+            <a:off x="0" y="-1"/>
+            <a:ext cx="12188952" cy="6858000"/>
+          </a:xfrm>
+          <a:prstGeom prst="rect">
+            <a:avLst/>
+          </a:prstGeom>
+          <a:ln>
+            <a:noFill/>
+          </a:ln>
+        </p:spPr>
+        <p:style>
+          <a:lnRef idx="2">
+            <a:schemeClr val="accent1">
+              <a:shade val="50000"/>
+            </a:schemeClr>
+          </a:lnRef>
+          <a:fillRef idx="1">
+            <a:schemeClr val="accent1"/>
+          </a:fillRef>
+          <a:effectRef idx="0">
+            <a:schemeClr val="accent1"/>
+          </a:effectRef>
+          <a:fontRef idx="minor">
+            <a:schemeClr val="lt1"/>
+          </a:fontRef>
+        </p:style>
+        <p:txBody>
+          <a:bodyPr rtlCol="0" anchor="ctr"/>
+          <a:lstStyle/>
+          <a:p>
+            <a:pPr marL="0" marR="0" lvl="0" indent="0" algn="ctr" defTabSz="914400" rtl="0" eaLnBrk="1" fontAlgn="auto" latinLnBrk="0" hangingPunct="1">
+              <a:lnSpc>
+                <a:spcPct val="100000"/>
+              </a:lnSpc>
+              <a:spcBef>
+                <a:spcPts val="0"/>
+              </a:spcBef>
+              <a:spcAft>
+                <a:spcPts val="0"/>
+              </a:spcAft>
+              <a:buClrTx/>
+              <a:buSzTx/>
+              <a:buFontTx/>
+              <a:buNone/>
+              <a:tabLst/>
+              <a:defRPr/>
+            </a:pPr>
+            <a:endParaRPr kumimoji="0" lang="en-US" sz="1800" b="0" i="0" u="none" strike="noStrike" kern="1200" cap="none" spc="0" normalizeH="0" baseline="0" noProof="0">
+              <a:ln>
+                <a:noFill/>
+              </a:ln>
+              <a:solidFill>
+                <a:prstClr val="white"/>
+              </a:solidFill>
+              <a:effectLst/>
+              <a:uLnTx/>
+              <a:uFillTx/>
+              <a:latin typeface="Calibri" panose="020F0502020204030204"/>
+              <a:ea typeface="+mn-ea"/>
+              <a:cs typeface="+mn-cs"/>
+            </a:endParaRPr>
+          </a:p>
+        </p:txBody>
+      </p:sp>
+      <p:sp>
+        <p:nvSpPr>
+          <p:cNvPr id="14" name="Rectangle 13">
+            <a:extLst>
+              <a:ext uri="{FF2B5EF4-FFF2-40B4-BE49-F238E27FC236}">
+                <a16:creationId xmlns:a16="http://schemas.microsoft.com/office/drawing/2014/main" id="{5E46F2E7-848F-4A6C-A098-4764FDEA771A}"/>
+              </a:ext>
+              <a:ext uri="{C183D7F6-B498-43B3-948B-1728B52AA6E4}">
+                <adec:decorative xmlns:adec="http://schemas.microsoft.com/office/drawing/2017/decorative" val="1"/>
+              </a:ext>
+            </a:extLst>
+          </p:cNvPr>
+          <p:cNvSpPr>
+            <a:spLocks noGrp="1" noRot="1" noChangeAspect="1" noMove="1" noResize="1" noEditPoints="1" noAdjustHandles="1" noChangeArrowheads="1" noChangeShapeType="1" noTextEdit="1"/>
+          </p:cNvSpPr>
+          <p:nvPr>
+            <p:extLst>
+              <p:ext uri="{386F3935-93C4-4BCD-93E2-E3B085C9AB24}">
+                <p16:designElem xmlns:p16="http://schemas.microsoft.com/office/powerpoint/2015/main" val="1"/>
+              </p:ext>
+            </p:extLst>
+          </p:nvPr>
+        </p:nvSpPr>
+        <p:spPr>
+          <a:xfrm>
+            <a:off x="0" y="0"/>
+            <a:ext cx="12192000" cy="6858000"/>
+          </a:xfrm>
+          <a:prstGeom prst="rect">
+            <a:avLst/>
+          </a:prstGeom>
+          <a:solidFill>
+            <a:srgbClr val="000000"/>
+          </a:solidFill>
+          <a:ln>
+            <a:noFill/>
+          </a:ln>
+        </p:spPr>
+        <p:style>
+          <a:lnRef idx="2">
+            <a:schemeClr val="accent1">
+              <a:shade val="50000"/>
+            </a:schemeClr>
+          </a:lnRef>
+          <a:fillRef idx="1">
+            <a:schemeClr val="accent1"/>
+          </a:fillRef>
+          <a:effectRef idx="0">
+            <a:schemeClr val="accent1"/>
+          </a:effectRef>
+          <a:fontRef idx="minor">
+            <a:schemeClr val="lt1"/>
+          </a:fontRef>
+        </p:style>
+        <p:txBody>
+          <a:bodyPr rtlCol="0" anchor="ctr"/>
+          <a:lstStyle/>
+          <a:p>
+            <a:pPr marL="0" marR="0" lvl="0" indent="0" algn="ctr" defTabSz="914400" rtl="0" eaLnBrk="1" fontAlgn="auto" latinLnBrk="0" hangingPunct="1">
+              <a:lnSpc>
+                <a:spcPct val="100000"/>
+              </a:lnSpc>
+              <a:spcBef>
+                <a:spcPts val="0"/>
+              </a:spcBef>
+              <a:spcAft>
+                <a:spcPts val="0"/>
+              </a:spcAft>
+              <a:buClrTx/>
+              <a:buSzTx/>
+              <a:buFontTx/>
+              <a:buNone/>
+              <a:tabLst/>
+              <a:defRPr/>
+            </a:pPr>
+            <a:endParaRPr kumimoji="0" lang="en-US" sz="1800" b="0" i="0" u="none" strike="noStrike" kern="1200" cap="none" spc="0" normalizeH="0" baseline="0" noProof="0">
+              <a:ln>
+                <a:noFill/>
+              </a:ln>
+              <a:solidFill>
+                <a:srgbClr val="000000"/>
+              </a:solidFill>
+              <a:effectLst/>
+              <a:uLnTx/>
+              <a:uFillTx/>
+              <a:latin typeface="Calibri" panose="020F0502020204030204"/>
+              <a:ea typeface="+mn-ea"/>
+              <a:cs typeface="+mn-cs"/>
+            </a:endParaRPr>
+          </a:p>
+        </p:txBody>
+      </p:sp>
+      <p:pic>
+        <p:nvPicPr>
+          <p:cNvPr id="7" name="Afbeelding 6" descr="Afbeelding met wiel, speelgoed, band, Schaalmodel&#10;&#10;Door AI gegenereerde inhoud is mogelijk onjuist.">
+            <a:extLst>
+              <a:ext uri="{FF2B5EF4-FFF2-40B4-BE49-F238E27FC236}">
+                <a16:creationId xmlns:a16="http://schemas.microsoft.com/office/drawing/2014/main" id="{53DFB8CF-588D-1A28-17F6-44C7AAABB670}"/>
+              </a:ext>
+            </a:extLst>
+          </p:cNvPr>
+          <p:cNvPicPr>
+            <a:picLocks noChangeAspect="1"/>
+          </p:cNvPicPr>
+          <p:nvPr/>
+        </p:nvPicPr>
+        <p:blipFill>
+          <a:blip r:embed="rId2">
+            <a:alphaModFix amt="60000"/>
+            <a:extLst>
+              <a:ext uri="{28A0092B-C50C-407E-A947-70E740481C1C}">
+                <a14:useLocalDpi xmlns:a14="http://schemas.microsoft.com/office/drawing/2010/main" val="0"/>
+              </a:ext>
+            </a:extLst>
+          </a:blip>
+          <a:srcRect/>
+          <a:stretch>
+            <a:fillRect/>
+          </a:stretch>
+        </p:blipFill>
+        <p:spPr>
+          <a:xfrm>
+            <a:off x="-1" y="10"/>
+            <a:ext cx="12192001" cy="6857990"/>
+          </a:xfrm>
+          <a:prstGeom prst="rect">
+            <a:avLst/>
+          </a:prstGeom>
+        </p:spPr>
+      </p:pic>
+      <p:sp>
+        <p:nvSpPr>
+          <p:cNvPr id="2" name="Titel 1">
+            <a:extLst>
+              <a:ext uri="{FF2B5EF4-FFF2-40B4-BE49-F238E27FC236}">
+                <a16:creationId xmlns:a16="http://schemas.microsoft.com/office/drawing/2014/main" id="{207D4001-2451-5D04-4684-B250E1E629EE}"/>
+              </a:ext>
+            </a:extLst>
+          </p:cNvPr>
+          <p:cNvSpPr>
+            <a:spLocks noGrp="1"/>
+          </p:cNvSpPr>
+          <p:nvPr>
+            <p:ph type="title"/>
+          </p:nvPr>
+        </p:nvSpPr>
+        <p:spPr>
+          <a:xfrm>
+            <a:off x="838199" y="1671570"/>
+            <a:ext cx="5155261" cy="4072044"/>
+          </a:xfrm>
+        </p:spPr>
+        <p:txBody>
+          <a:bodyPr anchor="t">
+            <a:normAutofit/>
+          </a:bodyPr>
+          <a:lstStyle/>
+          <a:p>
+            <a:r>
+              <a:rPr lang="nl-BE">
+                <a:solidFill>
+                  <a:srgbClr val="FFFFFF"/>
+                </a:solidFill>
+              </a:rPr>
+              <a:t>ESP32-Feather</a:t>
+            </a:r>
+          </a:p>
+        </p:txBody>
+      </p:sp>
+      <p:sp>
+        <p:nvSpPr>
+          <p:cNvPr id="3" name="Tijdelijke aanduiding voor inhoud 2">
+            <a:extLst>
+              <a:ext uri="{FF2B5EF4-FFF2-40B4-BE49-F238E27FC236}">
+                <a16:creationId xmlns:a16="http://schemas.microsoft.com/office/drawing/2014/main" id="{B9B5B938-0D48-A909-3B7A-B91609F8C758}"/>
+              </a:ext>
+            </a:extLst>
+          </p:cNvPr>
+          <p:cNvSpPr>
+            <a:spLocks noGrp="1"/>
+          </p:cNvSpPr>
+          <p:nvPr>
+            <p:ph idx="1"/>
+          </p:nvPr>
+        </p:nvSpPr>
+        <p:spPr>
+          <a:xfrm>
+            <a:off x="6185986" y="1671566"/>
+            <a:ext cx="5170861" cy="4072043"/>
+          </a:xfrm>
+        </p:spPr>
+        <p:txBody>
+          <a:bodyPr>
+            <a:normAutofit/>
+          </a:bodyPr>
+          <a:lstStyle/>
+          <a:p>
+            <a:r>
+              <a:rPr lang="nl-BE" sz="2000">
+                <a:solidFill>
+                  <a:srgbClr val="FFFFFF"/>
+                </a:solidFill>
+              </a:rPr>
+              <a:t>Joysticks</a:t>
+            </a:r>
+          </a:p>
+          <a:p>
+            <a:r>
+              <a:rPr lang="nl-BE" sz="2000">
+                <a:solidFill>
+                  <a:srgbClr val="FFFFFF"/>
+                </a:solidFill>
+              </a:rPr>
+              <a:t>Potentiometer</a:t>
+            </a:r>
+          </a:p>
+        </p:txBody>
+      </p:sp>
+      <p:sp>
+        <p:nvSpPr>
+          <p:cNvPr id="4" name="Tijdelijke aanduiding voor voettekst 3">
+            <a:extLst>
+              <a:ext uri="{FF2B5EF4-FFF2-40B4-BE49-F238E27FC236}">
+                <a16:creationId xmlns:a16="http://schemas.microsoft.com/office/drawing/2014/main" id="{21B19F9E-09BF-CF3F-2871-4F7FD61AEA02}"/>
+              </a:ext>
+            </a:extLst>
+          </p:cNvPr>
+          <p:cNvSpPr>
+            <a:spLocks noGrp="1"/>
+          </p:cNvSpPr>
+          <p:nvPr>
+            <p:ph type="ftr" sz="quarter" idx="11"/>
+          </p:nvPr>
+        </p:nvSpPr>
+        <p:spPr>
+          <a:xfrm>
+            <a:off x="4038600" y="6356350"/>
+            <a:ext cx="4114800" cy="365125"/>
+          </a:xfrm>
+        </p:spPr>
+        <p:txBody>
+          <a:bodyPr>
+            <a:normAutofit/>
+          </a:bodyPr>
+          <a:lstStyle/>
+          <a:p>
+            <a:r>
+              <a:rPr lang="nl-BE" dirty="0">
+                <a:solidFill>
+                  <a:srgbClr val="FFFFFF"/>
+                </a:solidFill>
+              </a:rPr>
+              <a:t>Software</a:t>
+            </a:r>
+          </a:p>
+        </p:txBody>
+      </p:sp>
+      <p:sp>
+        <p:nvSpPr>
+          <p:cNvPr id="5" name="Tijdelijke aanduiding voor dianummer 4">
+            <a:extLst>
+              <a:ext uri="{FF2B5EF4-FFF2-40B4-BE49-F238E27FC236}">
+                <a16:creationId xmlns:a16="http://schemas.microsoft.com/office/drawing/2014/main" id="{63DF1A88-1FAB-4B38-579C-F056F67D7E4D}"/>
+              </a:ext>
+            </a:extLst>
+          </p:cNvPr>
+          <p:cNvSpPr>
+            <a:spLocks noGrp="1"/>
+          </p:cNvSpPr>
+          <p:nvPr>
+            <p:ph type="sldNum" sz="quarter" idx="12"/>
+          </p:nvPr>
+        </p:nvSpPr>
+        <p:spPr>
+          <a:xfrm>
+            <a:off x="8610600" y="6356350"/>
+            <a:ext cx="2743200" cy="365125"/>
+          </a:xfrm>
+        </p:spPr>
+        <p:txBody>
+          <a:bodyPr>
+            <a:normAutofit/>
+          </a:bodyPr>
+          <a:lstStyle/>
+          <a:p>
+            <a:pPr>
+              <a:spcAft>
+                <a:spcPts val="600"/>
+              </a:spcAft>
+            </a:pPr>
+            <a:fld id="{CF769C61-EDDB-4958-A626-BA0E0F3C6BBE}" type="slidenum">
+              <a:rPr lang="nl-BE">
+                <a:solidFill>
+                  <a:srgbClr val="FFFFFF"/>
+                </a:solidFill>
+              </a:rPr>
+              <a:pPr>
+                <a:spcAft>
+                  <a:spcPts val="600"/>
+                </a:spcAft>
+              </a:pPr>
+              <a:t>9</a:t>
+            </a:fld>
+            <a:endParaRPr lang="nl-BE">
+              <a:solidFill>
+                <a:srgbClr val="FFFFFF"/>
+              </a:solidFill>
+            </a:endParaRPr>
+          </a:p>
+        </p:txBody>
+      </p:sp>
+    </p:spTree>
+    <p:extLst>
+      <p:ext uri="{BB962C8B-B14F-4D97-AF65-F5344CB8AC3E}">
+        <p14:creationId xmlns:p14="http://schemas.microsoft.com/office/powerpoint/2010/main" val="638922214"/>
+      </p:ext>
+    </p:extLst>
+  </p:cSld>
+  <p:clrMapOvr>
+    <a:masterClrMapping/>
+  </p:clrMapOvr>
+  <mc:AlternateContent xmlns:mc="http://schemas.openxmlformats.org/markup-compatibility/2006">
+    <mc:Choice xmlns:p14="http://schemas.microsoft.com/office/powerpoint/2010/main" Requires="p14">
+      <p:transition spd="med" p14:dur="700">
+        <p:fade/>
+      </p:transition>
+    </mc:Choice>
+    <mc:Fallback>
+      <p:transition spd="med">
+        <p:fade/>
+      </p:transition>
+    </mc:Fallback>
+  </mc:AlternateContent>
 </p:sld>
 </file>
 

--- a/Robot met mecanum wheels.pptx
+++ b/Robot met mecanum wheels.pptx
@@ -5,7 +5,7 @@
     <p:sldMasterId id="2147483648" r:id="rId1"/>
   </p:sldMasterIdLst>
   <p:notesMasterIdLst>
-    <p:notesMasterId r:id="rId14"/>
+    <p:notesMasterId r:id="rId15"/>
   </p:notesMasterIdLst>
   <p:sldIdLst>
     <p:sldId id="256" r:id="rId2"/>
@@ -18,8 +18,9 @@
     <p:sldId id="263" r:id="rId9"/>
     <p:sldId id="264" r:id="rId10"/>
     <p:sldId id="265" r:id="rId11"/>
-    <p:sldId id="266" r:id="rId12"/>
-    <p:sldId id="267" r:id="rId13"/>
+    <p:sldId id="268" r:id="rId12"/>
+    <p:sldId id="266" r:id="rId13"/>
+    <p:sldId id="267" r:id="rId14"/>
   </p:sldIdLst>
   <p:sldSz cx="12192000" cy="6858000"/>
   <p:notesSz cx="6858000" cy="9144000"/>
@@ -4062,7 +4063,7 @@
           <a:lstStyle/>
           <a:p>
             <a:pPr algn="ctr"/>
-            <a:endParaRPr lang="en-US"/>
+            <a:endParaRPr lang="nl-BE" noProof="0" dirty="0"/>
           </a:p>
         </p:txBody>
       </p:sp>
@@ -4131,7 +4132,7 @@
           <a:lstStyle/>
           <a:p>
             <a:r>
-              <a:rPr lang="nl-BE" dirty="0">
+              <a:rPr lang="nl-BE" noProof="0" dirty="0">
                 <a:solidFill>
                   <a:srgbClr val="FFFFFF"/>
                 </a:solidFill>
@@ -4170,7 +4171,7 @@
           <a:lstStyle/>
           <a:p>
             <a:r>
-              <a:rPr lang="nl-BE" dirty="0">
+              <a:rPr lang="nl-BE" noProof="0" dirty="0">
                 <a:solidFill>
                   <a:srgbClr val="FFFFFF"/>
                 </a:solidFill>
@@ -4180,7 +4181,7 @@
           </a:p>
           <a:p>
             <a:r>
-              <a:rPr lang="nl-BE" dirty="0">
+              <a:rPr lang="nl-BE" noProof="0" dirty="0">
                 <a:solidFill>
                   <a:srgbClr val="FFFFFF"/>
                 </a:solidFill>
@@ -4212,10 +4213,10 @@
           <a:lstStyle/>
           <a:p>
             <a:fld id="{CF769C61-EDDB-4958-A626-BA0E0F3C6BBE}" type="slidenum">
-              <a:rPr lang="nl-BE" smtClean="0"/>
+              <a:rPr lang="nl-BE" noProof="0" smtClean="0"/>
               <a:t>1</a:t>
             </a:fld>
-            <a:endParaRPr lang="nl-BE"/>
+            <a:endParaRPr lang="nl-BE" noProof="0" dirty="0"/>
           </a:p>
         </p:txBody>
       </p:sp>
@@ -4241,7 +4242,7 @@
           <a:lstStyle/>
           <a:p>
             <a:r>
-              <a:rPr lang="nl-BE" dirty="0"/>
+              <a:rPr lang="nl-BE" noProof="0" dirty="0"/>
               <a:t>Introductie</a:t>
             </a:r>
           </a:p>
@@ -4575,7 +4576,7 @@
               <a:tabLst/>
               <a:defRPr/>
             </a:pPr>
-            <a:endParaRPr kumimoji="0" lang="en-US" sz="1800" b="0" i="0" u="none" strike="noStrike" kern="1200" cap="none" spc="0" normalizeH="0" baseline="0" noProof="0">
+            <a:endParaRPr kumimoji="0" lang="nl-BE" sz="1800" b="0" i="0" u="none" strike="noStrike" kern="1200" cap="none" spc="0" normalizeH="0" baseline="0" noProof="0" dirty="0">
               <a:ln>
                 <a:noFill/>
               </a:ln>
@@ -4667,7 +4668,7 @@
               <a:tabLst/>
               <a:defRPr/>
             </a:pPr>
-            <a:endParaRPr kumimoji="0" lang="en-US" sz="1800" b="0" i="0" u="none" strike="noStrike" kern="1200" cap="none" spc="0" normalizeH="0" baseline="0" noProof="0">
+            <a:endParaRPr kumimoji="0" lang="nl-BE" sz="1800" b="0" i="0" u="none" strike="noStrike" kern="1200" cap="none" spc="0" normalizeH="0" baseline="0" noProof="0" dirty="0">
               <a:ln>
                 <a:noFill/>
               </a:ln>
@@ -4751,7 +4752,7 @@
           <a:lstStyle/>
           <a:p>
             <a:r>
-              <a:rPr lang="nl-BE">
+              <a:rPr lang="nl-BE" noProof="0" dirty="0">
                 <a:solidFill>
                   <a:srgbClr val="FFFFFF"/>
                 </a:solidFill>
@@ -4790,7 +4791,7 @@
           <a:lstStyle/>
           <a:p>
             <a:r>
-              <a:rPr lang="nl-BE" sz="2000">
+              <a:rPr lang="nl-BE" sz="2000" noProof="0" dirty="0">
                 <a:solidFill>
                   <a:srgbClr val="FFFFFF"/>
                 </a:solidFill>
@@ -4800,7 +4801,7 @@
           </a:p>
           <a:p>
             <a:r>
-              <a:rPr lang="nl-BE" sz="2000">
+              <a:rPr lang="nl-BE" sz="2000" noProof="0" dirty="0">
                 <a:solidFill>
                   <a:srgbClr val="FFFFFF"/>
                 </a:solidFill>
@@ -4839,7 +4840,7 @@
           <a:lstStyle/>
           <a:p>
             <a:r>
-              <a:rPr lang="nl-BE" dirty="0">
+              <a:rPr lang="nl-BE" noProof="0" dirty="0">
                 <a:solidFill>
                   <a:srgbClr val="FFFFFF"/>
                 </a:solidFill>
@@ -4883,7 +4884,7 @@
               </a:spcAft>
             </a:pPr>
             <a:fld id="{CF769C61-EDDB-4958-A626-BA0E0F3C6BBE}" type="slidenum">
-              <a:rPr lang="nl-BE">
+              <a:rPr lang="nl-BE" noProof="0">
                 <a:solidFill>
                   <a:srgbClr val="FFFFFF"/>
                 </a:solidFill>
@@ -4895,7 +4896,7 @@
               </a:pPr>
               <a:t>10</a:t>
             </a:fld>
-            <a:endParaRPr lang="nl-BE">
+            <a:endParaRPr lang="nl-BE" noProof="0" dirty="0">
               <a:solidFill>
                 <a:srgbClr val="FFFFFF"/>
               </a:solidFill>
@@ -5021,7 +5022,7 @@
           <p:cNvPr id="7" name="Afbeelding 6" descr="Afbeelding met wiel, speelgoed, band, Schaalmodel&#10;&#10;Door AI gegenereerde inhoud is mogelijk onjuist.">
             <a:extLst>
               <a:ext uri="{FF2B5EF4-FFF2-40B4-BE49-F238E27FC236}">
-                <a16:creationId xmlns:a16="http://schemas.microsoft.com/office/drawing/2014/main" id="{2FCAF7F1-58E8-A9D6-4857-4F4F68856BC6}"/>
+                <a16:creationId xmlns:a16="http://schemas.microsoft.com/office/drawing/2014/main" id="{2D6536D4-EC69-86FB-FFF1-93338D739E2B}"/>
               </a:ext>
             </a:extLst>
           </p:cNvPr>
@@ -5059,7 +5060,7 @@
           <p:cNvPr id="2" name="Titel 1">
             <a:extLst>
               <a:ext uri="{FF2B5EF4-FFF2-40B4-BE49-F238E27FC236}">
-                <a16:creationId xmlns:a16="http://schemas.microsoft.com/office/drawing/2014/main" id="{B1E09D67-DBE7-8B54-8C1F-E9D9CA3D84BE}"/>
+                <a16:creationId xmlns:a16="http://schemas.microsoft.com/office/drawing/2014/main" id="{9A1D88CB-131F-7A36-7F00-4C56344B27F6}"/>
               </a:ext>
             </a:extLst>
           </p:cNvPr>
@@ -5088,7 +5089,7 @@
                   <a:srgbClr val="FFFFFF"/>
                 </a:solidFill>
               </a:rPr>
-              <a:t>Website</a:t>
+              <a:t>Dashboard</a:t>
             </a:r>
           </a:p>
         </p:txBody>
@@ -5098,7 +5099,7 @@
           <p:cNvPr id="3" name="Tijdelijke aanduiding voor inhoud 2">
             <a:extLst>
               <a:ext uri="{FF2B5EF4-FFF2-40B4-BE49-F238E27FC236}">
-                <a16:creationId xmlns:a16="http://schemas.microsoft.com/office/drawing/2014/main" id="{AF85832B-89D0-1109-9775-C6272C565C70}"/>
+                <a16:creationId xmlns:a16="http://schemas.microsoft.com/office/drawing/2014/main" id="{E8864447-0A44-0361-2836-8D8EB5238041}"/>
               </a:ext>
             </a:extLst>
           </p:cNvPr>
@@ -5127,67 +5128,8 @@
                   <a:srgbClr val="FFFFFF"/>
                 </a:solidFill>
               </a:rPr>
-              <a:t>Waarom?</a:t>
-            </a:r>
-          </a:p>
-          <a:p>
-            <a:pPr lvl="1">
-              <a:buFont typeface="Courier New" panose="02070309020205020404" pitchFamily="49" charset="0"/>
-              <a:buChar char="o"/>
-            </a:pPr>
-            <a:r>
-              <a:rPr lang="nl-BE">
-                <a:solidFill>
-                  <a:srgbClr val="FFFFFF"/>
-                </a:solidFill>
-              </a:rPr>
-              <a:t>Uitleg geven over robot</a:t>
-            </a:r>
-          </a:p>
-          <a:p>
-            <a:r>
-              <a:rPr lang="nl-BE">
-                <a:solidFill>
-                  <a:srgbClr val="FFFFFF"/>
-                </a:solidFill>
-              </a:rPr>
-              <a:t>Programmeertaal</a:t>
-            </a:r>
-          </a:p>
-          <a:p>
-            <a:pPr lvl="1">
-              <a:buFont typeface="Courier New" panose="02070309020205020404" pitchFamily="49" charset="0"/>
-              <a:buChar char="o"/>
-            </a:pPr>
-            <a:r>
-              <a:rPr lang="nl-BE">
-                <a:solidFill>
-                  <a:srgbClr val="FFFFFF"/>
-                </a:solidFill>
-              </a:rPr>
-              <a:t>HTML</a:t>
-            </a:r>
-          </a:p>
-          <a:p>
-            <a:pPr lvl="1">
-              <a:buFont typeface="Courier New" panose="02070309020205020404" pitchFamily="49" charset="0"/>
-              <a:buChar char="o"/>
-            </a:pPr>
-            <a:r>
-              <a:rPr lang="nl-BE">
-                <a:solidFill>
-                  <a:srgbClr val="FFFFFF"/>
-                </a:solidFill>
-              </a:rPr>
-              <a:t>CSS</a:t>
-            </a:r>
-          </a:p>
-          <a:p>
-            <a:endParaRPr lang="nl-BE">
-              <a:solidFill>
-                <a:srgbClr val="FFFFFF"/>
-              </a:solidFill>
-            </a:endParaRPr>
+              <a:t>Aansturen robot</a:t>
+            </a:r>
           </a:p>
         </p:txBody>
       </p:sp>
@@ -5196,7 +5138,7 @@
           <p:cNvPr id="4" name="Tijdelijke aanduiding voor voettekst 3">
             <a:extLst>
               <a:ext uri="{FF2B5EF4-FFF2-40B4-BE49-F238E27FC236}">
-                <a16:creationId xmlns:a16="http://schemas.microsoft.com/office/drawing/2014/main" id="{ED3A6253-2723-0083-B389-553B856DE705}"/>
+                <a16:creationId xmlns:a16="http://schemas.microsoft.com/office/drawing/2014/main" id="{D5E4A0F7-C788-4BE3-7AE5-6ED70EF02834}"/>
               </a:ext>
             </a:extLst>
           </p:cNvPr>
@@ -5219,13 +5161,18 @@
           </a:bodyPr>
           <a:lstStyle/>
           <a:p>
-            <a:r>
-              <a:rPr lang="nl-BE" dirty="0">
+            <a:pPr>
+              <a:spcAft>
+                <a:spcPts val="600"/>
+              </a:spcAft>
+            </a:pPr>
+            <a:r>
+              <a:rPr lang="nl-BE">
                 <a:solidFill>
                   <a:srgbClr val="FFFFFF"/>
                 </a:solidFill>
               </a:rPr>
-              <a:t>Extra</a:t>
+              <a:t>Software</a:t>
             </a:r>
           </a:p>
         </p:txBody>
@@ -5235,7 +5182,7 @@
           <p:cNvPr id="5" name="Tijdelijke aanduiding voor dianummer 4">
             <a:extLst>
               <a:ext uri="{FF2B5EF4-FFF2-40B4-BE49-F238E27FC236}">
-                <a16:creationId xmlns:a16="http://schemas.microsoft.com/office/drawing/2014/main" id="{2E5275C4-923E-0A92-983C-6D00DE4E4ECF}"/>
+                <a16:creationId xmlns:a16="http://schemas.microsoft.com/office/drawing/2014/main" id="{CAAE81E6-3A47-21D4-5BA0-7B946A90E724}"/>
               </a:ext>
             </a:extLst>
           </p:cNvPr>
@@ -5277,6 +5224,375 @@
               <a:t>11</a:t>
             </a:fld>
             <a:endParaRPr lang="nl-BE">
+              <a:solidFill>
+                <a:srgbClr val="FFFFFF"/>
+              </a:solidFill>
+            </a:endParaRPr>
+          </a:p>
+        </p:txBody>
+      </p:sp>
+    </p:spTree>
+    <p:extLst>
+      <p:ext uri="{BB962C8B-B14F-4D97-AF65-F5344CB8AC3E}">
+        <p14:creationId xmlns:p14="http://schemas.microsoft.com/office/powerpoint/2010/main" val="3344897530"/>
+      </p:ext>
+    </p:extLst>
+  </p:cSld>
+  <p:clrMapOvr>
+    <a:overrideClrMapping bg1="dk1" tx1="lt1" bg2="dk2" tx2="lt2" accent1="accent1" accent2="accent2" accent3="accent3" accent4="accent4" accent5="accent5" accent6="accent6" hlink="hlink" folHlink="folHlink"/>
+  </p:clrMapOvr>
+</p:sld>
+</file>
+
+<file path=ppt/slides/slide12.xml><?xml version="1.0" encoding="utf-8"?>
+<p:sld xmlns:a="http://schemas.openxmlformats.org/drawingml/2006/main" xmlns:r="http://schemas.openxmlformats.org/officeDocument/2006/relationships" xmlns:p="http://schemas.openxmlformats.org/presentationml/2006/main">
+  <p:cSld>
+    <p:bg>
+      <p:bgPr>
+        <a:solidFill>
+          <a:schemeClr val="bg1"/>
+        </a:solidFill>
+        <a:effectLst/>
+      </p:bgPr>
+    </p:bg>
+    <p:spTree>
+      <p:nvGrpSpPr>
+        <p:cNvPr id="1" name=""/>
+        <p:cNvGrpSpPr/>
+        <p:nvPr/>
+      </p:nvGrpSpPr>
+      <p:grpSpPr>
+        <a:xfrm>
+          <a:off x="0" y="0"/>
+          <a:ext cx="0" cy="0"/>
+          <a:chOff x="0" y="0"/>
+          <a:chExt cx="0" cy="0"/>
+        </a:xfrm>
+      </p:grpSpPr>
+      <p:sp>
+        <p:nvSpPr>
+          <p:cNvPr id="12" name="Rectangle 11">
+            <a:extLst>
+              <a:ext uri="{FF2B5EF4-FFF2-40B4-BE49-F238E27FC236}">
+                <a16:creationId xmlns:a16="http://schemas.microsoft.com/office/drawing/2014/main" id="{9228552E-C8B1-4A80-8448-0787CE0FC704}"/>
+              </a:ext>
+              <a:ext uri="{C183D7F6-B498-43B3-948B-1728B52AA6E4}">
+                <adec:decorative xmlns:adec="http://schemas.microsoft.com/office/drawing/2017/decorative" val="1"/>
+              </a:ext>
+            </a:extLst>
+          </p:cNvPr>
+          <p:cNvSpPr>
+            <a:spLocks noGrp="1" noRot="1" noChangeAspect="1" noMove="1" noResize="1" noEditPoints="1" noAdjustHandles="1" noChangeArrowheads="1" noChangeShapeType="1" noTextEdit="1"/>
+          </p:cNvSpPr>
+          <p:nvPr>
+            <p:extLst>
+              <p:ext uri="{386F3935-93C4-4BCD-93E2-E3B085C9AB24}">
+                <p16:designElem xmlns:p16="http://schemas.microsoft.com/office/powerpoint/2015/main" val="1"/>
+              </p:ext>
+            </p:extLst>
+          </p:nvPr>
+        </p:nvSpPr>
+        <p:spPr>
+          <a:xfrm>
+            <a:off x="0" y="0"/>
+            <a:ext cx="12192000" cy="6858000"/>
+          </a:xfrm>
+          <a:prstGeom prst="rect">
+            <a:avLst/>
+          </a:prstGeom>
+          <a:solidFill>
+            <a:srgbClr val="000000"/>
+          </a:solidFill>
+          <a:ln>
+            <a:noFill/>
+          </a:ln>
+        </p:spPr>
+        <p:style>
+          <a:lnRef idx="2">
+            <a:schemeClr val="accent1">
+              <a:shade val="50000"/>
+            </a:schemeClr>
+          </a:lnRef>
+          <a:fillRef idx="1">
+            <a:schemeClr val="accent1"/>
+          </a:fillRef>
+          <a:effectRef idx="0">
+            <a:schemeClr val="accent1"/>
+          </a:effectRef>
+          <a:fontRef idx="minor">
+            <a:schemeClr val="lt1"/>
+          </a:fontRef>
+        </p:style>
+        <p:txBody>
+          <a:bodyPr rtlCol="0" anchor="ctr"/>
+          <a:lstStyle/>
+          <a:p>
+            <a:pPr algn="ctr"/>
+            <a:endParaRPr lang="nl-BE" noProof="0" dirty="0"/>
+          </a:p>
+        </p:txBody>
+      </p:sp>
+      <p:pic>
+        <p:nvPicPr>
+          <p:cNvPr id="7" name="Afbeelding 6" descr="Afbeelding met wiel, speelgoed, band, Schaalmodel&#10;&#10;Door AI gegenereerde inhoud is mogelijk onjuist.">
+            <a:extLst>
+              <a:ext uri="{FF2B5EF4-FFF2-40B4-BE49-F238E27FC236}">
+                <a16:creationId xmlns:a16="http://schemas.microsoft.com/office/drawing/2014/main" id="{2FCAF7F1-58E8-A9D6-4857-4F4F68856BC6}"/>
+              </a:ext>
+            </a:extLst>
+          </p:cNvPr>
+          <p:cNvPicPr>
+            <a:picLocks noChangeAspect="1"/>
+          </p:cNvPicPr>
+          <p:nvPr/>
+        </p:nvPicPr>
+        <p:blipFill>
+          <a:blip r:embed="rId2">
+            <a:alphaModFix amt="35000"/>
+            <a:extLst>
+              <a:ext uri="{28A0092B-C50C-407E-A947-70E740481C1C}">
+                <a14:useLocalDpi xmlns:a14="http://schemas.microsoft.com/office/drawing/2010/main" val="0"/>
+              </a:ext>
+            </a:extLst>
+          </a:blip>
+          <a:srcRect/>
+          <a:stretch>
+            <a:fillRect/>
+          </a:stretch>
+        </p:blipFill>
+        <p:spPr>
+          <a:xfrm>
+            <a:off x="20" y="10"/>
+            <a:ext cx="12191980" cy="6857990"/>
+          </a:xfrm>
+          <a:prstGeom prst="rect">
+            <a:avLst/>
+          </a:prstGeom>
+        </p:spPr>
+      </p:pic>
+      <p:sp>
+        <p:nvSpPr>
+          <p:cNvPr id="2" name="Titel 1">
+            <a:extLst>
+              <a:ext uri="{FF2B5EF4-FFF2-40B4-BE49-F238E27FC236}">
+                <a16:creationId xmlns:a16="http://schemas.microsoft.com/office/drawing/2014/main" id="{B1E09D67-DBE7-8B54-8C1F-E9D9CA3D84BE}"/>
+              </a:ext>
+            </a:extLst>
+          </p:cNvPr>
+          <p:cNvSpPr>
+            <a:spLocks noGrp="1"/>
+          </p:cNvSpPr>
+          <p:nvPr>
+            <p:ph type="title"/>
+          </p:nvPr>
+        </p:nvSpPr>
+        <p:spPr>
+          <a:xfrm>
+            <a:off x="838200" y="365125"/>
+            <a:ext cx="10515600" cy="1325563"/>
+          </a:xfrm>
+        </p:spPr>
+        <p:txBody>
+          <a:bodyPr>
+            <a:normAutofit/>
+          </a:bodyPr>
+          <a:lstStyle/>
+          <a:p>
+            <a:r>
+              <a:rPr lang="nl-BE" noProof="0" dirty="0">
+                <a:solidFill>
+                  <a:srgbClr val="FFFFFF"/>
+                </a:solidFill>
+              </a:rPr>
+              <a:t>Website</a:t>
+            </a:r>
+          </a:p>
+        </p:txBody>
+      </p:sp>
+      <p:sp>
+        <p:nvSpPr>
+          <p:cNvPr id="3" name="Tijdelijke aanduiding voor inhoud 2">
+            <a:extLst>
+              <a:ext uri="{FF2B5EF4-FFF2-40B4-BE49-F238E27FC236}">
+                <a16:creationId xmlns:a16="http://schemas.microsoft.com/office/drawing/2014/main" id="{AF85832B-89D0-1109-9775-C6272C565C70}"/>
+              </a:ext>
+            </a:extLst>
+          </p:cNvPr>
+          <p:cNvSpPr>
+            <a:spLocks noGrp="1"/>
+          </p:cNvSpPr>
+          <p:nvPr>
+            <p:ph idx="1"/>
+          </p:nvPr>
+        </p:nvSpPr>
+        <p:spPr>
+          <a:xfrm>
+            <a:off x="838200" y="1825625"/>
+            <a:ext cx="10515600" cy="4351338"/>
+          </a:xfrm>
+        </p:spPr>
+        <p:txBody>
+          <a:bodyPr>
+            <a:normAutofit/>
+          </a:bodyPr>
+          <a:lstStyle/>
+          <a:p>
+            <a:r>
+              <a:rPr lang="nl-BE" noProof="0" dirty="0">
+                <a:solidFill>
+                  <a:srgbClr val="FFFFFF"/>
+                </a:solidFill>
+              </a:rPr>
+              <a:t>Waarom?</a:t>
+            </a:r>
+          </a:p>
+          <a:p>
+            <a:pPr lvl="1">
+              <a:buFont typeface="Courier New" panose="02070309020205020404" pitchFamily="49" charset="0"/>
+              <a:buChar char="o"/>
+            </a:pPr>
+            <a:r>
+              <a:rPr lang="nl-BE" noProof="0" dirty="0">
+                <a:solidFill>
+                  <a:srgbClr val="FFFFFF"/>
+                </a:solidFill>
+              </a:rPr>
+              <a:t>Uitleg geven over robot</a:t>
+            </a:r>
+          </a:p>
+          <a:p>
+            <a:r>
+              <a:rPr lang="nl-BE" noProof="0" dirty="0">
+                <a:solidFill>
+                  <a:srgbClr val="FFFFFF"/>
+                </a:solidFill>
+              </a:rPr>
+              <a:t>Programmeertaal</a:t>
+            </a:r>
+          </a:p>
+          <a:p>
+            <a:pPr lvl="1">
+              <a:buFont typeface="Courier New" panose="02070309020205020404" pitchFamily="49" charset="0"/>
+              <a:buChar char="o"/>
+            </a:pPr>
+            <a:r>
+              <a:rPr lang="nl-BE" noProof="0" dirty="0">
+                <a:solidFill>
+                  <a:srgbClr val="FFFFFF"/>
+                </a:solidFill>
+              </a:rPr>
+              <a:t>HTML</a:t>
+            </a:r>
+          </a:p>
+          <a:p>
+            <a:pPr lvl="1">
+              <a:buFont typeface="Courier New" panose="02070309020205020404" pitchFamily="49" charset="0"/>
+              <a:buChar char="o"/>
+            </a:pPr>
+            <a:r>
+              <a:rPr lang="nl-BE" noProof="0" dirty="0">
+                <a:solidFill>
+                  <a:srgbClr val="FFFFFF"/>
+                </a:solidFill>
+              </a:rPr>
+              <a:t>CSS</a:t>
+            </a:r>
+          </a:p>
+          <a:p>
+            <a:endParaRPr lang="nl-BE" noProof="0" dirty="0">
+              <a:solidFill>
+                <a:srgbClr val="FFFFFF"/>
+              </a:solidFill>
+            </a:endParaRPr>
+          </a:p>
+        </p:txBody>
+      </p:sp>
+      <p:sp>
+        <p:nvSpPr>
+          <p:cNvPr id="4" name="Tijdelijke aanduiding voor voettekst 3">
+            <a:extLst>
+              <a:ext uri="{FF2B5EF4-FFF2-40B4-BE49-F238E27FC236}">
+                <a16:creationId xmlns:a16="http://schemas.microsoft.com/office/drawing/2014/main" id="{ED3A6253-2723-0083-B389-553B856DE705}"/>
+              </a:ext>
+            </a:extLst>
+          </p:cNvPr>
+          <p:cNvSpPr>
+            <a:spLocks noGrp="1"/>
+          </p:cNvSpPr>
+          <p:nvPr>
+            <p:ph type="ftr" sz="quarter" idx="11"/>
+          </p:nvPr>
+        </p:nvSpPr>
+        <p:spPr>
+          <a:xfrm>
+            <a:off x="4038600" y="6356350"/>
+            <a:ext cx="4114800" cy="365125"/>
+          </a:xfrm>
+        </p:spPr>
+        <p:txBody>
+          <a:bodyPr>
+            <a:normAutofit/>
+          </a:bodyPr>
+          <a:lstStyle/>
+          <a:p>
+            <a:r>
+              <a:rPr lang="nl-BE" noProof="0" dirty="0">
+                <a:solidFill>
+                  <a:srgbClr val="FFFFFF"/>
+                </a:solidFill>
+              </a:rPr>
+              <a:t>Extra</a:t>
+            </a:r>
+          </a:p>
+        </p:txBody>
+      </p:sp>
+      <p:sp>
+        <p:nvSpPr>
+          <p:cNvPr id="5" name="Tijdelijke aanduiding voor dianummer 4">
+            <a:extLst>
+              <a:ext uri="{FF2B5EF4-FFF2-40B4-BE49-F238E27FC236}">
+                <a16:creationId xmlns:a16="http://schemas.microsoft.com/office/drawing/2014/main" id="{2E5275C4-923E-0A92-983C-6D00DE4E4ECF}"/>
+              </a:ext>
+            </a:extLst>
+          </p:cNvPr>
+          <p:cNvSpPr>
+            <a:spLocks noGrp="1"/>
+          </p:cNvSpPr>
+          <p:nvPr>
+            <p:ph type="sldNum" sz="quarter" idx="12"/>
+          </p:nvPr>
+        </p:nvSpPr>
+        <p:spPr>
+          <a:xfrm>
+            <a:off x="8610600" y="6356350"/>
+            <a:ext cx="2743200" cy="365125"/>
+          </a:xfrm>
+        </p:spPr>
+        <p:txBody>
+          <a:bodyPr>
+            <a:normAutofit/>
+          </a:bodyPr>
+          <a:lstStyle/>
+          <a:p>
+            <a:pPr>
+              <a:spcAft>
+                <a:spcPts val="600"/>
+              </a:spcAft>
+            </a:pPr>
+            <a:fld id="{CF769C61-EDDB-4958-A626-BA0E0F3C6BBE}" type="slidenum">
+              <a:rPr lang="nl-BE" noProof="0">
+                <a:solidFill>
+                  <a:srgbClr val="FFFFFF"/>
+                </a:solidFill>
+              </a:rPr>
+              <a:pPr>
+                <a:spcAft>
+                  <a:spcPts val="600"/>
+                </a:spcAft>
+              </a:pPr>
+              <a:t>12</a:t>
+            </a:fld>
+            <a:endParaRPr lang="nl-BE" noProof="0" dirty="0">
               <a:solidFill>
                 <a:srgbClr val="FFFFFF"/>
               </a:solidFill>
@@ -5309,7 +5625,7 @@
 </p:sld>
 </file>
 
-<file path=ppt/slides/slide12.xml><?xml version="1.0" encoding="utf-8"?>
+<file path=ppt/slides/slide13.xml><?xml version="1.0" encoding="utf-8"?>
 <p:sld xmlns:a="http://schemas.openxmlformats.org/drawingml/2006/main" xmlns:r="http://schemas.openxmlformats.org/officeDocument/2006/relationships" xmlns:p="http://schemas.openxmlformats.org/presentationml/2006/main">
   <p:cSld>
     <p:bg>
@@ -5393,7 +5709,7 @@
           <a:lstStyle/>
           <a:p>
             <a:pPr algn="ctr"/>
-            <a:endParaRPr lang="en-US"/>
+            <a:endParaRPr lang="nl-BE" noProof="0" dirty="0"/>
           </a:p>
         </p:txBody>
       </p:sp>
@@ -5465,18 +5781,13 @@
           <a:p>
             <a:pPr algn="ctr"/>
             <a:r>
-              <a:rPr lang="en-US" sz="6000" dirty="0" err="1">
+              <a:rPr lang="nl-BE" sz="6000" noProof="0" dirty="0">
                 <a:solidFill>
                   <a:srgbClr val="FFFFFF"/>
                 </a:solidFill>
               </a:rPr>
               <a:t>Einde</a:t>
             </a:r>
-            <a:endParaRPr lang="en-US" sz="6000" dirty="0">
-              <a:solidFill>
-                <a:srgbClr val="FFFFFF"/>
-              </a:solidFill>
-            </a:endParaRPr>
           </a:p>
         </p:txBody>
       </p:sp>
@@ -5512,52 +5823,12 @@
               <a:buNone/>
             </a:pPr>
             <a:r>
-              <a:rPr lang="en-US" sz="2400" dirty="0" err="1">
+              <a:rPr lang="nl-BE" sz="2400" noProof="0" dirty="0">
                 <a:solidFill>
                   <a:srgbClr val="FFFFFF"/>
                 </a:solidFill>
               </a:rPr>
-              <a:t>Zijn</a:t>
-            </a:r>
-            <a:r>
-              <a:rPr lang="en-US" sz="2400" dirty="0">
-                <a:solidFill>
-                  <a:srgbClr val="FFFFFF"/>
-                </a:solidFill>
-              </a:rPr>
-              <a:t> er </a:t>
-            </a:r>
-            <a:r>
-              <a:rPr lang="en-US" sz="2400" dirty="0" err="1">
-                <a:solidFill>
-                  <a:srgbClr val="FFFFFF"/>
-                </a:solidFill>
-              </a:rPr>
-              <a:t>nog</a:t>
-            </a:r>
-            <a:r>
-              <a:rPr lang="en-US" sz="2400" dirty="0">
-                <a:solidFill>
-                  <a:srgbClr val="FFFFFF"/>
-                </a:solidFill>
-              </a:rPr>
-              <a:t> </a:t>
-            </a:r>
-            <a:r>
-              <a:rPr lang="en-US" sz="2400" dirty="0" err="1">
-                <a:solidFill>
-                  <a:srgbClr val="FFFFFF"/>
-                </a:solidFill>
-              </a:rPr>
-              <a:t>vragen</a:t>
-            </a:r>
-            <a:r>
-              <a:rPr lang="en-US" sz="2400" dirty="0">
-                <a:solidFill>
-                  <a:srgbClr val="FFFFFF"/>
-                </a:solidFill>
-              </a:rPr>
-              <a:t>?</a:t>
+              <a:t>Zijn er nog vragen?</a:t>
             </a:r>
           </a:p>
         </p:txBody>
@@ -5594,7 +5865,7 @@
               <a:defRPr/>
             </a:pPr>
             <a:r>
-              <a:rPr lang="en-US" kern="1200" dirty="0" err="1">
+              <a:rPr lang="nl-BE" kern="1200" noProof="0" dirty="0">
                 <a:solidFill>
                   <a:srgbClr val="FFFFFF"/>
                 </a:solidFill>
@@ -5604,14 +5875,6 @@
               </a:rPr>
               <a:t>Afsluiter</a:t>
             </a:r>
-            <a:endParaRPr lang="en-US" kern="1200" dirty="0">
-              <a:solidFill>
-                <a:srgbClr val="FFFFFF"/>
-              </a:solidFill>
-              <a:latin typeface="Calibri" panose="020F0502020204030204"/>
-              <a:ea typeface="+mn-ea"/>
-              <a:cs typeface="+mn-cs"/>
-            </a:endParaRPr>
           </a:p>
         </p:txBody>
       </p:sp>
@@ -5650,7 +5913,7 @@
               <a:defRPr/>
             </a:pPr>
             <a:fld id="{CF769C61-EDDB-4958-A626-BA0E0F3C6BBE}" type="slidenum">
-              <a:rPr lang="en-US">
+              <a:rPr lang="nl-BE" noProof="0" smtClean="0">
                 <a:solidFill>
                   <a:srgbClr val="FFFFFF"/>
                 </a:solidFill>
@@ -5662,9 +5925,9 @@
                 </a:spcAft>
                 <a:defRPr/>
               </a:pPr>
-              <a:t>12</a:t>
+              <a:t>13</a:t>
             </a:fld>
-            <a:endParaRPr lang="en-US">
+            <a:endParaRPr lang="nl-BE" noProof="0" dirty="0">
               <a:solidFill>
                 <a:srgbClr val="FFFFFF"/>
               </a:solidFill>
@@ -5707,9 +5970,6 @@
                     <p:cTn id="3" fill="hold">
                       <p:stCondLst>
                         <p:cond delay="indefinite"/>
-                        <p:cond evt="onBegin" delay="0">
-                          <p:tn val="2"/>
-                        </p:cond>
                       </p:stCondLst>
                       <p:childTnLst>
                         <p:par>
@@ -5719,19 +5979,93 @@
                             </p:stCondLst>
                             <p:childTnLst>
                               <p:par>
-                                <p:cTn id="5" presetID="10" presetClass="entr" presetSubtype="0" fill="hold" grpId="0" nodeType="withEffect">
+                                <p:cTn id="5" presetID="31" presetClass="exit" presetSubtype="0" fill="hold" grpId="0" nodeType="clickEffect">
                                   <p:stCondLst>
-                                    <p:cond delay="1000"/>
+                                    <p:cond delay="0"/>
                                   </p:stCondLst>
-                                  <p:iterate>
-                                    <p:tmPct val="10000"/>
-                                  </p:iterate>
                                   <p:childTnLst>
+                                    <p:anim calcmode="lin" valueType="num">
+                                      <p:cBhvr>
+                                        <p:cTn id="6" dur="1000"/>
+                                        <p:tgtEl>
+                                          <p:spTgt spid="2"/>
+                                        </p:tgtEl>
+                                        <p:attrNameLst>
+                                          <p:attrName>ppt_w</p:attrName>
+                                        </p:attrNameLst>
+                                      </p:cBhvr>
+                                      <p:tavLst>
+                                        <p:tav tm="0">
+                                          <p:val>
+                                            <p:strVal val="ppt_w"/>
+                                          </p:val>
+                                        </p:tav>
+                                        <p:tav tm="100000">
+                                          <p:val>
+                                            <p:fltVal val="0"/>
+                                          </p:val>
+                                        </p:tav>
+                                      </p:tavLst>
+                                    </p:anim>
+                                    <p:anim calcmode="lin" valueType="num">
+                                      <p:cBhvr>
+                                        <p:cTn id="7" dur="1000"/>
+                                        <p:tgtEl>
+                                          <p:spTgt spid="2"/>
+                                        </p:tgtEl>
+                                        <p:attrNameLst>
+                                          <p:attrName>ppt_h</p:attrName>
+                                        </p:attrNameLst>
+                                      </p:cBhvr>
+                                      <p:tavLst>
+                                        <p:tav tm="0">
+                                          <p:val>
+                                            <p:strVal val="ppt_h"/>
+                                          </p:val>
+                                        </p:tav>
+                                        <p:tav tm="100000">
+                                          <p:val>
+                                            <p:fltVal val="0"/>
+                                          </p:val>
+                                        </p:tav>
+                                      </p:tavLst>
+                                    </p:anim>
+                                    <p:anim calcmode="lin" valueType="num">
+                                      <p:cBhvr>
+                                        <p:cTn id="8" dur="1000"/>
+                                        <p:tgtEl>
+                                          <p:spTgt spid="2"/>
+                                        </p:tgtEl>
+                                        <p:attrNameLst>
+                                          <p:attrName>style.rotation</p:attrName>
+                                        </p:attrNameLst>
+                                      </p:cBhvr>
+                                      <p:tavLst>
+                                        <p:tav tm="0">
+                                          <p:val>
+                                            <p:fltVal val="0"/>
+                                          </p:val>
+                                        </p:tav>
+                                        <p:tav tm="100000">
+                                          <p:val>
+                                            <p:fltVal val="90"/>
+                                          </p:val>
+                                        </p:tav>
+                                      </p:tavLst>
+                                    </p:anim>
+                                    <p:animEffect transition="out" filter="fade">
+                                      <p:cBhvr>
+                                        <p:cTn id="9" dur="1000"/>
+                                        <p:tgtEl>
+                                          <p:spTgt spid="2"/>
+                                        </p:tgtEl>
+                                      </p:cBhvr>
+                                    </p:animEffect>
                                     <p:set>
                                       <p:cBhvr>
-                                        <p:cTn id="6" dur="1" fill="hold">
+                                        <p:cTn id="10" dur="1" fill="hold">
                                           <p:stCondLst>
-                                            <p:cond delay="0"/>
+                                            <p:cond delay="999"/>
                                           </p:stCondLst>
                                         </p:cTn>
                                         <p:tgtEl>
@@ -5742,49 +6076,184 @@
                                         </p:attrNameLst>
                                       </p:cBhvr>
                                       <p:to>
-                                        <p:strVal val="visible"/>
+                                        <p:strVal val="hidden"/>
                                       </p:to>
                                     </p:set>
-                                    <p:animEffect transition="in" filter="fade">
-                                      <p:cBhvr>
-                                        <p:cTn id="7" dur="700"/>
-                                        <p:tgtEl>
-                                          <p:spTgt spid="2"/>
-                                        </p:tgtEl>
-                                      </p:cBhvr>
-                                    </p:animEffect>
                                   </p:childTnLst>
                                 </p:cTn>
                               </p:par>
-                            </p:childTnLst>
-                          </p:cTn>
-                        </p:par>
-                      </p:childTnLst>
-                    </p:cTn>
-                  </p:par>
-                  <p:par>
-                    <p:cTn id="8" fill="hold">
-                      <p:stCondLst>
-                        <p:cond delay="indefinite"/>
-                      </p:stCondLst>
-                      <p:childTnLst>
-                        <p:par>
-                          <p:cTn id="9" fill="hold">
-                            <p:stCondLst>
-                              <p:cond delay="0"/>
-                            </p:stCondLst>
-                            <p:childTnLst>
                               <p:par>
-                                <p:cTn id="10" presetID="45" presetClass="entr" presetSubtype="0" fill="hold" nodeType="clickEffect">
+                                <p:cTn id="11" presetID="45" presetClass="exit" presetSubtype="0" fill="hold" nodeType="withEffect">
                                   <p:stCondLst>
                                     <p:cond delay="0"/>
                                   </p:stCondLst>
                                   <p:childTnLst>
+                                    <p:animEffect transition="out" filter="fade">
+                                      <p:cBhvr>
+                                        <p:cTn id="12" dur="2000"/>
+                                        <p:tgtEl>
+                                          <p:spTgt spid="3">
+                                            <p:txEl>
+                                              <p:pRg st="0" end="0"/>
+                                            </p:txEl>
+                                          </p:spTgt>
+                                        </p:tgtEl>
+                                      </p:cBhvr>
+                                    </p:animEffect>
+                                    <p:anim calcmode="lin" valueType="num">
+                                      <p:cBhvr>
+                                        <p:cTn id="13" dur="2000"/>
+                                        <p:tgtEl>
+                                          <p:spTgt spid="3">
+                                            <p:txEl>
+                                              <p:pRg st="0" end="0"/>
+                                            </p:txEl>
+                                          </p:spTgt>
+                                        </p:tgtEl>
+                                        <p:attrNameLst>
+                                          <p:attrName>ppt_w</p:attrName>
+                                        </p:attrNameLst>
+                                      </p:cBhvr>
+                                      <p:tavLst>
+                                        <p:tav tm="0">
+                                          <p:val>
+                                            <p:strVal val="ppt_w"/>
+                                          </p:val>
+                                        </p:tav>
+                                        <p:tav tm="5000">
+                                          <p:val>
+                                            <p:strVal val="0.92*ppt_w"/>
+                                          </p:val>
+                                        </p:tav>
+                                        <p:tav tm="10000">
+                                          <p:val>
+                                            <p:strVal val="0.71*ppt_w"/>
+                                          </p:val>
+                                        </p:tav>
+                                        <p:tav tm="15000">
+                                          <p:val>
+                                            <p:strVal val="0.38*ppt_w"/>
+                                          </p:val>
+                                        </p:tav>
+                                        <p:tav tm="20000">
+                                          <p:val>
+                                            <p:fltVal val="0"/>
+                                          </p:val>
+                                        </p:tav>
+                                        <p:tav tm="25000">
+                                          <p:val>
+                                            <p:strVal val="-0.38*ppt_w"/>
+                                          </p:val>
+                                        </p:tav>
+                                        <p:tav tm="30000">
+                                          <p:val>
+                                            <p:strVal val="-0.71*ppt_w"/>
+                                          </p:val>
+                                        </p:tav>
+                                        <p:tav tm="35000">
+                                          <p:val>
+                                            <p:strVal val="-0.92*ppt_w"/>
+                                          </p:val>
+                                        </p:tav>
+                                        <p:tav tm="40000">
+                                          <p:val>
+                                            <p:strVal val="-ppt_w"/>
+                                          </p:val>
+                                        </p:tav>
+                                        <p:tav tm="45000">
+                                          <p:val>
+                                            <p:strVal val="-0.92*ppt_w"/>
+                                          </p:val>
+                                        </p:tav>
+                                        <p:tav tm="50000">
+                                          <p:val>
+                                            <p:strVal val="-0.71*ppt_w"/>
+                                          </p:val>
+                                        </p:tav>
+                                        <p:tav tm="55000">
+                                          <p:val>
+                                            <p:strVal val="-0.38*ppt_w"/>
+                                          </p:val>
+                                        </p:tav>
+                                        <p:tav tm="60000">
+                                          <p:val>
+                                            <p:fltVal val="0"/>
+                                          </p:val>
+                                        </p:tav>
+                                        <p:tav tm="65000">
+                                          <p:val>
+                                            <p:strVal val="0.38*ppt_w"/>
+                                          </p:val>
+                                        </p:tav>
+                                        <p:tav tm="70000">
+                                          <p:val>
+                                            <p:strVal val="0.71*ppt_w"/>
+                                          </p:val>
+                                        </p:tav>
+                                        <p:tav tm="75000">
+                                          <p:val>
+                                            <p:strVal val="0.92*ppt_w"/>
+                                          </p:val>
+                                        </p:tav>
+                                        <p:tav tm="80000">
+                                          <p:val>
+                                            <p:strVal val="ppt_w"/>
+                                          </p:val>
+                                        </p:tav>
+                                        <p:tav tm="85000">
+                                          <p:val>
+                                            <p:strVal val="0.92*ppt_w"/>
+                                          </p:val>
+                                        </p:tav>
+                                        <p:tav tm="90000">
+                                          <p:val>
+                                            <p:strVal val="0.71*ppt_w"/>
+                                          </p:val>
+                                        </p:tav>
+                                        <p:tav tm="95000">
+                                          <p:val>
+                                            <p:strVal val="0.38*ppt_w"/>
+                                          </p:val>
+                                        </p:tav>
+                                        <p:tav tm="100000">
+                                          <p:val>
+                                            <p:fltVal val="0"/>
+                                          </p:val>
+                                        </p:tav>
+                                      </p:tavLst>
+                                    </p:anim>
+                                    <p:anim calcmode="lin" valueType="num">
+                                      <p:cBhvr>
+                                        <p:cTn id="14" dur="2000"/>
+                                        <p:tgtEl>
+                                          <p:spTgt spid="3">
+                                            <p:txEl>
+                                              <p:pRg st="0" end="0"/>
+                                            </p:txEl>
+                                          </p:spTgt>
+                                        </p:tgtEl>
+                                        <p:attrNameLst>
+                                          <p:attrName>ppt_h</p:attrName>
+                                        </p:attrNameLst>
+                                      </p:cBhvr>
+                                      <p:tavLst>
+                                        <p:tav tm="0">
+                                          <p:val>
+                                            <p:strVal val="ppt_h"/>
+                                          </p:val>
+                                        </p:tav>
+                                        <p:tav tm="100000">
+                                          <p:val>
+                                            <p:strVal val="ppt_h"/>
+                                          </p:val>
+                                        </p:tav>
+                                      </p:tavLst>
+                                    </p:anim>
                                     <p:set>
                                       <p:cBhvr>
-                                        <p:cTn id="11" dur="1" fill="hold">
+                                        <p:cTn id="15" dur="1" fill="hold">
                                           <p:stCondLst>
-                                            <p:cond delay="0"/>
+                                            <p:cond delay="1999"/>
                                           </p:stCondLst>
                                         </p:cTn>
                                         <p:tgtEl>
@@ -5799,75 +6268,9 @@
                                         </p:attrNameLst>
                                       </p:cBhvr>
                                       <p:to>
-                                        <p:strVal val="visible"/>
+                                        <p:strVal val="hidden"/>
                                       </p:to>
                                     </p:set>
-                                    <p:animEffect transition="in" filter="fade">
-                                      <p:cBhvr>
-                                        <p:cTn id="12" dur="2000"/>
-                                        <p:tgtEl>
-                                          <p:spTgt spid="3">
-                                            <p:txEl>
-                                              <p:pRg st="0" end="0"/>
-                                            </p:txEl>
-                                          </p:spTgt>
-                                        </p:tgtEl>
-                                      </p:cBhvr>
-                                    </p:animEffect>
-                                    <p:anim calcmode="lin" valueType="num">
-                                      <p:cBhvr>
-                                        <p:cTn id="13" dur="2000" fill="hold"/>
-                                        <p:tgtEl>
-                                          <p:spTgt spid="3">
-                                            <p:txEl>
-                                              <p:pRg st="0" end="0"/>
-                                            </p:txEl>
-                                          </p:spTgt>
-                                        </p:tgtEl>
-                                        <p:attrNameLst>
-                                          <p:attrName>ppt_w</p:attrName>
-                                        </p:attrNameLst>
-                                      </p:cBhvr>
-                                      <p:tavLst>
-                                        <p:tav tm="0" fmla="#ppt_w*sin(2.5*pi*$)">
-                                          <p:val>
-                                            <p:fltVal val="0"/>
-                                          </p:val>
-                                        </p:tav>
-                                        <p:tav tm="100000">
-                                          <p:val>
-                                            <p:fltVal val="1"/>
-                                          </p:val>
-                                        </p:tav>
-                                      </p:tavLst>
-                                    </p:anim>
-                                    <p:anim calcmode="lin" valueType="num">
-                                      <p:cBhvr>
-                                        <p:cTn id="14" dur="2000" fill="hold"/>
-                                        <p:tgtEl>
-                                          <p:spTgt spid="3">
-                                            <p:txEl>
-                                              <p:pRg st="0" end="0"/>
-                                            </p:txEl>
-                                          </p:spTgt>
-                                        </p:tgtEl>
-                                        <p:attrNameLst>
-                                          <p:attrName>ppt_h</p:attrName>
-                                        </p:attrNameLst>
-                                      </p:cBhvr>
-                                      <p:tavLst>
-                                        <p:tav tm="0">
-                                          <p:val>
-                                            <p:strVal val="#ppt_h"/>
-                                          </p:val>
-                                        </p:tav>
-                                        <p:tav tm="100000">
-                                          <p:val>
-                                            <p:strVal val="#ppt_h"/>
-                                          </p:val>
-                                        </p:tav>
-                                      </p:tavLst>
-                                    </p:anim>
                                   </p:childTnLst>
                                 </p:cTn>
                               </p:par>
@@ -5989,7 +6392,7 @@
           <a:lstStyle/>
           <a:p>
             <a:pPr algn="ctr"/>
-            <a:endParaRPr lang="en-US"/>
+            <a:endParaRPr lang="nl-BE" noProof="0" dirty="0"/>
           </a:p>
         </p:txBody>
       </p:sp>
@@ -6058,7 +6461,7 @@
           <a:lstStyle/>
           <a:p>
             <a:r>
-              <a:rPr lang="nl-BE">
+              <a:rPr lang="nl-BE" noProof="0" dirty="0">
                 <a:solidFill>
                   <a:srgbClr val="FFFFFF"/>
                 </a:solidFill>
@@ -6097,7 +6500,7 @@
           <a:lstStyle/>
           <a:p>
             <a:r>
-              <a:rPr lang="nl-BE" dirty="0">
+              <a:rPr lang="nl-BE" noProof="0" dirty="0">
                 <a:solidFill>
                   <a:srgbClr val="FFFFFF"/>
                 </a:solidFill>
@@ -6107,7 +6510,7 @@
           </a:p>
           <a:p>
             <a:r>
-              <a:rPr lang="nl-BE" dirty="0">
+              <a:rPr lang="nl-BE" noProof="0" dirty="0">
                 <a:solidFill>
                   <a:srgbClr val="FFFFFF"/>
                 </a:solidFill>
@@ -6117,7 +6520,7 @@
           </a:p>
           <a:p>
             <a:r>
-              <a:rPr lang="nl-BE" dirty="0">
+              <a:rPr lang="nl-BE" noProof="0" dirty="0">
                 <a:solidFill>
                   <a:srgbClr val="FFFFFF"/>
                 </a:solidFill>
@@ -6127,7 +6530,7 @@
           </a:p>
           <a:p>
             <a:r>
-              <a:rPr lang="nl-BE" dirty="0">
+              <a:rPr lang="nl-BE" noProof="0" dirty="0">
                 <a:solidFill>
                   <a:srgbClr val="FFFFFF"/>
                 </a:solidFill>
@@ -6137,7 +6540,7 @@
           </a:p>
           <a:p>
             <a:r>
-              <a:rPr lang="nl-BE" dirty="0">
+              <a:rPr lang="nl-BE" noProof="0" dirty="0">
                 <a:solidFill>
                   <a:srgbClr val="FFFFFF"/>
                 </a:solidFill>
@@ -6147,7 +6550,7 @@
           </a:p>
           <a:p>
             <a:r>
-              <a:rPr lang="nl-BE" dirty="0">
+              <a:rPr lang="nl-BE" noProof="0" dirty="0">
                 <a:solidFill>
                   <a:srgbClr val="FFFFFF"/>
                 </a:solidFill>
@@ -6156,14 +6559,14 @@
             </a:r>
           </a:p>
           <a:p>
-            <a:endParaRPr lang="nl-BE" dirty="0">
+            <a:endParaRPr lang="nl-BE" noProof="0" dirty="0">
               <a:solidFill>
                 <a:srgbClr val="FFFFFF"/>
               </a:solidFill>
             </a:endParaRPr>
           </a:p>
           <a:p>
-            <a:endParaRPr lang="nl-BE" dirty="0">
+            <a:endParaRPr lang="nl-BE" noProof="0" dirty="0">
               <a:solidFill>
                 <a:srgbClr val="FFFFFF"/>
               </a:solidFill>
@@ -6193,10 +6596,10 @@
           <a:lstStyle/>
           <a:p>
             <a:fld id="{CF769C61-EDDB-4958-A626-BA0E0F3C6BBE}" type="slidenum">
-              <a:rPr lang="nl-BE" smtClean="0"/>
+              <a:rPr lang="nl-BE" noProof="0" smtClean="0"/>
               <a:t>2</a:t>
             </a:fld>
-            <a:endParaRPr lang="nl-BE"/>
+            <a:endParaRPr lang="nl-BE" noProof="0" dirty="0"/>
           </a:p>
         </p:txBody>
       </p:sp>
@@ -6222,7 +6625,7 @@
           <a:lstStyle/>
           <a:p>
             <a:r>
-              <a:rPr lang="nl-BE" dirty="0"/>
+              <a:rPr lang="nl-BE" noProof="0" dirty="0"/>
               <a:t>Inhoud</a:t>
             </a:r>
           </a:p>
@@ -6347,7 +6750,7 @@
           <a:lstStyle/>
           <a:p>
             <a:pPr algn="ctr"/>
-            <a:endParaRPr lang="en-US"/>
+            <a:endParaRPr lang="nl-BE" noProof="0" dirty="0"/>
           </a:p>
         </p:txBody>
       </p:sp>
@@ -6418,7 +6821,7 @@
           <a:lstStyle/>
           <a:p>
             <a:r>
-              <a:rPr lang="nl-BE">
+              <a:rPr lang="nl-BE" noProof="0" dirty="0">
                 <a:solidFill>
                   <a:srgbClr val="FFFFFF"/>
                 </a:solidFill>
@@ -6457,7 +6860,7 @@
           <a:lstStyle/>
           <a:p>
             <a:r>
-              <a:rPr lang="nl-BE" dirty="0">
+              <a:rPr lang="nl-BE" noProof="0" dirty="0">
                 <a:solidFill>
                   <a:srgbClr val="FFFFFF"/>
                 </a:solidFill>
@@ -6467,14 +6870,14 @@
           </a:p>
           <a:p>
             <a:r>
-              <a:rPr lang="nl-BE" dirty="0" err="1">
+              <a:rPr lang="nl-BE" noProof="0" dirty="0" err="1">
                 <a:solidFill>
                   <a:srgbClr val="FFFFFF"/>
                 </a:solidFill>
               </a:rPr>
               <a:t>WiFi</a:t>
             </a:r>
-            <a:endParaRPr lang="nl-BE" dirty="0">
+            <a:endParaRPr lang="nl-BE" noProof="0" dirty="0">
               <a:solidFill>
                 <a:srgbClr val="FFFFFF"/>
               </a:solidFill>
@@ -6482,7 +6885,7 @@
           </a:p>
           <a:p>
             <a:r>
-              <a:rPr lang="nl-BE" dirty="0">
+              <a:rPr lang="nl-BE" noProof="0" dirty="0">
                 <a:solidFill>
                   <a:srgbClr val="FFFFFF"/>
                 </a:solidFill>
@@ -6492,7 +6895,7 @@
           </a:p>
           <a:p>
             <a:r>
-              <a:rPr lang="nl-BE" dirty="0">
+              <a:rPr lang="nl-BE" noProof="0" dirty="0">
                 <a:solidFill>
                   <a:srgbClr val="FFFFFF"/>
                 </a:solidFill>
@@ -6501,14 +6904,14 @@
             </a:r>
           </a:p>
           <a:p>
-            <a:endParaRPr lang="nl-BE" dirty="0">
+            <a:endParaRPr lang="nl-BE" noProof="0" dirty="0">
               <a:solidFill>
                 <a:srgbClr val="FFFFFF"/>
               </a:solidFill>
             </a:endParaRPr>
           </a:p>
           <a:p>
-            <a:endParaRPr lang="nl-BE" dirty="0">
+            <a:endParaRPr lang="nl-BE" noProof="0" dirty="0">
               <a:solidFill>
                 <a:srgbClr val="FFFFFF"/>
               </a:solidFill>
@@ -6550,7 +6953,7 @@
               </a:spcAft>
             </a:pPr>
             <a:fld id="{CF769C61-EDDB-4958-A626-BA0E0F3C6BBE}" type="slidenum">
-              <a:rPr lang="nl-BE">
+              <a:rPr lang="nl-BE" noProof="0">
                 <a:solidFill>
                   <a:srgbClr val="FFFFFF"/>
                 </a:solidFill>
@@ -6562,7 +6965,7 @@
               </a:pPr>
               <a:t>3</a:t>
             </a:fld>
-            <a:endParaRPr lang="nl-BE">
+            <a:endParaRPr lang="nl-BE" noProof="0" dirty="0">
               <a:solidFill>
                 <a:srgbClr val="FFFFFF"/>
               </a:solidFill>
@@ -6592,7 +6995,7 @@
           <a:lstStyle/>
           <a:p>
             <a:r>
-              <a:rPr lang="nl-BE" dirty="0"/>
+              <a:rPr lang="nl-BE" noProof="0" dirty="0"/>
               <a:t>Algemene werking</a:t>
             </a:r>
           </a:p>
@@ -6707,7 +7110,7 @@
           <a:lstStyle/>
           <a:p>
             <a:pPr algn="ctr"/>
-            <a:endParaRPr lang="en-US"/>
+            <a:endParaRPr lang="nl-BE" noProof="0" dirty="0"/>
           </a:p>
         </p:txBody>
       </p:sp>
@@ -6776,7 +7179,7 @@
           <a:lstStyle/>
           <a:p>
             <a:r>
-              <a:rPr lang="nl-BE">
+              <a:rPr lang="nl-BE" noProof="0" dirty="0">
                 <a:solidFill>
                   <a:srgbClr val="FFFFFF"/>
                 </a:solidFill>
@@ -6815,7 +7218,7 @@
           <a:lstStyle/>
           <a:p>
             <a:r>
-              <a:rPr lang="nl-BE" dirty="0">
+              <a:rPr lang="nl-BE" noProof="0" dirty="0">
                 <a:solidFill>
                   <a:srgbClr val="FFFFFF"/>
                 </a:solidFill>
@@ -6825,7 +7228,7 @@
           </a:p>
           <a:p>
             <a:r>
-              <a:rPr lang="nl-BE" dirty="0">
+              <a:rPr lang="nl-BE" noProof="0" dirty="0">
                 <a:solidFill>
                   <a:srgbClr val="FFFFFF"/>
                 </a:solidFill>
@@ -6835,7 +7238,7 @@
           </a:p>
           <a:p>
             <a:r>
-              <a:rPr lang="nl-BE" dirty="0">
+              <a:rPr lang="nl-BE" noProof="0" dirty="0">
                 <a:solidFill>
                   <a:srgbClr val="FFFFFF"/>
                 </a:solidFill>
@@ -6845,7 +7248,7 @@
           </a:p>
           <a:p>
             <a:r>
-              <a:rPr lang="nl-BE" dirty="0">
+              <a:rPr lang="nl-BE" noProof="0" dirty="0">
                 <a:solidFill>
                   <a:srgbClr val="FFFFFF"/>
                 </a:solidFill>
@@ -6889,7 +7292,7 @@
               </a:spcAft>
             </a:pPr>
             <a:r>
-              <a:rPr lang="nl-BE" dirty="0">
+              <a:rPr lang="nl-BE" noProof="0" dirty="0">
                 <a:solidFill>
                   <a:srgbClr val="FFFFFF"/>
                 </a:solidFill>
@@ -6933,7 +7336,7 @@
               </a:spcAft>
             </a:pPr>
             <a:fld id="{CF769C61-EDDB-4958-A626-BA0E0F3C6BBE}" type="slidenum">
-              <a:rPr lang="nl-BE">
+              <a:rPr lang="nl-BE" noProof="0">
                 <a:solidFill>
                   <a:srgbClr val="FFFFFF"/>
                 </a:solidFill>
@@ -6945,7 +7348,7 @@
               </a:pPr>
               <a:t>4</a:t>
             </a:fld>
-            <a:endParaRPr lang="nl-BE">
+            <a:endParaRPr lang="nl-BE" noProof="0" dirty="0">
               <a:solidFill>
                 <a:srgbClr val="FFFFFF"/>
               </a:solidFill>
@@ -7062,7 +7465,7 @@
           <a:lstStyle/>
           <a:p>
             <a:pPr algn="ctr"/>
-            <a:endParaRPr lang="en-US"/>
+            <a:endParaRPr lang="nl-BE" noProof="0" dirty="0"/>
           </a:p>
         </p:txBody>
       </p:sp>
@@ -7134,7 +7537,7 @@
           <a:p>
             <a:pPr algn="ctr"/>
             <a:r>
-              <a:rPr lang="en-US" sz="6000">
+              <a:rPr lang="nl-BE" sz="6000" noProof="0" dirty="0">
                 <a:solidFill>
                   <a:srgbClr val="FFFFFF"/>
                 </a:solidFill>
@@ -7176,7 +7579,7 @@
               <a:buNone/>
             </a:pPr>
             <a:r>
-              <a:rPr lang="en-US" sz="2400">
+              <a:rPr lang="nl-BE" sz="2400" noProof="0" dirty="0">
                 <a:solidFill>
                   <a:srgbClr val="FFFFFF"/>
                 </a:solidFill>
@@ -7218,7 +7621,7 @@
               <a:defRPr/>
             </a:pPr>
             <a:r>
-              <a:rPr lang="en-US" kern="1200" dirty="0">
+              <a:rPr lang="nl-BE" kern="1200" noProof="0" dirty="0">
                 <a:solidFill>
                   <a:srgbClr val="FFFFFF"/>
                 </a:solidFill>
@@ -7266,7 +7669,7 @@
               <a:defRPr/>
             </a:pPr>
             <a:fld id="{CF769C61-EDDB-4958-A626-BA0E0F3C6BBE}" type="slidenum">
-              <a:rPr lang="en-US">
+              <a:rPr lang="nl-BE" noProof="0" smtClean="0">
                 <a:solidFill>
                   <a:srgbClr val="FFFFFF"/>
                 </a:solidFill>
@@ -7280,7 +7683,7 @@
               </a:pPr>
               <a:t>5</a:t>
             </a:fld>
-            <a:endParaRPr lang="en-US">
+            <a:endParaRPr lang="nl-BE" noProof="0" dirty="0">
               <a:solidFill>
                 <a:srgbClr val="FFFFFF"/>
               </a:solidFill>
@@ -7404,7 +7807,11 @@
           <a:lstStyle/>
           <a:p>
             <a:r>
-              <a:rPr lang="nl-BE" dirty="0"/>
+              <a:rPr lang="nl-BE" noProof="0" dirty="0">
+                <a:solidFill>
+                  <a:schemeClr val="bg1"/>
+                </a:solidFill>
+              </a:rPr>
               <a:t>Componenten</a:t>
             </a:r>
           </a:p>
@@ -7432,7 +7839,7 @@
           <a:lstStyle/>
           <a:p>
             <a:r>
-              <a:rPr lang="nl-BE" dirty="0"/>
+              <a:rPr lang="nl-BE" noProof="0" dirty="0"/>
               <a:t>Hardware</a:t>
             </a:r>
           </a:p>
@@ -7460,10 +7867,10 @@
           <a:lstStyle/>
           <a:p>
             <a:fld id="{CF769C61-EDDB-4958-A626-BA0E0F3C6BBE}" type="slidenum">
-              <a:rPr lang="nl-BE" smtClean="0"/>
+              <a:rPr lang="nl-BE" noProof="0" smtClean="0"/>
               <a:t>6</a:t>
             </a:fld>
-            <a:endParaRPr lang="nl-BE" dirty="0"/>
+            <a:endParaRPr lang="nl-BE" noProof="0" dirty="0"/>
           </a:p>
         </p:txBody>
       </p:sp>
@@ -7483,7 +7890,7 @@
             <p:ph idx="1"/>
             <p:extLst>
               <p:ext uri="{D42A27DB-BD31-4B8C-83A1-F6EECF244321}">
-                <p14:modId xmlns:p14="http://schemas.microsoft.com/office/powerpoint/2010/main" val="2870130333"/>
+                <p14:modId xmlns:p14="http://schemas.microsoft.com/office/powerpoint/2010/main" val="3552391406"/>
               </p:ext>
             </p:extLst>
           </p:nvPr>
@@ -7535,7 +7942,7 @@
                     <a:lstStyle/>
                     <a:p>
                       <a:r>
-                        <a:rPr lang="nl-BE" dirty="0"/>
+                        <a:rPr lang="nl-BE" noProof="0" dirty="0"/>
                         <a:t>Component</a:t>
                       </a:r>
                     </a:p>
@@ -7588,7 +7995,7 @@
                     <a:lstStyle/>
                     <a:p>
                       <a:r>
-                        <a:rPr lang="nl-BE" dirty="0"/>
+                        <a:rPr lang="nl-BE" noProof="0" dirty="0"/>
                         <a:t>Bedoeling component</a:t>
                       </a:r>
                     </a:p>
@@ -7641,7 +8048,7 @@
                     <a:lstStyle/>
                     <a:p>
                       <a:r>
-                        <a:rPr lang="nl-BE" dirty="0"/>
+                        <a:rPr lang="nl-BE" noProof="0" dirty="0"/>
                         <a:t>Component</a:t>
                       </a:r>
                     </a:p>
@@ -7694,7 +8101,7 @@
                     <a:lstStyle/>
                     <a:p>
                       <a:r>
-                        <a:rPr lang="nl-BE" dirty="0"/>
+                        <a:rPr lang="nl-BE" noProof="0" dirty="0"/>
                         <a:t>Bedoeling component</a:t>
                       </a:r>
                     </a:p>
@@ -7754,7 +8161,7 @@
                     <a:lstStyle/>
                     <a:p>
                       <a:r>
-                        <a:rPr lang="nl-BE" dirty="0">
+                        <a:rPr lang="nl-BE" noProof="0" dirty="0">
                           <a:solidFill>
                             <a:schemeClr val="bg1"/>
                           </a:solidFill>
@@ -7814,7 +8221,7 @@
                     <a:lstStyle/>
                     <a:p>
                       <a:r>
-                        <a:rPr lang="nl-BE" dirty="0">
+                        <a:rPr lang="nl-BE" noProof="0" dirty="0">
                           <a:solidFill>
                             <a:schemeClr val="bg1"/>
                           </a:solidFill>
@@ -7822,14 +8229,14 @@
                         <a:t>Juiste aansturing naar </a:t>
                       </a:r>
                       <a:br>
-                        <a:rPr lang="nl-BE" dirty="0">
+                        <a:rPr lang="nl-BE" noProof="0" dirty="0">
                           <a:solidFill>
                             <a:schemeClr val="bg1"/>
                           </a:solidFill>
                         </a:rPr>
                       </a:br>
                       <a:r>
-                        <a:rPr lang="nl-BE" dirty="0">
+                        <a:rPr lang="nl-BE" noProof="0" dirty="0">
                           <a:solidFill>
                             <a:schemeClr val="bg1"/>
                           </a:solidFill>
@@ -7889,7 +8296,7 @@
                     <a:lstStyle/>
                     <a:p>
                       <a:r>
-                        <a:rPr lang="nl-BE" dirty="0">
+                        <a:rPr lang="nl-BE" noProof="0" dirty="0">
                           <a:solidFill>
                             <a:schemeClr val="bg1"/>
                           </a:solidFill>
@@ -7949,7 +8356,7 @@
                     <a:lstStyle/>
                     <a:p>
                       <a:r>
-                        <a:rPr lang="nl-BE" dirty="0">
+                        <a:rPr lang="nl-BE" noProof="0" dirty="0">
                           <a:solidFill>
                             <a:schemeClr val="bg1"/>
                           </a:solidFill>
@@ -8016,7 +8423,7 @@
                     <a:lstStyle/>
                     <a:p>
                       <a:r>
-                        <a:rPr lang="nl-BE" dirty="0">
+                        <a:rPr lang="nl-BE" noProof="0" dirty="0">
                           <a:solidFill>
                             <a:schemeClr val="bg1"/>
                           </a:solidFill>
@@ -8075,7 +8482,7 @@
                     <a:lstStyle/>
                     <a:p>
                       <a:r>
-                        <a:rPr lang="nl-BE" dirty="0">
+                        <a:rPr lang="nl-BE" noProof="0" dirty="0">
                           <a:solidFill>
                             <a:schemeClr val="bg1"/>
                           </a:solidFill>
@@ -8134,7 +8541,7 @@
                     <a:lstStyle/>
                     <a:p>
                       <a:r>
-                        <a:rPr lang="nl-BE" dirty="0">
+                        <a:rPr lang="nl-BE" noProof="0" dirty="0">
                           <a:solidFill>
                             <a:schemeClr val="bg1"/>
                           </a:solidFill>
@@ -8193,7 +8600,7 @@
                     <a:lstStyle/>
                     <a:p>
                       <a:r>
-                        <a:rPr lang="nl-BE" dirty="0">
+                        <a:rPr lang="nl-BE" noProof="0" dirty="0">
                           <a:solidFill>
                             <a:schemeClr val="bg1"/>
                           </a:solidFill>
@@ -8259,7 +8666,7 @@
                     <a:lstStyle/>
                     <a:p>
                       <a:r>
-                        <a:rPr lang="nl-BE" dirty="0">
+                        <a:rPr lang="nl-BE" noProof="0" dirty="0">
                           <a:solidFill>
                             <a:schemeClr val="bg1"/>
                           </a:solidFill>
@@ -8319,7 +8726,7 @@
                     <a:lstStyle/>
                     <a:p>
                       <a:r>
-                        <a:rPr lang="nl-BE" dirty="0">
+                        <a:rPr lang="nl-BE" noProof="0" dirty="0">
                           <a:solidFill>
                             <a:schemeClr val="bg1"/>
                           </a:solidFill>
@@ -8379,7 +8786,7 @@
                     <a:lstStyle/>
                     <a:p>
                       <a:r>
-                        <a:rPr lang="nl-BE" dirty="0">
+                        <a:rPr lang="nl-BE" noProof="0" dirty="0">
                           <a:solidFill>
                             <a:schemeClr val="bg1"/>
                           </a:solidFill>
@@ -8439,7 +8846,7 @@
                     <a:lstStyle/>
                     <a:p>
                       <a:r>
-                        <a:rPr lang="nl-BE" dirty="0">
+                        <a:rPr lang="nl-BE" noProof="0" dirty="0">
                           <a:solidFill>
                             <a:schemeClr val="bg1"/>
                           </a:solidFill>
@@ -8506,7 +8913,7 @@
                     <a:lstStyle/>
                     <a:p>
                       <a:r>
-                        <a:rPr lang="nl-BE" dirty="0">
+                        <a:rPr lang="nl-BE" noProof="0" dirty="0">
                           <a:solidFill>
                             <a:schemeClr val="bg1"/>
                           </a:solidFill>
@@ -8565,7 +8972,7 @@
                     <a:lstStyle/>
                     <a:p>
                       <a:r>
-                        <a:rPr lang="nl-BE" dirty="0">
+                        <a:rPr lang="nl-BE" noProof="0" dirty="0">
                           <a:solidFill>
                             <a:schemeClr val="bg1"/>
                           </a:solidFill>
@@ -8624,7 +9031,7 @@
                     <a:lstStyle/>
                     <a:p>
                       <a:r>
-                        <a:rPr lang="nl-BE" dirty="0">
+                        <a:rPr lang="nl-BE" noProof="0" dirty="0">
                           <a:solidFill>
                             <a:schemeClr val="bg1"/>
                           </a:solidFill>
@@ -8683,7 +9090,7 @@
                     <a:lstStyle/>
                     <a:p>
                       <a:r>
-                        <a:rPr lang="nl-BE" dirty="0">
+                        <a:rPr lang="nl-BE" noProof="0" dirty="0">
                           <a:solidFill>
                             <a:schemeClr val="bg1"/>
                           </a:solidFill>
@@ -8749,7 +9156,7 @@
                     <a:lstStyle/>
                     <a:p>
                       <a:r>
-                        <a:rPr lang="nl-BE" dirty="0">
+                        <a:rPr lang="nl-BE" noProof="0" dirty="0">
                           <a:solidFill>
                             <a:schemeClr val="bg1"/>
                           </a:solidFill>
@@ -8809,7 +9216,7 @@
                     <a:lstStyle/>
                     <a:p>
                       <a:r>
-                        <a:rPr lang="nl-BE" dirty="0">
+                        <a:rPr lang="nl-BE" noProof="0" dirty="0">
                           <a:solidFill>
                             <a:schemeClr val="bg1"/>
                           </a:solidFill>
@@ -8869,7 +9276,7 @@
                     <a:lstStyle/>
                     <a:p>
                       <a:r>
-                        <a:rPr lang="nl-BE" dirty="0">
+                        <a:rPr lang="nl-BE" noProof="0" dirty="0">
                           <a:solidFill>
                             <a:schemeClr val="bg1"/>
                           </a:solidFill>
@@ -8929,7 +9336,7 @@
                     <a:lstStyle/>
                     <a:p>
                       <a:r>
-                        <a:rPr lang="nl-BE" dirty="0">
+                        <a:rPr lang="nl-BE" noProof="0" dirty="0">
                           <a:solidFill>
                             <a:schemeClr val="bg1"/>
                           </a:solidFill>
@@ -9115,7 +9522,7 @@
               <a:tabLst/>
               <a:defRPr/>
             </a:pPr>
-            <a:endParaRPr kumimoji="0" lang="en-US" sz="1800" b="0" i="0" u="none" strike="noStrike" kern="1200" cap="none" spc="0" normalizeH="0" baseline="0" noProof="0">
+            <a:endParaRPr kumimoji="0" lang="nl-BE" sz="1800" b="0" i="0" u="none" strike="noStrike" kern="1200" cap="none" spc="0" normalizeH="0" baseline="0" noProof="0" dirty="0">
               <a:ln>
                 <a:noFill/>
               </a:ln>
@@ -9207,7 +9614,7 @@
               <a:tabLst/>
               <a:defRPr/>
             </a:pPr>
-            <a:endParaRPr kumimoji="0" lang="en-US" sz="1800" b="0" i="0" u="none" strike="noStrike" kern="1200" cap="none" spc="0" normalizeH="0" baseline="0" noProof="0">
+            <a:endParaRPr kumimoji="0" lang="nl-BE" sz="1800" b="0" i="0" u="none" strike="noStrike" kern="1200" cap="none" spc="0" normalizeH="0" baseline="0" noProof="0" dirty="0">
               <a:ln>
                 <a:noFill/>
               </a:ln>
@@ -9291,7 +9698,7 @@
           <a:lstStyle/>
           <a:p>
             <a:r>
-              <a:rPr lang="nl-BE">
+              <a:rPr lang="nl-BE" noProof="0" dirty="0">
                 <a:solidFill>
                   <a:srgbClr val="FFFFFF"/>
                 </a:solidFill>
@@ -9330,7 +9737,7 @@
           <a:lstStyle/>
           <a:p>
             <a:r>
-              <a:rPr lang="nl-BE" sz="2000" dirty="0">
+              <a:rPr lang="nl-BE" sz="2000" noProof="0" dirty="0">
                 <a:solidFill>
                   <a:srgbClr val="FFFFFF"/>
                 </a:solidFill>
@@ -9338,14 +9745,14 @@
               <a:t>Router voor </a:t>
             </a:r>
             <a:r>
-              <a:rPr lang="nl-BE" sz="2000" dirty="0" err="1">
+              <a:rPr lang="nl-BE" sz="2000" noProof="0" dirty="0" err="1">
                 <a:solidFill>
                   <a:srgbClr val="FFFFFF"/>
                 </a:solidFill>
               </a:rPr>
               <a:t>WiFi</a:t>
             </a:r>
-            <a:endParaRPr lang="nl-BE" sz="2000" dirty="0">
+            <a:endParaRPr lang="nl-BE" sz="2000" noProof="0" dirty="0">
               <a:solidFill>
                 <a:srgbClr val="FFFFFF"/>
               </a:solidFill>
@@ -9353,7 +9760,7 @@
           </a:p>
           <a:p>
             <a:r>
-              <a:rPr lang="nl-BE" sz="2000" dirty="0">
+              <a:rPr lang="nl-BE" sz="2000" noProof="0" dirty="0">
                 <a:solidFill>
                   <a:srgbClr val="FFFFFF"/>
                 </a:solidFill>
@@ -9367,7 +9774,7 @@
               <a:buChar char="v"/>
             </a:pPr>
             <a:r>
-              <a:rPr lang="nl-BE" sz="2000" dirty="0">
+              <a:rPr lang="nl-BE" sz="2000" noProof="0" dirty="0">
                 <a:solidFill>
                   <a:srgbClr val="FFFFFF"/>
                 </a:solidFill>
@@ -9381,7 +9788,7 @@
               <a:buChar char="o"/>
             </a:pPr>
             <a:r>
-              <a:rPr lang="nl-BE" dirty="0">
+              <a:rPr lang="nl-BE" noProof="0" dirty="0">
                 <a:solidFill>
                   <a:srgbClr val="FFFFFF"/>
                 </a:solidFill>
@@ -9389,7 +9796,7 @@
               <a:t>DC-motors </a:t>
             </a:r>
             <a:r>
-              <a:rPr lang="nl-BE" dirty="0">
+              <a:rPr lang="nl-BE" noProof="0" dirty="0">
                 <a:solidFill>
                   <a:srgbClr val="FFFFFF"/>
                 </a:solidFill>
@@ -9397,7 +9804,7 @@
               </a:rPr>
               <a:t> H-Bruggen  Raspberry-pi</a:t>
             </a:r>
-            <a:endParaRPr lang="nl-BE" dirty="0">
+            <a:endParaRPr lang="nl-BE" noProof="0" dirty="0">
               <a:solidFill>
                 <a:srgbClr val="FFFFFF"/>
               </a:solidFill>
@@ -9409,7 +9816,7 @@
               <a:buChar char="v"/>
             </a:pPr>
             <a:r>
-              <a:rPr lang="nl-BE" sz="2000" dirty="0">
+              <a:rPr lang="nl-BE" sz="2000" noProof="0" dirty="0">
                 <a:solidFill>
                   <a:srgbClr val="FFFFFF"/>
                 </a:solidFill>
@@ -9423,7 +9830,7 @@
               <a:buChar char="o"/>
             </a:pPr>
             <a:r>
-              <a:rPr lang="nl-BE" dirty="0">
+              <a:rPr lang="nl-BE" noProof="0" dirty="0">
                 <a:solidFill>
                   <a:srgbClr val="FFFFFF"/>
                 </a:solidFill>
@@ -9431,7 +9838,7 @@
               <a:t>Joysticks </a:t>
             </a:r>
             <a:r>
-              <a:rPr lang="nl-BE" dirty="0">
+              <a:rPr lang="nl-BE" noProof="0" dirty="0">
                 <a:solidFill>
                   <a:srgbClr val="FFFFFF"/>
                 </a:solidFill>
@@ -9446,7 +9853,7 @@
               <a:buChar char="o"/>
             </a:pPr>
             <a:r>
-              <a:rPr lang="nl-BE" dirty="0">
+              <a:rPr lang="nl-BE" noProof="0" dirty="0">
                 <a:solidFill>
                   <a:srgbClr val="FFFFFF"/>
                 </a:solidFill>
@@ -9461,7 +9868,7 @@
               <a:buChar char="o"/>
             </a:pPr>
             <a:r>
-              <a:rPr lang="nl-BE" dirty="0">
+              <a:rPr lang="nl-BE" noProof="0" dirty="0">
                 <a:solidFill>
                   <a:srgbClr val="FFFFFF"/>
                 </a:solidFill>
@@ -9469,7 +9876,7 @@
               </a:rPr>
               <a:t>Schakelaar  Batterij/ESP32</a:t>
             </a:r>
-            <a:endParaRPr lang="nl-BE" dirty="0">
+            <a:endParaRPr lang="nl-BE" noProof="0" dirty="0">
               <a:solidFill>
                 <a:srgbClr val="FFFFFF"/>
               </a:solidFill>
@@ -9506,7 +9913,7 @@
           <a:lstStyle/>
           <a:p>
             <a:r>
-              <a:rPr lang="nl-BE" dirty="0">
+              <a:rPr lang="nl-BE" noProof="0" dirty="0">
                 <a:solidFill>
                   <a:srgbClr val="FFFFFF"/>
                 </a:solidFill>
@@ -9550,7 +9957,7 @@
               </a:spcAft>
             </a:pPr>
             <a:fld id="{CF769C61-EDDB-4958-A626-BA0E0F3C6BBE}" type="slidenum">
-              <a:rPr lang="nl-BE">
+              <a:rPr lang="nl-BE" noProof="0">
                 <a:solidFill>
                   <a:srgbClr val="FFFFFF"/>
                 </a:solidFill>
@@ -9562,7 +9969,7 @@
               </a:pPr>
               <a:t>7</a:t>
             </a:fld>
-            <a:endParaRPr lang="nl-BE">
+            <a:endParaRPr lang="nl-BE" noProof="0" dirty="0">
               <a:solidFill>
                 <a:srgbClr val="FFFFFF"/>
               </a:solidFill>
@@ -9692,7 +10099,7 @@
               <a:tabLst/>
               <a:defRPr/>
             </a:pPr>
-            <a:endParaRPr kumimoji="0" lang="en-US" sz="1800" b="0" i="0" u="none" strike="noStrike" kern="1200" cap="none" spc="0" normalizeH="0" baseline="0" noProof="0">
+            <a:endParaRPr kumimoji="0" lang="nl-BE" sz="1800" b="0" i="0" u="none" strike="noStrike" kern="1200" cap="none" spc="0" normalizeH="0" baseline="0" noProof="0" dirty="0">
               <a:ln>
                 <a:noFill/>
               </a:ln>
@@ -9784,7 +10191,7 @@
               <a:tabLst/>
               <a:defRPr/>
             </a:pPr>
-            <a:endParaRPr kumimoji="0" lang="en-US" sz="1800" b="0" i="0" u="none" strike="noStrike" kern="1200" cap="none" spc="0" normalizeH="0" baseline="0" noProof="0">
+            <a:endParaRPr kumimoji="0" lang="nl-BE" sz="1800" b="0" i="0" u="none" strike="noStrike" kern="1200" cap="none" spc="0" normalizeH="0" baseline="0" noProof="0" dirty="0">
               <a:ln>
                 <a:noFill/>
               </a:ln>
@@ -9868,7 +10275,7 @@
           <a:lstStyle/>
           <a:p>
             <a:r>
-              <a:rPr lang="nl-BE">
+              <a:rPr lang="nl-BE" noProof="0" dirty="0">
                 <a:solidFill>
                   <a:srgbClr val="FFFFFF"/>
                 </a:solidFill>
@@ -9907,7 +10314,7 @@
           <a:lstStyle/>
           <a:p>
             <a:r>
-              <a:rPr lang="nl-BE" sz="2000" dirty="0">
+              <a:rPr lang="nl-BE" sz="2000" noProof="0" dirty="0">
                 <a:solidFill>
                   <a:srgbClr val="FFFFFF"/>
                 </a:solidFill>
@@ -9915,7 +10322,7 @@
               <a:t>Node-Red </a:t>
             </a:r>
             <a:r>
-              <a:rPr lang="nl-BE" sz="2000" dirty="0">
+              <a:rPr lang="nl-BE" sz="2000" noProof="0" dirty="0">
                 <a:solidFill>
                   <a:srgbClr val="FFFFFF"/>
                 </a:solidFill>
@@ -9923,7 +10330,7 @@
               </a:rPr>
               <a:t> Raspberry-pi</a:t>
             </a:r>
-            <a:endParaRPr lang="nl-BE" sz="2000" dirty="0">
+            <a:endParaRPr lang="nl-BE" sz="2000" noProof="0" dirty="0">
               <a:solidFill>
                 <a:srgbClr val="FFFFFF"/>
               </a:solidFill>
@@ -9931,7 +10338,7 @@
           </a:p>
           <a:p>
             <a:r>
-              <a:rPr lang="nl-BE" sz="2000" dirty="0">
+              <a:rPr lang="nl-BE" sz="2000" noProof="0" dirty="0">
                 <a:solidFill>
                   <a:srgbClr val="FFFFFF"/>
                 </a:solidFill>
@@ -9939,7 +10346,7 @@
               <a:t>C++ (</a:t>
             </a:r>
             <a:r>
-              <a:rPr lang="nl-BE" sz="2000" dirty="0" err="1">
+              <a:rPr lang="nl-BE" sz="2000" noProof="0" dirty="0" err="1">
                 <a:solidFill>
                   <a:srgbClr val="FFFFFF"/>
                 </a:solidFill>
@@ -9947,7 +10354,7 @@
               <a:t>Arduino</a:t>
             </a:r>
             <a:r>
-              <a:rPr lang="nl-BE" sz="2000" dirty="0">
+              <a:rPr lang="nl-BE" sz="2000" noProof="0" dirty="0">
                 <a:solidFill>
                   <a:srgbClr val="FFFFFF"/>
                 </a:solidFill>
@@ -9955,7 +10362,7 @@
               <a:t>) </a:t>
             </a:r>
             <a:r>
-              <a:rPr lang="nl-BE" sz="2000" dirty="0">
+              <a:rPr lang="nl-BE" sz="2000" noProof="0" dirty="0">
                 <a:solidFill>
                   <a:srgbClr val="FFFFFF"/>
                 </a:solidFill>
@@ -9963,14 +10370,14 @@
               </a:rPr>
               <a:t> ESP32-Feather</a:t>
             </a:r>
-            <a:endParaRPr lang="nl-BE" sz="2000" dirty="0">
+            <a:endParaRPr lang="nl-BE" sz="2000" noProof="0" dirty="0">
               <a:solidFill>
                 <a:srgbClr val="FFFFFF"/>
               </a:solidFill>
             </a:endParaRPr>
           </a:p>
           <a:p>
-            <a:endParaRPr lang="nl-BE" sz="2000" dirty="0">
+            <a:endParaRPr lang="nl-BE" sz="2000" noProof="0" dirty="0">
               <a:solidFill>
                 <a:srgbClr val="FFFFFF"/>
               </a:solidFill>
@@ -10012,7 +10419,7 @@
               </a:spcAft>
             </a:pPr>
             <a:r>
-              <a:rPr lang="nl-BE">
+              <a:rPr lang="nl-BE" noProof="0" dirty="0">
                 <a:solidFill>
                   <a:srgbClr val="FFFFFF"/>
                 </a:solidFill>
@@ -10056,7 +10463,7 @@
               </a:spcAft>
             </a:pPr>
             <a:fld id="{CF769C61-EDDB-4958-A626-BA0E0F3C6BBE}" type="slidenum">
-              <a:rPr lang="nl-BE">
+              <a:rPr lang="nl-BE" noProof="0">
                 <a:solidFill>
                   <a:srgbClr val="FFFFFF"/>
                 </a:solidFill>
@@ -10068,7 +10475,7 @@
               </a:pPr>
               <a:t>8</a:t>
             </a:fld>
-            <a:endParaRPr lang="nl-BE">
+            <a:endParaRPr lang="nl-BE" noProof="0" dirty="0">
               <a:solidFill>
                 <a:srgbClr val="FFFFFF"/>
               </a:solidFill>
@@ -10198,7 +10605,7 @@
               <a:tabLst/>
               <a:defRPr/>
             </a:pPr>
-            <a:endParaRPr kumimoji="0" lang="en-US" sz="1800" b="0" i="0" u="none" strike="noStrike" kern="1200" cap="none" spc="0" normalizeH="0" baseline="0" noProof="0">
+            <a:endParaRPr kumimoji="0" lang="nl-BE" sz="1800" b="0" i="0" u="none" strike="noStrike" kern="1200" cap="none" spc="0" normalizeH="0" baseline="0" noProof="0" dirty="0">
               <a:ln>
                 <a:noFill/>
               </a:ln>
@@ -10290,7 +10697,7 @@
               <a:tabLst/>
               <a:defRPr/>
             </a:pPr>
-            <a:endParaRPr kumimoji="0" lang="en-US" sz="1800" b="0" i="0" u="none" strike="noStrike" kern="1200" cap="none" spc="0" normalizeH="0" baseline="0" noProof="0">
+            <a:endParaRPr kumimoji="0" lang="nl-BE" sz="1800" b="0" i="0" u="none" strike="noStrike" kern="1200" cap="none" spc="0" normalizeH="0" baseline="0" noProof="0" dirty="0">
               <a:ln>
                 <a:noFill/>
               </a:ln>
@@ -10374,7 +10781,7 @@
           <a:lstStyle/>
           <a:p>
             <a:r>
-              <a:rPr lang="nl-BE">
+              <a:rPr lang="nl-BE" noProof="0" dirty="0">
                 <a:solidFill>
                   <a:srgbClr val="FFFFFF"/>
                 </a:solidFill>
@@ -10413,7 +10820,7 @@
           <a:lstStyle/>
           <a:p>
             <a:r>
-              <a:rPr lang="nl-BE" sz="2000">
+              <a:rPr lang="nl-BE" sz="2000" noProof="0" dirty="0">
                 <a:solidFill>
                   <a:srgbClr val="FFFFFF"/>
                 </a:solidFill>
@@ -10423,7 +10830,7 @@
           </a:p>
           <a:p>
             <a:r>
-              <a:rPr lang="nl-BE" sz="2000">
+              <a:rPr lang="nl-BE" sz="2000" noProof="0" dirty="0">
                 <a:solidFill>
                   <a:srgbClr val="FFFFFF"/>
                 </a:solidFill>
@@ -10462,7 +10869,7 @@
           <a:lstStyle/>
           <a:p>
             <a:r>
-              <a:rPr lang="nl-BE" dirty="0">
+              <a:rPr lang="nl-BE" noProof="0" dirty="0">
                 <a:solidFill>
                   <a:srgbClr val="FFFFFF"/>
                 </a:solidFill>
@@ -10506,7 +10913,7 @@
               </a:spcAft>
             </a:pPr>
             <a:fld id="{CF769C61-EDDB-4958-A626-BA0E0F3C6BBE}" type="slidenum">
-              <a:rPr lang="nl-BE">
+              <a:rPr lang="nl-BE" noProof="0">
                 <a:solidFill>
                   <a:srgbClr val="FFFFFF"/>
                 </a:solidFill>
@@ -10518,7 +10925,7 @@
               </a:pPr>
               <a:t>9</a:t>
             </a:fld>
-            <a:endParaRPr lang="nl-BE">
+            <a:endParaRPr lang="nl-BE" noProof="0" dirty="0">
               <a:solidFill>
                 <a:srgbClr val="FFFFFF"/>
               </a:solidFill>

--- a/Robot met mecanum wheels.pptx
+++ b/Robot met mecanum wheels.pptx
@@ -5,7 +5,7 @@
     <p:sldMasterId id="2147483648" r:id="rId1"/>
   </p:sldMasterIdLst>
   <p:notesMasterIdLst>
-    <p:notesMasterId r:id="rId15"/>
+    <p:notesMasterId r:id="rId17"/>
   </p:notesMasterIdLst>
   <p:sldIdLst>
     <p:sldId id="256" r:id="rId2"/>
@@ -17,10 +17,12 @@
     <p:sldId id="262" r:id="rId8"/>
     <p:sldId id="263" r:id="rId9"/>
     <p:sldId id="264" r:id="rId10"/>
-    <p:sldId id="265" r:id="rId11"/>
-    <p:sldId id="268" r:id="rId12"/>
-    <p:sldId id="266" r:id="rId13"/>
-    <p:sldId id="267" r:id="rId14"/>
+    <p:sldId id="269" r:id="rId11"/>
+    <p:sldId id="265" r:id="rId12"/>
+    <p:sldId id="270" r:id="rId13"/>
+    <p:sldId id="268" r:id="rId14"/>
+    <p:sldId id="266" r:id="rId15"/>
+    <p:sldId id="267" r:id="rId16"/>
   </p:sldIdLst>
   <p:sldSz cx="12192000" cy="6858000"/>
   <p:notesSz cx="6858000" cy="9144000"/>
@@ -4082,7 +4084,7 @@
           <p:nvPr/>
         </p:nvPicPr>
         <p:blipFill>
-          <a:blip r:embed="rId3">
+          <a:blip r:embed="rId2">
             <a:alphaModFix amt="50000"/>
             <a:extLst>
               <a:ext uri="{28A0092B-C50C-407E-A947-70E740481C1C}">
@@ -4262,21 +4264,11 @@
     <mc:Choice xmlns:p15="http://schemas.microsoft.com/office/powerpoint/2012/main" Requires="p15">
       <p:transition xmlns:p14="http://schemas.microsoft.com/office/powerpoint/2010/main" spd="slow" p14:dur="5000">
         <p15:prstTrans prst="curtains"/>
-        <p:sndAc>
-          <p:stSnd>
-            <p:snd r:embed="rId2" name="applause.wav"/>
-          </p:stSnd>
-        </p:sndAc>
       </p:transition>
     </mc:Choice>
     <mc:Fallback>
       <p:transition spd="slow">
         <p:fade/>
-        <p:sndAc>
-          <p:stSnd>
-            <p:snd r:embed="rId2" name="applause.wav"/>
-          </p:stSnd>
-        </p:sndAc>
       </p:transition>
     </mc:Fallback>
   </mc:AlternateContent>
@@ -4482,6 +4474,290 @@
 <file path=ppt/slides/slide10.xml><?xml version="1.0" encoding="utf-8"?>
 <p:sld xmlns:a="http://schemas.openxmlformats.org/drawingml/2006/main" xmlns:r="http://schemas.openxmlformats.org/officeDocument/2006/relationships" xmlns:p="http://schemas.openxmlformats.org/presentationml/2006/main">
   <p:cSld>
+    <p:spTree>
+      <p:nvGrpSpPr>
+        <p:cNvPr id="1" name=""/>
+        <p:cNvGrpSpPr/>
+        <p:nvPr/>
+      </p:nvGrpSpPr>
+      <p:grpSpPr>
+        <a:xfrm>
+          <a:off x="0" y="0"/>
+          <a:ext cx="0" cy="0"/>
+          <a:chOff x="0" y="0"/>
+          <a:chExt cx="0" cy="0"/>
+        </a:xfrm>
+      </p:grpSpPr>
+      <p:sp>
+        <p:nvSpPr>
+          <p:cNvPr id="2" name="Titel 1">
+            <a:extLst>
+              <a:ext uri="{FF2B5EF4-FFF2-40B4-BE49-F238E27FC236}">
+                <a16:creationId xmlns:a16="http://schemas.microsoft.com/office/drawing/2014/main" id="{27A601EA-5C50-9152-D4D1-97EC9E3E7243}"/>
+              </a:ext>
+            </a:extLst>
+          </p:cNvPr>
+          <p:cNvSpPr>
+            <a:spLocks noGrp="1"/>
+          </p:cNvSpPr>
+          <p:nvPr>
+            <p:ph type="title"/>
+          </p:nvPr>
+        </p:nvSpPr>
+        <p:spPr/>
+        <p:txBody>
+          <a:bodyPr/>
+          <a:lstStyle/>
+          <a:p>
+            <a:r>
+              <a:rPr lang="nl-BE" dirty="0"/>
+              <a:t>Schema ESP32-Feather</a:t>
+            </a:r>
+          </a:p>
+        </p:txBody>
+      </p:sp>
+      <p:sp>
+        <p:nvSpPr>
+          <p:cNvPr id="3" name="Tijdelijke aanduiding voor inhoud 2">
+            <a:extLst>
+              <a:ext uri="{FF2B5EF4-FFF2-40B4-BE49-F238E27FC236}">
+                <a16:creationId xmlns:a16="http://schemas.microsoft.com/office/drawing/2014/main" id="{32806D12-4726-0475-8D5F-7027498C1CDF}"/>
+              </a:ext>
+            </a:extLst>
+          </p:cNvPr>
+          <p:cNvSpPr>
+            <a:spLocks noGrp="1"/>
+          </p:cNvSpPr>
+          <p:nvPr>
+            <p:ph idx="1"/>
+          </p:nvPr>
+        </p:nvSpPr>
+        <p:spPr>
+          <a:xfrm>
+            <a:off x="1173865" y="3133565"/>
+            <a:ext cx="15247015" cy="5004390"/>
+          </a:xfrm>
+        </p:spPr>
+        <p:txBody>
+          <a:bodyPr/>
+          <a:lstStyle/>
+          <a:p>
+            <a:endParaRPr lang="nl-BE" dirty="0"/>
+          </a:p>
+        </p:txBody>
+      </p:sp>
+      <p:sp>
+        <p:nvSpPr>
+          <p:cNvPr id="4" name="Tijdelijke aanduiding voor voettekst 3">
+            <a:extLst>
+              <a:ext uri="{FF2B5EF4-FFF2-40B4-BE49-F238E27FC236}">
+                <a16:creationId xmlns:a16="http://schemas.microsoft.com/office/drawing/2014/main" id="{7B3B4CD5-9A57-1F52-42BB-68911569BB79}"/>
+              </a:ext>
+            </a:extLst>
+          </p:cNvPr>
+          <p:cNvSpPr>
+            <a:spLocks noGrp="1"/>
+          </p:cNvSpPr>
+          <p:nvPr>
+            <p:ph type="ftr" sz="quarter" idx="11"/>
+          </p:nvPr>
+        </p:nvSpPr>
+        <p:spPr/>
+        <p:txBody>
+          <a:bodyPr/>
+          <a:lstStyle/>
+          <a:p>
+            <a:endParaRPr lang="nl-BE"/>
+          </a:p>
+        </p:txBody>
+      </p:sp>
+      <p:sp>
+        <p:nvSpPr>
+          <p:cNvPr id="5" name="Tijdelijke aanduiding voor dianummer 4">
+            <a:extLst>
+              <a:ext uri="{FF2B5EF4-FFF2-40B4-BE49-F238E27FC236}">
+                <a16:creationId xmlns:a16="http://schemas.microsoft.com/office/drawing/2014/main" id="{DDF53997-EC02-82A1-21C4-2C72D5D9FE18}"/>
+              </a:ext>
+            </a:extLst>
+          </p:cNvPr>
+          <p:cNvSpPr>
+            <a:spLocks noGrp="1"/>
+          </p:cNvSpPr>
+          <p:nvPr>
+            <p:ph type="sldNum" sz="quarter" idx="12"/>
+          </p:nvPr>
+        </p:nvSpPr>
+        <p:spPr/>
+        <p:txBody>
+          <a:bodyPr/>
+          <a:lstStyle/>
+          <a:p>
+            <a:fld id="{CF769C61-EDDB-4958-A626-BA0E0F3C6BBE}" type="slidenum">
+              <a:rPr lang="nl-BE" smtClean="0"/>
+              <a:t>10</a:t>
+            </a:fld>
+            <a:endParaRPr lang="nl-BE"/>
+          </a:p>
+        </p:txBody>
+      </p:sp>
+      <p:sp>
+        <p:nvSpPr>
+          <p:cNvPr id="6" name="Rectangle 2">
+            <a:extLst>
+              <a:ext uri="{FF2B5EF4-FFF2-40B4-BE49-F238E27FC236}">
+                <a16:creationId xmlns:a16="http://schemas.microsoft.com/office/drawing/2014/main" id="{B1A90393-E6E2-91DE-641B-94BBF5A7C8C2}"/>
+              </a:ext>
+            </a:extLst>
+          </p:cNvPr>
+          <p:cNvSpPr>
+            <a:spLocks noChangeArrowheads="1"/>
+          </p:cNvSpPr>
+          <p:nvPr/>
+        </p:nvSpPr>
+        <p:spPr bwMode="auto">
+          <a:xfrm>
+            <a:off x="335666" y="1307939"/>
+            <a:ext cx="17677698" cy="45719"/>
+          </a:xfrm>
+          <a:prstGeom prst="rect">
+            <a:avLst/>
+          </a:prstGeom>
+          <a:noFill/>
+          <a:ln>
+            <a:noFill/>
+          </a:ln>
+          <a:effectLst/>
+          <a:extLst>
+            <a:ext uri="{909E8E84-426E-40DD-AFC4-6F175D3DCCD1}">
+              <a14:hiddenFill xmlns:a14="http://schemas.microsoft.com/office/drawing/2010/main">
+                <a:solidFill>
+                  <a:schemeClr val="accent1"/>
+                </a:solidFill>
+              </a14:hiddenFill>
+            </a:ext>
+            <a:ext uri="{91240B29-F687-4F45-9708-019B960494DF}">
+              <a14:hiddenLine xmlns:a14="http://schemas.microsoft.com/office/drawing/2010/main" w="9525">
+                <a:solidFill>
+                  <a:schemeClr val="tx1"/>
+                </a:solidFill>
+                <a:miter lim="800000"/>
+                <a:headEnd/>
+                <a:tailEnd/>
+              </a14:hiddenLine>
+            </a:ext>
+            <a:ext uri="{AF507438-7753-43E0-B8FC-AC1667EBCBE1}">
+              <a14:hiddenEffects xmlns:a14="http://schemas.microsoft.com/office/drawing/2010/main">
+                <a:effectLst>
+                  <a:outerShdw dist="35921" dir="2700000" algn="ctr" rotWithShape="0">
+                    <a:schemeClr val="bg2"/>
+                  </a:outerShdw>
+                </a:effectLst>
+              </a14:hiddenEffects>
+            </a:ext>
+          </a:extLst>
+        </p:spPr>
+        <p:txBody>
+          <a:bodyPr vert="horz" wrap="square" lIns="91440" tIns="45720" rIns="91440" bIns="45720" numCol="1" anchor="ctr" anchorCtr="0" compatLnSpc="1">
+            <a:prstTxWarp prst="textNoShape">
+              <a:avLst/>
+            </a:prstTxWarp>
+            <a:spAutoFit/>
+          </a:bodyPr>
+          <a:lstStyle/>
+          <a:p>
+            <a:endParaRPr lang="nl-BE"/>
+          </a:p>
+        </p:txBody>
+      </p:sp>
+      <p:graphicFrame>
+        <p:nvGraphicFramePr>
+          <p:cNvPr id="7" name="Object 6">
+            <a:extLst>
+              <a:ext uri="{FF2B5EF4-FFF2-40B4-BE49-F238E27FC236}">
+                <a16:creationId xmlns:a16="http://schemas.microsoft.com/office/drawing/2014/main" id="{F3B7858B-5776-90F8-E619-3F6294CA5114}"/>
+              </a:ext>
+            </a:extLst>
+          </p:cNvPr>
+          <p:cNvGraphicFramePr>
+            <a:graphicFrameLocks noChangeAspect="1"/>
+          </p:cNvGraphicFramePr>
+          <p:nvPr>
+            <p:extLst>
+              <p:ext uri="{D42A27DB-BD31-4B8C-83A1-F6EECF244321}">
+                <p14:modId xmlns:p14="http://schemas.microsoft.com/office/powerpoint/2010/main" val="1977524594"/>
+              </p:ext>
+            </p:extLst>
+          </p:nvPr>
+        </p:nvGraphicFramePr>
+        <p:xfrm>
+          <a:off x="335665" y="1307940"/>
+          <a:ext cx="4861367" cy="5370062"/>
+        </p:xfrm>
+        <a:graphic>
+          <a:graphicData uri="http://schemas.openxmlformats.org/presentationml/2006/ole">
+            <mc:AlternateContent xmlns:mc="http://schemas.openxmlformats.org/markup-compatibility/2006">
+              <mc:Choice xmlns:v="urn:schemas-microsoft-com:vml" Requires="v">
+                <p:oleObj name="Visio" r:id="rId2" imgW="6537742" imgH="7223594" progId="Visio.Drawing.15">
+                  <p:embed/>
+                </p:oleObj>
+              </mc:Choice>
+              <mc:Fallback>
+                <p:oleObj name="Visio" r:id="rId2" imgW="6537742" imgH="7223594" progId="Visio.Drawing.15">
+                  <p:embed/>
+                  <p:pic>
+                    <p:nvPicPr>
+                      <p:cNvPr id="0" name="Object 1"/>
+                      <p:cNvPicPr>
+                        <a:picLocks noChangeAspect="1" noChangeArrowheads="1"/>
+                      </p:cNvPicPr>
+                      <p:nvPr/>
+                    </p:nvPicPr>
+                    <p:blipFill>
+                      <a:blip r:embed="rId3">
+                        <a:extLst>
+                          <a:ext uri="{28A0092B-C50C-407E-A947-70E740481C1C}">
+                            <a14:useLocalDpi xmlns:a14="http://schemas.microsoft.com/office/drawing/2010/main" val="0"/>
+                          </a:ext>
+                        </a:extLst>
+                      </a:blip>
+                      <a:srcRect/>
+                      <a:stretch>
+                        <a:fillRect/>
+                      </a:stretch>
+                    </p:blipFill>
+                    <p:spPr bwMode="auto">
+                      <a:xfrm>
+                        <a:off x="335665" y="1307940"/>
+                        <a:ext cx="4861367" cy="5370062"/>
+                      </a:xfrm>
+                      <a:prstGeom prst="rect">
+                        <a:avLst/>
+                      </a:prstGeom>
+                      <a:noFill/>
+                    </p:spPr>
+                  </p:pic>
+                </p:oleObj>
+              </mc:Fallback>
+            </mc:AlternateContent>
+          </a:graphicData>
+        </a:graphic>
+      </p:graphicFrame>
+    </p:spTree>
+    <p:extLst>
+      <p:ext uri="{BB962C8B-B14F-4D97-AF65-F5344CB8AC3E}">
+        <p14:creationId xmlns:p14="http://schemas.microsoft.com/office/powerpoint/2010/main" val="4057826679"/>
+      </p:ext>
+    </p:extLst>
+  </p:cSld>
+  <p:clrMapOvr>
+    <a:masterClrMapping/>
+  </p:clrMapOvr>
+</p:sld>
+</file>
+
+<file path=ppt/slides/slide11.xml><?xml version="1.0" encoding="utf-8"?>
+<p:sld xmlns:a="http://schemas.openxmlformats.org/drawingml/2006/main" xmlns:r="http://schemas.openxmlformats.org/officeDocument/2006/relationships" xmlns:p="http://schemas.openxmlformats.org/presentationml/2006/main">
+  <p:cSld>
     <p:bg>
       <p:bgPr>
         <a:solidFill>
@@ -4894,7 +5170,7 @@
                   <a:spcPts val="600"/>
                 </a:spcAft>
               </a:pPr>
-              <a:t>10</a:t>
+              <a:t>11</a:t>
             </a:fld>
             <a:endParaRPr lang="nl-BE" noProof="0" dirty="0">
               <a:solidFill>
@@ -4929,7 +5205,291 @@
 </p:sld>
 </file>
 
-<file path=ppt/slides/slide11.xml><?xml version="1.0" encoding="utf-8"?>
+<file path=ppt/slides/slide12.xml><?xml version="1.0" encoding="utf-8"?>
+<p:sld xmlns:a="http://schemas.openxmlformats.org/drawingml/2006/main" xmlns:r="http://schemas.openxmlformats.org/officeDocument/2006/relationships" xmlns:p="http://schemas.openxmlformats.org/presentationml/2006/main">
+  <p:cSld>
+    <p:spTree>
+      <p:nvGrpSpPr>
+        <p:cNvPr id="1" name=""/>
+        <p:cNvGrpSpPr/>
+        <p:nvPr/>
+      </p:nvGrpSpPr>
+      <p:grpSpPr>
+        <a:xfrm>
+          <a:off x="0" y="0"/>
+          <a:ext cx="0" cy="0"/>
+          <a:chOff x="0" y="0"/>
+          <a:chExt cx="0" cy="0"/>
+        </a:xfrm>
+      </p:grpSpPr>
+      <p:sp>
+        <p:nvSpPr>
+          <p:cNvPr id="2" name="Titel 1">
+            <a:extLst>
+              <a:ext uri="{FF2B5EF4-FFF2-40B4-BE49-F238E27FC236}">
+                <a16:creationId xmlns:a16="http://schemas.microsoft.com/office/drawing/2014/main" id="{CF42BA00-74D3-7D50-0431-171F0A901341}"/>
+              </a:ext>
+            </a:extLst>
+          </p:cNvPr>
+          <p:cNvSpPr>
+            <a:spLocks noGrp="1"/>
+          </p:cNvSpPr>
+          <p:nvPr>
+            <p:ph type="title"/>
+          </p:nvPr>
+        </p:nvSpPr>
+        <p:spPr/>
+        <p:txBody>
+          <a:bodyPr/>
+          <a:lstStyle/>
+          <a:p>
+            <a:r>
+              <a:rPr lang="nl-BE" dirty="0"/>
+              <a:t>Schema Raspberry pi</a:t>
+            </a:r>
+          </a:p>
+        </p:txBody>
+      </p:sp>
+      <p:sp>
+        <p:nvSpPr>
+          <p:cNvPr id="3" name="Tijdelijke aanduiding voor inhoud 2">
+            <a:extLst>
+              <a:ext uri="{FF2B5EF4-FFF2-40B4-BE49-F238E27FC236}">
+                <a16:creationId xmlns:a16="http://schemas.microsoft.com/office/drawing/2014/main" id="{AEC5F0AD-DA6E-2BFE-56F4-2C8C19114069}"/>
+              </a:ext>
+            </a:extLst>
+          </p:cNvPr>
+          <p:cNvSpPr>
+            <a:spLocks noGrp="1"/>
+          </p:cNvSpPr>
+          <p:nvPr>
+            <p:ph idx="1"/>
+          </p:nvPr>
+        </p:nvSpPr>
+        <p:spPr>
+          <a:xfrm>
+            <a:off x="3679825" y="3516313"/>
+            <a:ext cx="10515600" cy="4351338"/>
+          </a:xfrm>
+        </p:spPr>
+        <p:txBody>
+          <a:bodyPr/>
+          <a:lstStyle/>
+          <a:p>
+            <a:endParaRPr lang="nl-BE" dirty="0"/>
+          </a:p>
+        </p:txBody>
+      </p:sp>
+      <p:sp>
+        <p:nvSpPr>
+          <p:cNvPr id="4" name="Tijdelijke aanduiding voor voettekst 3">
+            <a:extLst>
+              <a:ext uri="{FF2B5EF4-FFF2-40B4-BE49-F238E27FC236}">
+                <a16:creationId xmlns:a16="http://schemas.microsoft.com/office/drawing/2014/main" id="{F4B03218-E733-3F11-611D-248580B2A3A6}"/>
+              </a:ext>
+            </a:extLst>
+          </p:cNvPr>
+          <p:cNvSpPr>
+            <a:spLocks noGrp="1"/>
+          </p:cNvSpPr>
+          <p:nvPr>
+            <p:ph type="ftr" sz="quarter" idx="11"/>
+          </p:nvPr>
+        </p:nvSpPr>
+        <p:spPr/>
+        <p:txBody>
+          <a:bodyPr/>
+          <a:lstStyle/>
+          <a:p>
+            <a:endParaRPr lang="nl-BE"/>
+          </a:p>
+        </p:txBody>
+      </p:sp>
+      <p:sp>
+        <p:nvSpPr>
+          <p:cNvPr id="5" name="Tijdelijke aanduiding voor dianummer 4">
+            <a:extLst>
+              <a:ext uri="{FF2B5EF4-FFF2-40B4-BE49-F238E27FC236}">
+                <a16:creationId xmlns:a16="http://schemas.microsoft.com/office/drawing/2014/main" id="{71762E64-2A53-371D-062C-BA685D07C71A}"/>
+              </a:ext>
+            </a:extLst>
+          </p:cNvPr>
+          <p:cNvSpPr>
+            <a:spLocks noGrp="1"/>
+          </p:cNvSpPr>
+          <p:nvPr>
+            <p:ph type="sldNum" sz="quarter" idx="12"/>
+          </p:nvPr>
+        </p:nvSpPr>
+        <p:spPr/>
+        <p:txBody>
+          <a:bodyPr/>
+          <a:lstStyle/>
+          <a:p>
+            <a:fld id="{CF769C61-EDDB-4958-A626-BA0E0F3C6BBE}" type="slidenum">
+              <a:rPr lang="nl-BE" smtClean="0"/>
+              <a:t>12</a:t>
+            </a:fld>
+            <a:endParaRPr lang="nl-BE"/>
+          </a:p>
+        </p:txBody>
+      </p:sp>
+      <p:sp>
+        <p:nvSpPr>
+          <p:cNvPr id="6" name="Rectangle 2">
+            <a:extLst>
+              <a:ext uri="{FF2B5EF4-FFF2-40B4-BE49-F238E27FC236}">
+                <a16:creationId xmlns:a16="http://schemas.microsoft.com/office/drawing/2014/main" id="{FD395ADB-1F0E-5293-7AB2-8F7E8812D645}"/>
+              </a:ext>
+            </a:extLst>
+          </p:cNvPr>
+          <p:cNvSpPr>
+            <a:spLocks noChangeArrowheads="1"/>
+          </p:cNvSpPr>
+          <p:nvPr/>
+        </p:nvSpPr>
+        <p:spPr bwMode="auto">
+          <a:xfrm>
+            <a:off x="2841625" y="1690688"/>
+            <a:ext cx="12192000" cy="0"/>
+          </a:xfrm>
+          <a:prstGeom prst="rect">
+            <a:avLst/>
+          </a:prstGeom>
+          <a:noFill/>
+          <a:ln>
+            <a:noFill/>
+          </a:ln>
+          <a:effectLst/>
+          <a:extLst>
+            <a:ext uri="{909E8E84-426E-40DD-AFC4-6F175D3DCCD1}">
+              <a14:hiddenFill xmlns:a14="http://schemas.microsoft.com/office/drawing/2010/main">
+                <a:solidFill>
+                  <a:schemeClr val="accent1"/>
+                </a:solidFill>
+              </a14:hiddenFill>
+            </a:ext>
+            <a:ext uri="{91240B29-F687-4F45-9708-019B960494DF}">
+              <a14:hiddenLine xmlns:a14="http://schemas.microsoft.com/office/drawing/2010/main" w="9525">
+                <a:solidFill>
+                  <a:schemeClr val="tx1"/>
+                </a:solidFill>
+                <a:miter lim="800000"/>
+                <a:headEnd/>
+                <a:tailEnd/>
+              </a14:hiddenLine>
+            </a:ext>
+            <a:ext uri="{AF507438-7753-43E0-B8FC-AC1667EBCBE1}">
+              <a14:hiddenEffects xmlns:a14="http://schemas.microsoft.com/office/drawing/2010/main">
+                <a:effectLst>
+                  <a:outerShdw dist="35921" dir="2700000" algn="ctr" rotWithShape="0">
+                    <a:schemeClr val="bg2"/>
+                  </a:outerShdw>
+                </a:effectLst>
+              </a14:hiddenEffects>
+            </a:ext>
+          </a:extLst>
+        </p:spPr>
+        <p:txBody>
+          <a:bodyPr vert="horz" wrap="none" lIns="91440" tIns="45720" rIns="91440" bIns="45720" numCol="1" anchor="ctr" anchorCtr="0" compatLnSpc="1">
+            <a:prstTxWarp prst="textNoShape">
+              <a:avLst/>
+            </a:prstTxWarp>
+            <a:spAutoFit/>
+          </a:bodyPr>
+          <a:lstStyle/>
+          <a:p>
+            <a:endParaRPr lang="nl-BE"/>
+          </a:p>
+        </p:txBody>
+      </p:sp>
+      <p:graphicFrame>
+        <p:nvGraphicFramePr>
+          <p:cNvPr id="7" name="Object 6">
+            <a:extLst>
+              <a:ext uri="{FF2B5EF4-FFF2-40B4-BE49-F238E27FC236}">
+                <a16:creationId xmlns:a16="http://schemas.microsoft.com/office/drawing/2014/main" id="{19490E53-3183-8D83-770B-823718F2920E}"/>
+              </a:ext>
+            </a:extLst>
+          </p:cNvPr>
+          <p:cNvGraphicFramePr>
+            <a:graphicFrameLocks noChangeAspect="1"/>
+          </p:cNvGraphicFramePr>
+          <p:nvPr>
+            <p:extLst>
+              <p:ext uri="{D42A27DB-BD31-4B8C-83A1-F6EECF244321}">
+                <p14:modId xmlns:p14="http://schemas.microsoft.com/office/powerpoint/2010/main" val="3783803326"/>
+              </p:ext>
+            </p:extLst>
+          </p:nvPr>
+        </p:nvGraphicFramePr>
+        <p:xfrm>
+          <a:off x="5034988" y="1185777"/>
+          <a:ext cx="7325830" cy="5535698"/>
+        </p:xfrm>
+        <a:graphic>
+          <a:graphicData uri="http://schemas.openxmlformats.org/presentationml/2006/ole">
+            <mc:AlternateContent xmlns:mc="http://schemas.openxmlformats.org/markup-compatibility/2006">
+              <mc:Choice xmlns:v="urn:schemas-microsoft-com:vml" Requires="v">
+                <p:oleObj name="Visio" r:id="rId2" imgW="10835484" imgH="8191195" progId="Visio.Drawing.15">
+                  <p:embed/>
+                </p:oleObj>
+              </mc:Choice>
+              <mc:Fallback>
+                <p:oleObj name="Visio" r:id="rId2" imgW="10835484" imgH="8191195" progId="Visio.Drawing.15">
+                  <p:embed/>
+                  <p:pic>
+                    <p:nvPicPr>
+                      <p:cNvPr id="0" name="Object 1"/>
+                      <p:cNvPicPr>
+                        <a:picLocks noChangeAspect="1" noChangeArrowheads="1"/>
+                      </p:cNvPicPr>
+                      <p:nvPr/>
+                    </p:nvPicPr>
+                    <p:blipFill>
+                      <a:blip r:embed="rId3">
+                        <a:extLst>
+                          <a:ext uri="{28A0092B-C50C-407E-A947-70E740481C1C}">
+                            <a14:useLocalDpi xmlns:a14="http://schemas.microsoft.com/office/drawing/2010/main" val="0"/>
+                          </a:ext>
+                        </a:extLst>
+                      </a:blip>
+                      <a:srcRect/>
+                      <a:stretch>
+                        <a:fillRect/>
+                      </a:stretch>
+                    </p:blipFill>
+                    <p:spPr bwMode="auto">
+                      <a:xfrm>
+                        <a:off x="5034988" y="1185777"/>
+                        <a:ext cx="7325830" cy="5535698"/>
+                      </a:xfrm>
+                      <a:prstGeom prst="rect">
+                        <a:avLst/>
+                      </a:prstGeom>
+                      <a:noFill/>
+                    </p:spPr>
+                  </p:pic>
+                </p:oleObj>
+              </mc:Fallback>
+            </mc:AlternateContent>
+          </a:graphicData>
+        </a:graphic>
+      </p:graphicFrame>
+    </p:spTree>
+    <p:extLst>
+      <p:ext uri="{BB962C8B-B14F-4D97-AF65-F5344CB8AC3E}">
+        <p14:creationId xmlns:p14="http://schemas.microsoft.com/office/powerpoint/2010/main" val="2840809991"/>
+      </p:ext>
+    </p:extLst>
+  </p:cSld>
+  <p:clrMapOvr>
+    <a:masterClrMapping/>
+  </p:clrMapOvr>
+</p:sld>
+</file>
+
+<file path=ppt/slides/slide13.xml><?xml version="1.0" encoding="utf-8"?>
 <p:sld xmlns:a="http://schemas.openxmlformats.org/drawingml/2006/main" xmlns:r="http://schemas.openxmlformats.org/officeDocument/2006/relationships" xmlns:p="http://schemas.openxmlformats.org/presentationml/2006/main">
   <p:cSld>
     <p:bg>
@@ -5221,7 +5781,7 @@
                   <a:spcPts val="600"/>
                 </a:spcAft>
               </a:pPr>
-              <a:t>11</a:t>
+              <a:t>13</a:t>
             </a:fld>
             <a:endParaRPr lang="nl-BE">
               <a:solidFill>
@@ -5244,7 +5804,7 @@
 </p:sld>
 </file>
 
-<file path=ppt/slides/slide12.xml><?xml version="1.0" encoding="utf-8"?>
+<file path=ppt/slides/slide14.xml><?xml version="1.0" encoding="utf-8"?>
 <p:sld xmlns:a="http://schemas.openxmlformats.org/drawingml/2006/main" xmlns:r="http://schemas.openxmlformats.org/officeDocument/2006/relationships" xmlns:p="http://schemas.openxmlformats.org/presentationml/2006/main">
   <p:cSld>
     <p:bg>
@@ -5590,7 +6150,7 @@
                   <a:spcPts val="600"/>
                 </a:spcAft>
               </a:pPr>
-              <a:t>12</a:t>
+              <a:t>14</a:t>
             </a:fld>
             <a:endParaRPr lang="nl-BE" noProof="0" dirty="0">
               <a:solidFill>
@@ -5625,7 +6185,7 @@
 </p:sld>
 </file>
 
-<file path=ppt/slides/slide13.xml><?xml version="1.0" encoding="utf-8"?>
+<file path=ppt/slides/slide15.xml><?xml version="1.0" encoding="utf-8"?>
 <p:sld xmlns:a="http://schemas.openxmlformats.org/drawingml/2006/main" xmlns:r="http://schemas.openxmlformats.org/officeDocument/2006/relationships" xmlns:p="http://schemas.openxmlformats.org/presentationml/2006/main">
   <p:cSld>
     <p:bg>
@@ -5925,7 +6485,7 @@
                 </a:spcAft>
                 <a:defRPr/>
               </a:pPr>
-              <a:t>13</a:t>
+              <a:t>15</a:t>
             </a:fld>
             <a:endParaRPr lang="nl-BE" noProof="0" dirty="0">
               <a:solidFill>
@@ -6996,7 +7556,11 @@
           <a:p>
             <a:r>
               <a:rPr lang="nl-BE" noProof="0" dirty="0"/>
-              <a:t>Algemene werking</a:t>
+              <a:t>Algemene </a:t>
+            </a:r>
+            <a:r>
+              <a:rPr lang="nl-BE" dirty="0"/>
+              <a:t>uitleg</a:t>
             </a:r>
           </a:p>
         </p:txBody>
@@ -7297,8 +7861,21 @@
                   <a:srgbClr val="FFFFFF"/>
                 </a:solidFill>
               </a:rPr>
-              <a:t>Algemene werking</a:t>
-            </a:r>
+              <a:t>Algemene </a:t>
+            </a:r>
+            <a:r>
+              <a:rPr lang="nl-BE" dirty="0">
+                <a:solidFill>
+                  <a:srgbClr val="FFFFFF"/>
+                </a:solidFill>
+              </a:rPr>
+              <a:t>uitleg</a:t>
+            </a:r>
+            <a:endParaRPr lang="nl-BE" noProof="0" dirty="0">
+              <a:solidFill>
+                <a:srgbClr val="FFFFFF"/>
+              </a:solidFill>
+            </a:endParaRPr>
           </a:p>
         </p:txBody>
       </p:sp>
@@ -7890,7 +8467,7 @@
             <p:ph idx="1"/>
             <p:extLst>
               <p:ext uri="{D42A27DB-BD31-4B8C-83A1-F6EECF244321}">
-                <p14:modId xmlns:p14="http://schemas.microsoft.com/office/powerpoint/2010/main" val="3552391406"/>
+                <p14:modId xmlns:p14="http://schemas.microsoft.com/office/powerpoint/2010/main" val="4178533270"/>
               </p:ext>
             </p:extLst>
           </p:nvPr>
@@ -7996,7 +8573,7 @@
                     <a:p>
                       <a:r>
                         <a:rPr lang="nl-BE" noProof="0" dirty="0"/>
-                        <a:t>Bedoeling component</a:t>
+                        <a:t>Doel van het component</a:t>
                       </a:r>
                     </a:p>
                   </a:txBody>
@@ -8102,7 +8679,7 @@
                     <a:p>
                       <a:r>
                         <a:rPr lang="nl-BE" noProof="0" dirty="0"/>
-                        <a:t>Bedoeling component</a:t>
+                        <a:t>Doel van het component</a:t>
                       </a:r>
                     </a:p>
                   </a:txBody>
@@ -8343,9 +8920,8 @@
                       <a:tailEnd type="none" w="med" len="med"/>
                     </a:lnB>
                     <a:solidFill>
-                      <a:schemeClr val="tx1">
-                        <a:lumMod val="65000"/>
-                        <a:lumOff val="35000"/>
+                      <a:schemeClr val="bg2">
+                        <a:lumMod val="75000"/>
                       </a:schemeClr>
                     </a:solidFill>
                   </a:tcPr>
@@ -8403,9 +8979,8 @@
                       <a:tailEnd type="none" w="med" len="med"/>
                     </a:lnB>
                     <a:solidFill>
-                      <a:schemeClr val="tx1">
-                        <a:lumMod val="65000"/>
-                        <a:lumOff val="35000"/>
+                      <a:schemeClr val="bg2">
+                        <a:lumMod val="75000"/>
                       </a:schemeClr>
                     </a:solidFill>
                   </a:tcPr>
@@ -8588,8 +9163,9 @@
                       <a:tailEnd type="none" w="med" len="med"/>
                     </a:lnB>
                     <a:solidFill>
-                      <a:schemeClr val="bg2">
-                        <a:lumMod val="75000"/>
+                      <a:schemeClr val="tx1">
+                        <a:lumMod val="65000"/>
+                        <a:lumOff val="35000"/>
                       </a:schemeClr>
                     </a:solidFill>
                   </a:tcPr>
@@ -8647,8 +9223,9 @@
                       <a:tailEnd type="none" w="med" len="med"/>
                     </a:lnB>
                     <a:solidFill>
-                      <a:schemeClr val="bg2">
-                        <a:lumMod val="75000"/>
+                      <a:schemeClr val="tx1">
+                        <a:lumMod val="65000"/>
+                        <a:lumOff val="35000"/>
                       </a:schemeClr>
                     </a:solidFill>
                   </a:tcPr>
@@ -8833,9 +9410,8 @@
                       <a:tailEnd type="none" w="med" len="med"/>
                     </a:lnB>
                     <a:solidFill>
-                      <a:schemeClr val="tx1">
-                        <a:lumMod val="65000"/>
-                        <a:lumOff val="35000"/>
+                      <a:schemeClr val="bg2">
+                        <a:lumMod val="75000"/>
                       </a:schemeClr>
                     </a:solidFill>
                   </a:tcPr>
@@ -8893,9 +9469,8 @@
                       <a:tailEnd type="none" w="med" len="med"/>
                     </a:lnB>
                     <a:solidFill>
-                      <a:schemeClr val="tx1">
-                        <a:lumMod val="65000"/>
-                        <a:lumOff val="35000"/>
+                      <a:schemeClr val="bg2">
+                        <a:lumMod val="75000"/>
                       </a:schemeClr>
                     </a:solidFill>
                   </a:tcPr>
@@ -9078,8 +9653,9 @@
                       <a:tailEnd type="none" w="med" len="med"/>
                     </a:lnB>
                     <a:solidFill>
-                      <a:schemeClr val="bg2">
-                        <a:lumMod val="75000"/>
+                      <a:schemeClr val="tx1">
+                        <a:lumMod val="65000"/>
+                        <a:lumOff val="35000"/>
                       </a:schemeClr>
                     </a:solidFill>
                   </a:tcPr>
@@ -9137,8 +9713,9 @@
                       <a:tailEnd type="none" w="med" len="med"/>
                     </a:lnB>
                     <a:solidFill>
-                      <a:schemeClr val="bg2">
-                        <a:lumMod val="75000"/>
+                      <a:schemeClr val="tx1">
+                        <a:lumMod val="65000"/>
+                        <a:lumOff val="35000"/>
                       </a:schemeClr>
                     </a:solidFill>
                   </a:tcPr>
@@ -9323,9 +9900,8 @@
                       <a:tailEnd type="none" w="med" len="med"/>
                     </a:lnB>
                     <a:solidFill>
-                      <a:schemeClr val="tx1">
-                        <a:lumMod val="65000"/>
-                        <a:lumOff val="35000"/>
+                      <a:schemeClr val="bg2">
+                        <a:lumMod val="75000"/>
                       </a:schemeClr>
                     </a:solidFill>
                   </a:tcPr>
@@ -9383,9 +9959,8 @@
                       <a:tailEnd type="none" w="med" len="med"/>
                     </a:lnB>
                     <a:solidFill>
-                      <a:schemeClr val="tx1">
-                        <a:lumMod val="65000"/>
-                        <a:lumOff val="35000"/>
+                      <a:schemeClr val="bg2">
+                        <a:lumMod val="75000"/>
                       </a:schemeClr>
                     </a:solidFill>
                   </a:tcPr>

--- a/Robot met mecanum wheels.pptx
+++ b/Robot met mecanum wheels.pptx
@@ -5,7 +5,7 @@
     <p:sldMasterId id="2147483648" r:id="rId1"/>
   </p:sldMasterIdLst>
   <p:notesMasterIdLst>
-    <p:notesMasterId r:id="rId17"/>
+    <p:notesMasterId r:id="rId23"/>
   </p:notesMasterIdLst>
   <p:sldIdLst>
     <p:sldId id="256" r:id="rId2"/>
@@ -20,9 +20,15 @@
     <p:sldId id="269" r:id="rId11"/>
     <p:sldId id="265" r:id="rId12"/>
     <p:sldId id="270" r:id="rId13"/>
-    <p:sldId id="268" r:id="rId14"/>
-    <p:sldId id="266" r:id="rId15"/>
-    <p:sldId id="267" r:id="rId16"/>
+    <p:sldId id="271" r:id="rId14"/>
+    <p:sldId id="272" r:id="rId15"/>
+    <p:sldId id="273" r:id="rId16"/>
+    <p:sldId id="275" r:id="rId17"/>
+    <p:sldId id="274" r:id="rId18"/>
+    <p:sldId id="276" r:id="rId19"/>
+    <p:sldId id="268" r:id="rId20"/>
+    <p:sldId id="266" r:id="rId21"/>
+    <p:sldId id="267" r:id="rId22"/>
   </p:sldIdLst>
   <p:sldSz cx="12192000" cy="6858000"/>
   <p:notesSz cx="6858000" cy="9144000"/>
@@ -326,7 +332,7 @@
           <a:p>
             <a:fld id="{24E876C3-F3F2-4D3A-99C6-3D901606E548}" type="datetimeFigureOut">
               <a:rPr lang="nl-BE" smtClean="0"/>
-              <a:t>2025-05-26</a:t>
+              <a:t>2025-06-03</a:t>
             </a:fld>
             <a:endParaRPr lang="nl-BE"/>
           </a:p>
@@ -911,7 +917,7 @@
           <a:p>
             <a:fld id="{AB938E35-A715-4EA6-8479-0DA6EEA4F420}" type="datetime1">
               <a:rPr lang="nl-BE" smtClean="0"/>
-              <a:t>2025-05-26</a:t>
+              <a:t>2025-06-03</a:t>
             </a:fld>
             <a:endParaRPr lang="nl-BE"/>
           </a:p>
@@ -1111,7 +1117,7 @@
           <a:p>
             <a:fld id="{EEBC4108-36BE-4AFD-9934-D802DA16D715}" type="datetime1">
               <a:rPr lang="nl-BE" smtClean="0"/>
-              <a:t>2025-05-26</a:t>
+              <a:t>2025-06-03</a:t>
             </a:fld>
             <a:endParaRPr lang="nl-BE"/>
           </a:p>
@@ -1321,7 +1327,7 @@
           <a:p>
             <a:fld id="{E5708938-517C-4EE6-BAEE-C16A152DF5BA}" type="datetime1">
               <a:rPr lang="nl-BE" smtClean="0"/>
-              <a:t>2025-05-26</a:t>
+              <a:t>2025-06-03</a:t>
             </a:fld>
             <a:endParaRPr lang="nl-BE"/>
           </a:p>
@@ -1521,7 +1527,7 @@
           <a:p>
             <a:fld id="{9B987D2F-9A8B-41C4-8B19-5C98425FD893}" type="datetime1">
               <a:rPr lang="nl-BE" smtClean="0"/>
-              <a:t>2025-05-26</a:t>
+              <a:t>2025-06-03</a:t>
             </a:fld>
             <a:endParaRPr lang="nl-BE"/>
           </a:p>
@@ -1797,7 +1803,7 @@
           <a:p>
             <a:fld id="{8EACD837-68B5-4BB2-A279-97C5C7650312}" type="datetime1">
               <a:rPr lang="nl-BE" smtClean="0"/>
-              <a:t>2025-05-26</a:t>
+              <a:t>2025-06-03</a:t>
             </a:fld>
             <a:endParaRPr lang="nl-BE"/>
           </a:p>
@@ -2065,7 +2071,7 @@
           <a:p>
             <a:fld id="{FC793439-C99A-4211-8424-7248038FD675}" type="datetime1">
               <a:rPr lang="nl-BE" smtClean="0"/>
-              <a:t>2025-05-26</a:t>
+              <a:t>2025-06-03</a:t>
             </a:fld>
             <a:endParaRPr lang="nl-BE"/>
           </a:p>
@@ -2480,7 +2486,7 @@
           <a:p>
             <a:fld id="{43007AE6-3B91-4F6F-969F-08860491E7E9}" type="datetime1">
               <a:rPr lang="nl-BE" smtClean="0"/>
-              <a:t>2025-05-26</a:t>
+              <a:t>2025-06-03</a:t>
             </a:fld>
             <a:endParaRPr lang="nl-BE"/>
           </a:p>
@@ -2622,7 +2628,7 @@
           <a:p>
             <a:fld id="{4A6E6EC5-3BFA-4D51-B04A-3874F0F15FB2}" type="datetime1">
               <a:rPr lang="nl-BE" smtClean="0"/>
-              <a:t>2025-05-26</a:t>
+              <a:t>2025-06-03</a:t>
             </a:fld>
             <a:endParaRPr lang="nl-BE"/>
           </a:p>
@@ -2735,7 +2741,7 @@
           <a:p>
             <a:fld id="{2E01214B-630B-4ACB-B3E2-19A4FD8185B6}" type="datetime1">
               <a:rPr lang="nl-BE" smtClean="0"/>
-              <a:t>2025-05-26</a:t>
+              <a:t>2025-06-03</a:t>
             </a:fld>
             <a:endParaRPr lang="nl-BE"/>
           </a:p>
@@ -3048,7 +3054,7 @@
           <a:p>
             <a:fld id="{A995163D-7F00-4232-AB7E-C0A29CFFDE06}" type="datetime1">
               <a:rPr lang="nl-BE" smtClean="0"/>
-              <a:t>2025-05-26</a:t>
+              <a:t>2025-06-03</a:t>
             </a:fld>
             <a:endParaRPr lang="nl-BE"/>
           </a:p>
@@ -3337,7 +3343,7 @@
           <a:p>
             <a:fld id="{5CAC211A-33E5-477E-B412-C248E354E4C6}" type="datetime1">
               <a:rPr lang="nl-BE" smtClean="0"/>
-              <a:t>2025-05-26</a:t>
+              <a:t>2025-06-03</a:t>
             </a:fld>
             <a:endParaRPr lang="nl-BE"/>
           </a:p>
@@ -3580,7 +3586,7 @@
           <a:p>
             <a:fld id="{ACE81286-71E9-4E6C-836F-4FDFFC3C7A6E}" type="datetime1">
               <a:rPr lang="nl-BE" smtClean="0"/>
-              <a:t>2025-05-26</a:t>
+              <a:t>2025-06-03</a:t>
             </a:fld>
             <a:endParaRPr lang="nl-BE"/>
           </a:p>
@@ -4260,13 +4266,13 @@
   <p:clrMapOvr>
     <a:overrideClrMapping bg1="dk1" tx1="lt1" bg2="dk2" tx2="lt2" accent1="accent1" accent2="accent2" accent3="accent3" accent4="accent4" accent5="accent5" accent6="accent6" hlink="hlink" folHlink="folHlink"/>
   </p:clrMapOvr>
-  <mc:AlternateContent xmlns:mc="http://schemas.openxmlformats.org/markup-compatibility/2006">
-    <mc:Choice xmlns:p15="http://schemas.microsoft.com/office/powerpoint/2012/main" Requires="p15">
+  <mc:AlternateContent xmlns:mc="http://schemas.openxmlformats.org/markup-compatibility/2006" xmlns:p15="http://schemas.microsoft.com/office/powerpoint/2012/main">
+    <mc:Choice Requires="p15">
       <p:transition xmlns:p14="http://schemas.microsoft.com/office/powerpoint/2010/main" spd="slow" p14:dur="5000">
         <p15:prstTrans prst="curtains"/>
       </p:transition>
     </mc:Choice>
-    <mc:Fallback>
+    <mc:Fallback xmlns="">
       <p:transition spd="slow">
         <p:fade/>
       </p:transition>
@@ -4567,7 +4573,10 @@
           <a:bodyPr/>
           <a:lstStyle/>
           <a:p>
-            <a:endParaRPr lang="nl-BE"/>
+            <a:r>
+              <a:rPr lang="nl-BE" dirty="0"/>
+              <a:t>Software</a:t>
+            </a:r>
           </a:p>
         </p:txBody>
       </p:sp>
@@ -5190,13 +5199,13 @@
   <p:clrMapOvr>
     <a:masterClrMapping/>
   </p:clrMapOvr>
-  <mc:AlternateContent xmlns:mc="http://schemas.openxmlformats.org/markup-compatibility/2006">
-    <mc:Choice xmlns:p14="http://schemas.microsoft.com/office/powerpoint/2010/main" Requires="p14">
+  <mc:AlternateContent xmlns:mc="http://schemas.openxmlformats.org/markup-compatibility/2006" xmlns:p14="http://schemas.microsoft.com/office/powerpoint/2010/main">
+    <mc:Choice Requires="p14">
       <p:transition spd="med" p14:dur="700">
         <p:fade/>
       </p:transition>
     </mc:Choice>
-    <mc:Fallback>
+    <mc:Fallback xmlns="">
       <p:transition spd="med">
         <p:fade/>
       </p:transition>
@@ -5301,7 +5310,10 @@
           <a:bodyPr/>
           <a:lstStyle/>
           <a:p>
-            <a:endParaRPr lang="nl-BE"/>
+            <a:r>
+              <a:rPr lang="nl-BE" dirty="0"/>
+              <a:t>Software</a:t>
+            </a:r>
           </a:p>
         </p:txBody>
       </p:sp>
@@ -5418,13 +5430,13 @@
           <p:nvPr>
             <p:extLst>
               <p:ext uri="{D42A27DB-BD31-4B8C-83A1-F6EECF244321}">
-                <p14:modId xmlns:p14="http://schemas.microsoft.com/office/powerpoint/2010/main" val="3783803326"/>
+                <p14:modId xmlns:p14="http://schemas.microsoft.com/office/powerpoint/2010/main" val="2797170620"/>
               </p:ext>
             </p:extLst>
           </p:nvPr>
         </p:nvGraphicFramePr>
         <p:xfrm>
-          <a:off x="5034988" y="1185777"/>
+          <a:off x="196298" y="1185777"/>
           <a:ext cx="7325830" cy="5535698"/>
         </p:xfrm>
         <a:graphic>
@@ -5461,7 +5473,7 @@
                     </p:blipFill>
                     <p:spPr bwMode="auto">
                       <a:xfrm>
-                        <a:off x="5034988" y="1185777"/>
+                        <a:off x="196298" y="1185777"/>
                         <a:ext cx="7325830" cy="5535698"/>
                       </a:xfrm>
                       <a:prstGeom prst="rect">
@@ -5490,6 +5502,1916 @@
 </file>
 
 <file path=ppt/slides/slide13.xml><?xml version="1.0" encoding="utf-8"?>
+<p:sld xmlns:a="http://schemas.openxmlformats.org/drawingml/2006/main" xmlns:r="http://schemas.openxmlformats.org/officeDocument/2006/relationships" xmlns:p="http://schemas.openxmlformats.org/presentationml/2006/main">
+  <p:cSld>
+    <p:spTree>
+      <p:nvGrpSpPr>
+        <p:cNvPr id="1" name=""/>
+        <p:cNvGrpSpPr/>
+        <p:nvPr/>
+      </p:nvGrpSpPr>
+      <p:grpSpPr>
+        <a:xfrm>
+          <a:off x="0" y="0"/>
+          <a:ext cx="0" cy="0"/>
+          <a:chOff x="0" y="0"/>
+          <a:chExt cx="0" cy="0"/>
+        </a:xfrm>
+      </p:grpSpPr>
+      <p:sp>
+        <p:nvSpPr>
+          <p:cNvPr id="2" name="Titel 1">
+            <a:extLst>
+              <a:ext uri="{FF2B5EF4-FFF2-40B4-BE49-F238E27FC236}">
+                <a16:creationId xmlns:a16="http://schemas.microsoft.com/office/drawing/2014/main" id="{F038107A-37B7-FF63-1695-EB5D0AEDE8E9}"/>
+              </a:ext>
+            </a:extLst>
+          </p:cNvPr>
+          <p:cNvSpPr>
+            <a:spLocks noGrp="1"/>
+          </p:cNvSpPr>
+          <p:nvPr>
+            <p:ph type="title"/>
+          </p:nvPr>
+        </p:nvSpPr>
+        <p:spPr/>
+        <p:txBody>
+          <a:bodyPr/>
+          <a:lstStyle/>
+          <a:p>
+            <a:r>
+              <a:rPr lang="nl-BE" dirty="0"/>
+              <a:t>Flowcharts</a:t>
+            </a:r>
+          </a:p>
+        </p:txBody>
+      </p:sp>
+      <p:sp>
+        <p:nvSpPr>
+          <p:cNvPr id="3" name="Tijdelijke aanduiding voor inhoud 2">
+            <a:extLst>
+              <a:ext uri="{FF2B5EF4-FFF2-40B4-BE49-F238E27FC236}">
+                <a16:creationId xmlns:a16="http://schemas.microsoft.com/office/drawing/2014/main" id="{DAC253DF-FD5E-E625-8FAF-CDEF0F811E3D}"/>
+              </a:ext>
+            </a:extLst>
+          </p:cNvPr>
+          <p:cNvSpPr>
+            <a:spLocks noGrp="1"/>
+          </p:cNvSpPr>
+          <p:nvPr>
+            <p:ph idx="1"/>
+          </p:nvPr>
+        </p:nvSpPr>
+        <p:spPr/>
+        <p:txBody>
+          <a:bodyPr/>
+          <a:lstStyle/>
+          <a:p>
+            <a:r>
+              <a:rPr lang="nl-BE" dirty="0"/>
+              <a:t>9 flowcharts</a:t>
+            </a:r>
+          </a:p>
+          <a:p>
+            <a:pPr marL="0" indent="0">
+              <a:buNone/>
+            </a:pPr>
+            <a:r>
+              <a:rPr lang="nl-BE" dirty="0">
+                <a:sym typeface="Wingdings" panose="05000000000000000000" pitchFamily="2" charset="2"/>
+              </a:rPr>
+              <a:t>	1 declaratie</a:t>
+            </a:r>
+          </a:p>
+          <a:p>
+            <a:pPr marL="0" indent="0">
+              <a:buNone/>
+            </a:pPr>
+            <a:r>
+              <a:rPr lang="nl-BE" dirty="0">
+                <a:sym typeface="Wingdings" panose="05000000000000000000" pitchFamily="2" charset="2"/>
+              </a:rPr>
+              <a:t>	 1 setup </a:t>
+            </a:r>
+          </a:p>
+          <a:p>
+            <a:pPr marL="0" indent="0">
+              <a:buNone/>
+            </a:pPr>
+            <a:r>
+              <a:rPr lang="nl-BE" dirty="0">
+                <a:sym typeface="Wingdings" panose="05000000000000000000" pitchFamily="2" charset="2"/>
+              </a:rPr>
+              <a:t>	7 methodes</a:t>
+            </a:r>
+            <a:endParaRPr lang="nl-BE" dirty="0"/>
+          </a:p>
+        </p:txBody>
+      </p:sp>
+      <p:sp>
+        <p:nvSpPr>
+          <p:cNvPr id="4" name="Tijdelijke aanduiding voor voettekst 3">
+            <a:extLst>
+              <a:ext uri="{FF2B5EF4-FFF2-40B4-BE49-F238E27FC236}">
+                <a16:creationId xmlns:a16="http://schemas.microsoft.com/office/drawing/2014/main" id="{E274C4A7-0A99-13CF-5335-3C105BF27D1F}"/>
+              </a:ext>
+            </a:extLst>
+          </p:cNvPr>
+          <p:cNvSpPr>
+            <a:spLocks noGrp="1"/>
+          </p:cNvSpPr>
+          <p:nvPr>
+            <p:ph type="ftr" sz="quarter" idx="11"/>
+          </p:nvPr>
+        </p:nvSpPr>
+        <p:spPr/>
+        <p:txBody>
+          <a:bodyPr/>
+          <a:lstStyle/>
+          <a:p>
+            <a:r>
+              <a:rPr lang="nl-BE" dirty="0"/>
+              <a:t>Software </a:t>
+            </a:r>
+          </a:p>
+        </p:txBody>
+      </p:sp>
+      <p:sp>
+        <p:nvSpPr>
+          <p:cNvPr id="5" name="Tijdelijke aanduiding voor dianummer 4">
+            <a:extLst>
+              <a:ext uri="{FF2B5EF4-FFF2-40B4-BE49-F238E27FC236}">
+                <a16:creationId xmlns:a16="http://schemas.microsoft.com/office/drawing/2014/main" id="{BAAA9A6C-1A43-7C60-A5DF-50DEF40C1089}"/>
+              </a:ext>
+            </a:extLst>
+          </p:cNvPr>
+          <p:cNvSpPr>
+            <a:spLocks noGrp="1"/>
+          </p:cNvSpPr>
+          <p:nvPr>
+            <p:ph type="sldNum" sz="quarter" idx="12"/>
+          </p:nvPr>
+        </p:nvSpPr>
+        <p:spPr/>
+        <p:txBody>
+          <a:bodyPr/>
+          <a:lstStyle/>
+          <a:p>
+            <a:fld id="{CF769C61-EDDB-4958-A626-BA0E0F3C6BBE}" type="slidenum">
+              <a:rPr lang="nl-BE" smtClean="0"/>
+              <a:t>13</a:t>
+            </a:fld>
+            <a:endParaRPr lang="nl-BE"/>
+          </a:p>
+        </p:txBody>
+      </p:sp>
+    </p:spTree>
+    <p:extLst>
+      <p:ext uri="{BB962C8B-B14F-4D97-AF65-F5344CB8AC3E}">
+        <p14:creationId xmlns:p14="http://schemas.microsoft.com/office/powerpoint/2010/main" val="1672150619"/>
+      </p:ext>
+    </p:extLst>
+  </p:cSld>
+  <p:clrMapOvr>
+    <a:masterClrMapping/>
+  </p:clrMapOvr>
+</p:sld>
+</file>
+
+<file path=ppt/slides/slide14.xml><?xml version="1.0" encoding="utf-8"?>
+<p:sld xmlns:a="http://schemas.openxmlformats.org/drawingml/2006/main" xmlns:r="http://schemas.openxmlformats.org/officeDocument/2006/relationships" xmlns:p="http://schemas.openxmlformats.org/presentationml/2006/main">
+  <p:cSld>
+    <p:spTree>
+      <p:nvGrpSpPr>
+        <p:cNvPr id="1" name=""/>
+        <p:cNvGrpSpPr/>
+        <p:nvPr/>
+      </p:nvGrpSpPr>
+      <p:grpSpPr>
+        <a:xfrm>
+          <a:off x="0" y="0"/>
+          <a:ext cx="0" cy="0"/>
+          <a:chOff x="0" y="0"/>
+          <a:chExt cx="0" cy="0"/>
+        </a:xfrm>
+      </p:grpSpPr>
+      <p:sp>
+        <p:nvSpPr>
+          <p:cNvPr id="2" name="Titel 1">
+            <a:extLst>
+              <a:ext uri="{FF2B5EF4-FFF2-40B4-BE49-F238E27FC236}">
+                <a16:creationId xmlns:a16="http://schemas.microsoft.com/office/drawing/2014/main" id="{D89DF7BB-C469-3F9B-AA32-2A2D555C1764}"/>
+              </a:ext>
+            </a:extLst>
+          </p:cNvPr>
+          <p:cNvSpPr>
+            <a:spLocks noGrp="1"/>
+          </p:cNvSpPr>
+          <p:nvPr>
+            <p:ph type="title"/>
+          </p:nvPr>
+        </p:nvSpPr>
+        <p:spPr/>
+        <p:txBody>
+          <a:bodyPr/>
+          <a:lstStyle/>
+          <a:p>
+            <a:r>
+              <a:rPr lang="nl-BE" dirty="0"/>
+              <a:t>Declaratie</a:t>
+            </a:r>
+          </a:p>
+        </p:txBody>
+      </p:sp>
+      <p:sp>
+        <p:nvSpPr>
+          <p:cNvPr id="3" name="Tijdelijke aanduiding voor inhoud 2">
+            <a:extLst>
+              <a:ext uri="{FF2B5EF4-FFF2-40B4-BE49-F238E27FC236}">
+                <a16:creationId xmlns:a16="http://schemas.microsoft.com/office/drawing/2014/main" id="{BE812E52-F233-5E81-E35A-8F2DBD68AB04}"/>
+              </a:ext>
+            </a:extLst>
+          </p:cNvPr>
+          <p:cNvSpPr>
+            <a:spLocks noGrp="1"/>
+          </p:cNvSpPr>
+          <p:nvPr>
+            <p:ph idx="1"/>
+          </p:nvPr>
+        </p:nvSpPr>
+        <p:spPr/>
+        <p:txBody>
+          <a:bodyPr/>
+          <a:lstStyle/>
+          <a:p>
+            <a:endParaRPr lang="nl-BE" dirty="0"/>
+          </a:p>
+        </p:txBody>
+      </p:sp>
+      <p:sp>
+        <p:nvSpPr>
+          <p:cNvPr id="4" name="Tijdelijke aanduiding voor voettekst 3">
+            <a:extLst>
+              <a:ext uri="{FF2B5EF4-FFF2-40B4-BE49-F238E27FC236}">
+                <a16:creationId xmlns:a16="http://schemas.microsoft.com/office/drawing/2014/main" id="{B4C5FDCE-C391-2278-438F-0F9773F7CC08}"/>
+              </a:ext>
+            </a:extLst>
+          </p:cNvPr>
+          <p:cNvSpPr>
+            <a:spLocks noGrp="1"/>
+          </p:cNvSpPr>
+          <p:nvPr>
+            <p:ph type="ftr" sz="quarter" idx="11"/>
+          </p:nvPr>
+        </p:nvSpPr>
+        <p:spPr/>
+        <p:txBody>
+          <a:bodyPr/>
+          <a:lstStyle/>
+          <a:p>
+            <a:r>
+              <a:rPr lang="nl-BE" dirty="0"/>
+              <a:t>Software</a:t>
+            </a:r>
+          </a:p>
+        </p:txBody>
+      </p:sp>
+      <p:sp>
+        <p:nvSpPr>
+          <p:cNvPr id="5" name="Tijdelijke aanduiding voor dianummer 4">
+            <a:extLst>
+              <a:ext uri="{FF2B5EF4-FFF2-40B4-BE49-F238E27FC236}">
+                <a16:creationId xmlns:a16="http://schemas.microsoft.com/office/drawing/2014/main" id="{FE01FADC-354F-E671-0FAB-18AB9A8B4E5B}"/>
+              </a:ext>
+            </a:extLst>
+          </p:cNvPr>
+          <p:cNvSpPr>
+            <a:spLocks noGrp="1"/>
+          </p:cNvSpPr>
+          <p:nvPr>
+            <p:ph type="sldNum" sz="quarter" idx="12"/>
+          </p:nvPr>
+        </p:nvSpPr>
+        <p:spPr/>
+        <p:txBody>
+          <a:bodyPr/>
+          <a:lstStyle/>
+          <a:p>
+            <a:fld id="{CF769C61-EDDB-4958-A626-BA0E0F3C6BBE}" type="slidenum">
+              <a:rPr lang="nl-BE" smtClean="0"/>
+              <a:t>14</a:t>
+            </a:fld>
+            <a:endParaRPr lang="nl-BE"/>
+          </a:p>
+        </p:txBody>
+      </p:sp>
+      <p:sp>
+        <p:nvSpPr>
+          <p:cNvPr id="6" name="Rectangle 2">
+            <a:extLst>
+              <a:ext uri="{FF2B5EF4-FFF2-40B4-BE49-F238E27FC236}">
+                <a16:creationId xmlns:a16="http://schemas.microsoft.com/office/drawing/2014/main" id="{201BAAF3-6448-D540-D16D-576A91294ED9}"/>
+              </a:ext>
+            </a:extLst>
+          </p:cNvPr>
+          <p:cNvSpPr>
+            <a:spLocks noChangeArrowheads="1"/>
+          </p:cNvSpPr>
+          <p:nvPr/>
+        </p:nvSpPr>
+        <p:spPr bwMode="auto">
+          <a:xfrm>
+            <a:off x="8458773" y="-1"/>
+            <a:ext cx="12648627" cy="45719"/>
+          </a:xfrm>
+          <a:prstGeom prst="rect">
+            <a:avLst/>
+          </a:prstGeom>
+          <a:noFill/>
+          <a:ln>
+            <a:noFill/>
+          </a:ln>
+          <a:effectLst/>
+          <a:extLst>
+            <a:ext uri="{909E8E84-426E-40DD-AFC4-6F175D3DCCD1}">
+              <a14:hiddenFill xmlns:a14="http://schemas.microsoft.com/office/drawing/2010/main">
+                <a:solidFill>
+                  <a:schemeClr val="accent1"/>
+                </a:solidFill>
+              </a14:hiddenFill>
+            </a:ext>
+            <a:ext uri="{91240B29-F687-4F45-9708-019B960494DF}">
+              <a14:hiddenLine xmlns:a14="http://schemas.microsoft.com/office/drawing/2010/main" w="9525">
+                <a:solidFill>
+                  <a:schemeClr val="tx1"/>
+                </a:solidFill>
+                <a:miter lim="800000"/>
+                <a:headEnd/>
+                <a:tailEnd/>
+              </a14:hiddenLine>
+            </a:ext>
+            <a:ext uri="{AF507438-7753-43E0-B8FC-AC1667EBCBE1}">
+              <a14:hiddenEffects xmlns:a14="http://schemas.microsoft.com/office/drawing/2010/main">
+                <a:effectLst>
+                  <a:outerShdw dist="35921" dir="2700000" algn="ctr" rotWithShape="0">
+                    <a:schemeClr val="bg2"/>
+                  </a:outerShdw>
+                </a:effectLst>
+              </a14:hiddenEffects>
+            </a:ext>
+          </a:extLst>
+        </p:spPr>
+        <p:txBody>
+          <a:bodyPr vert="horz" wrap="square" lIns="91440" tIns="45720" rIns="91440" bIns="45720" numCol="1" anchor="ctr" anchorCtr="0" compatLnSpc="1">
+            <a:prstTxWarp prst="textNoShape">
+              <a:avLst/>
+            </a:prstTxWarp>
+            <a:spAutoFit/>
+          </a:bodyPr>
+          <a:lstStyle/>
+          <a:p>
+            <a:endParaRPr lang="nl-BE"/>
+          </a:p>
+        </p:txBody>
+      </p:sp>
+      <p:graphicFrame>
+        <p:nvGraphicFramePr>
+          <p:cNvPr id="7" name="Object 6">
+            <a:extLst>
+              <a:ext uri="{FF2B5EF4-FFF2-40B4-BE49-F238E27FC236}">
+                <a16:creationId xmlns:a16="http://schemas.microsoft.com/office/drawing/2014/main" id="{5D5A2F70-AFBC-1160-078B-E1565C97FCF5}"/>
+              </a:ext>
+            </a:extLst>
+          </p:cNvPr>
+          <p:cNvGraphicFramePr>
+            <a:graphicFrameLocks noChangeAspect="1"/>
+          </p:cNvGraphicFramePr>
+          <p:nvPr>
+            <p:extLst>
+              <p:ext uri="{D42A27DB-BD31-4B8C-83A1-F6EECF244321}">
+                <p14:modId xmlns:p14="http://schemas.microsoft.com/office/powerpoint/2010/main" val="2840110718"/>
+              </p:ext>
+            </p:extLst>
+          </p:nvPr>
+        </p:nvGraphicFramePr>
+        <p:xfrm>
+          <a:off x="8796130" y="-1"/>
+          <a:ext cx="3303795" cy="6609237"/>
+        </p:xfrm>
+        <a:graphic>
+          <a:graphicData uri="http://schemas.openxmlformats.org/presentationml/2006/ole">
+            <mc:AlternateContent xmlns:mc="http://schemas.openxmlformats.org/markup-compatibility/2006">
+              <mc:Choice xmlns:v="urn:schemas-microsoft-com:vml" Requires="v">
+                <p:oleObj name="Visio" r:id="rId2" imgW="6256119" imgH="12588295" progId="Visio.Drawing.15">
+                  <p:embed/>
+                </p:oleObj>
+              </mc:Choice>
+              <mc:Fallback>
+                <p:oleObj name="Visio" r:id="rId2" imgW="6256119" imgH="12588295" progId="Visio.Drawing.15">
+                  <p:embed/>
+                  <p:pic>
+                    <p:nvPicPr>
+                      <p:cNvPr id="0" name="Object 1"/>
+                      <p:cNvPicPr>
+                        <a:picLocks noChangeAspect="1" noChangeArrowheads="1"/>
+                      </p:cNvPicPr>
+                      <p:nvPr/>
+                    </p:nvPicPr>
+                    <p:blipFill>
+                      <a:blip r:embed="rId3">
+                        <a:extLst>
+                          <a:ext uri="{28A0092B-C50C-407E-A947-70E740481C1C}">
+                            <a14:useLocalDpi xmlns:a14="http://schemas.microsoft.com/office/drawing/2010/main" val="0"/>
+                          </a:ext>
+                        </a:extLst>
+                      </a:blip>
+                      <a:srcRect/>
+                      <a:stretch>
+                        <a:fillRect/>
+                      </a:stretch>
+                    </p:blipFill>
+                    <p:spPr bwMode="auto">
+                      <a:xfrm>
+                        <a:off x="8796130" y="-1"/>
+                        <a:ext cx="3303795" cy="6609237"/>
+                      </a:xfrm>
+                      <a:prstGeom prst="rect">
+                        <a:avLst/>
+                      </a:prstGeom>
+                      <a:noFill/>
+                    </p:spPr>
+                  </p:pic>
+                </p:oleObj>
+              </mc:Fallback>
+            </mc:AlternateContent>
+          </a:graphicData>
+        </a:graphic>
+      </p:graphicFrame>
+    </p:spTree>
+    <p:extLst>
+      <p:ext uri="{BB962C8B-B14F-4D97-AF65-F5344CB8AC3E}">
+        <p14:creationId xmlns:p14="http://schemas.microsoft.com/office/powerpoint/2010/main" val="4248402930"/>
+      </p:ext>
+    </p:extLst>
+  </p:cSld>
+  <p:clrMapOvr>
+    <a:masterClrMapping/>
+  </p:clrMapOvr>
+</p:sld>
+</file>
+
+<file path=ppt/slides/slide15.xml><?xml version="1.0" encoding="utf-8"?>
+<p:sld xmlns:a="http://schemas.openxmlformats.org/drawingml/2006/main" xmlns:r="http://schemas.openxmlformats.org/officeDocument/2006/relationships" xmlns:p="http://schemas.openxmlformats.org/presentationml/2006/main">
+  <p:cSld>
+    <p:spTree>
+      <p:nvGrpSpPr>
+        <p:cNvPr id="1" name=""/>
+        <p:cNvGrpSpPr/>
+        <p:nvPr/>
+      </p:nvGrpSpPr>
+      <p:grpSpPr>
+        <a:xfrm>
+          <a:off x="0" y="0"/>
+          <a:ext cx="0" cy="0"/>
+          <a:chOff x="0" y="0"/>
+          <a:chExt cx="0" cy="0"/>
+        </a:xfrm>
+      </p:grpSpPr>
+      <p:sp>
+        <p:nvSpPr>
+          <p:cNvPr id="2" name="Titel 1">
+            <a:extLst>
+              <a:ext uri="{FF2B5EF4-FFF2-40B4-BE49-F238E27FC236}">
+                <a16:creationId xmlns:a16="http://schemas.microsoft.com/office/drawing/2014/main" id="{FA844C92-D2EE-A025-FF67-C8535C324243}"/>
+              </a:ext>
+            </a:extLst>
+          </p:cNvPr>
+          <p:cNvSpPr>
+            <a:spLocks noGrp="1"/>
+          </p:cNvSpPr>
+          <p:nvPr>
+            <p:ph type="title"/>
+          </p:nvPr>
+        </p:nvSpPr>
+        <p:spPr/>
+        <p:txBody>
+          <a:bodyPr/>
+          <a:lstStyle/>
+          <a:p>
+            <a:r>
+              <a:rPr lang="nl-BE" dirty="0"/>
+              <a:t>Verbinden </a:t>
+            </a:r>
+            <a:r>
+              <a:rPr lang="nl-BE" dirty="0" err="1"/>
+              <a:t>WiFi</a:t>
+            </a:r>
+            <a:endParaRPr lang="nl-BE" dirty="0"/>
+          </a:p>
+        </p:txBody>
+      </p:sp>
+      <p:sp>
+        <p:nvSpPr>
+          <p:cNvPr id="3" name="Tijdelijke aanduiding voor inhoud 2">
+            <a:extLst>
+              <a:ext uri="{FF2B5EF4-FFF2-40B4-BE49-F238E27FC236}">
+                <a16:creationId xmlns:a16="http://schemas.microsoft.com/office/drawing/2014/main" id="{56B13478-DB21-84FC-999A-A2F579CC2991}"/>
+              </a:ext>
+            </a:extLst>
+          </p:cNvPr>
+          <p:cNvSpPr>
+            <a:spLocks noGrp="1"/>
+          </p:cNvSpPr>
+          <p:nvPr>
+            <p:ph idx="1"/>
+          </p:nvPr>
+        </p:nvSpPr>
+        <p:spPr/>
+        <p:txBody>
+          <a:bodyPr/>
+          <a:lstStyle/>
+          <a:p>
+            <a:r>
+              <a:rPr lang="nl-BE" dirty="0"/>
+              <a:t>Setup</a:t>
+            </a:r>
+          </a:p>
+          <a:p>
+            <a:r>
+              <a:rPr lang="nl-BE" dirty="0"/>
+              <a:t>Methode</a:t>
+            </a:r>
+          </a:p>
+        </p:txBody>
+      </p:sp>
+      <p:sp>
+        <p:nvSpPr>
+          <p:cNvPr id="4" name="Tijdelijke aanduiding voor voettekst 3">
+            <a:extLst>
+              <a:ext uri="{FF2B5EF4-FFF2-40B4-BE49-F238E27FC236}">
+                <a16:creationId xmlns:a16="http://schemas.microsoft.com/office/drawing/2014/main" id="{788BAF5B-6231-11C4-C812-ABE0109550E0}"/>
+              </a:ext>
+            </a:extLst>
+          </p:cNvPr>
+          <p:cNvSpPr>
+            <a:spLocks noGrp="1"/>
+          </p:cNvSpPr>
+          <p:nvPr>
+            <p:ph type="ftr" sz="quarter" idx="11"/>
+          </p:nvPr>
+        </p:nvSpPr>
+        <p:spPr/>
+        <p:txBody>
+          <a:bodyPr/>
+          <a:lstStyle/>
+          <a:p>
+            <a:r>
+              <a:rPr lang="nl-BE" dirty="0"/>
+              <a:t>Software</a:t>
+            </a:r>
+          </a:p>
+        </p:txBody>
+      </p:sp>
+      <p:sp>
+        <p:nvSpPr>
+          <p:cNvPr id="5" name="Tijdelijke aanduiding voor dianummer 4">
+            <a:extLst>
+              <a:ext uri="{FF2B5EF4-FFF2-40B4-BE49-F238E27FC236}">
+                <a16:creationId xmlns:a16="http://schemas.microsoft.com/office/drawing/2014/main" id="{3D81DB34-434A-604A-82F0-019322966A5D}"/>
+              </a:ext>
+            </a:extLst>
+          </p:cNvPr>
+          <p:cNvSpPr>
+            <a:spLocks noGrp="1"/>
+          </p:cNvSpPr>
+          <p:nvPr>
+            <p:ph type="sldNum" sz="quarter" idx="12"/>
+          </p:nvPr>
+        </p:nvSpPr>
+        <p:spPr/>
+        <p:txBody>
+          <a:bodyPr/>
+          <a:lstStyle/>
+          <a:p>
+            <a:fld id="{CF769C61-EDDB-4958-A626-BA0E0F3C6BBE}" type="slidenum">
+              <a:rPr lang="nl-BE" smtClean="0"/>
+              <a:t>15</a:t>
+            </a:fld>
+            <a:endParaRPr lang="nl-BE"/>
+          </a:p>
+        </p:txBody>
+      </p:sp>
+      <p:pic>
+        <p:nvPicPr>
+          <p:cNvPr id="7" name="Afbeelding 6">
+            <a:extLst>
+              <a:ext uri="{FF2B5EF4-FFF2-40B4-BE49-F238E27FC236}">
+                <a16:creationId xmlns:a16="http://schemas.microsoft.com/office/drawing/2014/main" id="{7CF63C05-F921-B495-47AB-6497D00D6D53}"/>
+              </a:ext>
+            </a:extLst>
+          </p:cNvPr>
+          <p:cNvPicPr>
+            <a:picLocks noChangeAspect="1"/>
+          </p:cNvPicPr>
+          <p:nvPr/>
+        </p:nvPicPr>
+        <p:blipFill>
+          <a:blip r:embed="rId2"/>
+          <a:stretch>
+            <a:fillRect/>
+          </a:stretch>
+        </p:blipFill>
+        <p:spPr>
+          <a:xfrm>
+            <a:off x="4542921" y="475838"/>
+            <a:ext cx="7220958" cy="5906324"/>
+          </a:xfrm>
+          <a:prstGeom prst="rect">
+            <a:avLst/>
+          </a:prstGeom>
+        </p:spPr>
+      </p:pic>
+    </p:spTree>
+    <p:extLst>
+      <p:ext uri="{BB962C8B-B14F-4D97-AF65-F5344CB8AC3E}">
+        <p14:creationId xmlns:p14="http://schemas.microsoft.com/office/powerpoint/2010/main" val="3900049958"/>
+      </p:ext>
+    </p:extLst>
+  </p:cSld>
+  <p:clrMapOvr>
+    <a:masterClrMapping/>
+  </p:clrMapOvr>
+</p:sld>
+</file>
+
+<file path=ppt/slides/slide16.xml><?xml version="1.0" encoding="utf-8"?>
+<p:sld xmlns:a="http://schemas.openxmlformats.org/drawingml/2006/main" xmlns:r="http://schemas.openxmlformats.org/officeDocument/2006/relationships" xmlns:p="http://schemas.openxmlformats.org/presentationml/2006/main">
+  <p:cSld>
+    <p:spTree>
+      <p:nvGrpSpPr>
+        <p:cNvPr id="1" name=""/>
+        <p:cNvGrpSpPr/>
+        <p:nvPr/>
+      </p:nvGrpSpPr>
+      <p:grpSpPr>
+        <a:xfrm>
+          <a:off x="0" y="0"/>
+          <a:ext cx="0" cy="0"/>
+          <a:chOff x="0" y="0"/>
+          <a:chExt cx="0" cy="0"/>
+        </a:xfrm>
+      </p:grpSpPr>
+      <p:sp>
+        <p:nvSpPr>
+          <p:cNvPr id="2" name="Titel 1">
+            <a:extLst>
+              <a:ext uri="{FF2B5EF4-FFF2-40B4-BE49-F238E27FC236}">
+                <a16:creationId xmlns:a16="http://schemas.microsoft.com/office/drawing/2014/main" id="{93DAAECD-13EF-FEB8-B952-7C6A8C9ABEA5}"/>
+              </a:ext>
+            </a:extLst>
+          </p:cNvPr>
+          <p:cNvSpPr>
+            <a:spLocks noGrp="1"/>
+          </p:cNvSpPr>
+          <p:nvPr>
+            <p:ph type="title"/>
+          </p:nvPr>
+        </p:nvSpPr>
+        <p:spPr/>
+        <p:txBody>
+          <a:bodyPr/>
+          <a:lstStyle/>
+          <a:p>
+            <a:r>
+              <a:rPr lang="nl-BE" dirty="0"/>
+              <a:t>Verbinden MQTT</a:t>
+            </a:r>
+          </a:p>
+        </p:txBody>
+      </p:sp>
+      <p:sp>
+        <p:nvSpPr>
+          <p:cNvPr id="3" name="Tijdelijke aanduiding voor inhoud 2">
+            <a:extLst>
+              <a:ext uri="{FF2B5EF4-FFF2-40B4-BE49-F238E27FC236}">
+                <a16:creationId xmlns:a16="http://schemas.microsoft.com/office/drawing/2014/main" id="{DEB924B4-D1D3-AF49-0D91-967837FFE770}"/>
+              </a:ext>
+            </a:extLst>
+          </p:cNvPr>
+          <p:cNvSpPr>
+            <a:spLocks noGrp="1"/>
+          </p:cNvSpPr>
+          <p:nvPr>
+            <p:ph idx="1"/>
+          </p:nvPr>
+        </p:nvSpPr>
+        <p:spPr/>
+        <p:txBody>
+          <a:bodyPr/>
+          <a:lstStyle/>
+          <a:p>
+            <a:endParaRPr lang="nl-BE" dirty="0"/>
+          </a:p>
+        </p:txBody>
+      </p:sp>
+      <p:sp>
+        <p:nvSpPr>
+          <p:cNvPr id="4" name="Tijdelijke aanduiding voor voettekst 3">
+            <a:extLst>
+              <a:ext uri="{FF2B5EF4-FFF2-40B4-BE49-F238E27FC236}">
+                <a16:creationId xmlns:a16="http://schemas.microsoft.com/office/drawing/2014/main" id="{02F023CC-18EE-D653-5B96-50CCD3B5F8C1}"/>
+              </a:ext>
+            </a:extLst>
+          </p:cNvPr>
+          <p:cNvSpPr>
+            <a:spLocks noGrp="1"/>
+          </p:cNvSpPr>
+          <p:nvPr>
+            <p:ph type="ftr" sz="quarter" idx="11"/>
+          </p:nvPr>
+        </p:nvSpPr>
+        <p:spPr/>
+        <p:txBody>
+          <a:bodyPr/>
+          <a:lstStyle/>
+          <a:p>
+            <a:r>
+              <a:rPr lang="nl-BE" dirty="0"/>
+              <a:t>Software</a:t>
+            </a:r>
+          </a:p>
+        </p:txBody>
+      </p:sp>
+      <p:sp>
+        <p:nvSpPr>
+          <p:cNvPr id="5" name="Tijdelijke aanduiding voor dianummer 4">
+            <a:extLst>
+              <a:ext uri="{FF2B5EF4-FFF2-40B4-BE49-F238E27FC236}">
+                <a16:creationId xmlns:a16="http://schemas.microsoft.com/office/drawing/2014/main" id="{84FB12BF-BF15-F863-F629-93D00308D687}"/>
+              </a:ext>
+            </a:extLst>
+          </p:cNvPr>
+          <p:cNvSpPr>
+            <a:spLocks noGrp="1"/>
+          </p:cNvSpPr>
+          <p:nvPr>
+            <p:ph type="sldNum" sz="quarter" idx="12"/>
+          </p:nvPr>
+        </p:nvSpPr>
+        <p:spPr/>
+        <p:txBody>
+          <a:bodyPr/>
+          <a:lstStyle/>
+          <a:p>
+            <a:fld id="{CF769C61-EDDB-4958-A626-BA0E0F3C6BBE}" type="slidenum">
+              <a:rPr lang="nl-BE" smtClean="0"/>
+              <a:t>16</a:t>
+            </a:fld>
+            <a:endParaRPr lang="nl-BE"/>
+          </a:p>
+        </p:txBody>
+      </p:sp>
+      <p:sp>
+        <p:nvSpPr>
+          <p:cNvPr id="6" name="Rectangle 2">
+            <a:extLst>
+              <a:ext uri="{FF2B5EF4-FFF2-40B4-BE49-F238E27FC236}">
+                <a16:creationId xmlns:a16="http://schemas.microsoft.com/office/drawing/2014/main" id="{0CF69823-0011-BEC3-8B59-4F4E600132B1}"/>
+              </a:ext>
+            </a:extLst>
+          </p:cNvPr>
+          <p:cNvSpPr>
+            <a:spLocks noChangeArrowheads="1"/>
+          </p:cNvSpPr>
+          <p:nvPr/>
+        </p:nvSpPr>
+        <p:spPr bwMode="auto">
+          <a:xfrm>
+            <a:off x="159026" y="1287461"/>
+            <a:ext cx="12658972" cy="45719"/>
+          </a:xfrm>
+          <a:prstGeom prst="rect">
+            <a:avLst/>
+          </a:prstGeom>
+          <a:noFill/>
+          <a:ln>
+            <a:noFill/>
+          </a:ln>
+          <a:effectLst/>
+          <a:extLst>
+            <a:ext uri="{909E8E84-426E-40DD-AFC4-6F175D3DCCD1}">
+              <a14:hiddenFill xmlns:a14="http://schemas.microsoft.com/office/drawing/2010/main">
+                <a:solidFill>
+                  <a:schemeClr val="accent1"/>
+                </a:solidFill>
+              </a14:hiddenFill>
+            </a:ext>
+            <a:ext uri="{91240B29-F687-4F45-9708-019B960494DF}">
+              <a14:hiddenLine xmlns:a14="http://schemas.microsoft.com/office/drawing/2010/main" w="9525">
+                <a:solidFill>
+                  <a:schemeClr val="tx1"/>
+                </a:solidFill>
+                <a:miter lim="800000"/>
+                <a:headEnd/>
+                <a:tailEnd/>
+              </a14:hiddenLine>
+            </a:ext>
+            <a:ext uri="{AF507438-7753-43E0-B8FC-AC1667EBCBE1}">
+              <a14:hiddenEffects xmlns:a14="http://schemas.microsoft.com/office/drawing/2010/main">
+                <a:effectLst>
+                  <a:outerShdw dist="35921" dir="2700000" algn="ctr" rotWithShape="0">
+                    <a:schemeClr val="bg2"/>
+                  </a:outerShdw>
+                </a:effectLst>
+              </a14:hiddenEffects>
+            </a:ext>
+          </a:extLst>
+        </p:spPr>
+        <p:txBody>
+          <a:bodyPr vert="horz" wrap="square" lIns="91440" tIns="45720" rIns="91440" bIns="45720" numCol="1" anchor="ctr" anchorCtr="0" compatLnSpc="1">
+            <a:prstTxWarp prst="textNoShape">
+              <a:avLst/>
+            </a:prstTxWarp>
+            <a:spAutoFit/>
+          </a:bodyPr>
+          <a:lstStyle/>
+          <a:p>
+            <a:endParaRPr lang="nl-BE"/>
+          </a:p>
+        </p:txBody>
+      </p:sp>
+      <p:graphicFrame>
+        <p:nvGraphicFramePr>
+          <p:cNvPr id="7" name="Object 6">
+            <a:extLst>
+              <a:ext uri="{FF2B5EF4-FFF2-40B4-BE49-F238E27FC236}">
+                <a16:creationId xmlns:a16="http://schemas.microsoft.com/office/drawing/2014/main" id="{AB6DAE51-718C-0B29-5D65-702B96288BF0}"/>
+              </a:ext>
+            </a:extLst>
+          </p:cNvPr>
+          <p:cNvGraphicFramePr>
+            <a:graphicFrameLocks noChangeAspect="1"/>
+          </p:cNvGraphicFramePr>
+          <p:nvPr>
+            <p:extLst>
+              <p:ext uri="{D42A27DB-BD31-4B8C-83A1-F6EECF244321}">
+                <p14:modId xmlns:p14="http://schemas.microsoft.com/office/powerpoint/2010/main" val="2424890232"/>
+              </p:ext>
+            </p:extLst>
+          </p:nvPr>
+        </p:nvGraphicFramePr>
+        <p:xfrm>
+          <a:off x="159026" y="1287461"/>
+          <a:ext cx="5114222" cy="4889501"/>
+        </p:xfrm>
+        <a:graphic>
+          <a:graphicData uri="http://schemas.openxmlformats.org/presentationml/2006/ole">
+            <mc:AlternateContent xmlns:mc="http://schemas.openxmlformats.org/markup-compatibility/2006">
+              <mc:Choice xmlns:v="urn:schemas-microsoft-com:vml" Requires="v">
+                <p:oleObj name="Visio" r:id="rId2" imgW="2986998" imgH="2826992" progId="Visio.Drawing.15">
+                  <p:embed/>
+                </p:oleObj>
+              </mc:Choice>
+              <mc:Fallback>
+                <p:oleObj name="Visio" r:id="rId2" imgW="2986998" imgH="2826992" progId="Visio.Drawing.15">
+                  <p:embed/>
+                  <p:pic>
+                    <p:nvPicPr>
+                      <p:cNvPr id="0" name="Object 1"/>
+                      <p:cNvPicPr>
+                        <a:picLocks noChangeAspect="1" noChangeArrowheads="1"/>
+                      </p:cNvPicPr>
+                      <p:nvPr/>
+                    </p:nvPicPr>
+                    <p:blipFill>
+                      <a:blip r:embed="rId3">
+                        <a:extLst>
+                          <a:ext uri="{28A0092B-C50C-407E-A947-70E740481C1C}">
+                            <a14:useLocalDpi xmlns:a14="http://schemas.microsoft.com/office/drawing/2010/main" val="0"/>
+                          </a:ext>
+                        </a:extLst>
+                      </a:blip>
+                      <a:srcRect/>
+                      <a:stretch>
+                        <a:fillRect/>
+                      </a:stretch>
+                    </p:blipFill>
+                    <p:spPr bwMode="auto">
+                      <a:xfrm>
+                        <a:off x="159026" y="1287461"/>
+                        <a:ext cx="5114222" cy="4889501"/>
+                      </a:xfrm>
+                      <a:prstGeom prst="rect">
+                        <a:avLst/>
+                      </a:prstGeom>
+                      <a:noFill/>
+                    </p:spPr>
+                  </p:pic>
+                </p:oleObj>
+              </mc:Fallback>
+            </mc:AlternateContent>
+          </a:graphicData>
+        </a:graphic>
+      </p:graphicFrame>
+      <p:sp>
+        <p:nvSpPr>
+          <p:cNvPr id="8" name="Rectangle 4">
+            <a:extLst>
+              <a:ext uri="{FF2B5EF4-FFF2-40B4-BE49-F238E27FC236}">
+                <a16:creationId xmlns:a16="http://schemas.microsoft.com/office/drawing/2014/main" id="{D1FDA105-470C-39EE-7F86-CBD19FA5183C}"/>
+              </a:ext>
+            </a:extLst>
+          </p:cNvPr>
+          <p:cNvSpPr>
+            <a:spLocks noChangeArrowheads="1"/>
+          </p:cNvSpPr>
+          <p:nvPr/>
+        </p:nvSpPr>
+        <p:spPr bwMode="auto">
+          <a:xfrm>
+            <a:off x="6095999" y="54737"/>
+            <a:ext cx="25738679" cy="46792"/>
+          </a:xfrm>
+          <a:prstGeom prst="rect">
+            <a:avLst/>
+          </a:prstGeom>
+          <a:noFill/>
+          <a:ln>
+            <a:noFill/>
+          </a:ln>
+          <a:effectLst/>
+          <a:extLst>
+            <a:ext uri="{909E8E84-426E-40DD-AFC4-6F175D3DCCD1}">
+              <a14:hiddenFill xmlns:a14="http://schemas.microsoft.com/office/drawing/2010/main">
+                <a:solidFill>
+                  <a:schemeClr val="accent1"/>
+                </a:solidFill>
+              </a14:hiddenFill>
+            </a:ext>
+            <a:ext uri="{91240B29-F687-4F45-9708-019B960494DF}">
+              <a14:hiddenLine xmlns:a14="http://schemas.microsoft.com/office/drawing/2010/main" w="9525">
+                <a:solidFill>
+                  <a:schemeClr val="tx1"/>
+                </a:solidFill>
+                <a:miter lim="800000"/>
+                <a:headEnd/>
+                <a:tailEnd/>
+              </a14:hiddenLine>
+            </a:ext>
+            <a:ext uri="{AF507438-7753-43E0-B8FC-AC1667EBCBE1}">
+              <a14:hiddenEffects xmlns:a14="http://schemas.microsoft.com/office/drawing/2010/main">
+                <a:effectLst>
+                  <a:outerShdw dist="35921" dir="2700000" algn="ctr" rotWithShape="0">
+                    <a:schemeClr val="bg2"/>
+                  </a:outerShdw>
+                </a:effectLst>
+              </a14:hiddenEffects>
+            </a:ext>
+          </a:extLst>
+        </p:spPr>
+        <p:txBody>
+          <a:bodyPr vert="horz" wrap="square" lIns="91440" tIns="45720" rIns="91440" bIns="45720" numCol="1" anchor="ctr" anchorCtr="0" compatLnSpc="1">
+            <a:prstTxWarp prst="textNoShape">
+              <a:avLst/>
+            </a:prstTxWarp>
+            <a:spAutoFit/>
+          </a:bodyPr>
+          <a:lstStyle/>
+          <a:p>
+            <a:endParaRPr lang="nl-BE"/>
+          </a:p>
+        </p:txBody>
+      </p:sp>
+      <p:graphicFrame>
+        <p:nvGraphicFramePr>
+          <p:cNvPr id="9" name="Object 8">
+            <a:extLst>
+              <a:ext uri="{FF2B5EF4-FFF2-40B4-BE49-F238E27FC236}">
+                <a16:creationId xmlns:a16="http://schemas.microsoft.com/office/drawing/2014/main" id="{1EDD8901-FB82-4481-A3F2-6526BE53ED0F}"/>
+              </a:ext>
+            </a:extLst>
+          </p:cNvPr>
+          <p:cNvGraphicFramePr>
+            <a:graphicFrameLocks noChangeAspect="1"/>
+          </p:cNvGraphicFramePr>
+          <p:nvPr>
+            <p:extLst>
+              <p:ext uri="{D42A27DB-BD31-4B8C-83A1-F6EECF244321}">
+                <p14:modId xmlns:p14="http://schemas.microsoft.com/office/powerpoint/2010/main" val="2407540161"/>
+              </p:ext>
+            </p:extLst>
+          </p:nvPr>
+        </p:nvGraphicFramePr>
+        <p:xfrm>
+          <a:off x="6096000" y="54737"/>
+          <a:ext cx="5114222" cy="6722889"/>
+        </p:xfrm>
+        <a:graphic>
+          <a:graphicData uri="http://schemas.openxmlformats.org/presentationml/2006/ole">
+            <mc:AlternateContent xmlns:mc="http://schemas.openxmlformats.org/markup-compatibility/2006">
+              <mc:Choice xmlns:v="urn:schemas-microsoft-com:vml" Requires="v">
+                <p:oleObj name="Visio" r:id="rId4" imgW="2994488" imgH="3931754" progId="Visio.Drawing.15">
+                  <p:embed/>
+                </p:oleObj>
+              </mc:Choice>
+              <mc:Fallback>
+                <p:oleObj name="Visio" r:id="rId4" imgW="2994488" imgH="3931754" progId="Visio.Drawing.15">
+                  <p:embed/>
+                  <p:pic>
+                    <p:nvPicPr>
+                      <p:cNvPr id="0" name="Object 3"/>
+                      <p:cNvPicPr>
+                        <a:picLocks noChangeAspect="1" noChangeArrowheads="1"/>
+                      </p:cNvPicPr>
+                      <p:nvPr/>
+                    </p:nvPicPr>
+                    <p:blipFill>
+                      <a:blip r:embed="rId5">
+                        <a:extLst>
+                          <a:ext uri="{28A0092B-C50C-407E-A947-70E740481C1C}">
+                            <a14:useLocalDpi xmlns:a14="http://schemas.microsoft.com/office/drawing/2010/main" val="0"/>
+                          </a:ext>
+                        </a:extLst>
+                      </a:blip>
+                      <a:srcRect/>
+                      <a:stretch>
+                        <a:fillRect/>
+                      </a:stretch>
+                    </p:blipFill>
+                    <p:spPr bwMode="auto">
+                      <a:xfrm>
+                        <a:off x="6096000" y="54737"/>
+                        <a:ext cx="5114222" cy="6722889"/>
+                      </a:xfrm>
+                      <a:prstGeom prst="rect">
+                        <a:avLst/>
+                      </a:prstGeom>
+                      <a:noFill/>
+                    </p:spPr>
+                  </p:pic>
+                </p:oleObj>
+              </mc:Fallback>
+            </mc:AlternateContent>
+          </a:graphicData>
+        </a:graphic>
+      </p:graphicFrame>
+    </p:spTree>
+    <p:extLst>
+      <p:ext uri="{BB962C8B-B14F-4D97-AF65-F5344CB8AC3E}">
+        <p14:creationId xmlns:p14="http://schemas.microsoft.com/office/powerpoint/2010/main" val="3104798493"/>
+      </p:ext>
+    </p:extLst>
+  </p:cSld>
+  <p:clrMapOvr>
+    <a:masterClrMapping/>
+  </p:clrMapOvr>
+</p:sld>
+</file>
+
+<file path=ppt/slides/slide17.xml><?xml version="1.0" encoding="utf-8"?>
+<p:sld xmlns:a="http://schemas.openxmlformats.org/drawingml/2006/main" xmlns:r="http://schemas.openxmlformats.org/officeDocument/2006/relationships" xmlns:p="http://schemas.openxmlformats.org/presentationml/2006/main">
+  <p:cSld>
+    <p:spTree>
+      <p:nvGrpSpPr>
+        <p:cNvPr id="1" name=""/>
+        <p:cNvGrpSpPr/>
+        <p:nvPr/>
+      </p:nvGrpSpPr>
+      <p:grpSpPr>
+        <a:xfrm>
+          <a:off x="0" y="0"/>
+          <a:ext cx="0" cy="0"/>
+          <a:chOff x="0" y="0"/>
+          <a:chExt cx="0" cy="0"/>
+        </a:xfrm>
+      </p:grpSpPr>
+      <p:sp>
+        <p:nvSpPr>
+          <p:cNvPr id="2" name="Titel 1">
+            <a:extLst>
+              <a:ext uri="{FF2B5EF4-FFF2-40B4-BE49-F238E27FC236}">
+                <a16:creationId xmlns:a16="http://schemas.microsoft.com/office/drawing/2014/main" id="{B883F0DA-DCA0-A7B8-5968-35C895CA957B}"/>
+              </a:ext>
+            </a:extLst>
+          </p:cNvPr>
+          <p:cNvSpPr>
+            <a:spLocks noGrp="1"/>
+          </p:cNvSpPr>
+          <p:nvPr>
+            <p:ph type="title"/>
+          </p:nvPr>
+        </p:nvSpPr>
+        <p:spPr/>
+        <p:txBody>
+          <a:bodyPr/>
+          <a:lstStyle/>
+          <a:p>
+            <a:r>
+              <a:rPr lang="nl-BE" dirty="0" err="1"/>
+              <a:t>Inputs</a:t>
+            </a:r>
+            <a:endParaRPr lang="nl-BE" dirty="0"/>
+          </a:p>
+        </p:txBody>
+      </p:sp>
+      <p:sp>
+        <p:nvSpPr>
+          <p:cNvPr id="3" name="Tijdelijke aanduiding voor inhoud 2">
+            <a:extLst>
+              <a:ext uri="{FF2B5EF4-FFF2-40B4-BE49-F238E27FC236}">
+                <a16:creationId xmlns:a16="http://schemas.microsoft.com/office/drawing/2014/main" id="{90338B01-F128-F867-AA9F-EB7CD0BDF1C1}"/>
+              </a:ext>
+            </a:extLst>
+          </p:cNvPr>
+          <p:cNvSpPr>
+            <a:spLocks noGrp="1"/>
+          </p:cNvSpPr>
+          <p:nvPr>
+            <p:ph idx="1"/>
+          </p:nvPr>
+        </p:nvSpPr>
+        <p:spPr/>
+        <p:txBody>
+          <a:bodyPr/>
+          <a:lstStyle/>
+          <a:p>
+            <a:endParaRPr lang="nl-BE"/>
+          </a:p>
+        </p:txBody>
+      </p:sp>
+      <p:sp>
+        <p:nvSpPr>
+          <p:cNvPr id="4" name="Tijdelijke aanduiding voor voettekst 3">
+            <a:extLst>
+              <a:ext uri="{FF2B5EF4-FFF2-40B4-BE49-F238E27FC236}">
+                <a16:creationId xmlns:a16="http://schemas.microsoft.com/office/drawing/2014/main" id="{476BA35F-10C9-A925-5578-7135B2AA98A6}"/>
+              </a:ext>
+            </a:extLst>
+          </p:cNvPr>
+          <p:cNvSpPr>
+            <a:spLocks noGrp="1"/>
+          </p:cNvSpPr>
+          <p:nvPr>
+            <p:ph type="ftr" sz="quarter" idx="11"/>
+          </p:nvPr>
+        </p:nvSpPr>
+        <p:spPr/>
+        <p:txBody>
+          <a:bodyPr/>
+          <a:lstStyle/>
+          <a:p>
+            <a:r>
+              <a:rPr lang="nl-BE" dirty="0"/>
+              <a:t>Software</a:t>
+            </a:r>
+          </a:p>
+        </p:txBody>
+      </p:sp>
+      <p:sp>
+        <p:nvSpPr>
+          <p:cNvPr id="5" name="Tijdelijke aanduiding voor dianummer 4">
+            <a:extLst>
+              <a:ext uri="{FF2B5EF4-FFF2-40B4-BE49-F238E27FC236}">
+                <a16:creationId xmlns:a16="http://schemas.microsoft.com/office/drawing/2014/main" id="{9CD0EF49-1C5C-3172-2D4D-5DD0B400A3A2}"/>
+              </a:ext>
+            </a:extLst>
+          </p:cNvPr>
+          <p:cNvSpPr>
+            <a:spLocks noGrp="1"/>
+          </p:cNvSpPr>
+          <p:nvPr>
+            <p:ph type="sldNum" sz="quarter" idx="12"/>
+          </p:nvPr>
+        </p:nvSpPr>
+        <p:spPr/>
+        <p:txBody>
+          <a:bodyPr/>
+          <a:lstStyle/>
+          <a:p>
+            <a:fld id="{CF769C61-EDDB-4958-A626-BA0E0F3C6BBE}" type="slidenum">
+              <a:rPr lang="nl-BE" smtClean="0"/>
+              <a:t>17</a:t>
+            </a:fld>
+            <a:endParaRPr lang="nl-BE"/>
+          </a:p>
+        </p:txBody>
+      </p:sp>
+      <p:sp>
+        <p:nvSpPr>
+          <p:cNvPr id="6" name="Rectangle 2">
+            <a:extLst>
+              <a:ext uri="{FF2B5EF4-FFF2-40B4-BE49-F238E27FC236}">
+                <a16:creationId xmlns:a16="http://schemas.microsoft.com/office/drawing/2014/main" id="{764BEBC6-449E-6CD3-4D3B-EA1A088DE8BD}"/>
+              </a:ext>
+            </a:extLst>
+          </p:cNvPr>
+          <p:cNvSpPr>
+            <a:spLocks noChangeArrowheads="1"/>
+          </p:cNvSpPr>
+          <p:nvPr/>
+        </p:nvSpPr>
+        <p:spPr bwMode="auto">
+          <a:xfrm>
+            <a:off x="2792896" y="198782"/>
+            <a:ext cx="22032890" cy="45719"/>
+          </a:xfrm>
+          <a:prstGeom prst="rect">
+            <a:avLst/>
+          </a:prstGeom>
+          <a:noFill/>
+          <a:ln>
+            <a:noFill/>
+          </a:ln>
+          <a:effectLst/>
+          <a:extLst>
+            <a:ext uri="{909E8E84-426E-40DD-AFC4-6F175D3DCCD1}">
+              <a14:hiddenFill xmlns:a14="http://schemas.microsoft.com/office/drawing/2010/main">
+                <a:solidFill>
+                  <a:schemeClr val="accent1"/>
+                </a:solidFill>
+              </a14:hiddenFill>
+            </a:ext>
+            <a:ext uri="{91240B29-F687-4F45-9708-019B960494DF}">
+              <a14:hiddenLine xmlns:a14="http://schemas.microsoft.com/office/drawing/2010/main" w="9525">
+                <a:solidFill>
+                  <a:schemeClr val="tx1"/>
+                </a:solidFill>
+                <a:miter lim="800000"/>
+                <a:headEnd/>
+                <a:tailEnd/>
+              </a14:hiddenLine>
+            </a:ext>
+            <a:ext uri="{AF507438-7753-43E0-B8FC-AC1667EBCBE1}">
+              <a14:hiddenEffects xmlns:a14="http://schemas.microsoft.com/office/drawing/2010/main">
+                <a:effectLst>
+                  <a:outerShdw dist="35921" dir="2700000" algn="ctr" rotWithShape="0">
+                    <a:schemeClr val="bg2"/>
+                  </a:outerShdw>
+                </a:effectLst>
+              </a14:hiddenEffects>
+            </a:ext>
+          </a:extLst>
+        </p:spPr>
+        <p:txBody>
+          <a:bodyPr vert="horz" wrap="square" lIns="91440" tIns="45720" rIns="91440" bIns="45720" numCol="1" anchor="ctr" anchorCtr="0" compatLnSpc="1">
+            <a:prstTxWarp prst="textNoShape">
+              <a:avLst/>
+            </a:prstTxWarp>
+            <a:spAutoFit/>
+          </a:bodyPr>
+          <a:lstStyle/>
+          <a:p>
+            <a:endParaRPr lang="nl-BE"/>
+          </a:p>
+        </p:txBody>
+      </p:sp>
+      <p:graphicFrame>
+        <p:nvGraphicFramePr>
+          <p:cNvPr id="7" name="Object 6">
+            <a:extLst>
+              <a:ext uri="{FF2B5EF4-FFF2-40B4-BE49-F238E27FC236}">
+                <a16:creationId xmlns:a16="http://schemas.microsoft.com/office/drawing/2014/main" id="{588EA92E-AB54-1BBC-989E-D3FF8D54B059}"/>
+              </a:ext>
+            </a:extLst>
+          </p:cNvPr>
+          <p:cNvGraphicFramePr>
+            <a:graphicFrameLocks noChangeAspect="1"/>
+          </p:cNvGraphicFramePr>
+          <p:nvPr>
+            <p:extLst>
+              <p:ext uri="{D42A27DB-BD31-4B8C-83A1-F6EECF244321}">
+                <p14:modId xmlns:p14="http://schemas.microsoft.com/office/powerpoint/2010/main" val="2399133770"/>
+              </p:ext>
+            </p:extLst>
+          </p:nvPr>
+        </p:nvGraphicFramePr>
+        <p:xfrm>
+          <a:off x="1039929" y="1288208"/>
+          <a:ext cx="1564124" cy="5565717"/>
+        </p:xfrm>
+        <a:graphic>
+          <a:graphicData uri="http://schemas.openxmlformats.org/presentationml/2006/ole">
+            <mc:AlternateContent xmlns:mc="http://schemas.openxmlformats.org/markup-compatibility/2006">
+              <mc:Choice xmlns:v="urn:schemas-microsoft-com:vml" Requires="v">
+                <p:oleObj name="Visio" r:id="rId2" imgW="1257316" imgH="4526280" progId="Visio.Drawing.15">
+                  <p:embed/>
+                </p:oleObj>
+              </mc:Choice>
+              <mc:Fallback>
+                <p:oleObj name="Visio" r:id="rId2" imgW="1257316" imgH="4526280" progId="Visio.Drawing.15">
+                  <p:embed/>
+                  <p:pic>
+                    <p:nvPicPr>
+                      <p:cNvPr id="0" name="Object 1"/>
+                      <p:cNvPicPr>
+                        <a:picLocks noChangeAspect="1" noChangeArrowheads="1"/>
+                      </p:cNvPicPr>
+                      <p:nvPr/>
+                    </p:nvPicPr>
+                    <p:blipFill>
+                      <a:blip r:embed="rId3">
+                        <a:extLst>
+                          <a:ext uri="{28A0092B-C50C-407E-A947-70E740481C1C}">
+                            <a14:useLocalDpi xmlns:a14="http://schemas.microsoft.com/office/drawing/2010/main" val="0"/>
+                          </a:ext>
+                        </a:extLst>
+                      </a:blip>
+                      <a:srcRect/>
+                      <a:stretch>
+                        <a:fillRect/>
+                      </a:stretch>
+                    </p:blipFill>
+                    <p:spPr bwMode="auto">
+                      <a:xfrm>
+                        <a:off x="1039929" y="1288208"/>
+                        <a:ext cx="1564124" cy="5565717"/>
+                      </a:xfrm>
+                      <a:prstGeom prst="rect">
+                        <a:avLst/>
+                      </a:prstGeom>
+                      <a:noFill/>
+                    </p:spPr>
+                  </p:pic>
+                </p:oleObj>
+              </mc:Fallback>
+            </mc:AlternateContent>
+          </a:graphicData>
+        </a:graphic>
+      </p:graphicFrame>
+      <p:sp>
+        <p:nvSpPr>
+          <p:cNvPr id="8" name="Rectangle 4">
+            <a:extLst>
+              <a:ext uri="{FF2B5EF4-FFF2-40B4-BE49-F238E27FC236}">
+                <a16:creationId xmlns:a16="http://schemas.microsoft.com/office/drawing/2014/main" id="{D05C5ACC-9CC5-37B3-31D6-A738A40561CF}"/>
+              </a:ext>
+            </a:extLst>
+          </p:cNvPr>
+          <p:cNvSpPr>
+            <a:spLocks noChangeArrowheads="1"/>
+          </p:cNvSpPr>
+          <p:nvPr/>
+        </p:nvSpPr>
+        <p:spPr bwMode="auto">
+          <a:xfrm flipV="1">
+            <a:off x="4707662" y="4502425"/>
+            <a:ext cx="13084533" cy="45719"/>
+          </a:xfrm>
+          <a:prstGeom prst="rect">
+            <a:avLst/>
+          </a:prstGeom>
+          <a:noFill/>
+          <a:ln>
+            <a:noFill/>
+          </a:ln>
+          <a:effectLst/>
+          <a:extLst>
+            <a:ext uri="{909E8E84-426E-40DD-AFC4-6F175D3DCCD1}">
+              <a14:hiddenFill xmlns:a14="http://schemas.microsoft.com/office/drawing/2010/main">
+                <a:solidFill>
+                  <a:schemeClr val="accent1"/>
+                </a:solidFill>
+              </a14:hiddenFill>
+            </a:ext>
+            <a:ext uri="{91240B29-F687-4F45-9708-019B960494DF}">
+              <a14:hiddenLine xmlns:a14="http://schemas.microsoft.com/office/drawing/2010/main" w="9525">
+                <a:solidFill>
+                  <a:schemeClr val="tx1"/>
+                </a:solidFill>
+                <a:miter lim="800000"/>
+                <a:headEnd/>
+                <a:tailEnd/>
+              </a14:hiddenLine>
+            </a:ext>
+            <a:ext uri="{AF507438-7753-43E0-B8FC-AC1667EBCBE1}">
+              <a14:hiddenEffects xmlns:a14="http://schemas.microsoft.com/office/drawing/2010/main">
+                <a:effectLst>
+                  <a:outerShdw dist="35921" dir="2700000" algn="ctr" rotWithShape="0">
+                    <a:schemeClr val="bg2"/>
+                  </a:outerShdw>
+                </a:effectLst>
+              </a14:hiddenEffects>
+            </a:ext>
+          </a:extLst>
+        </p:spPr>
+        <p:txBody>
+          <a:bodyPr vert="horz" wrap="square" lIns="91440" tIns="45720" rIns="91440" bIns="45720" numCol="1" anchor="ctr" anchorCtr="0" compatLnSpc="1">
+            <a:prstTxWarp prst="textNoShape">
+              <a:avLst/>
+            </a:prstTxWarp>
+            <a:spAutoFit/>
+          </a:bodyPr>
+          <a:lstStyle/>
+          <a:p>
+            <a:endParaRPr lang="nl-BE"/>
+          </a:p>
+        </p:txBody>
+      </p:sp>
+      <p:graphicFrame>
+        <p:nvGraphicFramePr>
+          <p:cNvPr id="9" name="Object 8">
+            <a:extLst>
+              <a:ext uri="{FF2B5EF4-FFF2-40B4-BE49-F238E27FC236}">
+                <a16:creationId xmlns:a16="http://schemas.microsoft.com/office/drawing/2014/main" id="{0C47531C-05E6-0E4A-F8AC-A5BE8B04E552}"/>
+              </a:ext>
+            </a:extLst>
+          </p:cNvPr>
+          <p:cNvGraphicFramePr>
+            <a:graphicFrameLocks noChangeAspect="1"/>
+          </p:cNvGraphicFramePr>
+          <p:nvPr>
+            <p:extLst>
+              <p:ext uri="{D42A27DB-BD31-4B8C-83A1-F6EECF244321}">
+                <p14:modId xmlns:p14="http://schemas.microsoft.com/office/powerpoint/2010/main" val="1493430097"/>
+              </p:ext>
+            </p:extLst>
+          </p:nvPr>
+        </p:nvGraphicFramePr>
+        <p:xfrm>
+          <a:off x="2713384" y="2851880"/>
+          <a:ext cx="9207250" cy="2442376"/>
+        </p:xfrm>
+        <a:graphic>
+          <a:graphicData uri="http://schemas.openxmlformats.org/presentationml/2006/ole">
+            <mc:AlternateContent xmlns:mc="http://schemas.openxmlformats.org/markup-compatibility/2006">
+              <mc:Choice xmlns:v="urn:schemas-microsoft-com:vml" Requires="v">
+                <p:oleObj name="Visio" r:id="rId4" imgW="6606649" imgH="1744675" progId="Visio.Drawing.15">
+                  <p:embed/>
+                </p:oleObj>
+              </mc:Choice>
+              <mc:Fallback>
+                <p:oleObj name="Visio" r:id="rId4" imgW="6606649" imgH="1744675" progId="Visio.Drawing.15">
+                  <p:embed/>
+                  <p:pic>
+                    <p:nvPicPr>
+                      <p:cNvPr id="0" name="Object 3"/>
+                      <p:cNvPicPr>
+                        <a:picLocks noChangeAspect="1" noChangeArrowheads="1"/>
+                      </p:cNvPicPr>
+                      <p:nvPr/>
+                    </p:nvPicPr>
+                    <p:blipFill>
+                      <a:blip r:embed="rId5"/>
+                      <a:srcRect/>
+                      <a:stretch>
+                        <a:fillRect/>
+                      </a:stretch>
+                    </p:blipFill>
+                    <p:spPr bwMode="auto">
+                      <a:xfrm>
+                        <a:off x="2713384" y="2851880"/>
+                        <a:ext cx="9207250" cy="2442376"/>
+                      </a:xfrm>
+                      <a:prstGeom prst="rect">
+                        <a:avLst/>
+                      </a:prstGeom>
+                      <a:noFill/>
+                    </p:spPr>
+                  </p:pic>
+                </p:oleObj>
+              </mc:Fallback>
+            </mc:AlternateContent>
+          </a:graphicData>
+        </a:graphic>
+      </p:graphicFrame>
+    </p:spTree>
+    <p:extLst>
+      <p:ext uri="{BB962C8B-B14F-4D97-AF65-F5344CB8AC3E}">
+        <p14:creationId xmlns:p14="http://schemas.microsoft.com/office/powerpoint/2010/main" val="1601695217"/>
+      </p:ext>
+    </p:extLst>
+  </p:cSld>
+  <p:clrMapOvr>
+    <a:masterClrMapping/>
+  </p:clrMapOvr>
+</p:sld>
+</file>
+
+<file path=ppt/slides/slide18.xml><?xml version="1.0" encoding="utf-8"?>
+<p:sld xmlns:a="http://schemas.openxmlformats.org/drawingml/2006/main" xmlns:r="http://schemas.openxmlformats.org/officeDocument/2006/relationships" xmlns:p="http://schemas.openxmlformats.org/presentationml/2006/main">
+  <p:cSld>
+    <p:spTree>
+      <p:nvGrpSpPr>
+        <p:cNvPr id="1" name=""/>
+        <p:cNvGrpSpPr/>
+        <p:nvPr/>
+      </p:nvGrpSpPr>
+      <p:grpSpPr>
+        <a:xfrm>
+          <a:off x="0" y="0"/>
+          <a:ext cx="0" cy="0"/>
+          <a:chOff x="0" y="0"/>
+          <a:chExt cx="0" cy="0"/>
+        </a:xfrm>
+      </p:grpSpPr>
+      <p:sp>
+        <p:nvSpPr>
+          <p:cNvPr id="2" name="Titel 1">
+            <a:extLst>
+              <a:ext uri="{FF2B5EF4-FFF2-40B4-BE49-F238E27FC236}">
+                <a16:creationId xmlns:a16="http://schemas.microsoft.com/office/drawing/2014/main" id="{8FF55C25-440C-CF2C-6173-9F7B65091406}"/>
+              </a:ext>
+            </a:extLst>
+          </p:cNvPr>
+          <p:cNvSpPr>
+            <a:spLocks noGrp="1"/>
+          </p:cNvSpPr>
+          <p:nvPr>
+            <p:ph type="title"/>
+          </p:nvPr>
+        </p:nvSpPr>
+        <p:spPr/>
+        <p:txBody>
+          <a:bodyPr/>
+          <a:lstStyle/>
+          <a:p>
+            <a:r>
+              <a:rPr lang="nl-BE" dirty="0"/>
+              <a:t>Afstandsbediening</a:t>
+            </a:r>
+          </a:p>
+        </p:txBody>
+      </p:sp>
+      <p:sp>
+        <p:nvSpPr>
+          <p:cNvPr id="3" name="Tijdelijke aanduiding voor inhoud 2">
+            <a:extLst>
+              <a:ext uri="{FF2B5EF4-FFF2-40B4-BE49-F238E27FC236}">
+                <a16:creationId xmlns:a16="http://schemas.microsoft.com/office/drawing/2014/main" id="{E7AA4AEF-C23B-9D5B-0956-86E8F6086F07}"/>
+              </a:ext>
+            </a:extLst>
+          </p:cNvPr>
+          <p:cNvSpPr>
+            <a:spLocks noGrp="1"/>
+          </p:cNvSpPr>
+          <p:nvPr>
+            <p:ph idx="1"/>
+          </p:nvPr>
+        </p:nvSpPr>
+        <p:spPr/>
+        <p:txBody>
+          <a:bodyPr/>
+          <a:lstStyle/>
+          <a:p>
+            <a:endParaRPr lang="nl-BE"/>
+          </a:p>
+        </p:txBody>
+      </p:sp>
+      <p:sp>
+        <p:nvSpPr>
+          <p:cNvPr id="4" name="Tijdelijke aanduiding voor voettekst 3">
+            <a:extLst>
+              <a:ext uri="{FF2B5EF4-FFF2-40B4-BE49-F238E27FC236}">
+                <a16:creationId xmlns:a16="http://schemas.microsoft.com/office/drawing/2014/main" id="{82965EF4-DA06-0C31-549F-66CDE8908EDE}"/>
+              </a:ext>
+            </a:extLst>
+          </p:cNvPr>
+          <p:cNvSpPr>
+            <a:spLocks noGrp="1"/>
+          </p:cNvSpPr>
+          <p:nvPr>
+            <p:ph type="ftr" sz="quarter" idx="11"/>
+          </p:nvPr>
+        </p:nvSpPr>
+        <p:spPr/>
+        <p:txBody>
+          <a:bodyPr/>
+          <a:lstStyle/>
+          <a:p>
+            <a:r>
+              <a:rPr lang="nl-BE" dirty="0"/>
+              <a:t>Software</a:t>
+            </a:r>
+          </a:p>
+        </p:txBody>
+      </p:sp>
+      <p:sp>
+        <p:nvSpPr>
+          <p:cNvPr id="5" name="Tijdelijke aanduiding voor dianummer 4">
+            <a:extLst>
+              <a:ext uri="{FF2B5EF4-FFF2-40B4-BE49-F238E27FC236}">
+                <a16:creationId xmlns:a16="http://schemas.microsoft.com/office/drawing/2014/main" id="{9C90A1EE-4166-EB61-4D61-82CFC7B517C6}"/>
+              </a:ext>
+            </a:extLst>
+          </p:cNvPr>
+          <p:cNvSpPr>
+            <a:spLocks noGrp="1"/>
+          </p:cNvSpPr>
+          <p:nvPr>
+            <p:ph type="sldNum" sz="quarter" idx="12"/>
+          </p:nvPr>
+        </p:nvSpPr>
+        <p:spPr/>
+        <p:txBody>
+          <a:bodyPr/>
+          <a:lstStyle/>
+          <a:p>
+            <a:fld id="{CF769C61-EDDB-4958-A626-BA0E0F3C6BBE}" type="slidenum">
+              <a:rPr lang="nl-BE" smtClean="0"/>
+              <a:t>18</a:t>
+            </a:fld>
+            <a:endParaRPr lang="nl-BE"/>
+          </a:p>
+        </p:txBody>
+      </p:sp>
+      <p:sp>
+        <p:nvSpPr>
+          <p:cNvPr id="6" name="Rectangle 2">
+            <a:extLst>
+              <a:ext uri="{FF2B5EF4-FFF2-40B4-BE49-F238E27FC236}">
+                <a16:creationId xmlns:a16="http://schemas.microsoft.com/office/drawing/2014/main" id="{07966A0A-3C77-825B-1D28-5D93AF0DAAD5}"/>
+              </a:ext>
+            </a:extLst>
+          </p:cNvPr>
+          <p:cNvSpPr>
+            <a:spLocks noChangeArrowheads="1"/>
+          </p:cNvSpPr>
+          <p:nvPr/>
+        </p:nvSpPr>
+        <p:spPr bwMode="auto">
+          <a:xfrm>
+            <a:off x="10631975" y="136524"/>
+            <a:ext cx="6757500" cy="45719"/>
+          </a:xfrm>
+          <a:prstGeom prst="rect">
+            <a:avLst/>
+          </a:prstGeom>
+          <a:noFill/>
+          <a:ln>
+            <a:noFill/>
+          </a:ln>
+          <a:effectLst/>
+          <a:extLst>
+            <a:ext uri="{909E8E84-426E-40DD-AFC4-6F175D3DCCD1}">
+              <a14:hiddenFill xmlns:a14="http://schemas.microsoft.com/office/drawing/2010/main">
+                <a:solidFill>
+                  <a:schemeClr val="accent1"/>
+                </a:solidFill>
+              </a14:hiddenFill>
+            </a:ext>
+            <a:ext uri="{91240B29-F687-4F45-9708-019B960494DF}">
+              <a14:hiddenLine xmlns:a14="http://schemas.microsoft.com/office/drawing/2010/main" w="9525">
+                <a:solidFill>
+                  <a:schemeClr val="tx1"/>
+                </a:solidFill>
+                <a:miter lim="800000"/>
+                <a:headEnd/>
+                <a:tailEnd/>
+              </a14:hiddenLine>
+            </a:ext>
+            <a:ext uri="{AF507438-7753-43E0-B8FC-AC1667EBCBE1}">
+              <a14:hiddenEffects xmlns:a14="http://schemas.microsoft.com/office/drawing/2010/main">
+                <a:effectLst>
+                  <a:outerShdw dist="35921" dir="2700000" algn="ctr" rotWithShape="0">
+                    <a:schemeClr val="bg2"/>
+                  </a:outerShdw>
+                </a:effectLst>
+              </a14:hiddenEffects>
+            </a:ext>
+          </a:extLst>
+        </p:spPr>
+        <p:txBody>
+          <a:bodyPr vert="horz" wrap="square" lIns="91440" tIns="45720" rIns="91440" bIns="45720" numCol="1" anchor="ctr" anchorCtr="0" compatLnSpc="1">
+            <a:prstTxWarp prst="textNoShape">
+              <a:avLst/>
+            </a:prstTxWarp>
+            <a:spAutoFit/>
+          </a:bodyPr>
+          <a:lstStyle/>
+          <a:p>
+            <a:endParaRPr lang="nl-BE"/>
+          </a:p>
+        </p:txBody>
+      </p:sp>
+      <p:graphicFrame>
+        <p:nvGraphicFramePr>
+          <p:cNvPr id="7" name="Object 6">
+            <a:extLst>
+              <a:ext uri="{FF2B5EF4-FFF2-40B4-BE49-F238E27FC236}">
+                <a16:creationId xmlns:a16="http://schemas.microsoft.com/office/drawing/2014/main" id="{715AFCE1-2B13-2BD4-E0E1-0115DDC2D00E}"/>
+              </a:ext>
+            </a:extLst>
+          </p:cNvPr>
+          <p:cNvGraphicFramePr>
+            <a:graphicFrameLocks noChangeAspect="1"/>
+          </p:cNvGraphicFramePr>
+          <p:nvPr>
+            <p:extLst>
+              <p:ext uri="{D42A27DB-BD31-4B8C-83A1-F6EECF244321}">
+                <p14:modId xmlns:p14="http://schemas.microsoft.com/office/powerpoint/2010/main" val="2871375267"/>
+              </p:ext>
+            </p:extLst>
+          </p:nvPr>
+        </p:nvGraphicFramePr>
+        <p:xfrm>
+          <a:off x="6219215" y="136525"/>
+          <a:ext cx="2391385" cy="6219825"/>
+        </p:xfrm>
+        <a:graphic>
+          <a:graphicData uri="http://schemas.openxmlformats.org/presentationml/2006/ole">
+            <mc:AlternateContent xmlns:mc="http://schemas.openxmlformats.org/markup-compatibility/2006">
+              <mc:Choice xmlns:v="urn:schemas-microsoft-com:vml" Requires="v">
+                <p:oleObj name="Visio" r:id="rId2" imgW="11353790" imgH="29596135" progId="Visio.Drawing.15">
+                  <p:embed/>
+                </p:oleObj>
+              </mc:Choice>
+              <mc:Fallback>
+                <p:oleObj name="Visio" r:id="rId2" imgW="11353790" imgH="29596135" progId="Visio.Drawing.15">
+                  <p:embed/>
+                  <p:pic>
+                    <p:nvPicPr>
+                      <p:cNvPr id="0" name="Object 1"/>
+                      <p:cNvPicPr>
+                        <a:picLocks noChangeAspect="1" noChangeArrowheads="1"/>
+                      </p:cNvPicPr>
+                      <p:nvPr/>
+                    </p:nvPicPr>
+                    <p:blipFill>
+                      <a:blip r:embed="rId3">
+                        <a:extLst>
+                          <a:ext uri="{28A0092B-C50C-407E-A947-70E740481C1C}">
+                            <a14:useLocalDpi xmlns:a14="http://schemas.microsoft.com/office/drawing/2010/main" val="0"/>
+                          </a:ext>
+                        </a:extLst>
+                      </a:blip>
+                      <a:srcRect/>
+                      <a:stretch>
+                        <a:fillRect/>
+                      </a:stretch>
+                    </p:blipFill>
+                    <p:spPr bwMode="auto">
+                      <a:xfrm>
+                        <a:off x="6219215" y="136525"/>
+                        <a:ext cx="2391385" cy="6219825"/>
+                      </a:xfrm>
+                      <a:prstGeom prst="rect">
+                        <a:avLst/>
+                      </a:prstGeom>
+                      <a:noFill/>
+                    </p:spPr>
+                  </p:pic>
+                </p:oleObj>
+              </mc:Fallback>
+            </mc:AlternateContent>
+          </a:graphicData>
+        </a:graphic>
+      </p:graphicFrame>
+      <p:sp>
+        <p:nvSpPr>
+          <p:cNvPr id="8" name="Rectangle 4">
+            <a:extLst>
+              <a:ext uri="{FF2B5EF4-FFF2-40B4-BE49-F238E27FC236}">
+                <a16:creationId xmlns:a16="http://schemas.microsoft.com/office/drawing/2014/main" id="{B87256C1-319F-EDCB-0F9A-75CB19E06263}"/>
+              </a:ext>
+            </a:extLst>
+          </p:cNvPr>
+          <p:cNvSpPr>
+            <a:spLocks noChangeArrowheads="1"/>
+          </p:cNvSpPr>
+          <p:nvPr/>
+        </p:nvSpPr>
+        <p:spPr bwMode="auto">
+          <a:xfrm>
+            <a:off x="-1" y="1227136"/>
+            <a:ext cx="15054469" cy="45719"/>
+          </a:xfrm>
+          <a:prstGeom prst="rect">
+            <a:avLst/>
+          </a:prstGeom>
+          <a:noFill/>
+          <a:ln>
+            <a:noFill/>
+          </a:ln>
+          <a:effectLst/>
+          <a:extLst>
+            <a:ext uri="{909E8E84-426E-40DD-AFC4-6F175D3DCCD1}">
+              <a14:hiddenFill xmlns:a14="http://schemas.microsoft.com/office/drawing/2010/main">
+                <a:solidFill>
+                  <a:schemeClr val="accent1"/>
+                </a:solidFill>
+              </a14:hiddenFill>
+            </a:ext>
+            <a:ext uri="{91240B29-F687-4F45-9708-019B960494DF}">
+              <a14:hiddenLine xmlns:a14="http://schemas.microsoft.com/office/drawing/2010/main" w="9525">
+                <a:solidFill>
+                  <a:schemeClr val="tx1"/>
+                </a:solidFill>
+                <a:miter lim="800000"/>
+                <a:headEnd/>
+                <a:tailEnd/>
+              </a14:hiddenLine>
+            </a:ext>
+            <a:ext uri="{AF507438-7753-43E0-B8FC-AC1667EBCBE1}">
+              <a14:hiddenEffects xmlns:a14="http://schemas.microsoft.com/office/drawing/2010/main">
+                <a:effectLst>
+                  <a:outerShdw dist="35921" dir="2700000" algn="ctr" rotWithShape="0">
+                    <a:schemeClr val="bg2"/>
+                  </a:outerShdw>
+                </a:effectLst>
+              </a14:hiddenEffects>
+            </a:ext>
+          </a:extLst>
+        </p:spPr>
+        <p:txBody>
+          <a:bodyPr vert="horz" wrap="square" lIns="91440" tIns="45720" rIns="91440" bIns="45720" numCol="1" anchor="ctr" anchorCtr="0" compatLnSpc="1">
+            <a:prstTxWarp prst="textNoShape">
+              <a:avLst/>
+            </a:prstTxWarp>
+            <a:spAutoFit/>
+          </a:bodyPr>
+          <a:lstStyle/>
+          <a:p>
+            <a:endParaRPr lang="nl-BE"/>
+          </a:p>
+        </p:txBody>
+      </p:sp>
+      <p:graphicFrame>
+        <p:nvGraphicFramePr>
+          <p:cNvPr id="9" name="Object 8">
+            <a:extLst>
+              <a:ext uri="{FF2B5EF4-FFF2-40B4-BE49-F238E27FC236}">
+                <a16:creationId xmlns:a16="http://schemas.microsoft.com/office/drawing/2014/main" id="{1479D863-52DB-F136-DD6F-D09DDBA54F2F}"/>
+              </a:ext>
+            </a:extLst>
+          </p:cNvPr>
+          <p:cNvGraphicFramePr>
+            <a:graphicFrameLocks noChangeAspect="1"/>
+          </p:cNvGraphicFramePr>
+          <p:nvPr>
+            <p:extLst>
+              <p:ext uri="{D42A27DB-BD31-4B8C-83A1-F6EECF244321}">
+                <p14:modId xmlns:p14="http://schemas.microsoft.com/office/powerpoint/2010/main" val="3192176337"/>
+              </p:ext>
+            </p:extLst>
+          </p:nvPr>
+        </p:nvGraphicFramePr>
+        <p:xfrm>
+          <a:off x="-1" y="1227137"/>
+          <a:ext cx="2822713" cy="5437643"/>
+        </p:xfrm>
+        <a:graphic>
+          <a:graphicData uri="http://schemas.openxmlformats.org/presentationml/2006/ole">
+            <mc:AlternateContent xmlns:mc="http://schemas.openxmlformats.org/markup-compatibility/2006">
+              <mc:Choice xmlns:v="urn:schemas-microsoft-com:vml" Requires="v">
+                <p:oleObj name="Visio" r:id="rId4" imgW="1561908" imgH="3002058" progId="Visio.Drawing.15">
+                  <p:embed/>
+                </p:oleObj>
+              </mc:Choice>
+              <mc:Fallback>
+                <p:oleObj name="Visio" r:id="rId4" imgW="1561908" imgH="3002058" progId="Visio.Drawing.15">
+                  <p:embed/>
+                  <p:pic>
+                    <p:nvPicPr>
+                      <p:cNvPr id="0" name="Object 3"/>
+                      <p:cNvPicPr>
+                        <a:picLocks noChangeAspect="1" noChangeArrowheads="1"/>
+                      </p:cNvPicPr>
+                      <p:nvPr/>
+                    </p:nvPicPr>
+                    <p:blipFill>
+                      <a:blip r:embed="rId5">
+                        <a:extLst>
+                          <a:ext uri="{28A0092B-C50C-407E-A947-70E740481C1C}">
+                            <a14:useLocalDpi xmlns:a14="http://schemas.microsoft.com/office/drawing/2010/main" val="0"/>
+                          </a:ext>
+                        </a:extLst>
+                      </a:blip>
+                      <a:srcRect/>
+                      <a:stretch>
+                        <a:fillRect/>
+                      </a:stretch>
+                    </p:blipFill>
+                    <p:spPr bwMode="auto">
+                      <a:xfrm>
+                        <a:off x="-1" y="1227137"/>
+                        <a:ext cx="2822713" cy="5437643"/>
+                      </a:xfrm>
+                      <a:prstGeom prst="rect">
+                        <a:avLst/>
+                      </a:prstGeom>
+                      <a:noFill/>
+                    </p:spPr>
+                  </p:pic>
+                </p:oleObj>
+              </mc:Fallback>
+            </mc:AlternateContent>
+          </a:graphicData>
+        </a:graphic>
+      </p:graphicFrame>
+    </p:spTree>
+    <p:extLst>
+      <p:ext uri="{BB962C8B-B14F-4D97-AF65-F5344CB8AC3E}">
+        <p14:creationId xmlns:p14="http://schemas.microsoft.com/office/powerpoint/2010/main" val="362540126"/>
+      </p:ext>
+    </p:extLst>
+  </p:cSld>
+  <p:clrMapOvr>
+    <a:masterClrMapping/>
+  </p:clrMapOvr>
+</p:sld>
+</file>
+
+<file path=ppt/slides/slide19.xml><?xml version="1.0" encoding="utf-8"?>
 <p:sld xmlns:a="http://schemas.openxmlformats.org/drawingml/2006/main" xmlns:r="http://schemas.openxmlformats.org/officeDocument/2006/relationships" xmlns:p="http://schemas.openxmlformats.org/presentationml/2006/main">
   <p:cSld>
     <p:bg>
@@ -5781,7 +7703,7 @@
                   <a:spcPts val="600"/>
                 </a:spcAft>
               </a:pPr>
-              <a:t>13</a:t>
+              <a:t>19</a:t>
             </a:fld>
             <a:endParaRPr lang="nl-BE">
               <a:solidFill>
@@ -5791,6 +7713,36 @@
           </a:p>
         </p:txBody>
       </p:sp>
+      <p:pic>
+        <p:nvPicPr>
+          <p:cNvPr id="6" name="Afbeelding 5" descr="Afbeelding met tekst, schermopname, Lettertype, ontwerp&#10;&#10;Door AI gegenereerde inhoud is mogelijk onjuist.">
+            <a:extLst>
+              <a:ext uri="{FF2B5EF4-FFF2-40B4-BE49-F238E27FC236}">
+                <a16:creationId xmlns:a16="http://schemas.microsoft.com/office/drawing/2014/main" id="{3AC9E119-5214-04EE-26E2-19FEB5E32920}"/>
+              </a:ext>
+            </a:extLst>
+          </p:cNvPr>
+          <p:cNvPicPr>
+            <a:picLocks noChangeAspect="1"/>
+          </p:cNvPicPr>
+          <p:nvPr/>
+        </p:nvPicPr>
+        <p:blipFill>
+          <a:blip r:embed="rId3"/>
+          <a:stretch>
+            <a:fillRect/>
+          </a:stretch>
+        </p:blipFill>
+        <p:spPr>
+          <a:xfrm>
+            <a:off x="7084325" y="681037"/>
+            <a:ext cx="3934858" cy="1466892"/>
+          </a:xfrm>
+          <a:prstGeom prst="rect">
+            <a:avLst/>
+          </a:prstGeom>
+        </p:spPr>
+      </p:pic>
     </p:spTree>
     <p:extLst>
       <p:ext uri="{BB962C8B-B14F-4D97-AF65-F5344CB8AC3E}">
@@ -5804,7 +7756,7 @@
 </p:sld>
 </file>
 
-<file path=ppt/slides/slide14.xml><?xml version="1.0" encoding="utf-8"?>
+<file path=ppt/slides/slide2.xml><?xml version="1.0" encoding="utf-8"?>
 <p:sld xmlns:a="http://schemas.openxmlformats.org/drawingml/2006/main" xmlns:r="http://schemas.openxmlformats.org/officeDocument/2006/relationships" xmlns:p="http://schemas.openxmlformats.org/presentationml/2006/main">
   <p:cSld>
     <p:bg>
@@ -5831,7 +7783,7 @@
       </p:grpSpPr>
       <p:sp>
         <p:nvSpPr>
-          <p:cNvPr id="12" name="Rectangle 11">
+          <p:cNvPr id="10" name="Rectangle 9">
             <a:extLst>
               <a:ext uri="{FF2B5EF4-FFF2-40B4-BE49-F238E27FC236}">
                 <a16:creationId xmlns:a16="http://schemas.microsoft.com/office/drawing/2014/main" id="{9228552E-C8B1-4A80-8448-0787CE0FC704}"/>
@@ -5894,6 +7846,364 @@
       </p:sp>
       <p:pic>
         <p:nvPicPr>
+          <p:cNvPr id="5" name="Afbeelding 4" descr="Afbeelding met wiel, speelgoed, band, Schaalmodel&#10;&#10;Door AI gegenereerde inhoud is mogelijk onjuist.">
+            <a:extLst>
+              <a:ext uri="{FF2B5EF4-FFF2-40B4-BE49-F238E27FC236}">
+                <a16:creationId xmlns:a16="http://schemas.microsoft.com/office/drawing/2014/main" id="{C6F596F5-18C6-0F3E-91BE-CE3BA52E9C55}"/>
+              </a:ext>
+            </a:extLst>
+          </p:cNvPr>
+          <p:cNvPicPr>
+            <a:picLocks noChangeAspect="1"/>
+          </p:cNvPicPr>
+          <p:nvPr/>
+        </p:nvPicPr>
+        <p:blipFill>
+          <a:blip r:embed="rId3">
+            <a:alphaModFix amt="35000"/>
+            <a:extLst>
+              <a:ext uri="{28A0092B-C50C-407E-A947-70E740481C1C}">
+                <a14:useLocalDpi xmlns:a14="http://schemas.microsoft.com/office/drawing/2010/main" val="0"/>
+              </a:ext>
+            </a:extLst>
+          </a:blip>
+          <a:srcRect/>
+          <a:stretch/>
+        </p:blipFill>
+        <p:spPr>
+          <a:xfrm>
+            <a:off x="20" y="10"/>
+            <a:ext cx="12191980" cy="6857990"/>
+          </a:xfrm>
+          <a:prstGeom prst="rect">
+            <a:avLst/>
+          </a:prstGeom>
+        </p:spPr>
+      </p:pic>
+      <p:sp>
+        <p:nvSpPr>
+          <p:cNvPr id="2" name="Titel 1">
+            <a:extLst>
+              <a:ext uri="{FF2B5EF4-FFF2-40B4-BE49-F238E27FC236}">
+                <a16:creationId xmlns:a16="http://schemas.microsoft.com/office/drawing/2014/main" id="{E657426F-BFF0-1572-7573-52D8DBB0BDFC}"/>
+              </a:ext>
+            </a:extLst>
+          </p:cNvPr>
+          <p:cNvSpPr>
+            <a:spLocks noGrp="1"/>
+          </p:cNvSpPr>
+          <p:nvPr>
+            <p:ph type="title"/>
+          </p:nvPr>
+        </p:nvSpPr>
+        <p:spPr>
+          <a:xfrm>
+            <a:off x="838200" y="365125"/>
+            <a:ext cx="10515600" cy="1325563"/>
+          </a:xfrm>
+        </p:spPr>
+        <p:txBody>
+          <a:bodyPr>
+            <a:normAutofit/>
+          </a:bodyPr>
+          <a:lstStyle/>
+          <a:p>
+            <a:r>
+              <a:rPr lang="nl-BE" noProof="0" dirty="0">
+                <a:solidFill>
+                  <a:srgbClr val="FFFFFF"/>
+                </a:solidFill>
+              </a:rPr>
+              <a:t>Inhoud</a:t>
+            </a:r>
+          </a:p>
+        </p:txBody>
+      </p:sp>
+      <p:sp>
+        <p:nvSpPr>
+          <p:cNvPr id="3" name="Tijdelijke aanduiding voor inhoud 2">
+            <a:extLst>
+              <a:ext uri="{FF2B5EF4-FFF2-40B4-BE49-F238E27FC236}">
+                <a16:creationId xmlns:a16="http://schemas.microsoft.com/office/drawing/2014/main" id="{11A7B326-49A2-B512-FDF0-716BEDDABD24}"/>
+              </a:ext>
+            </a:extLst>
+          </p:cNvPr>
+          <p:cNvSpPr>
+            <a:spLocks noGrp="1"/>
+          </p:cNvSpPr>
+          <p:nvPr>
+            <p:ph idx="1"/>
+          </p:nvPr>
+        </p:nvSpPr>
+        <p:spPr>
+          <a:xfrm>
+            <a:off x="838200" y="1825625"/>
+            <a:ext cx="10515600" cy="4351338"/>
+          </a:xfrm>
+        </p:spPr>
+        <p:txBody>
+          <a:bodyPr>
+            <a:normAutofit/>
+          </a:bodyPr>
+          <a:lstStyle/>
+          <a:p>
+            <a:r>
+              <a:rPr lang="nl-BE" noProof="0" dirty="0">
+                <a:solidFill>
+                  <a:srgbClr val="FFFFFF"/>
+                </a:solidFill>
+              </a:rPr>
+              <a:t>Algemene uitleg</a:t>
+            </a:r>
+          </a:p>
+          <a:p>
+            <a:r>
+              <a:rPr lang="nl-BE" noProof="0" dirty="0">
+                <a:solidFill>
+                  <a:srgbClr val="FFFFFF"/>
+                </a:solidFill>
+              </a:rPr>
+              <a:t>Demo</a:t>
+            </a:r>
+          </a:p>
+          <a:p>
+            <a:r>
+              <a:rPr lang="nl-BE" noProof="0" dirty="0">
+                <a:solidFill>
+                  <a:srgbClr val="FFFFFF"/>
+                </a:solidFill>
+              </a:rPr>
+              <a:t>Hardware</a:t>
+            </a:r>
+          </a:p>
+          <a:p>
+            <a:r>
+              <a:rPr lang="nl-BE" noProof="0" dirty="0">
+                <a:solidFill>
+                  <a:srgbClr val="FFFFFF"/>
+                </a:solidFill>
+              </a:rPr>
+              <a:t>Software</a:t>
+            </a:r>
+          </a:p>
+          <a:p>
+            <a:r>
+              <a:rPr lang="nl-BE" noProof="0" dirty="0">
+                <a:solidFill>
+                  <a:srgbClr val="FFFFFF"/>
+                </a:solidFill>
+              </a:rPr>
+              <a:t>Extra</a:t>
+            </a:r>
+          </a:p>
+          <a:p>
+            <a:r>
+              <a:rPr lang="nl-BE" noProof="0" dirty="0">
+                <a:solidFill>
+                  <a:srgbClr val="FFFFFF"/>
+                </a:solidFill>
+              </a:rPr>
+              <a:t>Afsluiter</a:t>
+            </a:r>
+          </a:p>
+          <a:p>
+            <a:endParaRPr lang="nl-BE" noProof="0" dirty="0">
+              <a:solidFill>
+                <a:srgbClr val="FFFFFF"/>
+              </a:solidFill>
+            </a:endParaRPr>
+          </a:p>
+          <a:p>
+            <a:endParaRPr lang="nl-BE" noProof="0" dirty="0">
+              <a:solidFill>
+                <a:srgbClr val="FFFFFF"/>
+              </a:solidFill>
+            </a:endParaRPr>
+          </a:p>
+        </p:txBody>
+      </p:sp>
+      <p:sp>
+        <p:nvSpPr>
+          <p:cNvPr id="7" name="Tijdelijke aanduiding voor dianummer 6">
+            <a:extLst>
+              <a:ext uri="{FF2B5EF4-FFF2-40B4-BE49-F238E27FC236}">
+                <a16:creationId xmlns:a16="http://schemas.microsoft.com/office/drawing/2014/main" id="{22E3C48A-13DA-7D33-CB31-8DA206A087EB}"/>
+              </a:ext>
+            </a:extLst>
+          </p:cNvPr>
+          <p:cNvSpPr>
+            <a:spLocks noGrp="1"/>
+          </p:cNvSpPr>
+          <p:nvPr>
+            <p:ph type="sldNum" sz="quarter" idx="12"/>
+          </p:nvPr>
+        </p:nvSpPr>
+        <p:spPr/>
+        <p:txBody>
+          <a:bodyPr/>
+          <a:lstStyle/>
+          <a:p>
+            <a:fld id="{CF769C61-EDDB-4958-A626-BA0E0F3C6BBE}" type="slidenum">
+              <a:rPr lang="nl-BE" noProof="0" smtClean="0"/>
+              <a:t>2</a:t>
+            </a:fld>
+            <a:endParaRPr lang="nl-BE" noProof="0" dirty="0"/>
+          </a:p>
+        </p:txBody>
+      </p:sp>
+      <p:sp>
+        <p:nvSpPr>
+          <p:cNvPr id="4" name="Tijdelijke aanduiding voor voettekst 3">
+            <a:extLst>
+              <a:ext uri="{FF2B5EF4-FFF2-40B4-BE49-F238E27FC236}">
+                <a16:creationId xmlns:a16="http://schemas.microsoft.com/office/drawing/2014/main" id="{C275525B-AEBF-7F6D-9C7F-0FABFB19558E}"/>
+              </a:ext>
+            </a:extLst>
+          </p:cNvPr>
+          <p:cNvSpPr>
+            <a:spLocks noGrp="1"/>
+          </p:cNvSpPr>
+          <p:nvPr>
+            <p:ph type="ftr" sz="quarter" idx="11"/>
+          </p:nvPr>
+        </p:nvSpPr>
+        <p:spPr/>
+        <p:txBody>
+          <a:bodyPr/>
+          <a:lstStyle/>
+          <a:p>
+            <a:r>
+              <a:rPr lang="nl-BE" noProof="0" dirty="0"/>
+              <a:t>Inhoud</a:t>
+            </a:r>
+          </a:p>
+        </p:txBody>
+      </p:sp>
+    </p:spTree>
+    <p:extLst>
+      <p:ext uri="{BB962C8B-B14F-4D97-AF65-F5344CB8AC3E}">
+        <p14:creationId xmlns:p14="http://schemas.microsoft.com/office/powerpoint/2010/main" val="1157252764"/>
+      </p:ext>
+    </p:extLst>
+  </p:cSld>
+  <p:clrMapOvr>
+    <a:overrideClrMapping bg1="dk1" tx1="lt1" bg2="dk2" tx2="lt2" accent1="accent1" accent2="accent2" accent3="accent3" accent4="accent4" accent5="accent5" accent6="accent6" hlink="hlink" folHlink="folHlink"/>
+  </p:clrMapOvr>
+  <mc:AlternateContent xmlns:mc="http://schemas.openxmlformats.org/markup-compatibility/2006" xmlns:p14="http://schemas.microsoft.com/office/powerpoint/2010/main">
+    <mc:Choice Requires="p14">
+      <p:transition spd="med" p14:dur="700">
+        <p:fade/>
+        <p:sndAc>
+          <p:stSnd>
+            <p:snd r:embed="rId2" name="click.wav"/>
+          </p:stSnd>
+        </p:sndAc>
+      </p:transition>
+    </mc:Choice>
+    <mc:Fallback xmlns="">
+      <p:transition spd="med">
+        <p:fade/>
+        <p:sndAc>
+          <p:stSnd>
+            <p:snd r:embed="rId4" name="click.wav"/>
+          </p:stSnd>
+        </p:sndAc>
+      </p:transition>
+    </mc:Fallback>
+  </mc:AlternateContent>
+</p:sld>
+</file>
+
+<file path=ppt/slides/slide20.xml><?xml version="1.0" encoding="utf-8"?>
+<p:sld xmlns:a="http://schemas.openxmlformats.org/drawingml/2006/main" xmlns:r="http://schemas.openxmlformats.org/officeDocument/2006/relationships" xmlns:p="http://schemas.openxmlformats.org/presentationml/2006/main">
+  <p:cSld>
+    <p:bg>
+      <p:bgPr>
+        <a:solidFill>
+          <a:schemeClr val="bg1"/>
+        </a:solidFill>
+        <a:effectLst/>
+      </p:bgPr>
+    </p:bg>
+    <p:spTree>
+      <p:nvGrpSpPr>
+        <p:cNvPr id="1" name=""/>
+        <p:cNvGrpSpPr/>
+        <p:nvPr/>
+      </p:nvGrpSpPr>
+      <p:grpSpPr>
+        <a:xfrm>
+          <a:off x="0" y="0"/>
+          <a:ext cx="0" cy="0"/>
+          <a:chOff x="0" y="0"/>
+          <a:chExt cx="0" cy="0"/>
+        </a:xfrm>
+      </p:grpSpPr>
+      <p:sp>
+        <p:nvSpPr>
+          <p:cNvPr id="12" name="Rectangle 11">
+            <a:extLst>
+              <a:ext uri="{FF2B5EF4-FFF2-40B4-BE49-F238E27FC236}">
+                <a16:creationId xmlns:a16="http://schemas.microsoft.com/office/drawing/2014/main" id="{9228552E-C8B1-4A80-8448-0787CE0FC704}"/>
+              </a:ext>
+              <a:ext uri="{C183D7F6-B498-43B3-948B-1728B52AA6E4}">
+                <adec:decorative xmlns:adec="http://schemas.microsoft.com/office/drawing/2017/decorative" val="1"/>
+              </a:ext>
+            </a:extLst>
+          </p:cNvPr>
+          <p:cNvSpPr>
+            <a:spLocks noGrp="1" noRot="1" noChangeAspect="1" noMove="1" noResize="1" noEditPoints="1" noAdjustHandles="1" noChangeArrowheads="1" noChangeShapeType="1" noTextEdit="1"/>
+          </p:cNvSpPr>
+          <p:nvPr>
+            <p:extLst>
+              <p:ext uri="{386F3935-93C4-4BCD-93E2-E3B085C9AB24}">
+                <p16:designElem xmlns:p16="http://schemas.microsoft.com/office/powerpoint/2015/main" val="1"/>
+              </p:ext>
+            </p:extLst>
+          </p:nvPr>
+        </p:nvSpPr>
+        <p:spPr>
+          <a:xfrm>
+            <a:off x="0" y="0"/>
+            <a:ext cx="12192000" cy="6858000"/>
+          </a:xfrm>
+          <a:prstGeom prst="rect">
+            <a:avLst/>
+          </a:prstGeom>
+          <a:solidFill>
+            <a:srgbClr val="000000"/>
+          </a:solidFill>
+          <a:ln>
+            <a:noFill/>
+          </a:ln>
+        </p:spPr>
+        <p:style>
+          <a:lnRef idx="2">
+            <a:schemeClr val="accent1">
+              <a:shade val="50000"/>
+            </a:schemeClr>
+          </a:lnRef>
+          <a:fillRef idx="1">
+            <a:schemeClr val="accent1"/>
+          </a:fillRef>
+          <a:effectRef idx="0">
+            <a:schemeClr val="accent1"/>
+          </a:effectRef>
+          <a:fontRef idx="minor">
+            <a:schemeClr val="lt1"/>
+          </a:fontRef>
+        </p:style>
+        <p:txBody>
+          <a:bodyPr rtlCol="0" anchor="ctr"/>
+          <a:lstStyle/>
+          <a:p>
+            <a:pPr algn="ctr"/>
+            <a:endParaRPr lang="nl-BE" noProof="0" dirty="0"/>
+          </a:p>
+        </p:txBody>
+      </p:sp>
+      <p:pic>
+        <p:nvPicPr>
           <p:cNvPr id="7" name="Afbeelding 6" descr="Afbeelding met wiel, speelgoed, band, Schaalmodel&#10;&#10;Door AI gegenereerde inhoud is mogelijk onjuist.">
             <a:extLst>
               <a:ext uri="{FF2B5EF4-FFF2-40B4-BE49-F238E27FC236}">
@@ -6150,7 +8460,7 @@
                   <a:spcPts val="600"/>
                 </a:spcAft>
               </a:pPr>
-              <a:t>14</a:t>
+              <a:t>20</a:t>
             </a:fld>
             <a:endParaRPr lang="nl-BE" noProof="0" dirty="0">
               <a:solidFill>
@@ -6170,13 +8480,13 @@
   <p:clrMapOvr>
     <a:overrideClrMapping bg1="dk1" tx1="lt1" bg2="dk2" tx2="lt2" accent1="accent1" accent2="accent2" accent3="accent3" accent4="accent4" accent5="accent5" accent6="accent6" hlink="hlink" folHlink="folHlink"/>
   </p:clrMapOvr>
-  <mc:AlternateContent xmlns:mc="http://schemas.openxmlformats.org/markup-compatibility/2006">
-    <mc:Choice xmlns:p14="http://schemas.microsoft.com/office/powerpoint/2010/main" Requires="p14">
+  <mc:AlternateContent xmlns:mc="http://schemas.openxmlformats.org/markup-compatibility/2006" xmlns:p14="http://schemas.microsoft.com/office/powerpoint/2010/main">
+    <mc:Choice Requires="p14">
       <p:transition spd="med" p14:dur="700">
         <p:fade/>
       </p:transition>
     </mc:Choice>
-    <mc:Fallback>
+    <mc:Fallback xmlns="">
       <p:transition spd="med">
         <p:fade/>
       </p:transition>
@@ -6185,7 +8495,7 @@
 </p:sld>
 </file>
 
-<file path=ppt/slides/slide15.xml><?xml version="1.0" encoding="utf-8"?>
+<file path=ppt/slides/slide21.xml><?xml version="1.0" encoding="utf-8"?>
 <p:sld xmlns:a="http://schemas.openxmlformats.org/drawingml/2006/main" xmlns:r="http://schemas.openxmlformats.org/officeDocument/2006/relationships" xmlns:p="http://schemas.openxmlformats.org/presentationml/2006/main">
   <p:cSld>
     <p:bg>
@@ -6485,7 +8795,7 @@
                 </a:spcAft>
                 <a:defRPr/>
               </a:pPr>
-              <a:t>15</a:t>
+              <a:t>21</a:t>
             </a:fld>
             <a:endParaRPr lang="nl-BE" noProof="0" dirty="0">
               <a:solidFill>
@@ -6506,13 +8816,13 @@
   <p:clrMapOvr>
     <a:overrideClrMapping bg1="dk1" tx1="lt1" bg2="dk2" tx2="lt2" accent1="accent1" accent2="accent2" accent3="accent3" accent4="accent4" accent5="accent5" accent6="accent6" hlink="hlink" folHlink="folHlink"/>
   </p:clrMapOvr>
-  <mc:AlternateContent xmlns:mc="http://schemas.openxmlformats.org/markup-compatibility/2006">
-    <mc:Choice xmlns:p14="http://schemas.microsoft.com/office/powerpoint/2010/main" Requires="p14">
+  <mc:AlternateContent xmlns:mc="http://schemas.openxmlformats.org/markup-compatibility/2006" xmlns:p14="http://schemas.microsoft.com/office/powerpoint/2010/main">
+    <mc:Choice Requires="p14">
       <p:transition spd="med" p14:dur="700">
         <p:fade/>
       </p:transition>
     </mc:Choice>
-    <mc:Fallback>
+    <mc:Fallback xmlns="">
       <p:transition spd="med">
         <p:fade/>
       </p:transition>
@@ -6868,7 +9178,7 @@
 </p:sld>
 </file>
 
-<file path=ppt/slides/slide2.xml><?xml version="1.0" encoding="utf-8"?>
+<file path=ppt/slides/slide3.xml><?xml version="1.0" encoding="utf-8"?>
 <p:sld xmlns:a="http://schemas.openxmlformats.org/drawingml/2006/main" xmlns:r="http://schemas.openxmlformats.org/officeDocument/2006/relationships" xmlns:p="http://schemas.openxmlformats.org/presentationml/2006/main">
   <p:cSld>
     <p:bg>
@@ -6895,7 +9205,7 @@
       </p:grpSpPr>
       <p:sp>
         <p:nvSpPr>
-          <p:cNvPr id="10" name="Rectangle 9">
+          <p:cNvPr id="11" name="Rectangle 10">
             <a:extLst>
               <a:ext uri="{FF2B5EF4-FFF2-40B4-BE49-F238E27FC236}">
                 <a16:creationId xmlns:a16="http://schemas.microsoft.com/office/drawing/2014/main" id="{9228552E-C8B1-4A80-8448-0787CE0FC704}"/>
@@ -6958,364 +9268,6 @@
       </p:sp>
       <p:pic>
         <p:nvPicPr>
-          <p:cNvPr id="5" name="Afbeelding 4" descr="Afbeelding met wiel, speelgoed, band, Schaalmodel&#10;&#10;Door AI gegenereerde inhoud is mogelijk onjuist.">
-            <a:extLst>
-              <a:ext uri="{FF2B5EF4-FFF2-40B4-BE49-F238E27FC236}">
-                <a16:creationId xmlns:a16="http://schemas.microsoft.com/office/drawing/2014/main" id="{C6F596F5-18C6-0F3E-91BE-CE3BA52E9C55}"/>
-              </a:ext>
-            </a:extLst>
-          </p:cNvPr>
-          <p:cNvPicPr>
-            <a:picLocks noChangeAspect="1"/>
-          </p:cNvPicPr>
-          <p:nvPr/>
-        </p:nvPicPr>
-        <p:blipFill>
-          <a:blip r:embed="rId3">
-            <a:alphaModFix amt="35000"/>
-            <a:extLst>
-              <a:ext uri="{28A0092B-C50C-407E-A947-70E740481C1C}">
-                <a14:useLocalDpi xmlns:a14="http://schemas.microsoft.com/office/drawing/2010/main" val="0"/>
-              </a:ext>
-            </a:extLst>
-          </a:blip>
-          <a:srcRect/>
-          <a:stretch/>
-        </p:blipFill>
-        <p:spPr>
-          <a:xfrm>
-            <a:off x="20" y="10"/>
-            <a:ext cx="12191980" cy="6857990"/>
-          </a:xfrm>
-          <a:prstGeom prst="rect">
-            <a:avLst/>
-          </a:prstGeom>
-        </p:spPr>
-      </p:pic>
-      <p:sp>
-        <p:nvSpPr>
-          <p:cNvPr id="2" name="Titel 1">
-            <a:extLst>
-              <a:ext uri="{FF2B5EF4-FFF2-40B4-BE49-F238E27FC236}">
-                <a16:creationId xmlns:a16="http://schemas.microsoft.com/office/drawing/2014/main" id="{E657426F-BFF0-1572-7573-52D8DBB0BDFC}"/>
-              </a:ext>
-            </a:extLst>
-          </p:cNvPr>
-          <p:cNvSpPr>
-            <a:spLocks noGrp="1"/>
-          </p:cNvSpPr>
-          <p:nvPr>
-            <p:ph type="title"/>
-          </p:nvPr>
-        </p:nvSpPr>
-        <p:spPr>
-          <a:xfrm>
-            <a:off x="838200" y="365125"/>
-            <a:ext cx="10515600" cy="1325563"/>
-          </a:xfrm>
-        </p:spPr>
-        <p:txBody>
-          <a:bodyPr>
-            <a:normAutofit/>
-          </a:bodyPr>
-          <a:lstStyle/>
-          <a:p>
-            <a:r>
-              <a:rPr lang="nl-BE" noProof="0" dirty="0">
-                <a:solidFill>
-                  <a:srgbClr val="FFFFFF"/>
-                </a:solidFill>
-              </a:rPr>
-              <a:t>Inhoud</a:t>
-            </a:r>
-          </a:p>
-        </p:txBody>
-      </p:sp>
-      <p:sp>
-        <p:nvSpPr>
-          <p:cNvPr id="3" name="Tijdelijke aanduiding voor inhoud 2">
-            <a:extLst>
-              <a:ext uri="{FF2B5EF4-FFF2-40B4-BE49-F238E27FC236}">
-                <a16:creationId xmlns:a16="http://schemas.microsoft.com/office/drawing/2014/main" id="{11A7B326-49A2-B512-FDF0-716BEDDABD24}"/>
-              </a:ext>
-            </a:extLst>
-          </p:cNvPr>
-          <p:cNvSpPr>
-            <a:spLocks noGrp="1"/>
-          </p:cNvSpPr>
-          <p:nvPr>
-            <p:ph idx="1"/>
-          </p:nvPr>
-        </p:nvSpPr>
-        <p:spPr>
-          <a:xfrm>
-            <a:off x="838200" y="1825625"/>
-            <a:ext cx="10515600" cy="4351338"/>
-          </a:xfrm>
-        </p:spPr>
-        <p:txBody>
-          <a:bodyPr>
-            <a:normAutofit/>
-          </a:bodyPr>
-          <a:lstStyle/>
-          <a:p>
-            <a:r>
-              <a:rPr lang="nl-BE" noProof="0" dirty="0">
-                <a:solidFill>
-                  <a:srgbClr val="FFFFFF"/>
-                </a:solidFill>
-              </a:rPr>
-              <a:t>Algemene uitleg</a:t>
-            </a:r>
-          </a:p>
-          <a:p>
-            <a:r>
-              <a:rPr lang="nl-BE" noProof="0" dirty="0">
-                <a:solidFill>
-                  <a:srgbClr val="FFFFFF"/>
-                </a:solidFill>
-              </a:rPr>
-              <a:t>Demo</a:t>
-            </a:r>
-          </a:p>
-          <a:p>
-            <a:r>
-              <a:rPr lang="nl-BE" noProof="0" dirty="0">
-                <a:solidFill>
-                  <a:srgbClr val="FFFFFF"/>
-                </a:solidFill>
-              </a:rPr>
-              <a:t>Hardware</a:t>
-            </a:r>
-          </a:p>
-          <a:p>
-            <a:r>
-              <a:rPr lang="nl-BE" noProof="0" dirty="0">
-                <a:solidFill>
-                  <a:srgbClr val="FFFFFF"/>
-                </a:solidFill>
-              </a:rPr>
-              <a:t>Software</a:t>
-            </a:r>
-          </a:p>
-          <a:p>
-            <a:r>
-              <a:rPr lang="nl-BE" noProof="0" dirty="0">
-                <a:solidFill>
-                  <a:srgbClr val="FFFFFF"/>
-                </a:solidFill>
-              </a:rPr>
-              <a:t>Extra</a:t>
-            </a:r>
-          </a:p>
-          <a:p>
-            <a:r>
-              <a:rPr lang="nl-BE" noProof="0" dirty="0">
-                <a:solidFill>
-                  <a:srgbClr val="FFFFFF"/>
-                </a:solidFill>
-              </a:rPr>
-              <a:t>Afsluiter</a:t>
-            </a:r>
-          </a:p>
-          <a:p>
-            <a:endParaRPr lang="nl-BE" noProof="0" dirty="0">
-              <a:solidFill>
-                <a:srgbClr val="FFFFFF"/>
-              </a:solidFill>
-            </a:endParaRPr>
-          </a:p>
-          <a:p>
-            <a:endParaRPr lang="nl-BE" noProof="0" dirty="0">
-              <a:solidFill>
-                <a:srgbClr val="FFFFFF"/>
-              </a:solidFill>
-            </a:endParaRPr>
-          </a:p>
-        </p:txBody>
-      </p:sp>
-      <p:sp>
-        <p:nvSpPr>
-          <p:cNvPr id="7" name="Tijdelijke aanduiding voor dianummer 6">
-            <a:extLst>
-              <a:ext uri="{FF2B5EF4-FFF2-40B4-BE49-F238E27FC236}">
-                <a16:creationId xmlns:a16="http://schemas.microsoft.com/office/drawing/2014/main" id="{22E3C48A-13DA-7D33-CB31-8DA206A087EB}"/>
-              </a:ext>
-            </a:extLst>
-          </p:cNvPr>
-          <p:cNvSpPr>
-            <a:spLocks noGrp="1"/>
-          </p:cNvSpPr>
-          <p:nvPr>
-            <p:ph type="sldNum" sz="quarter" idx="12"/>
-          </p:nvPr>
-        </p:nvSpPr>
-        <p:spPr/>
-        <p:txBody>
-          <a:bodyPr/>
-          <a:lstStyle/>
-          <a:p>
-            <a:fld id="{CF769C61-EDDB-4958-A626-BA0E0F3C6BBE}" type="slidenum">
-              <a:rPr lang="nl-BE" noProof="0" smtClean="0"/>
-              <a:t>2</a:t>
-            </a:fld>
-            <a:endParaRPr lang="nl-BE" noProof="0" dirty="0"/>
-          </a:p>
-        </p:txBody>
-      </p:sp>
-      <p:sp>
-        <p:nvSpPr>
-          <p:cNvPr id="4" name="Tijdelijke aanduiding voor voettekst 3">
-            <a:extLst>
-              <a:ext uri="{FF2B5EF4-FFF2-40B4-BE49-F238E27FC236}">
-                <a16:creationId xmlns:a16="http://schemas.microsoft.com/office/drawing/2014/main" id="{C275525B-AEBF-7F6D-9C7F-0FABFB19558E}"/>
-              </a:ext>
-            </a:extLst>
-          </p:cNvPr>
-          <p:cNvSpPr>
-            <a:spLocks noGrp="1"/>
-          </p:cNvSpPr>
-          <p:nvPr>
-            <p:ph type="ftr" sz="quarter" idx="11"/>
-          </p:nvPr>
-        </p:nvSpPr>
-        <p:spPr/>
-        <p:txBody>
-          <a:bodyPr/>
-          <a:lstStyle/>
-          <a:p>
-            <a:r>
-              <a:rPr lang="nl-BE" noProof="0" dirty="0"/>
-              <a:t>Inhoud</a:t>
-            </a:r>
-          </a:p>
-        </p:txBody>
-      </p:sp>
-    </p:spTree>
-    <p:extLst>
-      <p:ext uri="{BB962C8B-B14F-4D97-AF65-F5344CB8AC3E}">
-        <p14:creationId xmlns:p14="http://schemas.microsoft.com/office/powerpoint/2010/main" val="1157252764"/>
-      </p:ext>
-    </p:extLst>
-  </p:cSld>
-  <p:clrMapOvr>
-    <a:overrideClrMapping bg1="dk1" tx1="lt1" bg2="dk2" tx2="lt2" accent1="accent1" accent2="accent2" accent3="accent3" accent4="accent4" accent5="accent5" accent6="accent6" hlink="hlink" folHlink="folHlink"/>
-  </p:clrMapOvr>
-  <mc:AlternateContent xmlns:mc="http://schemas.openxmlformats.org/markup-compatibility/2006">
-    <mc:Choice xmlns:p14="http://schemas.microsoft.com/office/powerpoint/2010/main" Requires="p14">
-      <p:transition spd="med" p14:dur="700">
-        <p:fade/>
-        <p:sndAc>
-          <p:stSnd>
-            <p:snd r:embed="rId2" name="click.wav"/>
-          </p:stSnd>
-        </p:sndAc>
-      </p:transition>
-    </mc:Choice>
-    <mc:Fallback>
-      <p:transition spd="med">
-        <p:fade/>
-        <p:sndAc>
-          <p:stSnd>
-            <p:snd r:embed="rId2" name="click.wav"/>
-          </p:stSnd>
-        </p:sndAc>
-      </p:transition>
-    </mc:Fallback>
-  </mc:AlternateContent>
-</p:sld>
-</file>
-
-<file path=ppt/slides/slide3.xml><?xml version="1.0" encoding="utf-8"?>
-<p:sld xmlns:a="http://schemas.openxmlformats.org/drawingml/2006/main" xmlns:r="http://schemas.openxmlformats.org/officeDocument/2006/relationships" xmlns:p="http://schemas.openxmlformats.org/presentationml/2006/main">
-  <p:cSld>
-    <p:bg>
-      <p:bgPr>
-        <a:solidFill>
-          <a:schemeClr val="bg1"/>
-        </a:solidFill>
-        <a:effectLst/>
-      </p:bgPr>
-    </p:bg>
-    <p:spTree>
-      <p:nvGrpSpPr>
-        <p:cNvPr id="1" name=""/>
-        <p:cNvGrpSpPr/>
-        <p:nvPr/>
-      </p:nvGrpSpPr>
-      <p:grpSpPr>
-        <a:xfrm>
-          <a:off x="0" y="0"/>
-          <a:ext cx="0" cy="0"/>
-          <a:chOff x="0" y="0"/>
-          <a:chExt cx="0" cy="0"/>
-        </a:xfrm>
-      </p:grpSpPr>
-      <p:sp>
-        <p:nvSpPr>
-          <p:cNvPr id="11" name="Rectangle 10">
-            <a:extLst>
-              <a:ext uri="{FF2B5EF4-FFF2-40B4-BE49-F238E27FC236}">
-                <a16:creationId xmlns:a16="http://schemas.microsoft.com/office/drawing/2014/main" id="{9228552E-C8B1-4A80-8448-0787CE0FC704}"/>
-              </a:ext>
-              <a:ext uri="{C183D7F6-B498-43B3-948B-1728B52AA6E4}">
-                <adec:decorative xmlns:adec="http://schemas.microsoft.com/office/drawing/2017/decorative" val="1"/>
-              </a:ext>
-            </a:extLst>
-          </p:cNvPr>
-          <p:cNvSpPr>
-            <a:spLocks noGrp="1" noRot="1" noChangeAspect="1" noMove="1" noResize="1" noEditPoints="1" noAdjustHandles="1" noChangeArrowheads="1" noChangeShapeType="1" noTextEdit="1"/>
-          </p:cNvSpPr>
-          <p:nvPr>
-            <p:extLst>
-              <p:ext uri="{386F3935-93C4-4BCD-93E2-E3B085C9AB24}">
-                <p16:designElem xmlns:p16="http://schemas.microsoft.com/office/powerpoint/2015/main" val="1"/>
-              </p:ext>
-            </p:extLst>
-          </p:nvPr>
-        </p:nvSpPr>
-        <p:spPr>
-          <a:xfrm>
-            <a:off x="0" y="0"/>
-            <a:ext cx="12192000" cy="6858000"/>
-          </a:xfrm>
-          <a:prstGeom prst="rect">
-            <a:avLst/>
-          </a:prstGeom>
-          <a:solidFill>
-            <a:srgbClr val="000000"/>
-          </a:solidFill>
-          <a:ln>
-            <a:noFill/>
-          </a:ln>
-        </p:spPr>
-        <p:style>
-          <a:lnRef idx="2">
-            <a:schemeClr val="accent1">
-              <a:shade val="50000"/>
-            </a:schemeClr>
-          </a:lnRef>
-          <a:fillRef idx="1">
-            <a:schemeClr val="accent1"/>
-          </a:fillRef>
-          <a:effectRef idx="0">
-            <a:schemeClr val="accent1"/>
-          </a:effectRef>
-          <a:fontRef idx="minor">
-            <a:schemeClr val="lt1"/>
-          </a:fontRef>
-        </p:style>
-        <p:txBody>
-          <a:bodyPr rtlCol="0" anchor="ctr"/>
-          <a:lstStyle/>
-          <a:p>
-            <a:pPr algn="ctr"/>
-            <a:endParaRPr lang="nl-BE" noProof="0" dirty="0"/>
-          </a:p>
-        </p:txBody>
-      </p:sp>
-      <p:pic>
-        <p:nvPicPr>
           <p:cNvPr id="6" name="Afbeelding 5" descr="Afbeelding met wiel, speelgoed, band, Schaalmodel&#10;&#10;Door AI gegenereerde inhoud is mogelijk onjuist.">
             <a:extLst>
               <a:ext uri="{FF2B5EF4-FFF2-40B4-BE49-F238E27FC236}">
@@ -7575,13 +9527,13 @@
   <p:clrMapOvr>
     <a:overrideClrMapping bg1="dk1" tx1="lt1" bg2="dk2" tx2="lt2" accent1="accent1" accent2="accent2" accent3="accent3" accent4="accent4" accent5="accent5" accent6="accent6" hlink="hlink" folHlink="folHlink"/>
   </p:clrMapOvr>
-  <mc:AlternateContent xmlns:mc="http://schemas.openxmlformats.org/markup-compatibility/2006">
-    <mc:Choice xmlns:p14="http://schemas.microsoft.com/office/powerpoint/2010/main" Requires="p14">
+  <mc:AlternateContent xmlns:mc="http://schemas.openxmlformats.org/markup-compatibility/2006" xmlns:p14="http://schemas.microsoft.com/office/powerpoint/2010/main">
+    <mc:Choice Requires="p14">
       <p:transition spd="med" p14:dur="700">
         <p:fade/>
       </p:transition>
     </mc:Choice>
-    <mc:Fallback>
+    <mc:Fallback xmlns="">
       <p:transition spd="med">
         <p:fade/>
       </p:transition>
@@ -7943,13 +9895,13 @@
   <p:clrMapOvr>
     <a:overrideClrMapping bg1="dk1" tx1="lt1" bg2="dk2" tx2="lt2" accent1="accent1" accent2="accent2" accent3="accent3" accent4="accent4" accent5="accent5" accent6="accent6" hlink="hlink" folHlink="folHlink"/>
   </p:clrMapOvr>
-  <mc:AlternateContent xmlns:mc="http://schemas.openxmlformats.org/markup-compatibility/2006">
-    <mc:Choice xmlns:p14="http://schemas.microsoft.com/office/powerpoint/2010/main" Requires="p14">
+  <mc:AlternateContent xmlns:mc="http://schemas.openxmlformats.org/markup-compatibility/2006" xmlns:p14="http://schemas.microsoft.com/office/powerpoint/2010/main">
+    <mc:Choice Requires="p14">
       <p:transition spd="med" p14:dur="700">
         <p:fade/>
       </p:transition>
     </mc:Choice>
-    <mc:Fallback>
+    <mc:Fallback xmlns="">
       <p:transition spd="med">
         <p:fade/>
       </p:transition>
@@ -8279,13 +10231,13 @@
   <p:clrMapOvr>
     <a:overrideClrMapping bg1="dk1" tx1="lt1" bg2="dk2" tx2="lt2" accent1="accent1" accent2="accent2" accent3="accent3" accent4="accent4" accent5="accent5" accent6="accent6" hlink="hlink" folHlink="folHlink"/>
   </p:clrMapOvr>
-  <mc:AlternateContent xmlns:mc="http://schemas.openxmlformats.org/markup-compatibility/2006">
-    <mc:Choice xmlns:p14="http://schemas.microsoft.com/office/powerpoint/2010/main" Requires="p14">
+  <mc:AlternateContent xmlns:mc="http://schemas.openxmlformats.org/markup-compatibility/2006" xmlns:p14="http://schemas.microsoft.com/office/powerpoint/2010/main">
+    <mc:Choice Requires="p14">
       <p:transition spd="med" p14:dur="700">
         <p:fade/>
       </p:transition>
     </mc:Choice>
-    <mc:Fallback>
+    <mc:Fallback xmlns="">
       <p:transition spd="med">
         <p:fade/>
       </p:transition>
@@ -9985,13 +11937,13 @@
   <p:clrMapOvr>
     <a:masterClrMapping/>
   </p:clrMapOvr>
-  <mc:AlternateContent xmlns:mc="http://schemas.openxmlformats.org/markup-compatibility/2006">
-    <mc:Choice xmlns:p14="http://schemas.microsoft.com/office/powerpoint/2010/main" Requires="p14">
+  <mc:AlternateContent xmlns:mc="http://schemas.openxmlformats.org/markup-compatibility/2006" xmlns:p14="http://schemas.microsoft.com/office/powerpoint/2010/main">
+    <mc:Choice Requires="p14">
       <p:transition spd="med" p14:dur="700">
         <p:fade/>
       </p:transition>
     </mc:Choice>
-    <mc:Fallback>
+    <mc:Fallback xmlns="">
       <p:transition spd="med">
         <p:fade/>
       </p:transition>
@@ -10562,13 +12514,13 @@
   <p:clrMapOvr>
     <a:masterClrMapping/>
   </p:clrMapOvr>
-  <mc:AlternateContent xmlns:mc="http://schemas.openxmlformats.org/markup-compatibility/2006">
-    <mc:Choice xmlns:p14="http://schemas.microsoft.com/office/powerpoint/2010/main" Requires="p14">
+  <mc:AlternateContent xmlns:mc="http://schemas.openxmlformats.org/markup-compatibility/2006" xmlns:p14="http://schemas.microsoft.com/office/powerpoint/2010/main">
+    <mc:Choice Requires="p14">
       <p:transition spd="med" p14:dur="700">
         <p:fade/>
       </p:transition>
     </mc:Choice>
-    <mc:Fallback>
+    <mc:Fallback xmlns="">
       <p:transition spd="med">
         <p:fade/>
       </p:transition>
@@ -11068,13 +13020,13 @@
   <p:clrMapOvr>
     <a:masterClrMapping/>
   </p:clrMapOvr>
-  <mc:AlternateContent xmlns:mc="http://schemas.openxmlformats.org/markup-compatibility/2006">
-    <mc:Choice xmlns:p14="http://schemas.microsoft.com/office/powerpoint/2010/main" Requires="p14">
+  <mc:AlternateContent xmlns:mc="http://schemas.openxmlformats.org/markup-compatibility/2006" xmlns:p14="http://schemas.microsoft.com/office/powerpoint/2010/main">
+    <mc:Choice Requires="p14">
       <p:transition spd="med" p14:dur="700">
         <p:fade/>
       </p:transition>
     </mc:Choice>
-    <mc:Fallback>
+    <mc:Fallback xmlns="">
       <p:transition spd="med">
         <p:fade/>
       </p:transition>
@@ -11518,13 +13470,13 @@
   <p:clrMapOvr>
     <a:masterClrMapping/>
   </p:clrMapOvr>
-  <mc:AlternateContent xmlns:mc="http://schemas.openxmlformats.org/markup-compatibility/2006">
-    <mc:Choice xmlns:p14="http://schemas.microsoft.com/office/powerpoint/2010/main" Requires="p14">
+  <mc:AlternateContent xmlns:mc="http://schemas.openxmlformats.org/markup-compatibility/2006" xmlns:p14="http://schemas.microsoft.com/office/powerpoint/2010/main">
+    <mc:Choice Requires="p14">
       <p:transition spd="med" p14:dur="700">
         <p:fade/>
       </p:transition>
     </mc:Choice>
-    <mc:Fallback>
+    <mc:Fallback xmlns="">
       <p:transition spd="med">
         <p:fade/>
       </p:transition>

--- a/Robot met mecanum wheels.pptx
+++ b/Robot met mecanum wheels.pptx
@@ -5,7 +5,7 @@
     <p:sldMasterId id="2147483648" r:id="rId1"/>
   </p:sldMasterIdLst>
   <p:notesMasterIdLst>
-    <p:notesMasterId r:id="rId23"/>
+    <p:notesMasterId r:id="rId25"/>
   </p:notesMasterIdLst>
   <p:sldIdLst>
     <p:sldId id="256" r:id="rId2"/>
@@ -22,13 +22,15 @@
     <p:sldId id="270" r:id="rId13"/>
     <p:sldId id="271" r:id="rId14"/>
     <p:sldId id="272" r:id="rId15"/>
-    <p:sldId id="273" r:id="rId16"/>
-    <p:sldId id="275" r:id="rId17"/>
-    <p:sldId id="274" r:id="rId18"/>
-    <p:sldId id="276" r:id="rId19"/>
-    <p:sldId id="268" r:id="rId20"/>
-    <p:sldId id="266" r:id="rId21"/>
-    <p:sldId id="267" r:id="rId22"/>
+    <p:sldId id="277" r:id="rId16"/>
+    <p:sldId id="278" r:id="rId17"/>
+    <p:sldId id="273" r:id="rId18"/>
+    <p:sldId id="275" r:id="rId19"/>
+    <p:sldId id="274" r:id="rId20"/>
+    <p:sldId id="276" r:id="rId21"/>
+    <p:sldId id="268" r:id="rId22"/>
+    <p:sldId id="266" r:id="rId23"/>
+    <p:sldId id="267" r:id="rId24"/>
   </p:sldIdLst>
   <p:sldSz cx="12192000" cy="6858000"/>
   <p:notesSz cx="6858000" cy="9144000"/>
@@ -987,6 +989,18 @@
   <p:clrMapOvr>
     <a:masterClrMapping/>
   </p:clrMapOvr>
+  <mc:AlternateContent xmlns:mc="http://schemas.openxmlformats.org/markup-compatibility/2006">
+    <mc:Choice xmlns:p159="http://schemas.microsoft.com/office/powerpoint/2015/09/main" Requires="p159">
+      <p:transition xmlns:p14="http://schemas.microsoft.com/office/powerpoint/2010/main" spd="slow" p14:dur="2000">
+        <p159:morph option="byObject"/>
+      </p:transition>
+    </mc:Choice>
+    <mc:Fallback>
+      <p:transition spd="slow">
+        <p:fade/>
+      </p:transition>
+    </mc:Fallback>
+  </mc:AlternateContent>
 </p:sldLayout>
 </file>
 
@@ -1187,6 +1201,18 @@
   <p:clrMapOvr>
     <a:masterClrMapping/>
   </p:clrMapOvr>
+  <mc:AlternateContent xmlns:mc="http://schemas.openxmlformats.org/markup-compatibility/2006">
+    <mc:Choice xmlns:p159="http://schemas.microsoft.com/office/powerpoint/2015/09/main" Requires="p159">
+      <p:transition xmlns:p14="http://schemas.microsoft.com/office/powerpoint/2010/main" spd="slow" p14:dur="2000">
+        <p159:morph option="byObject"/>
+      </p:transition>
+    </mc:Choice>
+    <mc:Fallback>
+      <p:transition spd="slow">
+        <p:fade/>
+      </p:transition>
+    </mc:Fallback>
+  </mc:AlternateContent>
 </p:sldLayout>
 </file>
 
@@ -1397,6 +1423,18 @@
   <p:clrMapOvr>
     <a:masterClrMapping/>
   </p:clrMapOvr>
+  <mc:AlternateContent xmlns:mc="http://schemas.openxmlformats.org/markup-compatibility/2006">
+    <mc:Choice xmlns:p159="http://schemas.microsoft.com/office/powerpoint/2015/09/main" Requires="p159">
+      <p:transition xmlns:p14="http://schemas.microsoft.com/office/powerpoint/2010/main" spd="slow" p14:dur="2000">
+        <p159:morph option="byObject"/>
+      </p:transition>
+    </mc:Choice>
+    <mc:Fallback>
+      <p:transition spd="slow">
+        <p:fade/>
+      </p:transition>
+    </mc:Fallback>
+  </mc:AlternateContent>
 </p:sldLayout>
 </file>
 
@@ -1597,6 +1635,18 @@
   <p:clrMapOvr>
     <a:masterClrMapping/>
   </p:clrMapOvr>
+  <mc:AlternateContent xmlns:mc="http://schemas.openxmlformats.org/markup-compatibility/2006">
+    <mc:Choice xmlns:p159="http://schemas.microsoft.com/office/powerpoint/2015/09/main" Requires="p159">
+      <p:transition xmlns:p14="http://schemas.microsoft.com/office/powerpoint/2010/main" spd="slow" p14:dur="2000">
+        <p159:morph option="byObject"/>
+      </p:transition>
+    </mc:Choice>
+    <mc:Fallback>
+      <p:transition spd="slow">
+        <p:fade/>
+      </p:transition>
+    </mc:Fallback>
+  </mc:AlternateContent>
 </p:sldLayout>
 </file>
 
@@ -1873,6 +1923,18 @@
   <p:clrMapOvr>
     <a:masterClrMapping/>
   </p:clrMapOvr>
+  <mc:AlternateContent xmlns:mc="http://schemas.openxmlformats.org/markup-compatibility/2006">
+    <mc:Choice xmlns:p159="http://schemas.microsoft.com/office/powerpoint/2015/09/main" Requires="p159">
+      <p:transition xmlns:p14="http://schemas.microsoft.com/office/powerpoint/2010/main" spd="slow" p14:dur="2000">
+        <p159:morph option="byObject"/>
+      </p:transition>
+    </mc:Choice>
+    <mc:Fallback>
+      <p:transition spd="slow">
+        <p:fade/>
+      </p:transition>
+    </mc:Fallback>
+  </mc:AlternateContent>
 </p:sldLayout>
 </file>
 
@@ -2141,6 +2203,18 @@
   <p:clrMapOvr>
     <a:masterClrMapping/>
   </p:clrMapOvr>
+  <mc:AlternateContent xmlns:mc="http://schemas.openxmlformats.org/markup-compatibility/2006">
+    <mc:Choice xmlns:p159="http://schemas.microsoft.com/office/powerpoint/2015/09/main" Requires="p159">
+      <p:transition xmlns:p14="http://schemas.microsoft.com/office/powerpoint/2010/main" spd="slow" p14:dur="2000">
+        <p159:morph option="byObject"/>
+      </p:transition>
+    </mc:Choice>
+    <mc:Fallback>
+      <p:transition spd="slow">
+        <p:fade/>
+      </p:transition>
+    </mc:Fallback>
+  </mc:AlternateContent>
 </p:sldLayout>
 </file>
 
@@ -2556,6 +2630,18 @@
   <p:clrMapOvr>
     <a:masterClrMapping/>
   </p:clrMapOvr>
+  <mc:AlternateContent xmlns:mc="http://schemas.openxmlformats.org/markup-compatibility/2006">
+    <mc:Choice xmlns:p159="http://schemas.microsoft.com/office/powerpoint/2015/09/main" Requires="p159">
+      <p:transition xmlns:p14="http://schemas.microsoft.com/office/powerpoint/2010/main" spd="slow" p14:dur="2000">
+        <p159:morph option="byObject"/>
+      </p:transition>
+    </mc:Choice>
+    <mc:Fallback>
+      <p:transition spd="slow">
+        <p:fade/>
+      </p:transition>
+    </mc:Fallback>
+  </mc:AlternateContent>
 </p:sldLayout>
 </file>
 
@@ -2698,6 +2784,18 @@
   <p:clrMapOvr>
     <a:masterClrMapping/>
   </p:clrMapOvr>
+  <mc:AlternateContent xmlns:mc="http://schemas.openxmlformats.org/markup-compatibility/2006">
+    <mc:Choice xmlns:p159="http://schemas.microsoft.com/office/powerpoint/2015/09/main" Requires="p159">
+      <p:transition xmlns:p14="http://schemas.microsoft.com/office/powerpoint/2010/main" spd="slow" p14:dur="2000">
+        <p159:morph option="byObject"/>
+      </p:transition>
+    </mc:Choice>
+    <mc:Fallback>
+      <p:transition spd="slow">
+        <p:fade/>
+      </p:transition>
+    </mc:Fallback>
+  </mc:AlternateContent>
 </p:sldLayout>
 </file>
 
@@ -2811,6 +2909,18 @@
   <p:clrMapOvr>
     <a:masterClrMapping/>
   </p:clrMapOvr>
+  <mc:AlternateContent xmlns:mc="http://schemas.openxmlformats.org/markup-compatibility/2006">
+    <mc:Choice xmlns:p159="http://schemas.microsoft.com/office/powerpoint/2015/09/main" Requires="p159">
+      <p:transition xmlns:p14="http://schemas.microsoft.com/office/powerpoint/2010/main" spd="slow" p14:dur="2000">
+        <p159:morph option="byObject"/>
+      </p:transition>
+    </mc:Choice>
+    <mc:Fallback>
+      <p:transition spd="slow">
+        <p:fade/>
+      </p:transition>
+    </mc:Fallback>
+  </mc:AlternateContent>
 </p:sldLayout>
 </file>
 
@@ -3124,6 +3234,18 @@
   <p:clrMapOvr>
     <a:masterClrMapping/>
   </p:clrMapOvr>
+  <mc:AlternateContent xmlns:mc="http://schemas.openxmlformats.org/markup-compatibility/2006">
+    <mc:Choice xmlns:p159="http://schemas.microsoft.com/office/powerpoint/2015/09/main" Requires="p159">
+      <p:transition xmlns:p14="http://schemas.microsoft.com/office/powerpoint/2010/main" spd="slow" p14:dur="2000">
+        <p159:morph option="byObject"/>
+      </p:transition>
+    </mc:Choice>
+    <mc:Fallback>
+      <p:transition spd="slow">
+        <p:fade/>
+      </p:transition>
+    </mc:Fallback>
+  </mc:AlternateContent>
 </p:sldLayout>
 </file>
 
@@ -3413,6 +3535,18 @@
   <p:clrMapOvr>
     <a:masterClrMapping/>
   </p:clrMapOvr>
+  <mc:AlternateContent xmlns:mc="http://schemas.openxmlformats.org/markup-compatibility/2006">
+    <mc:Choice xmlns:p159="http://schemas.microsoft.com/office/powerpoint/2015/09/main" Requires="p159">
+      <p:transition xmlns:p14="http://schemas.microsoft.com/office/powerpoint/2010/main" spd="slow" p14:dur="2000">
+        <p159:morph option="byObject"/>
+      </p:transition>
+    </mc:Choice>
+    <mc:Fallback>
+      <p:transition spd="slow">
+        <p:fade/>
+      </p:transition>
+    </mc:Fallback>
+  </mc:AlternateContent>
 </p:sldLayout>
 </file>
 
@@ -3703,6 +3837,18 @@
     <p:sldLayoutId id="2147483658" r:id="rId10"/>
     <p:sldLayoutId id="2147483659" r:id="rId11"/>
   </p:sldLayoutIdLst>
+  <mc:AlternateContent xmlns:mc="http://schemas.openxmlformats.org/markup-compatibility/2006">
+    <mc:Choice xmlns:p159="http://schemas.microsoft.com/office/powerpoint/2015/09/main" Requires="p159">
+      <p:transition xmlns:p14="http://schemas.microsoft.com/office/powerpoint/2010/main" spd="slow" p14:dur="2000">
+        <p159:morph option="byObject"/>
+      </p:transition>
+    </mc:Choice>
+    <mc:Fallback>
+      <p:transition spd="slow">
+        <p:fade/>
+      </p:transition>
+    </mc:Fallback>
+  </mc:AlternateContent>
   <p:hf hdr="0" dt="0"/>
   <p:txStyles>
     <p:titleStyle>
@@ -4266,214 +4412,18 @@
   <p:clrMapOvr>
     <a:overrideClrMapping bg1="dk1" tx1="lt1" bg2="dk2" tx2="lt2" accent1="accent1" accent2="accent2" accent3="accent3" accent4="accent4" accent5="accent5" accent6="accent6" hlink="hlink" folHlink="folHlink"/>
   </p:clrMapOvr>
-  <mc:AlternateContent xmlns:mc="http://schemas.openxmlformats.org/markup-compatibility/2006" xmlns:p15="http://schemas.microsoft.com/office/powerpoint/2012/main">
-    <mc:Choice Requires="p15">
-      <p:transition xmlns:p14="http://schemas.microsoft.com/office/powerpoint/2010/main" spd="slow" p14:dur="5000">
-        <p15:prstTrans prst="curtains"/>
+  <mc:AlternateContent xmlns:mc="http://schemas.openxmlformats.org/markup-compatibility/2006">
+    <mc:Choice xmlns:p159="http://schemas.microsoft.com/office/powerpoint/2015/09/main" Requires="p159">
+      <p:transition xmlns:p14="http://schemas.microsoft.com/office/powerpoint/2010/main" spd="slow" p14:dur="2000">
+        <p159:morph option="byObject"/>
       </p:transition>
     </mc:Choice>
-    <mc:Fallback xmlns="">
+    <mc:Fallback>
       <p:transition spd="slow">
         <p:fade/>
       </p:transition>
     </mc:Fallback>
   </mc:AlternateContent>
-  <p:timing>
-    <p:tnLst>
-      <p:par>
-        <p:cTn id="1" dur="indefinite" restart="never" nodeType="tmRoot">
-          <p:childTnLst>
-            <p:seq concurrent="1" nextAc="seek">
-              <p:cTn id="2" dur="indefinite" nodeType="mainSeq">
-                <p:childTnLst>
-                  <p:par>
-                    <p:cTn id="3" fill="hold">
-                      <p:stCondLst>
-                        <p:cond delay="indefinite"/>
-                        <p:cond evt="onBegin" delay="0">
-                          <p:tn val="2"/>
-                        </p:cond>
-                      </p:stCondLst>
-                      <p:childTnLst>
-                        <p:par>
-                          <p:cTn id="4" fill="hold">
-                            <p:stCondLst>
-                              <p:cond delay="0"/>
-                            </p:stCondLst>
-                            <p:childTnLst>
-                              <p:par>
-                                <p:cTn id="5" presetID="10" presetClass="entr" presetSubtype="0" fill="hold" grpId="0" nodeType="withEffect">
-                                  <p:stCondLst>
-                                    <p:cond delay="1000"/>
-                                  </p:stCondLst>
-                                  <p:iterate type="lt">
-                                    <p:tmPct val="10000"/>
-                                  </p:iterate>
-                                  <p:childTnLst>
-                                    <p:set>
-                                      <p:cBhvr>
-                                        <p:cTn id="6" dur="1" fill="hold">
-                                          <p:stCondLst>
-                                            <p:cond delay="0"/>
-                                          </p:stCondLst>
-                                        </p:cTn>
-                                        <p:tgtEl>
-                                          <p:spTgt spid="2"/>
-                                        </p:tgtEl>
-                                        <p:attrNameLst>
-                                          <p:attrName>style.visibility</p:attrName>
-                                        </p:attrNameLst>
-                                      </p:cBhvr>
-                                      <p:to>
-                                        <p:strVal val="visible"/>
-                                      </p:to>
-                                    </p:set>
-                                    <p:animEffect transition="in" filter="fade">
-                                      <p:cBhvr>
-                                        <p:cTn id="7" dur="400"/>
-                                        <p:tgtEl>
-                                          <p:spTgt spid="2"/>
-                                        </p:tgtEl>
-                                      </p:cBhvr>
-                                    </p:animEffect>
-                                  </p:childTnLst>
-                                </p:cTn>
-                              </p:par>
-                            </p:childTnLst>
-                          </p:cTn>
-                        </p:par>
-                      </p:childTnLst>
-                    </p:cTn>
-                  </p:par>
-                  <p:par>
-                    <p:cTn id="8" fill="hold">
-                      <p:stCondLst>
-                        <p:cond delay="indefinite"/>
-                      </p:stCondLst>
-                      <p:childTnLst>
-                        <p:par>
-                          <p:cTn id="9" fill="hold">
-                            <p:stCondLst>
-                              <p:cond delay="0"/>
-                            </p:stCondLst>
-                            <p:childTnLst>
-                              <p:par>
-                                <p:cTn id="10" presetID="10" presetClass="entr" presetSubtype="0" fill="hold" nodeType="clickEffect">
-                                  <p:stCondLst>
-                                    <p:cond delay="0"/>
-                                  </p:stCondLst>
-                                  <p:childTnLst>
-                                    <p:set>
-                                      <p:cBhvr>
-                                        <p:cTn id="11" dur="1" fill="hold">
-                                          <p:stCondLst>
-                                            <p:cond delay="0"/>
-                                          </p:stCondLst>
-                                        </p:cTn>
-                                        <p:tgtEl>
-                                          <p:spTgt spid="3">
-                                            <p:txEl>
-                                              <p:pRg st="0" end="0"/>
-                                            </p:txEl>
-                                          </p:spTgt>
-                                        </p:tgtEl>
-                                        <p:attrNameLst>
-                                          <p:attrName>style.visibility</p:attrName>
-                                        </p:attrNameLst>
-                                      </p:cBhvr>
-                                      <p:to>
-                                        <p:strVal val="visible"/>
-                                      </p:to>
-                                    </p:set>
-                                    <p:animEffect transition="in" filter="fade">
-                                      <p:cBhvr>
-                                        <p:cTn id="12" dur="500"/>
-                                        <p:tgtEl>
-                                          <p:spTgt spid="3">
-                                            <p:txEl>
-                                              <p:pRg st="0" end="0"/>
-                                            </p:txEl>
-                                          </p:spTgt>
-                                        </p:tgtEl>
-                                      </p:cBhvr>
-                                    </p:animEffect>
-                                  </p:childTnLst>
-                                </p:cTn>
-                              </p:par>
-                              <p:par>
-                                <p:cTn id="13" presetID="10" presetClass="entr" presetSubtype="0" fill="hold" nodeType="withEffect">
-                                  <p:stCondLst>
-                                    <p:cond delay="0"/>
-                                  </p:stCondLst>
-                                  <p:childTnLst>
-                                    <p:set>
-                                      <p:cBhvr>
-                                        <p:cTn id="14" dur="1" fill="hold">
-                                          <p:stCondLst>
-                                            <p:cond delay="0"/>
-                                          </p:stCondLst>
-                                        </p:cTn>
-                                        <p:tgtEl>
-                                          <p:spTgt spid="3">
-                                            <p:txEl>
-                                              <p:pRg st="1" end="1"/>
-                                            </p:txEl>
-                                          </p:spTgt>
-                                        </p:tgtEl>
-                                        <p:attrNameLst>
-                                          <p:attrName>style.visibility</p:attrName>
-                                        </p:attrNameLst>
-                                      </p:cBhvr>
-                                      <p:to>
-                                        <p:strVal val="visible"/>
-                                      </p:to>
-                                    </p:set>
-                                    <p:animEffect transition="in" filter="fade">
-                                      <p:cBhvr>
-                                        <p:cTn id="15" dur="500"/>
-                                        <p:tgtEl>
-                                          <p:spTgt spid="3">
-                                            <p:txEl>
-                                              <p:pRg st="1" end="1"/>
-                                            </p:txEl>
-                                          </p:spTgt>
-                                        </p:tgtEl>
-                                      </p:cBhvr>
-                                    </p:animEffect>
-                                  </p:childTnLst>
-                                </p:cTn>
-                              </p:par>
-                            </p:childTnLst>
-                          </p:cTn>
-                        </p:par>
-                      </p:childTnLst>
-                    </p:cTn>
-                  </p:par>
-                </p:childTnLst>
-              </p:cTn>
-              <p:prevCondLst>
-                <p:cond evt="onPrev" delay="0">
-                  <p:tgtEl>
-                    <p:sldTgt/>
-                  </p:tgtEl>
-                </p:cond>
-              </p:prevCondLst>
-              <p:nextCondLst>
-                <p:cond evt="onNext" delay="0">
-                  <p:tgtEl>
-                    <p:sldTgt/>
-                  </p:tgtEl>
-                </p:cond>
-              </p:nextCondLst>
-            </p:seq>
-          </p:childTnLst>
-        </p:cTn>
-      </p:par>
-    </p:tnLst>
-    <p:bldLst>
-      <p:bldP spid="2" grpId="0"/>
-    </p:bldLst>
-  </p:timing>
 </p:sld>
 </file>
 
@@ -4693,14 +4643,14 @@
           <p:nvPr>
             <p:extLst>
               <p:ext uri="{D42A27DB-BD31-4B8C-83A1-F6EECF244321}">
-                <p14:modId xmlns:p14="http://schemas.microsoft.com/office/powerpoint/2010/main" val="1977524594"/>
+                <p14:modId xmlns:p14="http://schemas.microsoft.com/office/powerpoint/2010/main" val="763615021"/>
               </p:ext>
             </p:extLst>
           </p:nvPr>
         </p:nvGraphicFramePr>
         <p:xfrm>
-          <a:off x="335665" y="1307940"/>
-          <a:ext cx="4861367" cy="5370062"/>
+          <a:off x="6162674" y="203429"/>
+          <a:ext cx="5693660" cy="6289446"/>
         </p:xfrm>
         <a:graphic>
           <a:graphicData uri="http://schemas.openxmlformats.org/presentationml/2006/ole">
@@ -4736,8 +4686,8 @@
                     </p:blipFill>
                     <p:spPr bwMode="auto">
                       <a:xfrm>
-                        <a:off x="335665" y="1307940"/>
-                        <a:ext cx="4861367" cy="5370062"/>
+                        <a:off x="6162674" y="203429"/>
+                        <a:ext cx="5693660" cy="6289446"/>
                       </a:xfrm>
                       <a:prstGeom prst="rect">
                         <a:avLst/>
@@ -4761,6 +4711,18 @@
   <p:clrMapOvr>
     <a:masterClrMapping/>
   </p:clrMapOvr>
+  <mc:AlternateContent xmlns:mc="http://schemas.openxmlformats.org/markup-compatibility/2006">
+    <mc:Choice xmlns:p159="http://schemas.microsoft.com/office/powerpoint/2015/09/main" Requires="p159">
+      <p:transition xmlns:p14="http://schemas.microsoft.com/office/powerpoint/2010/main" spd="slow" p14:dur="2000">
+        <p159:morph option="byObject"/>
+      </p:transition>
+    </mc:Choice>
+    <mc:Fallback>
+      <p:transition spd="slow">
+        <p:fade/>
+      </p:transition>
+    </mc:Fallback>
+  </mc:AlternateContent>
 </p:sld>
 </file>
 
@@ -5199,14 +5161,14 @@
   <p:clrMapOvr>
     <a:masterClrMapping/>
   </p:clrMapOvr>
-  <mc:AlternateContent xmlns:mc="http://schemas.openxmlformats.org/markup-compatibility/2006" xmlns:p14="http://schemas.microsoft.com/office/powerpoint/2010/main">
-    <mc:Choice Requires="p14">
-      <p:transition spd="med" p14:dur="700">
-        <p:fade/>
+  <mc:AlternateContent xmlns:mc="http://schemas.openxmlformats.org/markup-compatibility/2006">
+    <mc:Choice xmlns:p159="http://schemas.microsoft.com/office/powerpoint/2015/09/main" Requires="p159">
+      <p:transition xmlns:p14="http://schemas.microsoft.com/office/powerpoint/2010/main" spd="slow" p14:dur="2000">
+        <p159:morph option="byObject"/>
       </p:transition>
     </mc:Choice>
-    <mc:Fallback xmlns="">
-      <p:transition spd="med">
+    <mc:Fallback>
+      <p:transition spd="slow">
         <p:fade/>
       </p:transition>
     </mc:Fallback>
@@ -5430,14 +5392,14 @@
           <p:nvPr>
             <p:extLst>
               <p:ext uri="{D42A27DB-BD31-4B8C-83A1-F6EECF244321}">
-                <p14:modId xmlns:p14="http://schemas.microsoft.com/office/powerpoint/2010/main" val="2797170620"/>
+                <p14:modId xmlns:p14="http://schemas.microsoft.com/office/powerpoint/2010/main" val="1916548165"/>
               </p:ext>
             </p:extLst>
           </p:nvPr>
         </p:nvGraphicFramePr>
         <p:xfrm>
-          <a:off x="196298" y="1185777"/>
-          <a:ext cx="7325830" cy="5535698"/>
+          <a:off x="4327848" y="1195198"/>
+          <a:ext cx="7494037" cy="5662802"/>
         </p:xfrm>
         <a:graphic>
           <a:graphicData uri="http://schemas.openxmlformats.org/presentationml/2006/ole">
@@ -5459,13 +5421,7 @@
                       <p:nvPr/>
                     </p:nvPicPr>
                     <p:blipFill>
-                      <a:blip r:embed="rId3">
-                        <a:extLst>
-                          <a:ext uri="{28A0092B-C50C-407E-A947-70E740481C1C}">
-                            <a14:useLocalDpi xmlns:a14="http://schemas.microsoft.com/office/drawing/2010/main" val="0"/>
-                          </a:ext>
-                        </a:extLst>
-                      </a:blip>
+                      <a:blip r:embed="rId3"/>
                       <a:srcRect/>
                       <a:stretch>
                         <a:fillRect/>
@@ -5473,8 +5429,8 @@
                     </p:blipFill>
                     <p:spPr bwMode="auto">
                       <a:xfrm>
-                        <a:off x="196298" y="1185777"/>
-                        <a:ext cx="7325830" cy="5535698"/>
+                        <a:off x="4327848" y="1195198"/>
+                        <a:ext cx="7494037" cy="5662802"/>
                       </a:xfrm>
                       <a:prstGeom prst="rect">
                         <a:avLst/>
@@ -5498,6 +5454,18 @@
   <p:clrMapOvr>
     <a:masterClrMapping/>
   </p:clrMapOvr>
+  <mc:AlternateContent xmlns:mc="http://schemas.openxmlformats.org/markup-compatibility/2006">
+    <mc:Choice xmlns:p159="http://schemas.microsoft.com/office/powerpoint/2015/09/main" Requires="p159">
+      <p:transition xmlns:p14="http://schemas.microsoft.com/office/powerpoint/2010/main" spd="slow" p14:dur="2000">
+        <p159:morph option="byObject"/>
+      </p:transition>
+    </mc:Choice>
+    <mc:Fallback>
+      <p:transition spd="slow">
+        <p:fade/>
+      </p:transition>
+    </mc:Fallback>
+  </mc:AlternateContent>
 </p:sld>
 </file>
 
@@ -5675,6 +5643,18 @@
   <p:clrMapOvr>
     <a:masterClrMapping/>
   </p:clrMapOvr>
+  <mc:AlternateContent xmlns:mc="http://schemas.openxmlformats.org/markup-compatibility/2006">
+    <mc:Choice xmlns:p159="http://schemas.microsoft.com/office/powerpoint/2015/09/main" Requires="p159">
+      <p:transition xmlns:p14="http://schemas.microsoft.com/office/powerpoint/2010/main" spd="slow" p14:dur="2000">
+        <p159:morph option="byObject"/>
+      </p:transition>
+    </mc:Choice>
+    <mc:Fallback>
+      <p:transition spd="slow">
+        <p:fade/>
+      </p:transition>
+    </mc:Fallback>
+  </mc:AlternateContent>
 </p:sld>
 </file>
 
@@ -5889,14 +5869,14 @@
           <p:nvPr>
             <p:extLst>
               <p:ext uri="{D42A27DB-BD31-4B8C-83A1-F6EECF244321}">
-                <p14:modId xmlns:p14="http://schemas.microsoft.com/office/powerpoint/2010/main" val="2840110718"/>
+                <p14:modId xmlns:p14="http://schemas.microsoft.com/office/powerpoint/2010/main" val="3526718739"/>
               </p:ext>
             </p:extLst>
           </p:nvPr>
         </p:nvGraphicFramePr>
         <p:xfrm>
-          <a:off x="8796130" y="-1"/>
-          <a:ext cx="3303795" cy="6609237"/>
+          <a:off x="3862180" y="365125"/>
+          <a:ext cx="7815470" cy="15634836"/>
         </p:xfrm>
         <a:graphic>
           <a:graphicData uri="http://schemas.openxmlformats.org/presentationml/2006/ole">
@@ -5932,8 +5912,8 @@
                     </p:blipFill>
                     <p:spPr bwMode="auto">
                       <a:xfrm>
-                        <a:off x="8796130" y="-1"/>
-                        <a:ext cx="3303795" cy="6609237"/>
+                        <a:off x="3862180" y="365125"/>
+                        <a:ext cx="7815470" cy="15634836"/>
                       </a:xfrm>
                       <a:prstGeom prst="rect">
                         <a:avLst/>
@@ -5957,10 +5937,634 @@
   <p:clrMapOvr>
     <a:masterClrMapping/>
   </p:clrMapOvr>
+  <mc:AlternateContent xmlns:mc="http://schemas.openxmlformats.org/markup-compatibility/2006">
+    <mc:Choice xmlns:p159="http://schemas.microsoft.com/office/powerpoint/2015/09/main" Requires="p159">
+      <p:transition xmlns:p14="http://schemas.microsoft.com/office/powerpoint/2010/main" spd="slow" p14:dur="2000">
+        <p159:morph option="byObject"/>
+      </p:transition>
+    </mc:Choice>
+    <mc:Fallback>
+      <p:transition spd="slow">
+        <p:fade/>
+      </p:transition>
+    </mc:Fallback>
+  </mc:AlternateContent>
 </p:sld>
 </file>
 
 <file path=ppt/slides/slide15.xml><?xml version="1.0" encoding="utf-8"?>
+<p:sld xmlns:a="http://schemas.openxmlformats.org/drawingml/2006/main" xmlns:r="http://schemas.openxmlformats.org/officeDocument/2006/relationships" xmlns:p="http://schemas.openxmlformats.org/presentationml/2006/main">
+  <p:cSld>
+    <p:spTree>
+      <p:nvGrpSpPr>
+        <p:cNvPr id="1" name="">
+          <a:extLst>
+            <a:ext uri="{FF2B5EF4-FFF2-40B4-BE49-F238E27FC236}">
+              <a16:creationId xmlns:a16="http://schemas.microsoft.com/office/drawing/2014/main" id="{045F034C-AB46-E521-1F69-01168F907998}"/>
+            </a:ext>
+          </a:extLst>
+        </p:cNvPr>
+        <p:cNvGrpSpPr/>
+        <p:nvPr/>
+      </p:nvGrpSpPr>
+      <p:grpSpPr>
+        <a:xfrm>
+          <a:off x="0" y="0"/>
+          <a:ext cx="0" cy="0"/>
+          <a:chOff x="0" y="0"/>
+          <a:chExt cx="0" cy="0"/>
+        </a:xfrm>
+      </p:grpSpPr>
+      <p:sp>
+        <p:nvSpPr>
+          <p:cNvPr id="2" name="Titel 1">
+            <a:extLst>
+              <a:ext uri="{FF2B5EF4-FFF2-40B4-BE49-F238E27FC236}">
+                <a16:creationId xmlns:a16="http://schemas.microsoft.com/office/drawing/2014/main" id="{3C1C6CD8-AB3C-FB49-0452-C72BFA2A6135}"/>
+              </a:ext>
+            </a:extLst>
+          </p:cNvPr>
+          <p:cNvSpPr>
+            <a:spLocks noGrp="1"/>
+          </p:cNvSpPr>
+          <p:nvPr>
+            <p:ph type="title"/>
+          </p:nvPr>
+        </p:nvSpPr>
+        <p:spPr/>
+        <p:txBody>
+          <a:bodyPr/>
+          <a:lstStyle/>
+          <a:p>
+            <a:r>
+              <a:rPr lang="nl-BE" dirty="0"/>
+              <a:t>Declaratie</a:t>
+            </a:r>
+          </a:p>
+        </p:txBody>
+      </p:sp>
+      <p:sp>
+        <p:nvSpPr>
+          <p:cNvPr id="3" name="Tijdelijke aanduiding voor inhoud 2">
+            <a:extLst>
+              <a:ext uri="{FF2B5EF4-FFF2-40B4-BE49-F238E27FC236}">
+                <a16:creationId xmlns:a16="http://schemas.microsoft.com/office/drawing/2014/main" id="{9472AD89-F8D7-C1FD-DFDE-055981D8263B}"/>
+              </a:ext>
+            </a:extLst>
+          </p:cNvPr>
+          <p:cNvSpPr>
+            <a:spLocks noGrp="1"/>
+          </p:cNvSpPr>
+          <p:nvPr>
+            <p:ph idx="1"/>
+          </p:nvPr>
+        </p:nvSpPr>
+        <p:spPr/>
+        <p:txBody>
+          <a:bodyPr/>
+          <a:lstStyle/>
+          <a:p>
+            <a:endParaRPr lang="nl-BE" dirty="0"/>
+          </a:p>
+        </p:txBody>
+      </p:sp>
+      <p:sp>
+        <p:nvSpPr>
+          <p:cNvPr id="4" name="Tijdelijke aanduiding voor voettekst 3">
+            <a:extLst>
+              <a:ext uri="{FF2B5EF4-FFF2-40B4-BE49-F238E27FC236}">
+                <a16:creationId xmlns:a16="http://schemas.microsoft.com/office/drawing/2014/main" id="{37B94F26-896D-1C1C-A59D-1EC4C0DE10B6}"/>
+              </a:ext>
+            </a:extLst>
+          </p:cNvPr>
+          <p:cNvSpPr>
+            <a:spLocks noGrp="1"/>
+          </p:cNvSpPr>
+          <p:nvPr>
+            <p:ph type="ftr" sz="quarter" idx="11"/>
+          </p:nvPr>
+        </p:nvSpPr>
+        <p:spPr/>
+        <p:txBody>
+          <a:bodyPr/>
+          <a:lstStyle/>
+          <a:p>
+            <a:r>
+              <a:rPr lang="nl-BE" dirty="0"/>
+              <a:t>Software</a:t>
+            </a:r>
+          </a:p>
+        </p:txBody>
+      </p:sp>
+      <p:sp>
+        <p:nvSpPr>
+          <p:cNvPr id="5" name="Tijdelijke aanduiding voor dianummer 4">
+            <a:extLst>
+              <a:ext uri="{FF2B5EF4-FFF2-40B4-BE49-F238E27FC236}">
+                <a16:creationId xmlns:a16="http://schemas.microsoft.com/office/drawing/2014/main" id="{825629F2-68EA-8C1C-6732-1937BAEB03A4}"/>
+              </a:ext>
+            </a:extLst>
+          </p:cNvPr>
+          <p:cNvSpPr>
+            <a:spLocks noGrp="1"/>
+          </p:cNvSpPr>
+          <p:nvPr>
+            <p:ph type="sldNum" sz="quarter" idx="12"/>
+          </p:nvPr>
+        </p:nvSpPr>
+        <p:spPr/>
+        <p:txBody>
+          <a:bodyPr/>
+          <a:lstStyle/>
+          <a:p>
+            <a:fld id="{CF769C61-EDDB-4958-A626-BA0E0F3C6BBE}" type="slidenum">
+              <a:rPr lang="nl-BE" smtClean="0"/>
+              <a:t>15</a:t>
+            </a:fld>
+            <a:endParaRPr lang="nl-BE"/>
+          </a:p>
+        </p:txBody>
+      </p:sp>
+      <p:sp>
+        <p:nvSpPr>
+          <p:cNvPr id="6" name="Rectangle 2">
+            <a:extLst>
+              <a:ext uri="{FF2B5EF4-FFF2-40B4-BE49-F238E27FC236}">
+                <a16:creationId xmlns:a16="http://schemas.microsoft.com/office/drawing/2014/main" id="{D78ACA1F-B213-0333-97BC-8AC0A99EA581}"/>
+              </a:ext>
+            </a:extLst>
+          </p:cNvPr>
+          <p:cNvSpPr>
+            <a:spLocks noChangeArrowheads="1"/>
+          </p:cNvSpPr>
+          <p:nvPr/>
+        </p:nvSpPr>
+        <p:spPr bwMode="auto">
+          <a:xfrm>
+            <a:off x="8458773" y="-1"/>
+            <a:ext cx="12648627" cy="45719"/>
+          </a:xfrm>
+          <a:prstGeom prst="rect">
+            <a:avLst/>
+          </a:prstGeom>
+          <a:noFill/>
+          <a:ln>
+            <a:noFill/>
+          </a:ln>
+          <a:effectLst/>
+          <a:extLst>
+            <a:ext uri="{909E8E84-426E-40DD-AFC4-6F175D3DCCD1}">
+              <a14:hiddenFill xmlns:a14="http://schemas.microsoft.com/office/drawing/2010/main">
+                <a:solidFill>
+                  <a:schemeClr val="accent1"/>
+                </a:solidFill>
+              </a14:hiddenFill>
+            </a:ext>
+            <a:ext uri="{91240B29-F687-4F45-9708-019B960494DF}">
+              <a14:hiddenLine xmlns:a14="http://schemas.microsoft.com/office/drawing/2010/main" w="9525">
+                <a:solidFill>
+                  <a:schemeClr val="tx1"/>
+                </a:solidFill>
+                <a:miter lim="800000"/>
+                <a:headEnd/>
+                <a:tailEnd/>
+              </a14:hiddenLine>
+            </a:ext>
+            <a:ext uri="{AF507438-7753-43E0-B8FC-AC1667EBCBE1}">
+              <a14:hiddenEffects xmlns:a14="http://schemas.microsoft.com/office/drawing/2010/main">
+                <a:effectLst>
+                  <a:outerShdw dist="35921" dir="2700000" algn="ctr" rotWithShape="0">
+                    <a:schemeClr val="bg2"/>
+                  </a:outerShdw>
+                </a:effectLst>
+              </a14:hiddenEffects>
+            </a:ext>
+          </a:extLst>
+        </p:spPr>
+        <p:txBody>
+          <a:bodyPr vert="horz" wrap="square" lIns="91440" tIns="45720" rIns="91440" bIns="45720" numCol="1" anchor="ctr" anchorCtr="0" compatLnSpc="1">
+            <a:prstTxWarp prst="textNoShape">
+              <a:avLst/>
+            </a:prstTxWarp>
+            <a:spAutoFit/>
+          </a:bodyPr>
+          <a:lstStyle/>
+          <a:p>
+            <a:endParaRPr lang="nl-BE"/>
+          </a:p>
+        </p:txBody>
+      </p:sp>
+      <p:graphicFrame>
+        <p:nvGraphicFramePr>
+          <p:cNvPr id="7" name="Object 6">
+            <a:extLst>
+              <a:ext uri="{FF2B5EF4-FFF2-40B4-BE49-F238E27FC236}">
+                <a16:creationId xmlns:a16="http://schemas.microsoft.com/office/drawing/2014/main" id="{BCA74C68-2CD1-EA89-5183-4417323B6915}"/>
+              </a:ext>
+            </a:extLst>
+          </p:cNvPr>
+          <p:cNvGraphicFramePr>
+            <a:graphicFrameLocks noChangeAspect="1"/>
+          </p:cNvGraphicFramePr>
+          <p:nvPr>
+            <p:extLst>
+              <p:ext uri="{D42A27DB-BD31-4B8C-83A1-F6EECF244321}">
+                <p14:modId xmlns:p14="http://schemas.microsoft.com/office/powerpoint/2010/main" val="1265222314"/>
+              </p:ext>
+            </p:extLst>
+          </p:nvPr>
+        </p:nvGraphicFramePr>
+        <p:xfrm>
+          <a:off x="3733228" y="-5692775"/>
+          <a:ext cx="7815470" cy="15634836"/>
+        </p:xfrm>
+        <a:graphic>
+          <a:graphicData uri="http://schemas.openxmlformats.org/presentationml/2006/ole">
+            <mc:AlternateContent xmlns:mc="http://schemas.openxmlformats.org/markup-compatibility/2006">
+              <mc:Choice xmlns:v="urn:schemas-microsoft-com:vml" Requires="v">
+                <p:oleObj name="Visio" r:id="rId2" imgW="6256119" imgH="12588295" progId="Visio.Drawing.15">
+                  <p:embed/>
+                </p:oleObj>
+              </mc:Choice>
+              <mc:Fallback>
+                <p:oleObj name="Visio" r:id="rId2" imgW="6256119" imgH="12588295" progId="Visio.Drawing.15">
+                  <p:embed/>
+                  <p:pic>
+                    <p:nvPicPr>
+                      <p:cNvPr id="7" name="Object 6">
+                        <a:extLst>
+                          <a:ext uri="{FF2B5EF4-FFF2-40B4-BE49-F238E27FC236}">
+                            <a16:creationId xmlns:a16="http://schemas.microsoft.com/office/drawing/2014/main" id="{5D5A2F70-AFBC-1160-078B-E1565C97FCF5}"/>
+                          </a:ext>
+                        </a:extLst>
+                      </p:cNvPr>
+                      <p:cNvPicPr>
+                        <a:picLocks noChangeAspect="1" noChangeArrowheads="1"/>
+                      </p:cNvPicPr>
+                      <p:nvPr/>
+                    </p:nvPicPr>
+                    <p:blipFill>
+                      <a:blip r:embed="rId3">
+                        <a:extLst>
+                          <a:ext uri="{28A0092B-C50C-407E-A947-70E740481C1C}">
+                            <a14:useLocalDpi xmlns:a14="http://schemas.microsoft.com/office/drawing/2010/main" val="0"/>
+                          </a:ext>
+                        </a:extLst>
+                      </a:blip>
+                      <a:srcRect/>
+                      <a:stretch>
+                        <a:fillRect/>
+                      </a:stretch>
+                    </p:blipFill>
+                    <p:spPr bwMode="auto">
+                      <a:xfrm>
+                        <a:off x="3733228" y="-5692775"/>
+                        <a:ext cx="7815470" cy="15634836"/>
+                      </a:xfrm>
+                      <a:prstGeom prst="rect">
+                        <a:avLst/>
+                      </a:prstGeom>
+                      <a:noFill/>
+                    </p:spPr>
+                  </p:pic>
+                </p:oleObj>
+              </mc:Fallback>
+            </mc:AlternateContent>
+          </a:graphicData>
+        </a:graphic>
+      </p:graphicFrame>
+    </p:spTree>
+    <p:extLst>
+      <p:ext uri="{BB962C8B-B14F-4D97-AF65-F5344CB8AC3E}">
+        <p14:creationId xmlns:p14="http://schemas.microsoft.com/office/powerpoint/2010/main" val="2062104729"/>
+      </p:ext>
+    </p:extLst>
+  </p:cSld>
+  <p:clrMapOvr>
+    <a:masterClrMapping/>
+  </p:clrMapOvr>
+  <mc:AlternateContent xmlns:mc="http://schemas.openxmlformats.org/markup-compatibility/2006">
+    <mc:Choice xmlns:p159="http://schemas.microsoft.com/office/powerpoint/2015/09/main" Requires="p159">
+      <p:transition xmlns:p14="http://schemas.microsoft.com/office/powerpoint/2010/main" spd="slow" p14:dur="2000">
+        <p159:morph option="byObject"/>
+      </p:transition>
+    </mc:Choice>
+    <mc:Fallback>
+      <p:transition spd="slow">
+        <p:fade/>
+      </p:transition>
+    </mc:Fallback>
+  </mc:AlternateContent>
+</p:sld>
+</file>
+
+<file path=ppt/slides/slide16.xml><?xml version="1.0" encoding="utf-8"?>
+<p:sld xmlns:a="http://schemas.openxmlformats.org/drawingml/2006/main" xmlns:r="http://schemas.openxmlformats.org/officeDocument/2006/relationships" xmlns:p="http://schemas.openxmlformats.org/presentationml/2006/main">
+  <p:cSld>
+    <p:spTree>
+      <p:nvGrpSpPr>
+        <p:cNvPr id="1" name="">
+          <a:extLst>
+            <a:ext uri="{FF2B5EF4-FFF2-40B4-BE49-F238E27FC236}">
+              <a16:creationId xmlns:a16="http://schemas.microsoft.com/office/drawing/2014/main" id="{4033EE29-D0B4-F860-05C2-F4337C75D5D2}"/>
+            </a:ext>
+          </a:extLst>
+        </p:cNvPr>
+        <p:cNvGrpSpPr/>
+        <p:nvPr/>
+      </p:nvGrpSpPr>
+      <p:grpSpPr>
+        <a:xfrm>
+          <a:off x="0" y="0"/>
+          <a:ext cx="0" cy="0"/>
+          <a:chOff x="0" y="0"/>
+          <a:chExt cx="0" cy="0"/>
+        </a:xfrm>
+      </p:grpSpPr>
+      <p:sp>
+        <p:nvSpPr>
+          <p:cNvPr id="2" name="Titel 1">
+            <a:extLst>
+              <a:ext uri="{FF2B5EF4-FFF2-40B4-BE49-F238E27FC236}">
+                <a16:creationId xmlns:a16="http://schemas.microsoft.com/office/drawing/2014/main" id="{062385A8-AA1B-1863-B2FA-BD94A15FD66B}"/>
+              </a:ext>
+            </a:extLst>
+          </p:cNvPr>
+          <p:cNvSpPr>
+            <a:spLocks noGrp="1"/>
+          </p:cNvSpPr>
+          <p:nvPr>
+            <p:ph type="title"/>
+          </p:nvPr>
+        </p:nvSpPr>
+        <p:spPr/>
+        <p:txBody>
+          <a:bodyPr/>
+          <a:lstStyle/>
+          <a:p>
+            <a:r>
+              <a:rPr lang="nl-BE" dirty="0"/>
+              <a:t>Declaratie</a:t>
+            </a:r>
+          </a:p>
+        </p:txBody>
+      </p:sp>
+      <p:sp>
+        <p:nvSpPr>
+          <p:cNvPr id="3" name="Tijdelijke aanduiding voor inhoud 2">
+            <a:extLst>
+              <a:ext uri="{FF2B5EF4-FFF2-40B4-BE49-F238E27FC236}">
+                <a16:creationId xmlns:a16="http://schemas.microsoft.com/office/drawing/2014/main" id="{76E66296-0D55-2785-4CFF-C184A43CD984}"/>
+              </a:ext>
+            </a:extLst>
+          </p:cNvPr>
+          <p:cNvSpPr>
+            <a:spLocks noGrp="1"/>
+          </p:cNvSpPr>
+          <p:nvPr>
+            <p:ph idx="1"/>
+          </p:nvPr>
+        </p:nvSpPr>
+        <p:spPr/>
+        <p:txBody>
+          <a:bodyPr/>
+          <a:lstStyle/>
+          <a:p>
+            <a:endParaRPr lang="nl-BE" dirty="0"/>
+          </a:p>
+        </p:txBody>
+      </p:sp>
+      <p:sp>
+        <p:nvSpPr>
+          <p:cNvPr id="4" name="Tijdelijke aanduiding voor voettekst 3">
+            <a:extLst>
+              <a:ext uri="{FF2B5EF4-FFF2-40B4-BE49-F238E27FC236}">
+                <a16:creationId xmlns:a16="http://schemas.microsoft.com/office/drawing/2014/main" id="{60BED42B-4173-31C1-CFA9-A6E30B2BA46B}"/>
+              </a:ext>
+            </a:extLst>
+          </p:cNvPr>
+          <p:cNvSpPr>
+            <a:spLocks noGrp="1"/>
+          </p:cNvSpPr>
+          <p:nvPr>
+            <p:ph type="ftr" sz="quarter" idx="11"/>
+          </p:nvPr>
+        </p:nvSpPr>
+        <p:spPr/>
+        <p:txBody>
+          <a:bodyPr/>
+          <a:lstStyle/>
+          <a:p>
+            <a:r>
+              <a:rPr lang="nl-BE" dirty="0"/>
+              <a:t>Software</a:t>
+            </a:r>
+          </a:p>
+        </p:txBody>
+      </p:sp>
+      <p:sp>
+        <p:nvSpPr>
+          <p:cNvPr id="5" name="Tijdelijke aanduiding voor dianummer 4">
+            <a:extLst>
+              <a:ext uri="{FF2B5EF4-FFF2-40B4-BE49-F238E27FC236}">
+                <a16:creationId xmlns:a16="http://schemas.microsoft.com/office/drawing/2014/main" id="{260F497A-860C-627D-6B74-C3993B0E7614}"/>
+              </a:ext>
+            </a:extLst>
+          </p:cNvPr>
+          <p:cNvSpPr>
+            <a:spLocks noGrp="1"/>
+          </p:cNvSpPr>
+          <p:nvPr>
+            <p:ph type="sldNum" sz="quarter" idx="12"/>
+          </p:nvPr>
+        </p:nvSpPr>
+        <p:spPr/>
+        <p:txBody>
+          <a:bodyPr/>
+          <a:lstStyle/>
+          <a:p>
+            <a:fld id="{CF769C61-EDDB-4958-A626-BA0E0F3C6BBE}" type="slidenum">
+              <a:rPr lang="nl-BE" smtClean="0"/>
+              <a:t>16</a:t>
+            </a:fld>
+            <a:endParaRPr lang="nl-BE"/>
+          </a:p>
+        </p:txBody>
+      </p:sp>
+      <p:sp>
+        <p:nvSpPr>
+          <p:cNvPr id="6" name="Rectangle 2">
+            <a:extLst>
+              <a:ext uri="{FF2B5EF4-FFF2-40B4-BE49-F238E27FC236}">
+                <a16:creationId xmlns:a16="http://schemas.microsoft.com/office/drawing/2014/main" id="{46F820CE-E802-8901-4A49-41F79F8D00FE}"/>
+              </a:ext>
+            </a:extLst>
+          </p:cNvPr>
+          <p:cNvSpPr>
+            <a:spLocks noChangeArrowheads="1"/>
+          </p:cNvSpPr>
+          <p:nvPr/>
+        </p:nvSpPr>
+        <p:spPr bwMode="auto">
+          <a:xfrm>
+            <a:off x="8458773" y="-1"/>
+            <a:ext cx="12648627" cy="45719"/>
+          </a:xfrm>
+          <a:prstGeom prst="rect">
+            <a:avLst/>
+          </a:prstGeom>
+          <a:noFill/>
+          <a:ln>
+            <a:noFill/>
+          </a:ln>
+          <a:effectLst/>
+          <a:extLst>
+            <a:ext uri="{909E8E84-426E-40DD-AFC4-6F175D3DCCD1}">
+              <a14:hiddenFill xmlns:a14="http://schemas.microsoft.com/office/drawing/2010/main">
+                <a:solidFill>
+                  <a:schemeClr val="accent1"/>
+                </a:solidFill>
+              </a14:hiddenFill>
+            </a:ext>
+            <a:ext uri="{91240B29-F687-4F45-9708-019B960494DF}">
+              <a14:hiddenLine xmlns:a14="http://schemas.microsoft.com/office/drawing/2010/main" w="9525">
+                <a:solidFill>
+                  <a:schemeClr val="tx1"/>
+                </a:solidFill>
+                <a:miter lim="800000"/>
+                <a:headEnd/>
+                <a:tailEnd/>
+              </a14:hiddenLine>
+            </a:ext>
+            <a:ext uri="{AF507438-7753-43E0-B8FC-AC1667EBCBE1}">
+              <a14:hiddenEffects xmlns:a14="http://schemas.microsoft.com/office/drawing/2010/main">
+                <a:effectLst>
+                  <a:outerShdw dist="35921" dir="2700000" algn="ctr" rotWithShape="0">
+                    <a:schemeClr val="bg2"/>
+                  </a:outerShdw>
+                </a:effectLst>
+              </a14:hiddenEffects>
+            </a:ext>
+          </a:extLst>
+        </p:spPr>
+        <p:txBody>
+          <a:bodyPr vert="horz" wrap="square" lIns="91440" tIns="45720" rIns="91440" bIns="45720" numCol="1" anchor="ctr" anchorCtr="0" compatLnSpc="1">
+            <a:prstTxWarp prst="textNoShape">
+              <a:avLst/>
+            </a:prstTxWarp>
+            <a:spAutoFit/>
+          </a:bodyPr>
+          <a:lstStyle/>
+          <a:p>
+            <a:endParaRPr lang="nl-BE"/>
+          </a:p>
+        </p:txBody>
+      </p:sp>
+      <p:graphicFrame>
+        <p:nvGraphicFramePr>
+          <p:cNvPr id="7" name="Object 6">
+            <a:extLst>
+              <a:ext uri="{FF2B5EF4-FFF2-40B4-BE49-F238E27FC236}">
+                <a16:creationId xmlns:a16="http://schemas.microsoft.com/office/drawing/2014/main" id="{3466F0D8-8DDA-20D2-B335-355216C93885}"/>
+              </a:ext>
+            </a:extLst>
+          </p:cNvPr>
+          <p:cNvGraphicFramePr>
+            <a:graphicFrameLocks noChangeAspect="1"/>
+          </p:cNvGraphicFramePr>
+          <p:nvPr>
+            <p:extLst>
+              <p:ext uri="{D42A27DB-BD31-4B8C-83A1-F6EECF244321}">
+                <p14:modId xmlns:p14="http://schemas.microsoft.com/office/powerpoint/2010/main" val="3302329515"/>
+              </p:ext>
+            </p:extLst>
+          </p:nvPr>
+        </p:nvGraphicFramePr>
+        <p:xfrm>
+          <a:off x="3733228" y="-9540875"/>
+          <a:ext cx="7815470" cy="15634836"/>
+        </p:xfrm>
+        <a:graphic>
+          <a:graphicData uri="http://schemas.openxmlformats.org/presentationml/2006/ole">
+            <mc:AlternateContent xmlns:mc="http://schemas.openxmlformats.org/markup-compatibility/2006">
+              <mc:Choice xmlns:v="urn:schemas-microsoft-com:vml" Requires="v">
+                <p:oleObj name="Visio" r:id="rId2" imgW="6256119" imgH="12588295" progId="Visio.Drawing.15">
+                  <p:embed/>
+                </p:oleObj>
+              </mc:Choice>
+              <mc:Fallback>
+                <p:oleObj name="Visio" r:id="rId2" imgW="6256119" imgH="12588295" progId="Visio.Drawing.15">
+                  <p:embed/>
+                  <p:pic>
+                    <p:nvPicPr>
+                      <p:cNvPr id="7" name="Object 6">
+                        <a:extLst>
+                          <a:ext uri="{FF2B5EF4-FFF2-40B4-BE49-F238E27FC236}">
+                            <a16:creationId xmlns:a16="http://schemas.microsoft.com/office/drawing/2014/main" id="{BCA74C68-2CD1-EA89-5183-4417323B6915}"/>
+                          </a:ext>
+                        </a:extLst>
+                      </p:cNvPr>
+                      <p:cNvPicPr>
+                        <a:picLocks noChangeAspect="1" noChangeArrowheads="1"/>
+                      </p:cNvPicPr>
+                      <p:nvPr/>
+                    </p:nvPicPr>
+                    <p:blipFill>
+                      <a:blip r:embed="rId3">
+                        <a:extLst>
+                          <a:ext uri="{28A0092B-C50C-407E-A947-70E740481C1C}">
+                            <a14:useLocalDpi xmlns:a14="http://schemas.microsoft.com/office/drawing/2010/main" val="0"/>
+                          </a:ext>
+                        </a:extLst>
+                      </a:blip>
+                      <a:srcRect/>
+                      <a:stretch>
+                        <a:fillRect/>
+                      </a:stretch>
+                    </p:blipFill>
+                    <p:spPr bwMode="auto">
+                      <a:xfrm>
+                        <a:off x="3733228" y="-9540875"/>
+                        <a:ext cx="7815470" cy="15634836"/>
+                      </a:xfrm>
+                      <a:prstGeom prst="rect">
+                        <a:avLst/>
+                      </a:prstGeom>
+                      <a:noFill/>
+                    </p:spPr>
+                  </p:pic>
+                </p:oleObj>
+              </mc:Fallback>
+            </mc:AlternateContent>
+          </a:graphicData>
+        </a:graphic>
+      </p:graphicFrame>
+    </p:spTree>
+    <p:extLst>
+      <p:ext uri="{BB962C8B-B14F-4D97-AF65-F5344CB8AC3E}">
+        <p14:creationId xmlns:p14="http://schemas.microsoft.com/office/powerpoint/2010/main" val="3052977260"/>
+      </p:ext>
+    </p:extLst>
+  </p:cSld>
+  <p:clrMapOvr>
+    <a:masterClrMapping/>
+  </p:clrMapOvr>
+  <mc:AlternateContent xmlns:mc="http://schemas.openxmlformats.org/markup-compatibility/2006">
+    <mc:Choice xmlns:p159="http://schemas.microsoft.com/office/powerpoint/2015/09/main" Requires="p159">
+      <p:transition xmlns:p14="http://schemas.microsoft.com/office/powerpoint/2010/main" spd="slow" p14:dur="2000">
+        <p159:morph option="byObject"/>
+      </p:transition>
+    </mc:Choice>
+    <mc:Fallback>
+      <p:transition spd="slow">
+        <p:fade/>
+      </p:transition>
+    </mc:Fallback>
+  </mc:AlternateContent>
+</p:sld>
+</file>
+
+<file path=ppt/slides/slide17.xml><?xml version="1.0" encoding="utf-8"?>
 <p:sld xmlns:a="http://schemas.openxmlformats.org/drawingml/2006/main" xmlns:r="http://schemas.openxmlformats.org/officeDocument/2006/relationships" xmlns:p="http://schemas.openxmlformats.org/presentationml/2006/main">
   <p:cSld>
     <p:spTree>
@@ -6095,7 +6699,7 @@
           <a:p>
             <a:fld id="{CF769C61-EDDB-4958-A626-BA0E0F3C6BBE}" type="slidenum">
               <a:rPr lang="nl-BE" smtClean="0"/>
-              <a:t>15</a:t>
+              <a:t>17</a:t>
             </a:fld>
             <a:endParaRPr lang="nl-BE"/>
           </a:p>
@@ -6141,10 +6745,22 @@
   <p:clrMapOvr>
     <a:masterClrMapping/>
   </p:clrMapOvr>
+  <mc:AlternateContent xmlns:mc="http://schemas.openxmlformats.org/markup-compatibility/2006">
+    <mc:Choice xmlns:p159="http://schemas.microsoft.com/office/powerpoint/2015/09/main" Requires="p159">
+      <p:transition xmlns:p14="http://schemas.microsoft.com/office/powerpoint/2010/main" spd="slow" p14:dur="2000">
+        <p159:morph option="byObject"/>
+      </p:transition>
+    </mc:Choice>
+    <mc:Fallback>
+      <p:transition spd="slow">
+        <p:fade/>
+      </p:transition>
+    </mc:Fallback>
+  </mc:AlternateContent>
 </p:sld>
 </file>
 
-<file path=ppt/slides/slide16.xml><?xml version="1.0" encoding="utf-8"?>
+<file path=ppt/slides/slide18.xml><?xml version="1.0" encoding="utf-8"?>
 <p:sld xmlns:a="http://schemas.openxmlformats.org/drawingml/2006/main" xmlns:r="http://schemas.openxmlformats.org/officeDocument/2006/relationships" xmlns:p="http://schemas.openxmlformats.org/presentationml/2006/main">
   <p:cSld>
     <p:spTree>
@@ -6265,7 +6881,7 @@
           <a:p>
             <a:fld id="{CF769C61-EDDB-4958-A626-BA0E0F3C6BBE}" type="slidenum">
               <a:rPr lang="nl-BE" smtClean="0"/>
-              <a:t>16</a:t>
+              <a:t>18</a:t>
             </a:fld>
             <a:endParaRPr lang="nl-BE"/>
           </a:p>
@@ -6565,10 +7181,22 @@
   <p:clrMapOvr>
     <a:masterClrMapping/>
   </p:clrMapOvr>
+  <mc:AlternateContent xmlns:mc="http://schemas.openxmlformats.org/markup-compatibility/2006">
+    <mc:Choice xmlns:p159="http://schemas.microsoft.com/office/powerpoint/2015/09/main" Requires="p159">
+      <p:transition xmlns:p14="http://schemas.microsoft.com/office/powerpoint/2010/main" spd="slow" p14:dur="2000">
+        <p159:morph option="byObject"/>
+      </p:transition>
+    </mc:Choice>
+    <mc:Fallback>
+      <p:transition spd="slow">
+        <p:fade/>
+      </p:transition>
+    </mc:Fallback>
+  </mc:AlternateContent>
 </p:sld>
 </file>
 
-<file path=ppt/slides/slide17.xml><?xml version="1.0" encoding="utf-8"?>
+<file path=ppt/slides/slide19.xml><?xml version="1.0" encoding="utf-8"?>
 <p:sld xmlns:a="http://schemas.openxmlformats.org/drawingml/2006/main" xmlns:r="http://schemas.openxmlformats.org/officeDocument/2006/relationships" xmlns:p="http://schemas.openxmlformats.org/presentationml/2006/main">
   <p:cSld>
     <p:spTree>
@@ -6690,7 +7318,7 @@
           <a:p>
             <a:fld id="{CF769C61-EDDB-4958-A626-BA0E0F3C6BBE}" type="slidenum">
               <a:rPr lang="nl-BE" smtClean="0"/>
-              <a:t>17</a:t>
+              <a:t>19</a:t>
             </a:fld>
             <a:endParaRPr lang="nl-BE"/>
           </a:p>
@@ -6922,13 +7550,13 @@
           <p:nvPr>
             <p:extLst>
               <p:ext uri="{D42A27DB-BD31-4B8C-83A1-F6EECF244321}">
-                <p14:modId xmlns:p14="http://schemas.microsoft.com/office/powerpoint/2010/main" val="1493430097"/>
+                <p14:modId xmlns:p14="http://schemas.microsoft.com/office/powerpoint/2010/main" val="4266695560"/>
               </p:ext>
             </p:extLst>
           </p:nvPr>
         </p:nvGraphicFramePr>
         <p:xfrm>
-          <a:off x="2713384" y="2851880"/>
+          <a:off x="2703859" y="379438"/>
           <a:ext cx="9207250" cy="2442376"/>
         </p:xfrm>
         <a:graphic>
@@ -6959,7 +7587,7 @@
                     </p:blipFill>
                     <p:spPr bwMode="auto">
                       <a:xfrm>
-                        <a:off x="2713384" y="2851880"/>
+                        <a:off x="2703859" y="379438"/>
                         <a:ext cx="9207250" cy="2442376"/>
                       </a:xfrm>
                       <a:prstGeom prst="rect">
@@ -6984,10 +7612,370 @@
   <p:clrMapOvr>
     <a:masterClrMapping/>
   </p:clrMapOvr>
+  <mc:AlternateContent xmlns:mc="http://schemas.openxmlformats.org/markup-compatibility/2006">
+    <mc:Choice xmlns:p159="http://schemas.microsoft.com/office/powerpoint/2015/09/main" Requires="p159">
+      <p:transition xmlns:p14="http://schemas.microsoft.com/office/powerpoint/2010/main" spd="slow" p14:dur="2000">
+        <p159:morph option="byObject"/>
+      </p:transition>
+    </mc:Choice>
+    <mc:Fallback>
+      <p:transition spd="slow">
+        <p:fade/>
+      </p:transition>
+    </mc:Fallback>
+  </mc:AlternateContent>
 </p:sld>
 </file>
 
-<file path=ppt/slides/slide18.xml><?xml version="1.0" encoding="utf-8"?>
+<file path=ppt/slides/slide2.xml><?xml version="1.0" encoding="utf-8"?>
+<p:sld xmlns:a="http://schemas.openxmlformats.org/drawingml/2006/main" xmlns:r="http://schemas.openxmlformats.org/officeDocument/2006/relationships" xmlns:p="http://schemas.openxmlformats.org/presentationml/2006/main">
+  <p:cSld>
+    <p:bg>
+      <p:bgPr>
+        <a:solidFill>
+          <a:schemeClr val="bg1"/>
+        </a:solidFill>
+        <a:effectLst/>
+      </p:bgPr>
+    </p:bg>
+    <p:spTree>
+      <p:nvGrpSpPr>
+        <p:cNvPr id="1" name=""/>
+        <p:cNvGrpSpPr/>
+        <p:nvPr/>
+      </p:nvGrpSpPr>
+      <p:grpSpPr>
+        <a:xfrm>
+          <a:off x="0" y="0"/>
+          <a:ext cx="0" cy="0"/>
+          <a:chOff x="0" y="0"/>
+          <a:chExt cx="0" cy="0"/>
+        </a:xfrm>
+      </p:grpSpPr>
+      <p:sp>
+        <p:nvSpPr>
+          <p:cNvPr id="10" name="Rectangle 9">
+            <a:extLst>
+              <a:ext uri="{FF2B5EF4-FFF2-40B4-BE49-F238E27FC236}">
+                <a16:creationId xmlns:a16="http://schemas.microsoft.com/office/drawing/2014/main" id="{9228552E-C8B1-4A80-8448-0787CE0FC704}"/>
+              </a:ext>
+              <a:ext uri="{C183D7F6-B498-43B3-948B-1728B52AA6E4}">
+                <adec:decorative xmlns:adec="http://schemas.microsoft.com/office/drawing/2017/decorative" val="1"/>
+              </a:ext>
+            </a:extLst>
+          </p:cNvPr>
+          <p:cNvSpPr>
+            <a:spLocks noGrp="1" noRot="1" noChangeAspect="1" noMove="1" noResize="1" noEditPoints="1" noAdjustHandles="1" noChangeArrowheads="1" noChangeShapeType="1" noTextEdit="1"/>
+          </p:cNvSpPr>
+          <p:nvPr>
+            <p:extLst>
+              <p:ext uri="{386F3935-93C4-4BCD-93E2-E3B085C9AB24}">
+                <p16:designElem xmlns:p16="http://schemas.microsoft.com/office/powerpoint/2015/main" val="1"/>
+              </p:ext>
+            </p:extLst>
+          </p:nvPr>
+        </p:nvSpPr>
+        <p:spPr>
+          <a:xfrm>
+            <a:off x="0" y="0"/>
+            <a:ext cx="12192000" cy="6858000"/>
+          </a:xfrm>
+          <a:prstGeom prst="rect">
+            <a:avLst/>
+          </a:prstGeom>
+          <a:solidFill>
+            <a:srgbClr val="000000"/>
+          </a:solidFill>
+          <a:ln>
+            <a:noFill/>
+          </a:ln>
+        </p:spPr>
+        <p:style>
+          <a:lnRef idx="2">
+            <a:schemeClr val="accent1">
+              <a:shade val="50000"/>
+            </a:schemeClr>
+          </a:lnRef>
+          <a:fillRef idx="1">
+            <a:schemeClr val="accent1"/>
+          </a:fillRef>
+          <a:effectRef idx="0">
+            <a:schemeClr val="accent1"/>
+          </a:effectRef>
+          <a:fontRef idx="minor">
+            <a:schemeClr val="lt1"/>
+          </a:fontRef>
+        </p:style>
+        <p:txBody>
+          <a:bodyPr rtlCol="0" anchor="ctr"/>
+          <a:lstStyle/>
+          <a:p>
+            <a:pPr algn="ctr"/>
+            <a:endParaRPr lang="nl-BE" noProof="0" dirty="0"/>
+          </a:p>
+        </p:txBody>
+      </p:sp>
+      <p:pic>
+        <p:nvPicPr>
+          <p:cNvPr id="5" name="Afbeelding 4" descr="Afbeelding met wiel, speelgoed, band, Schaalmodel&#10;&#10;Door AI gegenereerde inhoud is mogelijk onjuist.">
+            <a:extLst>
+              <a:ext uri="{FF2B5EF4-FFF2-40B4-BE49-F238E27FC236}">
+                <a16:creationId xmlns:a16="http://schemas.microsoft.com/office/drawing/2014/main" id="{C6F596F5-18C6-0F3E-91BE-CE3BA52E9C55}"/>
+              </a:ext>
+            </a:extLst>
+          </p:cNvPr>
+          <p:cNvPicPr>
+            <a:picLocks noChangeAspect="1"/>
+          </p:cNvPicPr>
+          <p:nvPr/>
+        </p:nvPicPr>
+        <p:blipFill>
+          <a:blip r:embed="rId2">
+            <a:alphaModFix amt="35000"/>
+            <a:extLst>
+              <a:ext uri="{28A0092B-C50C-407E-A947-70E740481C1C}">
+                <a14:useLocalDpi xmlns:a14="http://schemas.microsoft.com/office/drawing/2010/main" val="0"/>
+              </a:ext>
+            </a:extLst>
+          </a:blip>
+          <a:srcRect/>
+          <a:stretch/>
+        </p:blipFill>
+        <p:spPr>
+          <a:xfrm>
+            <a:off x="20" y="10"/>
+            <a:ext cx="12191980" cy="6857990"/>
+          </a:xfrm>
+          <a:prstGeom prst="rect">
+            <a:avLst/>
+          </a:prstGeom>
+        </p:spPr>
+      </p:pic>
+      <p:sp>
+        <p:nvSpPr>
+          <p:cNvPr id="2" name="Titel 1">
+            <a:extLst>
+              <a:ext uri="{FF2B5EF4-FFF2-40B4-BE49-F238E27FC236}">
+                <a16:creationId xmlns:a16="http://schemas.microsoft.com/office/drawing/2014/main" id="{E657426F-BFF0-1572-7573-52D8DBB0BDFC}"/>
+              </a:ext>
+            </a:extLst>
+          </p:cNvPr>
+          <p:cNvSpPr>
+            <a:spLocks noGrp="1"/>
+          </p:cNvSpPr>
+          <p:nvPr>
+            <p:ph type="title"/>
+          </p:nvPr>
+        </p:nvSpPr>
+        <p:spPr>
+          <a:xfrm>
+            <a:off x="838200" y="365125"/>
+            <a:ext cx="10515600" cy="1325563"/>
+          </a:xfrm>
+        </p:spPr>
+        <p:txBody>
+          <a:bodyPr>
+            <a:normAutofit/>
+          </a:bodyPr>
+          <a:lstStyle/>
+          <a:p>
+            <a:r>
+              <a:rPr lang="nl-BE" noProof="0" dirty="0">
+                <a:solidFill>
+                  <a:srgbClr val="FFFFFF"/>
+                </a:solidFill>
+              </a:rPr>
+              <a:t>Inhoud</a:t>
+            </a:r>
+          </a:p>
+        </p:txBody>
+      </p:sp>
+      <p:sp>
+        <p:nvSpPr>
+          <p:cNvPr id="3" name="Tijdelijke aanduiding voor inhoud 2">
+            <a:extLst>
+              <a:ext uri="{FF2B5EF4-FFF2-40B4-BE49-F238E27FC236}">
+                <a16:creationId xmlns:a16="http://schemas.microsoft.com/office/drawing/2014/main" id="{11A7B326-49A2-B512-FDF0-716BEDDABD24}"/>
+              </a:ext>
+            </a:extLst>
+          </p:cNvPr>
+          <p:cNvSpPr>
+            <a:spLocks noGrp="1"/>
+          </p:cNvSpPr>
+          <p:nvPr>
+            <p:ph idx="1"/>
+          </p:nvPr>
+        </p:nvSpPr>
+        <p:spPr>
+          <a:xfrm>
+            <a:off x="838200" y="1825625"/>
+            <a:ext cx="10515600" cy="4351338"/>
+          </a:xfrm>
+        </p:spPr>
+        <p:txBody>
+          <a:bodyPr>
+            <a:normAutofit/>
+          </a:bodyPr>
+          <a:lstStyle/>
+          <a:p>
+            <a:r>
+              <a:rPr lang="nl-BE" noProof="0" dirty="0">
+                <a:solidFill>
+                  <a:srgbClr val="FFFFFF"/>
+                </a:solidFill>
+              </a:rPr>
+              <a:t>Algemene uitleg</a:t>
+            </a:r>
+          </a:p>
+          <a:p>
+            <a:r>
+              <a:rPr lang="nl-BE" noProof="0" dirty="0">
+                <a:solidFill>
+                  <a:srgbClr val="FFFFFF"/>
+                </a:solidFill>
+              </a:rPr>
+              <a:t>Demo</a:t>
+            </a:r>
+          </a:p>
+          <a:p>
+            <a:r>
+              <a:rPr lang="nl-BE" noProof="0" dirty="0">
+                <a:solidFill>
+                  <a:srgbClr val="FFFFFF"/>
+                </a:solidFill>
+              </a:rPr>
+              <a:t>Hardware</a:t>
+            </a:r>
+          </a:p>
+          <a:p>
+            <a:r>
+              <a:rPr lang="nl-BE" noProof="0" dirty="0">
+                <a:solidFill>
+                  <a:srgbClr val="FFFFFF"/>
+                </a:solidFill>
+              </a:rPr>
+              <a:t>Software</a:t>
+            </a:r>
+          </a:p>
+          <a:p>
+            <a:r>
+              <a:rPr lang="nl-BE" noProof="0" dirty="0">
+                <a:solidFill>
+                  <a:srgbClr val="FFFFFF"/>
+                </a:solidFill>
+              </a:rPr>
+              <a:t>Extra</a:t>
+            </a:r>
+          </a:p>
+          <a:p>
+            <a:r>
+              <a:rPr lang="nl-BE" noProof="0" dirty="0">
+                <a:solidFill>
+                  <a:srgbClr val="FFFFFF"/>
+                </a:solidFill>
+              </a:rPr>
+              <a:t>Afsluiter</a:t>
+            </a:r>
+          </a:p>
+          <a:p>
+            <a:endParaRPr lang="nl-BE" noProof="0" dirty="0">
+              <a:solidFill>
+                <a:srgbClr val="FFFFFF"/>
+              </a:solidFill>
+            </a:endParaRPr>
+          </a:p>
+          <a:p>
+            <a:endParaRPr lang="nl-BE" noProof="0" dirty="0">
+              <a:solidFill>
+                <a:srgbClr val="FFFFFF"/>
+              </a:solidFill>
+            </a:endParaRPr>
+          </a:p>
+        </p:txBody>
+      </p:sp>
+      <p:sp>
+        <p:nvSpPr>
+          <p:cNvPr id="7" name="Tijdelijke aanduiding voor dianummer 6">
+            <a:extLst>
+              <a:ext uri="{FF2B5EF4-FFF2-40B4-BE49-F238E27FC236}">
+                <a16:creationId xmlns:a16="http://schemas.microsoft.com/office/drawing/2014/main" id="{22E3C48A-13DA-7D33-CB31-8DA206A087EB}"/>
+              </a:ext>
+            </a:extLst>
+          </p:cNvPr>
+          <p:cNvSpPr>
+            <a:spLocks noGrp="1"/>
+          </p:cNvSpPr>
+          <p:nvPr>
+            <p:ph type="sldNum" sz="quarter" idx="12"/>
+          </p:nvPr>
+        </p:nvSpPr>
+        <p:spPr/>
+        <p:txBody>
+          <a:bodyPr/>
+          <a:lstStyle/>
+          <a:p>
+            <a:fld id="{CF769C61-EDDB-4958-A626-BA0E0F3C6BBE}" type="slidenum">
+              <a:rPr lang="nl-BE" noProof="0" smtClean="0"/>
+              <a:t>2</a:t>
+            </a:fld>
+            <a:endParaRPr lang="nl-BE" noProof="0" dirty="0"/>
+          </a:p>
+        </p:txBody>
+      </p:sp>
+      <p:sp>
+        <p:nvSpPr>
+          <p:cNvPr id="4" name="Tijdelijke aanduiding voor voettekst 3">
+            <a:extLst>
+              <a:ext uri="{FF2B5EF4-FFF2-40B4-BE49-F238E27FC236}">
+                <a16:creationId xmlns:a16="http://schemas.microsoft.com/office/drawing/2014/main" id="{C275525B-AEBF-7F6D-9C7F-0FABFB19558E}"/>
+              </a:ext>
+            </a:extLst>
+          </p:cNvPr>
+          <p:cNvSpPr>
+            <a:spLocks noGrp="1"/>
+          </p:cNvSpPr>
+          <p:nvPr>
+            <p:ph type="ftr" sz="quarter" idx="11"/>
+          </p:nvPr>
+        </p:nvSpPr>
+        <p:spPr/>
+        <p:txBody>
+          <a:bodyPr/>
+          <a:lstStyle/>
+          <a:p>
+            <a:r>
+              <a:rPr lang="nl-BE" noProof="0" dirty="0"/>
+              <a:t>Inhoud</a:t>
+            </a:r>
+          </a:p>
+        </p:txBody>
+      </p:sp>
+    </p:spTree>
+    <p:extLst>
+      <p:ext uri="{BB962C8B-B14F-4D97-AF65-F5344CB8AC3E}">
+        <p14:creationId xmlns:p14="http://schemas.microsoft.com/office/powerpoint/2010/main" val="1157252764"/>
+      </p:ext>
+    </p:extLst>
+  </p:cSld>
+  <p:clrMapOvr>
+    <a:overrideClrMapping bg1="dk1" tx1="lt1" bg2="dk2" tx2="lt2" accent1="accent1" accent2="accent2" accent3="accent3" accent4="accent4" accent5="accent5" accent6="accent6" hlink="hlink" folHlink="folHlink"/>
+  </p:clrMapOvr>
+  <mc:AlternateContent xmlns:mc="http://schemas.openxmlformats.org/markup-compatibility/2006">
+    <mc:Choice xmlns:p159="http://schemas.microsoft.com/office/powerpoint/2015/09/main" Requires="p159">
+      <p:transition xmlns:p14="http://schemas.microsoft.com/office/powerpoint/2010/main" spd="slow" p14:dur="2000">
+        <p159:morph option="byObject"/>
+      </p:transition>
+    </mc:Choice>
+    <mc:Fallback>
+      <p:transition spd="slow">
+        <p:fade/>
+      </p:transition>
+    </mc:Fallback>
+  </mc:AlternateContent>
+</p:sld>
+</file>
+
+<file path=ppt/slides/slide20.xml><?xml version="1.0" encoding="utf-8"?>
 <p:sld xmlns:a="http://schemas.openxmlformats.org/drawingml/2006/main" xmlns:r="http://schemas.openxmlformats.org/officeDocument/2006/relationships" xmlns:p="http://schemas.openxmlformats.org/presentationml/2006/main">
   <p:cSld>
     <p:spTree>
@@ -7108,7 +8096,7 @@
           <a:p>
             <a:fld id="{CF769C61-EDDB-4958-A626-BA0E0F3C6BBE}" type="slidenum">
               <a:rPr lang="nl-BE" smtClean="0"/>
-              <a:t>18</a:t>
+              <a:t>20</a:t>
             </a:fld>
             <a:endParaRPr lang="nl-BE"/>
           </a:p>
@@ -7408,10 +8396,22 @@
   <p:clrMapOvr>
     <a:masterClrMapping/>
   </p:clrMapOvr>
+  <mc:AlternateContent xmlns:mc="http://schemas.openxmlformats.org/markup-compatibility/2006">
+    <mc:Choice xmlns:p159="http://schemas.microsoft.com/office/powerpoint/2015/09/main" Requires="p159">
+      <p:transition xmlns:p14="http://schemas.microsoft.com/office/powerpoint/2010/main" spd="slow" p14:dur="2000">
+        <p159:morph option="byObject"/>
+      </p:transition>
+    </mc:Choice>
+    <mc:Fallback>
+      <p:transition spd="slow">
+        <p:fade/>
+      </p:transition>
+    </mc:Fallback>
+  </mc:AlternateContent>
 </p:sld>
 </file>
 
-<file path=ppt/slides/slide19.xml><?xml version="1.0" encoding="utf-8"?>
+<file path=ppt/slides/slide21.xml><?xml version="1.0" encoding="utf-8"?>
 <p:sld xmlns:a="http://schemas.openxmlformats.org/drawingml/2006/main" xmlns:r="http://schemas.openxmlformats.org/officeDocument/2006/relationships" xmlns:p="http://schemas.openxmlformats.org/presentationml/2006/main">
   <p:cSld>
     <p:bg>
@@ -7703,7 +8703,7 @@
                   <a:spcPts val="600"/>
                 </a:spcAft>
               </a:pPr>
-              <a:t>19</a:t>
+              <a:t>21</a:t>
             </a:fld>
             <a:endParaRPr lang="nl-BE">
               <a:solidFill>
@@ -7753,10 +8753,22 @@
   <p:clrMapOvr>
     <a:overrideClrMapping bg1="dk1" tx1="lt1" bg2="dk2" tx2="lt2" accent1="accent1" accent2="accent2" accent3="accent3" accent4="accent4" accent5="accent5" accent6="accent6" hlink="hlink" folHlink="folHlink"/>
   </p:clrMapOvr>
+  <mc:AlternateContent xmlns:mc="http://schemas.openxmlformats.org/markup-compatibility/2006">
+    <mc:Choice xmlns:p159="http://schemas.microsoft.com/office/powerpoint/2015/09/main" Requires="p159">
+      <p:transition xmlns:p14="http://schemas.microsoft.com/office/powerpoint/2010/main" spd="slow" p14:dur="2000">
+        <p159:morph option="byObject"/>
+      </p:transition>
+    </mc:Choice>
+    <mc:Fallback>
+      <p:transition spd="slow">
+        <p:fade/>
+      </p:transition>
+    </mc:Fallback>
+  </mc:AlternateContent>
 </p:sld>
 </file>
 
-<file path=ppt/slides/slide2.xml><?xml version="1.0" encoding="utf-8"?>
+<file path=ppt/slides/slide22.xml><?xml version="1.0" encoding="utf-8"?>
 <p:sld xmlns:a="http://schemas.openxmlformats.org/drawingml/2006/main" xmlns:r="http://schemas.openxmlformats.org/officeDocument/2006/relationships" xmlns:p="http://schemas.openxmlformats.org/presentationml/2006/main">
   <p:cSld>
     <p:bg>
@@ -7783,7 +8795,7 @@
       </p:grpSpPr>
       <p:sp>
         <p:nvSpPr>
-          <p:cNvPr id="10" name="Rectangle 9">
+          <p:cNvPr id="12" name="Rectangle 11">
             <a:extLst>
               <a:ext uri="{FF2B5EF4-FFF2-40B4-BE49-F238E27FC236}">
                 <a16:creationId xmlns:a16="http://schemas.microsoft.com/office/drawing/2014/main" id="{9228552E-C8B1-4A80-8448-0787CE0FC704}"/>
@@ -7846,10 +8858,10 @@
       </p:sp>
       <p:pic>
         <p:nvPicPr>
-          <p:cNvPr id="5" name="Afbeelding 4" descr="Afbeelding met wiel, speelgoed, band, Schaalmodel&#10;&#10;Door AI gegenereerde inhoud is mogelijk onjuist.">
-            <a:extLst>
-              <a:ext uri="{FF2B5EF4-FFF2-40B4-BE49-F238E27FC236}">
-                <a16:creationId xmlns:a16="http://schemas.microsoft.com/office/drawing/2014/main" id="{C6F596F5-18C6-0F3E-91BE-CE3BA52E9C55}"/>
+          <p:cNvPr id="7" name="Afbeelding 6" descr="Afbeelding met wiel, speelgoed, band, Schaalmodel&#10;&#10;Door AI gegenereerde inhoud is mogelijk onjuist.">
+            <a:extLst>
+              <a:ext uri="{FF2B5EF4-FFF2-40B4-BE49-F238E27FC236}">
+                <a16:creationId xmlns:a16="http://schemas.microsoft.com/office/drawing/2014/main" id="{2FCAF7F1-58E8-A9D6-4857-4F4F68856BC6}"/>
               </a:ext>
             </a:extLst>
           </p:cNvPr>
@@ -7859,7 +8871,7 @@
           <p:nvPr/>
         </p:nvPicPr>
         <p:blipFill>
-          <a:blip r:embed="rId3">
+          <a:blip r:embed="rId2">
             <a:alphaModFix amt="35000"/>
             <a:extLst>
               <a:ext uri="{28A0092B-C50C-407E-A947-70E740481C1C}">
@@ -7868,7 +8880,9 @@
             </a:extLst>
           </a:blip>
           <a:srcRect/>
-          <a:stretch/>
+          <a:stretch>
+            <a:fillRect/>
+          </a:stretch>
         </p:blipFill>
         <p:spPr>
           <a:xfrm>
@@ -7885,7 +8899,7 @@
           <p:cNvPr id="2" name="Titel 1">
             <a:extLst>
               <a:ext uri="{FF2B5EF4-FFF2-40B4-BE49-F238E27FC236}">
-                <a16:creationId xmlns:a16="http://schemas.microsoft.com/office/drawing/2014/main" id="{E657426F-BFF0-1572-7573-52D8DBB0BDFC}"/>
+                <a16:creationId xmlns:a16="http://schemas.microsoft.com/office/drawing/2014/main" id="{B1E09D67-DBE7-8B54-8C1F-E9D9CA3D84BE}"/>
               </a:ext>
             </a:extLst>
           </p:cNvPr>
@@ -7914,7 +8928,7 @@
                   <a:srgbClr val="FFFFFF"/>
                 </a:solidFill>
               </a:rPr>
-              <a:t>Inhoud</a:t>
+              <a:t>Website</a:t>
             </a:r>
           </a:p>
         </p:txBody>
@@ -7924,7 +8938,7 @@
           <p:cNvPr id="3" name="Tijdelijke aanduiding voor inhoud 2">
             <a:extLst>
               <a:ext uri="{FF2B5EF4-FFF2-40B4-BE49-F238E27FC236}">
-                <a16:creationId xmlns:a16="http://schemas.microsoft.com/office/drawing/2014/main" id="{11A7B326-49A2-B512-FDF0-716BEDDABD24}"/>
+                <a16:creationId xmlns:a16="http://schemas.microsoft.com/office/drawing/2014/main" id="{AF85832B-89D0-1109-9775-C6272C565C70}"/>
               </a:ext>
             </a:extLst>
           </p:cNvPr>
@@ -7953,17 +8967,21 @@
                   <a:srgbClr val="FFFFFF"/>
                 </a:solidFill>
               </a:rPr>
-              <a:t>Algemene uitleg</a:t>
-            </a:r>
-          </a:p>
-          <a:p>
+              <a:t>Waarom?</a:t>
+            </a:r>
+          </a:p>
+          <a:p>
+            <a:pPr lvl="1">
+              <a:buFont typeface="Courier New" panose="02070309020205020404" pitchFamily="49" charset="0"/>
+              <a:buChar char="o"/>
+            </a:pPr>
             <a:r>
               <a:rPr lang="nl-BE" noProof="0" dirty="0">
                 <a:solidFill>
                   <a:srgbClr val="FFFFFF"/>
                 </a:solidFill>
               </a:rPr>
-              <a:t>Demo</a:t>
+              <a:t>Uitleg geven over robot</a:t>
             </a:r>
           </a:p>
           <a:p>
@@ -7973,19 +8991,73 @@
                   <a:srgbClr val="FFFFFF"/>
                 </a:solidFill>
               </a:rPr>
-              <a:t>Hardware</a:t>
-            </a:r>
-          </a:p>
-          <a:p>
+              <a:t>Programmeertaal</a:t>
+            </a:r>
+          </a:p>
+          <a:p>
+            <a:pPr lvl="1">
+              <a:buFont typeface="Courier New" panose="02070309020205020404" pitchFamily="49" charset="0"/>
+              <a:buChar char="o"/>
+            </a:pPr>
             <a:r>
               <a:rPr lang="nl-BE" noProof="0" dirty="0">
                 <a:solidFill>
                   <a:srgbClr val="FFFFFF"/>
                 </a:solidFill>
               </a:rPr>
-              <a:t>Software</a:t>
-            </a:r>
-          </a:p>
+              <a:t>HTML</a:t>
+            </a:r>
+          </a:p>
+          <a:p>
+            <a:pPr lvl="1">
+              <a:buFont typeface="Courier New" panose="02070309020205020404" pitchFamily="49" charset="0"/>
+              <a:buChar char="o"/>
+            </a:pPr>
+            <a:r>
+              <a:rPr lang="nl-BE" noProof="0" dirty="0">
+                <a:solidFill>
+                  <a:srgbClr val="FFFFFF"/>
+                </a:solidFill>
+              </a:rPr>
+              <a:t>CSS</a:t>
+            </a:r>
+          </a:p>
+          <a:p>
+            <a:endParaRPr lang="nl-BE" noProof="0" dirty="0">
+              <a:solidFill>
+                <a:srgbClr val="FFFFFF"/>
+              </a:solidFill>
+            </a:endParaRPr>
+          </a:p>
+        </p:txBody>
+      </p:sp>
+      <p:sp>
+        <p:nvSpPr>
+          <p:cNvPr id="4" name="Tijdelijke aanduiding voor voettekst 3">
+            <a:extLst>
+              <a:ext uri="{FF2B5EF4-FFF2-40B4-BE49-F238E27FC236}">
+                <a16:creationId xmlns:a16="http://schemas.microsoft.com/office/drawing/2014/main" id="{ED3A6253-2723-0083-B389-553B856DE705}"/>
+              </a:ext>
+            </a:extLst>
+          </p:cNvPr>
+          <p:cNvSpPr>
+            <a:spLocks noGrp="1"/>
+          </p:cNvSpPr>
+          <p:nvPr>
+            <p:ph type="ftr" sz="quarter" idx="11"/>
+          </p:nvPr>
+        </p:nvSpPr>
+        <p:spPr>
+          <a:xfrm>
+            <a:off x="4038600" y="6356350"/>
+            <a:ext cx="4114800" cy="365125"/>
+          </a:xfrm>
+        </p:spPr>
+        <p:txBody>
+          <a:bodyPr>
+            <a:normAutofit/>
+          </a:bodyPr>
+          <a:lstStyle/>
           <a:p>
             <a:r>
               <a:rPr lang="nl-BE" noProof="0" dirty="0">
@@ -7996,125 +9068,424 @@
               <a:t>Extra</a:t>
             </a:r>
           </a:p>
-          <a:p>
-            <a:r>
-              <a:rPr lang="nl-BE" noProof="0" dirty="0">
+        </p:txBody>
+      </p:sp>
+      <p:sp>
+        <p:nvSpPr>
+          <p:cNvPr id="5" name="Tijdelijke aanduiding voor dianummer 4">
+            <a:extLst>
+              <a:ext uri="{FF2B5EF4-FFF2-40B4-BE49-F238E27FC236}">
+                <a16:creationId xmlns:a16="http://schemas.microsoft.com/office/drawing/2014/main" id="{2E5275C4-923E-0A92-983C-6D00DE4E4ECF}"/>
+              </a:ext>
+            </a:extLst>
+          </p:cNvPr>
+          <p:cNvSpPr>
+            <a:spLocks noGrp="1"/>
+          </p:cNvSpPr>
+          <p:nvPr>
+            <p:ph type="sldNum" sz="quarter" idx="12"/>
+          </p:nvPr>
+        </p:nvSpPr>
+        <p:spPr>
+          <a:xfrm>
+            <a:off x="8610600" y="6356350"/>
+            <a:ext cx="2743200" cy="365125"/>
+          </a:xfrm>
+        </p:spPr>
+        <p:txBody>
+          <a:bodyPr>
+            <a:normAutofit/>
+          </a:bodyPr>
+          <a:lstStyle/>
+          <a:p>
+            <a:pPr>
+              <a:spcAft>
+                <a:spcPts val="600"/>
+              </a:spcAft>
+            </a:pPr>
+            <a:fld id="{CF769C61-EDDB-4958-A626-BA0E0F3C6BBE}" type="slidenum">
+              <a:rPr lang="nl-BE" noProof="0">
                 <a:solidFill>
                   <a:srgbClr val="FFFFFF"/>
                 </a:solidFill>
               </a:rPr>
-              <a:t>Afsluiter</a:t>
-            </a:r>
-          </a:p>
-          <a:p>
+              <a:pPr>
+                <a:spcAft>
+                  <a:spcPts val="600"/>
+                </a:spcAft>
+              </a:pPr>
+              <a:t>22</a:t>
+            </a:fld>
             <a:endParaRPr lang="nl-BE" noProof="0" dirty="0">
               <a:solidFill>
                 <a:srgbClr val="FFFFFF"/>
               </a:solidFill>
             </a:endParaRPr>
           </a:p>
-          <a:p>
-            <a:endParaRPr lang="nl-BE" noProof="0" dirty="0">
-              <a:solidFill>
-                <a:srgbClr val="FFFFFF"/>
-              </a:solidFill>
-            </a:endParaRPr>
-          </a:p>
-        </p:txBody>
-      </p:sp>
-      <p:sp>
-        <p:nvSpPr>
-          <p:cNvPr id="7" name="Tijdelijke aanduiding voor dianummer 6">
-            <a:extLst>
-              <a:ext uri="{FF2B5EF4-FFF2-40B4-BE49-F238E27FC236}">
-                <a16:creationId xmlns:a16="http://schemas.microsoft.com/office/drawing/2014/main" id="{22E3C48A-13DA-7D33-CB31-8DA206A087EB}"/>
-              </a:ext>
-            </a:extLst>
-          </p:cNvPr>
-          <p:cNvSpPr>
-            <a:spLocks noGrp="1"/>
-          </p:cNvSpPr>
-          <p:nvPr>
-            <p:ph type="sldNum" sz="quarter" idx="12"/>
-          </p:nvPr>
-        </p:nvSpPr>
-        <p:spPr/>
-        <p:txBody>
-          <a:bodyPr/>
-          <a:lstStyle/>
-          <a:p>
-            <a:fld id="{CF769C61-EDDB-4958-A626-BA0E0F3C6BBE}" type="slidenum">
-              <a:rPr lang="nl-BE" noProof="0" smtClean="0"/>
-              <a:t>2</a:t>
-            </a:fld>
-            <a:endParaRPr lang="nl-BE" noProof="0" dirty="0"/>
-          </a:p>
-        </p:txBody>
-      </p:sp>
-      <p:sp>
-        <p:nvSpPr>
-          <p:cNvPr id="4" name="Tijdelijke aanduiding voor voettekst 3">
-            <a:extLst>
-              <a:ext uri="{FF2B5EF4-FFF2-40B4-BE49-F238E27FC236}">
-                <a16:creationId xmlns:a16="http://schemas.microsoft.com/office/drawing/2014/main" id="{C275525B-AEBF-7F6D-9C7F-0FABFB19558E}"/>
-              </a:ext>
-            </a:extLst>
-          </p:cNvPr>
-          <p:cNvSpPr>
-            <a:spLocks noGrp="1"/>
-          </p:cNvSpPr>
-          <p:nvPr>
-            <p:ph type="ftr" sz="quarter" idx="11"/>
-          </p:nvPr>
-        </p:nvSpPr>
-        <p:spPr/>
-        <p:txBody>
-          <a:bodyPr/>
-          <a:lstStyle/>
-          <a:p>
-            <a:r>
-              <a:rPr lang="nl-BE" noProof="0" dirty="0"/>
-              <a:t>Inhoud</a:t>
-            </a:r>
-          </a:p>
         </p:txBody>
       </p:sp>
     </p:spTree>
     <p:extLst>
       <p:ext uri="{BB962C8B-B14F-4D97-AF65-F5344CB8AC3E}">
-        <p14:creationId xmlns:p14="http://schemas.microsoft.com/office/powerpoint/2010/main" val="1157252764"/>
+        <p14:creationId xmlns:p14="http://schemas.microsoft.com/office/powerpoint/2010/main" val="3898959155"/>
       </p:ext>
     </p:extLst>
   </p:cSld>
   <p:clrMapOvr>
     <a:overrideClrMapping bg1="dk1" tx1="lt1" bg2="dk2" tx2="lt2" accent1="accent1" accent2="accent2" accent3="accent3" accent4="accent4" accent5="accent5" accent6="accent6" hlink="hlink" folHlink="folHlink"/>
   </p:clrMapOvr>
-  <mc:AlternateContent xmlns:mc="http://schemas.openxmlformats.org/markup-compatibility/2006" xmlns:p14="http://schemas.microsoft.com/office/powerpoint/2010/main">
-    <mc:Choice Requires="p14">
-      <p:transition spd="med" p14:dur="700">
-        <p:fade/>
-        <p:sndAc>
-          <p:stSnd>
-            <p:snd r:embed="rId2" name="click.wav"/>
-          </p:stSnd>
-        </p:sndAc>
+  <mc:AlternateContent xmlns:mc="http://schemas.openxmlformats.org/markup-compatibility/2006">
+    <mc:Choice xmlns:p159="http://schemas.microsoft.com/office/powerpoint/2015/09/main" Requires="p159">
+      <p:transition xmlns:p14="http://schemas.microsoft.com/office/powerpoint/2010/main" spd="slow" p14:dur="2000">
+        <p159:morph option="byObject"/>
       </p:transition>
     </mc:Choice>
-    <mc:Fallback xmlns="">
-      <p:transition spd="med">
+    <mc:Fallback>
+      <p:transition spd="slow">
         <p:fade/>
-        <p:sndAc>
-          <p:stSnd>
-            <p:snd r:embed="rId4" name="click.wav"/>
-          </p:stSnd>
-        </p:sndAc>
       </p:transition>
     </mc:Fallback>
   </mc:AlternateContent>
 </p:sld>
 </file>
 
-<file path=ppt/slides/slide20.xml><?xml version="1.0" encoding="utf-8"?>
+<file path=ppt/slides/slide23.xml><?xml version="1.0" encoding="utf-8"?>
+<p:sld xmlns:a="http://schemas.openxmlformats.org/drawingml/2006/main" xmlns:r="http://schemas.openxmlformats.org/officeDocument/2006/relationships" xmlns:p="http://schemas.openxmlformats.org/presentationml/2006/main">
+  <p:cSld>
+    <p:bg>
+      <p:bgPr>
+        <a:solidFill>
+          <a:srgbClr val="000000"/>
+        </a:solidFill>
+        <a:effectLst/>
+      </p:bgPr>
+    </p:bg>
+    <p:spTree>
+      <p:nvGrpSpPr>
+        <p:cNvPr id="1" name=""/>
+        <p:cNvGrpSpPr/>
+        <p:nvPr/>
+      </p:nvGrpSpPr>
+      <p:grpSpPr>
+        <a:xfrm>
+          <a:off x="0" y="0"/>
+          <a:ext cx="0" cy="0"/>
+          <a:chOff x="0" y="0"/>
+          <a:chExt cx="0" cy="0"/>
+        </a:xfrm>
+      </p:grpSpPr>
+      <p:sp>
+        <p:nvSpPr>
+          <p:cNvPr id="12" name="Rectangle 11">
+            <a:extLst>
+              <a:ext uri="{FF2B5EF4-FFF2-40B4-BE49-F238E27FC236}">
+                <a16:creationId xmlns:a16="http://schemas.microsoft.com/office/drawing/2014/main" id="{71B2258F-86CA-4D4D-8270-BC05FCDEBFB3}"/>
+              </a:ext>
+              <a:ext uri="{C183D7F6-B498-43B3-948B-1728B52AA6E4}">
+                <adec:decorative xmlns:adec="http://schemas.microsoft.com/office/drawing/2017/decorative" val="1"/>
+              </a:ext>
+            </a:extLst>
+          </p:cNvPr>
+          <p:cNvSpPr>
+            <a:spLocks noGrp="1" noRot="1" noChangeAspect="1" noMove="1" noResize="1" noEditPoints="1" noAdjustHandles="1" noChangeArrowheads="1" noChangeShapeType="1" noTextEdit="1"/>
+          </p:cNvSpPr>
+          <p:nvPr>
+            <p:extLst>
+              <p:ext uri="{386F3935-93C4-4BCD-93E2-E3B085C9AB24}">
+                <p16:designElem xmlns:p16="http://schemas.microsoft.com/office/powerpoint/2015/main" val="1"/>
+              </p:ext>
+            </p:extLst>
+          </p:nvPr>
+        </p:nvSpPr>
+        <p:spPr>
+          <a:xfrm>
+            <a:off x="0" y="0"/>
+            <a:ext cx="12192000" cy="6857999"/>
+          </a:xfrm>
+          <a:prstGeom prst="rect">
+            <a:avLst/>
+          </a:prstGeom>
+          <a:solidFill>
+            <a:srgbClr val="000000"/>
+          </a:solidFill>
+          <a:ln>
+            <a:noFill/>
+          </a:ln>
+        </p:spPr>
+        <p:style>
+          <a:lnRef idx="2">
+            <a:schemeClr val="accent1">
+              <a:shade val="50000"/>
+            </a:schemeClr>
+          </a:lnRef>
+          <a:fillRef idx="1">
+            <a:schemeClr val="accent1"/>
+          </a:fillRef>
+          <a:effectRef idx="0">
+            <a:schemeClr val="accent1"/>
+          </a:effectRef>
+          <a:fontRef idx="minor">
+            <a:schemeClr val="lt1"/>
+          </a:fontRef>
+        </p:style>
+        <p:txBody>
+          <a:bodyPr rtlCol="0" anchor="ctr"/>
+          <a:lstStyle/>
+          <a:p>
+            <a:pPr algn="ctr"/>
+            <a:endParaRPr lang="nl-BE" noProof="0" dirty="0"/>
+          </a:p>
+        </p:txBody>
+      </p:sp>
+      <p:pic>
+        <p:nvPicPr>
+          <p:cNvPr id="7" name="Afbeelding 6" descr="Afbeelding met wiel, speelgoed, band, Schaalmodel">
+            <a:extLst>
+              <a:ext uri="{FF2B5EF4-FFF2-40B4-BE49-F238E27FC236}">
+                <a16:creationId xmlns:a16="http://schemas.microsoft.com/office/drawing/2014/main" id="{D5E9569F-6545-7911-8A56-79FBAA6E6A99}"/>
+              </a:ext>
+            </a:extLst>
+          </p:cNvPr>
+          <p:cNvPicPr>
+            <a:picLocks noChangeAspect="1"/>
+          </p:cNvPicPr>
+          <p:nvPr/>
+        </p:nvPicPr>
+        <p:blipFill>
+          <a:blip r:embed="rId2">
+            <a:alphaModFix amt="50000"/>
+            <a:extLst>
+              <a:ext uri="{28A0092B-C50C-407E-A947-70E740481C1C}">
+                <a14:useLocalDpi xmlns:a14="http://schemas.microsoft.com/office/drawing/2010/main" val="0"/>
+              </a:ext>
+            </a:extLst>
+          </a:blip>
+          <a:srcRect/>
+          <a:stretch>
+            <a:fillRect/>
+          </a:stretch>
+        </p:blipFill>
+        <p:spPr>
+          <a:xfrm>
+            <a:off x="20" y="1"/>
+            <a:ext cx="12191980" cy="6857999"/>
+          </a:xfrm>
+          <a:prstGeom prst="rect">
+            <a:avLst/>
+          </a:prstGeom>
+        </p:spPr>
+      </p:pic>
+      <p:sp>
+        <p:nvSpPr>
+          <p:cNvPr id="2" name="Titel 1">
+            <a:extLst>
+              <a:ext uri="{FF2B5EF4-FFF2-40B4-BE49-F238E27FC236}">
+                <a16:creationId xmlns:a16="http://schemas.microsoft.com/office/drawing/2014/main" id="{8B86BA1F-360B-8053-5AE0-6C35A24D1511}"/>
+              </a:ext>
+            </a:extLst>
+          </p:cNvPr>
+          <p:cNvSpPr>
+            <a:spLocks noGrp="1"/>
+          </p:cNvSpPr>
+          <p:nvPr>
+            <p:ph type="title"/>
+          </p:nvPr>
+        </p:nvSpPr>
+        <p:spPr>
+          <a:xfrm>
+            <a:off x="1524000" y="1122362"/>
+            <a:ext cx="9144000" cy="2900518"/>
+          </a:xfrm>
+        </p:spPr>
+        <p:txBody>
+          <a:bodyPr vert="horz" lIns="91440" tIns="45720" rIns="91440" bIns="45720" rtlCol="0" anchor="b">
+            <a:normAutofit/>
+          </a:bodyPr>
+          <a:lstStyle/>
+          <a:p>
+            <a:pPr algn="ctr"/>
+            <a:r>
+              <a:rPr lang="nl-BE" sz="6000" noProof="0" dirty="0">
+                <a:solidFill>
+                  <a:srgbClr val="FFFFFF"/>
+                </a:solidFill>
+              </a:rPr>
+              <a:t>Einde</a:t>
+            </a:r>
+          </a:p>
+        </p:txBody>
+      </p:sp>
+      <p:sp>
+        <p:nvSpPr>
+          <p:cNvPr id="3" name="Tijdelijke aanduiding voor inhoud 2">
+            <a:extLst>
+              <a:ext uri="{FF2B5EF4-FFF2-40B4-BE49-F238E27FC236}">
+                <a16:creationId xmlns:a16="http://schemas.microsoft.com/office/drawing/2014/main" id="{38785E8D-D7B0-5680-9F28-0D7E13AC86E4}"/>
+              </a:ext>
+            </a:extLst>
+          </p:cNvPr>
+          <p:cNvSpPr>
+            <a:spLocks noGrp="1"/>
+          </p:cNvSpPr>
+          <p:nvPr>
+            <p:ph idx="1"/>
+          </p:nvPr>
+        </p:nvSpPr>
+        <p:spPr>
+          <a:xfrm>
+            <a:off x="1524000" y="4159404"/>
+            <a:ext cx="9144000" cy="1098395"/>
+          </a:xfrm>
+        </p:spPr>
+        <p:txBody>
+          <a:bodyPr vert="horz" lIns="91440" tIns="45720" rIns="91440" bIns="45720" rtlCol="0">
+            <a:normAutofit/>
+          </a:bodyPr>
+          <a:lstStyle/>
+          <a:p>
+            <a:pPr marL="0" indent="0" algn="ctr">
+              <a:buNone/>
+            </a:pPr>
+            <a:r>
+              <a:rPr lang="nl-BE" sz="2400" noProof="0" dirty="0">
+                <a:solidFill>
+                  <a:srgbClr val="FFFFFF"/>
+                </a:solidFill>
+              </a:rPr>
+              <a:t>Zijn er nog vragen?</a:t>
+            </a:r>
+          </a:p>
+        </p:txBody>
+      </p:sp>
+      <p:sp>
+        <p:nvSpPr>
+          <p:cNvPr id="4" name="Tijdelijke aanduiding voor voettekst 3">
+            <a:extLst>
+              <a:ext uri="{FF2B5EF4-FFF2-40B4-BE49-F238E27FC236}">
+                <a16:creationId xmlns:a16="http://schemas.microsoft.com/office/drawing/2014/main" id="{CE5F77B0-7490-9193-423E-DE9CF91AF79D}"/>
+              </a:ext>
+            </a:extLst>
+          </p:cNvPr>
+          <p:cNvSpPr>
+            <a:spLocks noGrp="1"/>
+          </p:cNvSpPr>
+          <p:nvPr>
+            <p:ph type="ftr" sz="quarter" idx="11"/>
+          </p:nvPr>
+        </p:nvSpPr>
+        <p:spPr>
+          <a:xfrm>
+            <a:off x="4038600" y="6356350"/>
+            <a:ext cx="4114800" cy="365125"/>
+          </a:xfrm>
+        </p:spPr>
+        <p:txBody>
+          <a:bodyPr vert="horz" lIns="91440" tIns="45720" rIns="91440" bIns="45720" rtlCol="0" anchor="ctr">
+            <a:normAutofit/>
+          </a:bodyPr>
+          <a:lstStyle/>
+          <a:p>
+            <a:pPr>
+              <a:defRPr/>
+            </a:pPr>
+            <a:r>
+              <a:rPr lang="nl-BE" kern="1200" noProof="0" dirty="0">
+                <a:solidFill>
+                  <a:srgbClr val="FFFFFF"/>
+                </a:solidFill>
+                <a:latin typeface="Calibri" panose="020F0502020204030204"/>
+                <a:ea typeface="+mn-ea"/>
+                <a:cs typeface="+mn-cs"/>
+              </a:rPr>
+              <a:t>Afsluiter</a:t>
+            </a:r>
+          </a:p>
+        </p:txBody>
+      </p:sp>
+      <p:sp>
+        <p:nvSpPr>
+          <p:cNvPr id="5" name="Tijdelijke aanduiding voor dianummer 4">
+            <a:extLst>
+              <a:ext uri="{FF2B5EF4-FFF2-40B4-BE49-F238E27FC236}">
+                <a16:creationId xmlns:a16="http://schemas.microsoft.com/office/drawing/2014/main" id="{6858B3D6-4257-82F2-B062-FC49355323F5}"/>
+              </a:ext>
+            </a:extLst>
+          </p:cNvPr>
+          <p:cNvSpPr>
+            <a:spLocks noGrp="1"/>
+          </p:cNvSpPr>
+          <p:nvPr>
+            <p:ph type="sldNum" sz="quarter" idx="12"/>
+          </p:nvPr>
+        </p:nvSpPr>
+        <p:spPr>
+          <a:xfrm>
+            <a:off x="8610600" y="6356350"/>
+            <a:ext cx="2743200" cy="365125"/>
+          </a:xfrm>
+        </p:spPr>
+        <p:txBody>
+          <a:bodyPr vert="horz" lIns="91440" tIns="45720" rIns="91440" bIns="45720" rtlCol="0" anchor="ctr">
+            <a:normAutofit/>
+          </a:bodyPr>
+          <a:lstStyle/>
+          <a:p>
+            <a:pPr>
+              <a:spcAft>
+                <a:spcPts val="600"/>
+              </a:spcAft>
+              <a:defRPr/>
+            </a:pPr>
+            <a:fld id="{CF769C61-EDDB-4958-A626-BA0E0F3C6BBE}" type="slidenum">
+              <a:rPr lang="nl-BE" noProof="0" smtClean="0">
+                <a:solidFill>
+                  <a:srgbClr val="FFFFFF"/>
+                </a:solidFill>
+                <a:latin typeface="Calibri" panose="020F0502020204030204"/>
+              </a:rPr>
+              <a:pPr>
+                <a:spcAft>
+                  <a:spcPts val="600"/>
+                </a:spcAft>
+                <a:defRPr/>
+              </a:pPr>
+              <a:t>23</a:t>
+            </a:fld>
+            <a:endParaRPr lang="nl-BE" noProof="0" dirty="0">
+              <a:solidFill>
+                <a:srgbClr val="FFFFFF"/>
+              </a:solidFill>
+              <a:latin typeface="Calibri" panose="020F0502020204030204"/>
+            </a:endParaRPr>
+          </a:p>
+        </p:txBody>
+      </p:sp>
+    </p:spTree>
+    <p:extLst>
+      <p:ext uri="{BB962C8B-B14F-4D97-AF65-F5344CB8AC3E}">
+        <p14:creationId xmlns:p14="http://schemas.microsoft.com/office/powerpoint/2010/main" val="1322337779"/>
+      </p:ext>
+    </p:extLst>
+  </p:cSld>
+  <p:clrMapOvr>
+    <a:overrideClrMapping bg1="dk1" tx1="lt1" bg2="dk2" tx2="lt2" accent1="accent1" accent2="accent2" accent3="accent3" accent4="accent4" accent5="accent5" accent6="accent6" hlink="hlink" folHlink="folHlink"/>
+  </p:clrMapOvr>
+  <mc:AlternateContent xmlns:mc="http://schemas.openxmlformats.org/markup-compatibility/2006">
+    <mc:Choice xmlns:p159="http://schemas.microsoft.com/office/powerpoint/2015/09/main" Requires="p159">
+      <p:transition xmlns:p14="http://schemas.microsoft.com/office/powerpoint/2010/main" spd="slow" p14:dur="2000">
+        <p159:morph option="byObject"/>
+      </p:transition>
+    </mc:Choice>
+    <mc:Fallback>
+      <p:transition spd="slow">
+        <p:fade/>
+      </p:transition>
+    </mc:Fallback>
+  </mc:AlternateContent>
+</p:sld>
+</file>
+
+<file path=ppt/slides/slide3.xml><?xml version="1.0" encoding="utf-8"?>
 <p:sld xmlns:a="http://schemas.openxmlformats.org/drawingml/2006/main" xmlns:r="http://schemas.openxmlformats.org/officeDocument/2006/relationships" xmlns:p="http://schemas.openxmlformats.org/presentationml/2006/main">
   <p:cSld>
     <p:bg>
@@ -8141,7 +9512,7 @@
       </p:grpSpPr>
       <p:sp>
         <p:nvSpPr>
-          <p:cNvPr id="12" name="Rectangle 11">
+          <p:cNvPr id="11" name="Rectangle 10">
             <a:extLst>
               <a:ext uri="{FF2B5EF4-FFF2-40B4-BE49-F238E27FC236}">
                 <a16:creationId xmlns:a16="http://schemas.microsoft.com/office/drawing/2014/main" id="{9228552E-C8B1-4A80-8448-0787CE0FC704}"/>
@@ -8204,1070 +9575,6 @@
       </p:sp>
       <p:pic>
         <p:nvPicPr>
-          <p:cNvPr id="7" name="Afbeelding 6" descr="Afbeelding met wiel, speelgoed, band, Schaalmodel&#10;&#10;Door AI gegenereerde inhoud is mogelijk onjuist.">
-            <a:extLst>
-              <a:ext uri="{FF2B5EF4-FFF2-40B4-BE49-F238E27FC236}">
-                <a16:creationId xmlns:a16="http://schemas.microsoft.com/office/drawing/2014/main" id="{2FCAF7F1-58E8-A9D6-4857-4F4F68856BC6}"/>
-              </a:ext>
-            </a:extLst>
-          </p:cNvPr>
-          <p:cNvPicPr>
-            <a:picLocks noChangeAspect="1"/>
-          </p:cNvPicPr>
-          <p:nvPr/>
-        </p:nvPicPr>
-        <p:blipFill>
-          <a:blip r:embed="rId2">
-            <a:alphaModFix amt="35000"/>
-            <a:extLst>
-              <a:ext uri="{28A0092B-C50C-407E-A947-70E740481C1C}">
-                <a14:useLocalDpi xmlns:a14="http://schemas.microsoft.com/office/drawing/2010/main" val="0"/>
-              </a:ext>
-            </a:extLst>
-          </a:blip>
-          <a:srcRect/>
-          <a:stretch>
-            <a:fillRect/>
-          </a:stretch>
-        </p:blipFill>
-        <p:spPr>
-          <a:xfrm>
-            <a:off x="20" y="10"/>
-            <a:ext cx="12191980" cy="6857990"/>
-          </a:xfrm>
-          <a:prstGeom prst="rect">
-            <a:avLst/>
-          </a:prstGeom>
-        </p:spPr>
-      </p:pic>
-      <p:sp>
-        <p:nvSpPr>
-          <p:cNvPr id="2" name="Titel 1">
-            <a:extLst>
-              <a:ext uri="{FF2B5EF4-FFF2-40B4-BE49-F238E27FC236}">
-                <a16:creationId xmlns:a16="http://schemas.microsoft.com/office/drawing/2014/main" id="{B1E09D67-DBE7-8B54-8C1F-E9D9CA3D84BE}"/>
-              </a:ext>
-            </a:extLst>
-          </p:cNvPr>
-          <p:cNvSpPr>
-            <a:spLocks noGrp="1"/>
-          </p:cNvSpPr>
-          <p:nvPr>
-            <p:ph type="title"/>
-          </p:nvPr>
-        </p:nvSpPr>
-        <p:spPr>
-          <a:xfrm>
-            <a:off x="838200" y="365125"/>
-            <a:ext cx="10515600" cy="1325563"/>
-          </a:xfrm>
-        </p:spPr>
-        <p:txBody>
-          <a:bodyPr>
-            <a:normAutofit/>
-          </a:bodyPr>
-          <a:lstStyle/>
-          <a:p>
-            <a:r>
-              <a:rPr lang="nl-BE" noProof="0" dirty="0">
-                <a:solidFill>
-                  <a:srgbClr val="FFFFFF"/>
-                </a:solidFill>
-              </a:rPr>
-              <a:t>Website</a:t>
-            </a:r>
-          </a:p>
-        </p:txBody>
-      </p:sp>
-      <p:sp>
-        <p:nvSpPr>
-          <p:cNvPr id="3" name="Tijdelijke aanduiding voor inhoud 2">
-            <a:extLst>
-              <a:ext uri="{FF2B5EF4-FFF2-40B4-BE49-F238E27FC236}">
-                <a16:creationId xmlns:a16="http://schemas.microsoft.com/office/drawing/2014/main" id="{AF85832B-89D0-1109-9775-C6272C565C70}"/>
-              </a:ext>
-            </a:extLst>
-          </p:cNvPr>
-          <p:cNvSpPr>
-            <a:spLocks noGrp="1"/>
-          </p:cNvSpPr>
-          <p:nvPr>
-            <p:ph idx="1"/>
-          </p:nvPr>
-        </p:nvSpPr>
-        <p:spPr>
-          <a:xfrm>
-            <a:off x="838200" y="1825625"/>
-            <a:ext cx="10515600" cy="4351338"/>
-          </a:xfrm>
-        </p:spPr>
-        <p:txBody>
-          <a:bodyPr>
-            <a:normAutofit/>
-          </a:bodyPr>
-          <a:lstStyle/>
-          <a:p>
-            <a:r>
-              <a:rPr lang="nl-BE" noProof="0" dirty="0">
-                <a:solidFill>
-                  <a:srgbClr val="FFFFFF"/>
-                </a:solidFill>
-              </a:rPr>
-              <a:t>Waarom?</a:t>
-            </a:r>
-          </a:p>
-          <a:p>
-            <a:pPr lvl="1">
-              <a:buFont typeface="Courier New" panose="02070309020205020404" pitchFamily="49" charset="0"/>
-              <a:buChar char="o"/>
-            </a:pPr>
-            <a:r>
-              <a:rPr lang="nl-BE" noProof="0" dirty="0">
-                <a:solidFill>
-                  <a:srgbClr val="FFFFFF"/>
-                </a:solidFill>
-              </a:rPr>
-              <a:t>Uitleg geven over robot</a:t>
-            </a:r>
-          </a:p>
-          <a:p>
-            <a:r>
-              <a:rPr lang="nl-BE" noProof="0" dirty="0">
-                <a:solidFill>
-                  <a:srgbClr val="FFFFFF"/>
-                </a:solidFill>
-              </a:rPr>
-              <a:t>Programmeertaal</a:t>
-            </a:r>
-          </a:p>
-          <a:p>
-            <a:pPr lvl="1">
-              <a:buFont typeface="Courier New" panose="02070309020205020404" pitchFamily="49" charset="0"/>
-              <a:buChar char="o"/>
-            </a:pPr>
-            <a:r>
-              <a:rPr lang="nl-BE" noProof="0" dirty="0">
-                <a:solidFill>
-                  <a:srgbClr val="FFFFFF"/>
-                </a:solidFill>
-              </a:rPr>
-              <a:t>HTML</a:t>
-            </a:r>
-          </a:p>
-          <a:p>
-            <a:pPr lvl="1">
-              <a:buFont typeface="Courier New" panose="02070309020205020404" pitchFamily="49" charset="0"/>
-              <a:buChar char="o"/>
-            </a:pPr>
-            <a:r>
-              <a:rPr lang="nl-BE" noProof="0" dirty="0">
-                <a:solidFill>
-                  <a:srgbClr val="FFFFFF"/>
-                </a:solidFill>
-              </a:rPr>
-              <a:t>CSS</a:t>
-            </a:r>
-          </a:p>
-          <a:p>
-            <a:endParaRPr lang="nl-BE" noProof="0" dirty="0">
-              <a:solidFill>
-                <a:srgbClr val="FFFFFF"/>
-              </a:solidFill>
-            </a:endParaRPr>
-          </a:p>
-        </p:txBody>
-      </p:sp>
-      <p:sp>
-        <p:nvSpPr>
-          <p:cNvPr id="4" name="Tijdelijke aanduiding voor voettekst 3">
-            <a:extLst>
-              <a:ext uri="{FF2B5EF4-FFF2-40B4-BE49-F238E27FC236}">
-                <a16:creationId xmlns:a16="http://schemas.microsoft.com/office/drawing/2014/main" id="{ED3A6253-2723-0083-B389-553B856DE705}"/>
-              </a:ext>
-            </a:extLst>
-          </p:cNvPr>
-          <p:cNvSpPr>
-            <a:spLocks noGrp="1"/>
-          </p:cNvSpPr>
-          <p:nvPr>
-            <p:ph type="ftr" sz="quarter" idx="11"/>
-          </p:nvPr>
-        </p:nvSpPr>
-        <p:spPr>
-          <a:xfrm>
-            <a:off x="4038600" y="6356350"/>
-            <a:ext cx="4114800" cy="365125"/>
-          </a:xfrm>
-        </p:spPr>
-        <p:txBody>
-          <a:bodyPr>
-            <a:normAutofit/>
-          </a:bodyPr>
-          <a:lstStyle/>
-          <a:p>
-            <a:r>
-              <a:rPr lang="nl-BE" noProof="0" dirty="0">
-                <a:solidFill>
-                  <a:srgbClr val="FFFFFF"/>
-                </a:solidFill>
-              </a:rPr>
-              <a:t>Extra</a:t>
-            </a:r>
-          </a:p>
-        </p:txBody>
-      </p:sp>
-      <p:sp>
-        <p:nvSpPr>
-          <p:cNvPr id="5" name="Tijdelijke aanduiding voor dianummer 4">
-            <a:extLst>
-              <a:ext uri="{FF2B5EF4-FFF2-40B4-BE49-F238E27FC236}">
-                <a16:creationId xmlns:a16="http://schemas.microsoft.com/office/drawing/2014/main" id="{2E5275C4-923E-0A92-983C-6D00DE4E4ECF}"/>
-              </a:ext>
-            </a:extLst>
-          </p:cNvPr>
-          <p:cNvSpPr>
-            <a:spLocks noGrp="1"/>
-          </p:cNvSpPr>
-          <p:nvPr>
-            <p:ph type="sldNum" sz="quarter" idx="12"/>
-          </p:nvPr>
-        </p:nvSpPr>
-        <p:spPr>
-          <a:xfrm>
-            <a:off x="8610600" y="6356350"/>
-            <a:ext cx="2743200" cy="365125"/>
-          </a:xfrm>
-        </p:spPr>
-        <p:txBody>
-          <a:bodyPr>
-            <a:normAutofit/>
-          </a:bodyPr>
-          <a:lstStyle/>
-          <a:p>
-            <a:pPr>
-              <a:spcAft>
-                <a:spcPts val="600"/>
-              </a:spcAft>
-            </a:pPr>
-            <a:fld id="{CF769C61-EDDB-4958-A626-BA0E0F3C6BBE}" type="slidenum">
-              <a:rPr lang="nl-BE" noProof="0">
-                <a:solidFill>
-                  <a:srgbClr val="FFFFFF"/>
-                </a:solidFill>
-              </a:rPr>
-              <a:pPr>
-                <a:spcAft>
-                  <a:spcPts val="600"/>
-                </a:spcAft>
-              </a:pPr>
-              <a:t>20</a:t>
-            </a:fld>
-            <a:endParaRPr lang="nl-BE" noProof="0" dirty="0">
-              <a:solidFill>
-                <a:srgbClr val="FFFFFF"/>
-              </a:solidFill>
-            </a:endParaRPr>
-          </a:p>
-        </p:txBody>
-      </p:sp>
-    </p:spTree>
-    <p:extLst>
-      <p:ext uri="{BB962C8B-B14F-4D97-AF65-F5344CB8AC3E}">
-        <p14:creationId xmlns:p14="http://schemas.microsoft.com/office/powerpoint/2010/main" val="3898959155"/>
-      </p:ext>
-    </p:extLst>
-  </p:cSld>
-  <p:clrMapOvr>
-    <a:overrideClrMapping bg1="dk1" tx1="lt1" bg2="dk2" tx2="lt2" accent1="accent1" accent2="accent2" accent3="accent3" accent4="accent4" accent5="accent5" accent6="accent6" hlink="hlink" folHlink="folHlink"/>
-  </p:clrMapOvr>
-  <mc:AlternateContent xmlns:mc="http://schemas.openxmlformats.org/markup-compatibility/2006" xmlns:p14="http://schemas.microsoft.com/office/powerpoint/2010/main">
-    <mc:Choice Requires="p14">
-      <p:transition spd="med" p14:dur="700">
-        <p:fade/>
-      </p:transition>
-    </mc:Choice>
-    <mc:Fallback xmlns="">
-      <p:transition spd="med">
-        <p:fade/>
-      </p:transition>
-    </mc:Fallback>
-  </mc:AlternateContent>
-</p:sld>
-</file>
-
-<file path=ppt/slides/slide21.xml><?xml version="1.0" encoding="utf-8"?>
-<p:sld xmlns:a="http://schemas.openxmlformats.org/drawingml/2006/main" xmlns:r="http://schemas.openxmlformats.org/officeDocument/2006/relationships" xmlns:p="http://schemas.openxmlformats.org/presentationml/2006/main">
-  <p:cSld>
-    <p:bg>
-      <p:bgPr>
-        <a:solidFill>
-          <a:srgbClr val="000000"/>
-        </a:solidFill>
-        <a:effectLst/>
-      </p:bgPr>
-    </p:bg>
-    <p:spTree>
-      <p:nvGrpSpPr>
-        <p:cNvPr id="1" name=""/>
-        <p:cNvGrpSpPr/>
-        <p:nvPr/>
-      </p:nvGrpSpPr>
-      <p:grpSpPr>
-        <a:xfrm>
-          <a:off x="0" y="0"/>
-          <a:ext cx="0" cy="0"/>
-          <a:chOff x="0" y="0"/>
-          <a:chExt cx="0" cy="0"/>
-        </a:xfrm>
-      </p:grpSpPr>
-      <p:sp>
-        <p:nvSpPr>
-          <p:cNvPr id="12" name="Rectangle 11">
-            <a:extLst>
-              <a:ext uri="{FF2B5EF4-FFF2-40B4-BE49-F238E27FC236}">
-                <a16:creationId xmlns:a16="http://schemas.microsoft.com/office/drawing/2014/main" id="{71B2258F-86CA-4D4D-8270-BC05FCDEBFB3}"/>
-              </a:ext>
-              <a:ext uri="{C183D7F6-B498-43B3-948B-1728B52AA6E4}">
-                <adec:decorative xmlns:adec="http://schemas.microsoft.com/office/drawing/2017/decorative" val="1"/>
-              </a:ext>
-            </a:extLst>
-          </p:cNvPr>
-          <p:cNvSpPr>
-            <a:spLocks noGrp="1" noRot="1" noChangeAspect="1" noMove="1" noResize="1" noEditPoints="1" noAdjustHandles="1" noChangeArrowheads="1" noChangeShapeType="1" noTextEdit="1"/>
-          </p:cNvSpPr>
-          <p:nvPr>
-            <p:extLst>
-              <p:ext uri="{386F3935-93C4-4BCD-93E2-E3B085C9AB24}">
-                <p16:designElem xmlns:p16="http://schemas.microsoft.com/office/powerpoint/2015/main" val="1"/>
-              </p:ext>
-            </p:extLst>
-          </p:nvPr>
-        </p:nvSpPr>
-        <p:spPr>
-          <a:xfrm>
-            <a:off x="0" y="0"/>
-            <a:ext cx="12192000" cy="6857999"/>
-          </a:xfrm>
-          <a:prstGeom prst="rect">
-            <a:avLst/>
-          </a:prstGeom>
-          <a:solidFill>
-            <a:srgbClr val="000000"/>
-          </a:solidFill>
-          <a:ln>
-            <a:noFill/>
-          </a:ln>
-        </p:spPr>
-        <p:style>
-          <a:lnRef idx="2">
-            <a:schemeClr val="accent1">
-              <a:shade val="50000"/>
-            </a:schemeClr>
-          </a:lnRef>
-          <a:fillRef idx="1">
-            <a:schemeClr val="accent1"/>
-          </a:fillRef>
-          <a:effectRef idx="0">
-            <a:schemeClr val="accent1"/>
-          </a:effectRef>
-          <a:fontRef idx="minor">
-            <a:schemeClr val="lt1"/>
-          </a:fontRef>
-        </p:style>
-        <p:txBody>
-          <a:bodyPr rtlCol="0" anchor="ctr"/>
-          <a:lstStyle/>
-          <a:p>
-            <a:pPr algn="ctr"/>
-            <a:endParaRPr lang="nl-BE" noProof="0" dirty="0"/>
-          </a:p>
-        </p:txBody>
-      </p:sp>
-      <p:pic>
-        <p:nvPicPr>
-          <p:cNvPr id="7" name="Afbeelding 6" descr="Afbeelding met wiel, speelgoed, band, Schaalmodel">
-            <a:extLst>
-              <a:ext uri="{FF2B5EF4-FFF2-40B4-BE49-F238E27FC236}">
-                <a16:creationId xmlns:a16="http://schemas.microsoft.com/office/drawing/2014/main" id="{D5E9569F-6545-7911-8A56-79FBAA6E6A99}"/>
-              </a:ext>
-            </a:extLst>
-          </p:cNvPr>
-          <p:cNvPicPr>
-            <a:picLocks noChangeAspect="1"/>
-          </p:cNvPicPr>
-          <p:nvPr/>
-        </p:nvPicPr>
-        <p:blipFill>
-          <a:blip r:embed="rId2">
-            <a:alphaModFix amt="50000"/>
-            <a:extLst>
-              <a:ext uri="{28A0092B-C50C-407E-A947-70E740481C1C}">
-                <a14:useLocalDpi xmlns:a14="http://schemas.microsoft.com/office/drawing/2010/main" val="0"/>
-              </a:ext>
-            </a:extLst>
-          </a:blip>
-          <a:srcRect/>
-          <a:stretch>
-            <a:fillRect/>
-          </a:stretch>
-        </p:blipFill>
-        <p:spPr>
-          <a:xfrm>
-            <a:off x="20" y="1"/>
-            <a:ext cx="12191980" cy="6857999"/>
-          </a:xfrm>
-          <a:prstGeom prst="rect">
-            <a:avLst/>
-          </a:prstGeom>
-        </p:spPr>
-      </p:pic>
-      <p:sp>
-        <p:nvSpPr>
-          <p:cNvPr id="2" name="Titel 1">
-            <a:extLst>
-              <a:ext uri="{FF2B5EF4-FFF2-40B4-BE49-F238E27FC236}">
-                <a16:creationId xmlns:a16="http://schemas.microsoft.com/office/drawing/2014/main" id="{8B86BA1F-360B-8053-5AE0-6C35A24D1511}"/>
-              </a:ext>
-            </a:extLst>
-          </p:cNvPr>
-          <p:cNvSpPr>
-            <a:spLocks noGrp="1"/>
-          </p:cNvSpPr>
-          <p:nvPr>
-            <p:ph type="title"/>
-          </p:nvPr>
-        </p:nvSpPr>
-        <p:spPr>
-          <a:xfrm>
-            <a:off x="1524000" y="1122362"/>
-            <a:ext cx="9144000" cy="2900518"/>
-          </a:xfrm>
-        </p:spPr>
-        <p:txBody>
-          <a:bodyPr vert="horz" lIns="91440" tIns="45720" rIns="91440" bIns="45720" rtlCol="0" anchor="b">
-            <a:normAutofit/>
-          </a:bodyPr>
-          <a:lstStyle/>
-          <a:p>
-            <a:pPr algn="ctr"/>
-            <a:r>
-              <a:rPr lang="nl-BE" sz="6000" noProof="0" dirty="0">
-                <a:solidFill>
-                  <a:srgbClr val="FFFFFF"/>
-                </a:solidFill>
-              </a:rPr>
-              <a:t>Einde</a:t>
-            </a:r>
-          </a:p>
-        </p:txBody>
-      </p:sp>
-      <p:sp>
-        <p:nvSpPr>
-          <p:cNvPr id="3" name="Tijdelijke aanduiding voor inhoud 2">
-            <a:extLst>
-              <a:ext uri="{FF2B5EF4-FFF2-40B4-BE49-F238E27FC236}">
-                <a16:creationId xmlns:a16="http://schemas.microsoft.com/office/drawing/2014/main" id="{38785E8D-D7B0-5680-9F28-0D7E13AC86E4}"/>
-              </a:ext>
-            </a:extLst>
-          </p:cNvPr>
-          <p:cNvSpPr>
-            <a:spLocks noGrp="1"/>
-          </p:cNvSpPr>
-          <p:nvPr>
-            <p:ph idx="1"/>
-          </p:nvPr>
-        </p:nvSpPr>
-        <p:spPr>
-          <a:xfrm>
-            <a:off x="1524000" y="4159404"/>
-            <a:ext cx="9144000" cy="1098395"/>
-          </a:xfrm>
-        </p:spPr>
-        <p:txBody>
-          <a:bodyPr vert="horz" lIns="91440" tIns="45720" rIns="91440" bIns="45720" rtlCol="0">
-            <a:normAutofit/>
-          </a:bodyPr>
-          <a:lstStyle/>
-          <a:p>
-            <a:pPr marL="0" indent="0" algn="ctr">
-              <a:buNone/>
-            </a:pPr>
-            <a:r>
-              <a:rPr lang="nl-BE" sz="2400" noProof="0" dirty="0">
-                <a:solidFill>
-                  <a:srgbClr val="FFFFFF"/>
-                </a:solidFill>
-              </a:rPr>
-              <a:t>Zijn er nog vragen?</a:t>
-            </a:r>
-          </a:p>
-        </p:txBody>
-      </p:sp>
-      <p:sp>
-        <p:nvSpPr>
-          <p:cNvPr id="4" name="Tijdelijke aanduiding voor voettekst 3">
-            <a:extLst>
-              <a:ext uri="{FF2B5EF4-FFF2-40B4-BE49-F238E27FC236}">
-                <a16:creationId xmlns:a16="http://schemas.microsoft.com/office/drawing/2014/main" id="{CE5F77B0-7490-9193-423E-DE9CF91AF79D}"/>
-              </a:ext>
-            </a:extLst>
-          </p:cNvPr>
-          <p:cNvSpPr>
-            <a:spLocks noGrp="1"/>
-          </p:cNvSpPr>
-          <p:nvPr>
-            <p:ph type="ftr" sz="quarter" idx="11"/>
-          </p:nvPr>
-        </p:nvSpPr>
-        <p:spPr>
-          <a:xfrm>
-            <a:off x="4038600" y="6356350"/>
-            <a:ext cx="4114800" cy="365125"/>
-          </a:xfrm>
-        </p:spPr>
-        <p:txBody>
-          <a:bodyPr vert="horz" lIns="91440" tIns="45720" rIns="91440" bIns="45720" rtlCol="0" anchor="ctr">
-            <a:normAutofit/>
-          </a:bodyPr>
-          <a:lstStyle/>
-          <a:p>
-            <a:pPr>
-              <a:defRPr/>
-            </a:pPr>
-            <a:r>
-              <a:rPr lang="nl-BE" kern="1200" noProof="0" dirty="0">
-                <a:solidFill>
-                  <a:srgbClr val="FFFFFF"/>
-                </a:solidFill>
-                <a:latin typeface="Calibri" panose="020F0502020204030204"/>
-                <a:ea typeface="+mn-ea"/>
-                <a:cs typeface="+mn-cs"/>
-              </a:rPr>
-              <a:t>Afsluiter</a:t>
-            </a:r>
-          </a:p>
-        </p:txBody>
-      </p:sp>
-      <p:sp>
-        <p:nvSpPr>
-          <p:cNvPr id="5" name="Tijdelijke aanduiding voor dianummer 4">
-            <a:extLst>
-              <a:ext uri="{FF2B5EF4-FFF2-40B4-BE49-F238E27FC236}">
-                <a16:creationId xmlns:a16="http://schemas.microsoft.com/office/drawing/2014/main" id="{6858B3D6-4257-82F2-B062-FC49355323F5}"/>
-              </a:ext>
-            </a:extLst>
-          </p:cNvPr>
-          <p:cNvSpPr>
-            <a:spLocks noGrp="1"/>
-          </p:cNvSpPr>
-          <p:nvPr>
-            <p:ph type="sldNum" sz="quarter" idx="12"/>
-          </p:nvPr>
-        </p:nvSpPr>
-        <p:spPr>
-          <a:xfrm>
-            <a:off x="8610600" y="6356350"/>
-            <a:ext cx="2743200" cy="365125"/>
-          </a:xfrm>
-        </p:spPr>
-        <p:txBody>
-          <a:bodyPr vert="horz" lIns="91440" tIns="45720" rIns="91440" bIns="45720" rtlCol="0" anchor="ctr">
-            <a:normAutofit/>
-          </a:bodyPr>
-          <a:lstStyle/>
-          <a:p>
-            <a:pPr>
-              <a:spcAft>
-                <a:spcPts val="600"/>
-              </a:spcAft>
-              <a:defRPr/>
-            </a:pPr>
-            <a:fld id="{CF769C61-EDDB-4958-A626-BA0E0F3C6BBE}" type="slidenum">
-              <a:rPr lang="nl-BE" noProof="0" smtClean="0">
-                <a:solidFill>
-                  <a:srgbClr val="FFFFFF"/>
-                </a:solidFill>
-                <a:latin typeface="Calibri" panose="020F0502020204030204"/>
-              </a:rPr>
-              <a:pPr>
-                <a:spcAft>
-                  <a:spcPts val="600"/>
-                </a:spcAft>
-                <a:defRPr/>
-              </a:pPr>
-              <a:t>21</a:t>
-            </a:fld>
-            <a:endParaRPr lang="nl-BE" noProof="0" dirty="0">
-              <a:solidFill>
-                <a:srgbClr val="FFFFFF"/>
-              </a:solidFill>
-              <a:latin typeface="Calibri" panose="020F0502020204030204"/>
-            </a:endParaRPr>
-          </a:p>
-        </p:txBody>
-      </p:sp>
-    </p:spTree>
-    <p:extLst>
-      <p:ext uri="{BB962C8B-B14F-4D97-AF65-F5344CB8AC3E}">
-        <p14:creationId xmlns:p14="http://schemas.microsoft.com/office/powerpoint/2010/main" val="1322337779"/>
-      </p:ext>
-    </p:extLst>
-  </p:cSld>
-  <p:clrMapOvr>
-    <a:overrideClrMapping bg1="dk1" tx1="lt1" bg2="dk2" tx2="lt2" accent1="accent1" accent2="accent2" accent3="accent3" accent4="accent4" accent5="accent5" accent6="accent6" hlink="hlink" folHlink="folHlink"/>
-  </p:clrMapOvr>
-  <mc:AlternateContent xmlns:mc="http://schemas.openxmlformats.org/markup-compatibility/2006" xmlns:p14="http://schemas.microsoft.com/office/powerpoint/2010/main">
-    <mc:Choice Requires="p14">
-      <p:transition spd="med" p14:dur="700">
-        <p:fade/>
-      </p:transition>
-    </mc:Choice>
-    <mc:Fallback xmlns="">
-      <p:transition spd="med">
-        <p:fade/>
-      </p:transition>
-    </mc:Fallback>
-  </mc:AlternateContent>
-  <p:timing>
-    <p:tnLst>
-      <p:par>
-        <p:cTn id="1" dur="indefinite" restart="never" nodeType="tmRoot">
-          <p:childTnLst>
-            <p:seq concurrent="1" nextAc="seek">
-              <p:cTn id="2" dur="indefinite" nodeType="mainSeq">
-                <p:childTnLst>
-                  <p:par>
-                    <p:cTn id="3" fill="hold">
-                      <p:stCondLst>
-                        <p:cond delay="indefinite"/>
-                      </p:stCondLst>
-                      <p:childTnLst>
-                        <p:par>
-                          <p:cTn id="4" fill="hold">
-                            <p:stCondLst>
-                              <p:cond delay="0"/>
-                            </p:stCondLst>
-                            <p:childTnLst>
-                              <p:par>
-                                <p:cTn id="5" presetID="31" presetClass="exit" presetSubtype="0" fill="hold" grpId="0" nodeType="clickEffect">
-                                  <p:stCondLst>
-                                    <p:cond delay="0"/>
-                                  </p:stCondLst>
-                                  <p:childTnLst>
-                                    <p:anim calcmode="lin" valueType="num">
-                                      <p:cBhvr>
-                                        <p:cTn id="6" dur="1000"/>
-                                        <p:tgtEl>
-                                          <p:spTgt spid="2"/>
-                                        </p:tgtEl>
-                                        <p:attrNameLst>
-                                          <p:attrName>ppt_w</p:attrName>
-                                        </p:attrNameLst>
-                                      </p:cBhvr>
-                                      <p:tavLst>
-                                        <p:tav tm="0">
-                                          <p:val>
-                                            <p:strVal val="ppt_w"/>
-                                          </p:val>
-                                        </p:tav>
-                                        <p:tav tm="100000">
-                                          <p:val>
-                                            <p:fltVal val="0"/>
-                                          </p:val>
-                                        </p:tav>
-                                      </p:tavLst>
-                                    </p:anim>
-                                    <p:anim calcmode="lin" valueType="num">
-                                      <p:cBhvr>
-                                        <p:cTn id="7" dur="1000"/>
-                                        <p:tgtEl>
-                                          <p:spTgt spid="2"/>
-                                        </p:tgtEl>
-                                        <p:attrNameLst>
-                                          <p:attrName>ppt_h</p:attrName>
-                                        </p:attrNameLst>
-                                      </p:cBhvr>
-                                      <p:tavLst>
-                                        <p:tav tm="0">
-                                          <p:val>
-                                            <p:strVal val="ppt_h"/>
-                                          </p:val>
-                                        </p:tav>
-                                        <p:tav tm="100000">
-                                          <p:val>
-                                            <p:fltVal val="0"/>
-                                          </p:val>
-                                        </p:tav>
-                                      </p:tavLst>
-                                    </p:anim>
-                                    <p:anim calcmode="lin" valueType="num">
-                                      <p:cBhvr>
-                                        <p:cTn id="8" dur="1000"/>
-                                        <p:tgtEl>
-                                          <p:spTgt spid="2"/>
-                                        </p:tgtEl>
-                                        <p:attrNameLst>
-                                          <p:attrName>style.rotation</p:attrName>
-                                        </p:attrNameLst>
-                                      </p:cBhvr>
-                                      <p:tavLst>
-                                        <p:tav tm="0">
-                                          <p:val>
-                                            <p:fltVal val="0"/>
-                                          </p:val>
-                                        </p:tav>
-                                        <p:tav tm="100000">
-                                          <p:val>
-                                            <p:fltVal val="90"/>
-                                          </p:val>
-                                        </p:tav>
-                                      </p:tavLst>
-                                    </p:anim>
-                                    <p:animEffect transition="out" filter="fade">
-                                      <p:cBhvr>
-                                        <p:cTn id="9" dur="1000"/>
-                                        <p:tgtEl>
-                                          <p:spTgt spid="2"/>
-                                        </p:tgtEl>
-                                      </p:cBhvr>
-                                    </p:animEffect>
-                                    <p:set>
-                                      <p:cBhvr>
-                                        <p:cTn id="10" dur="1" fill="hold">
-                                          <p:stCondLst>
-                                            <p:cond delay="999"/>
-                                          </p:stCondLst>
-                                        </p:cTn>
-                                        <p:tgtEl>
-                                          <p:spTgt spid="2"/>
-                                        </p:tgtEl>
-                                        <p:attrNameLst>
-                                          <p:attrName>style.visibility</p:attrName>
-                                        </p:attrNameLst>
-                                      </p:cBhvr>
-                                      <p:to>
-                                        <p:strVal val="hidden"/>
-                                      </p:to>
-                                    </p:set>
-                                  </p:childTnLst>
-                                </p:cTn>
-                              </p:par>
-                              <p:par>
-                                <p:cTn id="11" presetID="45" presetClass="exit" presetSubtype="0" fill="hold" nodeType="withEffect">
-                                  <p:stCondLst>
-                                    <p:cond delay="0"/>
-                                  </p:stCondLst>
-                                  <p:childTnLst>
-                                    <p:animEffect transition="out" filter="fade">
-                                      <p:cBhvr>
-                                        <p:cTn id="12" dur="2000"/>
-                                        <p:tgtEl>
-                                          <p:spTgt spid="3">
-                                            <p:txEl>
-                                              <p:pRg st="0" end="0"/>
-                                            </p:txEl>
-                                          </p:spTgt>
-                                        </p:tgtEl>
-                                      </p:cBhvr>
-                                    </p:animEffect>
-                                    <p:anim calcmode="lin" valueType="num">
-                                      <p:cBhvr>
-                                        <p:cTn id="13" dur="2000"/>
-                                        <p:tgtEl>
-                                          <p:spTgt spid="3">
-                                            <p:txEl>
-                                              <p:pRg st="0" end="0"/>
-                                            </p:txEl>
-                                          </p:spTgt>
-                                        </p:tgtEl>
-                                        <p:attrNameLst>
-                                          <p:attrName>ppt_w</p:attrName>
-                                        </p:attrNameLst>
-                                      </p:cBhvr>
-                                      <p:tavLst>
-                                        <p:tav tm="0">
-                                          <p:val>
-                                            <p:strVal val="ppt_w"/>
-                                          </p:val>
-                                        </p:tav>
-                                        <p:tav tm="5000">
-                                          <p:val>
-                                            <p:strVal val="0.92*ppt_w"/>
-                                          </p:val>
-                                        </p:tav>
-                                        <p:tav tm="10000">
-                                          <p:val>
-                                            <p:strVal val="0.71*ppt_w"/>
-                                          </p:val>
-                                        </p:tav>
-                                        <p:tav tm="15000">
-                                          <p:val>
-                                            <p:strVal val="0.38*ppt_w"/>
-                                          </p:val>
-                                        </p:tav>
-                                        <p:tav tm="20000">
-                                          <p:val>
-                                            <p:fltVal val="0"/>
-                                          </p:val>
-                                        </p:tav>
-                                        <p:tav tm="25000">
-                                          <p:val>
-                                            <p:strVal val="-0.38*ppt_w"/>
-                                          </p:val>
-                                        </p:tav>
-                                        <p:tav tm="30000">
-                                          <p:val>
-                                            <p:strVal val="-0.71*ppt_w"/>
-                                          </p:val>
-                                        </p:tav>
-                                        <p:tav tm="35000">
-                                          <p:val>
-                                            <p:strVal val="-0.92*ppt_w"/>
-                                          </p:val>
-                                        </p:tav>
-                                        <p:tav tm="40000">
-                                          <p:val>
-                                            <p:strVal val="-ppt_w"/>
-                                          </p:val>
-                                        </p:tav>
-                                        <p:tav tm="45000">
-                                          <p:val>
-                                            <p:strVal val="-0.92*ppt_w"/>
-                                          </p:val>
-                                        </p:tav>
-                                        <p:tav tm="50000">
-                                          <p:val>
-                                            <p:strVal val="-0.71*ppt_w"/>
-                                          </p:val>
-                                        </p:tav>
-                                        <p:tav tm="55000">
-                                          <p:val>
-                                            <p:strVal val="-0.38*ppt_w"/>
-                                          </p:val>
-                                        </p:tav>
-                                        <p:tav tm="60000">
-                                          <p:val>
-                                            <p:fltVal val="0"/>
-                                          </p:val>
-                                        </p:tav>
-                                        <p:tav tm="65000">
-                                          <p:val>
-                                            <p:strVal val="0.38*ppt_w"/>
-                                          </p:val>
-                                        </p:tav>
-                                        <p:tav tm="70000">
-                                          <p:val>
-                                            <p:strVal val="0.71*ppt_w"/>
-                                          </p:val>
-                                        </p:tav>
-                                        <p:tav tm="75000">
-                                          <p:val>
-                                            <p:strVal val="0.92*ppt_w"/>
-                                          </p:val>
-                                        </p:tav>
-                                        <p:tav tm="80000">
-                                          <p:val>
-                                            <p:strVal val="ppt_w"/>
-                                          </p:val>
-                                        </p:tav>
-                                        <p:tav tm="85000">
-                                          <p:val>
-                                            <p:strVal val="0.92*ppt_w"/>
-                                          </p:val>
-                                        </p:tav>
-                                        <p:tav tm="90000">
-                                          <p:val>
-                                            <p:strVal val="0.71*ppt_w"/>
-                                          </p:val>
-                                        </p:tav>
-                                        <p:tav tm="95000">
-                                          <p:val>
-                                            <p:strVal val="0.38*ppt_w"/>
-                                          </p:val>
-                                        </p:tav>
-                                        <p:tav tm="100000">
-                                          <p:val>
-                                            <p:fltVal val="0"/>
-                                          </p:val>
-                                        </p:tav>
-                                      </p:tavLst>
-                                    </p:anim>
-                                    <p:anim calcmode="lin" valueType="num">
-                                      <p:cBhvr>
-                                        <p:cTn id="14" dur="2000"/>
-                                        <p:tgtEl>
-                                          <p:spTgt spid="3">
-                                            <p:txEl>
-                                              <p:pRg st="0" end="0"/>
-                                            </p:txEl>
-                                          </p:spTgt>
-                                        </p:tgtEl>
-                                        <p:attrNameLst>
-                                          <p:attrName>ppt_h</p:attrName>
-                                        </p:attrNameLst>
-                                      </p:cBhvr>
-                                      <p:tavLst>
-                                        <p:tav tm="0">
-                                          <p:val>
-                                            <p:strVal val="ppt_h"/>
-                                          </p:val>
-                                        </p:tav>
-                                        <p:tav tm="100000">
-                                          <p:val>
-                                            <p:strVal val="ppt_h"/>
-                                          </p:val>
-                                        </p:tav>
-                                      </p:tavLst>
-                                    </p:anim>
-                                    <p:set>
-                                      <p:cBhvr>
-                                        <p:cTn id="15" dur="1" fill="hold">
-                                          <p:stCondLst>
-                                            <p:cond delay="1999"/>
-                                          </p:stCondLst>
-                                        </p:cTn>
-                                        <p:tgtEl>
-                                          <p:spTgt spid="3">
-                                            <p:txEl>
-                                              <p:pRg st="0" end="0"/>
-                                            </p:txEl>
-                                          </p:spTgt>
-                                        </p:tgtEl>
-                                        <p:attrNameLst>
-                                          <p:attrName>style.visibility</p:attrName>
-                                        </p:attrNameLst>
-                                      </p:cBhvr>
-                                      <p:to>
-                                        <p:strVal val="hidden"/>
-                                      </p:to>
-                                    </p:set>
-                                  </p:childTnLst>
-                                </p:cTn>
-                              </p:par>
-                            </p:childTnLst>
-                          </p:cTn>
-                        </p:par>
-                      </p:childTnLst>
-                    </p:cTn>
-                  </p:par>
-                </p:childTnLst>
-              </p:cTn>
-              <p:prevCondLst>
-                <p:cond evt="onPrev" delay="0">
-                  <p:tgtEl>
-                    <p:sldTgt/>
-                  </p:tgtEl>
-                </p:cond>
-              </p:prevCondLst>
-              <p:nextCondLst>
-                <p:cond evt="onNext" delay="0">
-                  <p:tgtEl>
-                    <p:sldTgt/>
-                  </p:tgtEl>
-                </p:cond>
-              </p:nextCondLst>
-            </p:seq>
-          </p:childTnLst>
-        </p:cTn>
-      </p:par>
-    </p:tnLst>
-    <p:bldLst>
-      <p:bldP spid="2" grpId="0"/>
-    </p:bldLst>
-  </p:timing>
-</p:sld>
-</file>
-
-<file path=ppt/slides/slide3.xml><?xml version="1.0" encoding="utf-8"?>
-<p:sld xmlns:a="http://schemas.openxmlformats.org/drawingml/2006/main" xmlns:r="http://schemas.openxmlformats.org/officeDocument/2006/relationships" xmlns:p="http://schemas.openxmlformats.org/presentationml/2006/main">
-  <p:cSld>
-    <p:bg>
-      <p:bgPr>
-        <a:solidFill>
-          <a:schemeClr val="bg1"/>
-        </a:solidFill>
-        <a:effectLst/>
-      </p:bgPr>
-    </p:bg>
-    <p:spTree>
-      <p:nvGrpSpPr>
-        <p:cNvPr id="1" name=""/>
-        <p:cNvGrpSpPr/>
-        <p:nvPr/>
-      </p:nvGrpSpPr>
-      <p:grpSpPr>
-        <a:xfrm>
-          <a:off x="0" y="0"/>
-          <a:ext cx="0" cy="0"/>
-          <a:chOff x="0" y="0"/>
-          <a:chExt cx="0" cy="0"/>
-        </a:xfrm>
-      </p:grpSpPr>
-      <p:sp>
-        <p:nvSpPr>
-          <p:cNvPr id="11" name="Rectangle 10">
-            <a:extLst>
-              <a:ext uri="{FF2B5EF4-FFF2-40B4-BE49-F238E27FC236}">
-                <a16:creationId xmlns:a16="http://schemas.microsoft.com/office/drawing/2014/main" id="{9228552E-C8B1-4A80-8448-0787CE0FC704}"/>
-              </a:ext>
-              <a:ext uri="{C183D7F6-B498-43B3-948B-1728B52AA6E4}">
-                <adec:decorative xmlns:adec="http://schemas.microsoft.com/office/drawing/2017/decorative" val="1"/>
-              </a:ext>
-            </a:extLst>
-          </p:cNvPr>
-          <p:cNvSpPr>
-            <a:spLocks noGrp="1" noRot="1" noChangeAspect="1" noMove="1" noResize="1" noEditPoints="1" noAdjustHandles="1" noChangeArrowheads="1" noChangeShapeType="1" noTextEdit="1"/>
-          </p:cNvSpPr>
-          <p:nvPr>
-            <p:extLst>
-              <p:ext uri="{386F3935-93C4-4BCD-93E2-E3B085C9AB24}">
-                <p16:designElem xmlns:p16="http://schemas.microsoft.com/office/powerpoint/2015/main" val="1"/>
-              </p:ext>
-            </p:extLst>
-          </p:nvPr>
-        </p:nvSpPr>
-        <p:spPr>
-          <a:xfrm>
-            <a:off x="0" y="0"/>
-            <a:ext cx="12192000" cy="6858000"/>
-          </a:xfrm>
-          <a:prstGeom prst="rect">
-            <a:avLst/>
-          </a:prstGeom>
-          <a:solidFill>
-            <a:srgbClr val="000000"/>
-          </a:solidFill>
-          <a:ln>
-            <a:noFill/>
-          </a:ln>
-        </p:spPr>
-        <p:style>
-          <a:lnRef idx="2">
-            <a:schemeClr val="accent1">
-              <a:shade val="50000"/>
-            </a:schemeClr>
-          </a:lnRef>
-          <a:fillRef idx="1">
-            <a:schemeClr val="accent1"/>
-          </a:fillRef>
-          <a:effectRef idx="0">
-            <a:schemeClr val="accent1"/>
-          </a:effectRef>
-          <a:fontRef idx="minor">
-            <a:schemeClr val="lt1"/>
-          </a:fontRef>
-        </p:style>
-        <p:txBody>
-          <a:bodyPr rtlCol="0" anchor="ctr"/>
-          <a:lstStyle/>
-          <a:p>
-            <a:pPr algn="ctr"/>
-            <a:endParaRPr lang="nl-BE" noProof="0" dirty="0"/>
-          </a:p>
-        </p:txBody>
-      </p:sp>
-      <p:pic>
-        <p:nvPicPr>
           <p:cNvPr id="6" name="Afbeelding 5" descr="Afbeelding met wiel, speelgoed, band, Schaalmodel&#10;&#10;Door AI gegenereerde inhoud is mogelijk onjuist.">
             <a:extLst>
               <a:ext uri="{FF2B5EF4-FFF2-40B4-BE49-F238E27FC236}">
@@ -9527,14 +9834,14 @@
   <p:clrMapOvr>
     <a:overrideClrMapping bg1="dk1" tx1="lt1" bg2="dk2" tx2="lt2" accent1="accent1" accent2="accent2" accent3="accent3" accent4="accent4" accent5="accent5" accent6="accent6" hlink="hlink" folHlink="folHlink"/>
   </p:clrMapOvr>
-  <mc:AlternateContent xmlns:mc="http://schemas.openxmlformats.org/markup-compatibility/2006" xmlns:p14="http://schemas.microsoft.com/office/powerpoint/2010/main">
-    <mc:Choice Requires="p14">
-      <p:transition spd="med" p14:dur="700">
-        <p:fade/>
+  <mc:AlternateContent xmlns:mc="http://schemas.openxmlformats.org/markup-compatibility/2006">
+    <mc:Choice xmlns:p159="http://schemas.microsoft.com/office/powerpoint/2015/09/main" Requires="p159">
+      <p:transition xmlns:p14="http://schemas.microsoft.com/office/powerpoint/2010/main" spd="slow" p14:dur="2000">
+        <p159:morph option="byObject"/>
       </p:transition>
     </mc:Choice>
-    <mc:Fallback xmlns="">
-      <p:transition spd="med">
+    <mc:Fallback>
+      <p:transition spd="slow">
         <p:fade/>
       </p:transition>
     </mc:Fallback>
@@ -9895,14 +10202,14 @@
   <p:clrMapOvr>
     <a:overrideClrMapping bg1="dk1" tx1="lt1" bg2="dk2" tx2="lt2" accent1="accent1" accent2="accent2" accent3="accent3" accent4="accent4" accent5="accent5" accent6="accent6" hlink="hlink" folHlink="folHlink"/>
   </p:clrMapOvr>
-  <mc:AlternateContent xmlns:mc="http://schemas.openxmlformats.org/markup-compatibility/2006" xmlns:p14="http://schemas.microsoft.com/office/powerpoint/2010/main">
-    <mc:Choice Requires="p14">
-      <p:transition spd="med" p14:dur="700">
-        <p:fade/>
+  <mc:AlternateContent xmlns:mc="http://schemas.openxmlformats.org/markup-compatibility/2006">
+    <mc:Choice xmlns:p159="http://schemas.microsoft.com/office/powerpoint/2015/09/main" Requires="p159">
+      <p:transition xmlns:p14="http://schemas.microsoft.com/office/powerpoint/2010/main" spd="slow" p14:dur="2000">
+        <p159:morph option="byObject"/>
       </p:transition>
     </mc:Choice>
-    <mc:Fallback xmlns="">
-      <p:transition spd="med">
+    <mc:Fallback>
+      <p:transition spd="slow">
         <p:fade/>
       </p:transition>
     </mc:Fallback>
@@ -10231,14 +10538,14 @@
   <p:clrMapOvr>
     <a:overrideClrMapping bg1="dk1" tx1="lt1" bg2="dk2" tx2="lt2" accent1="accent1" accent2="accent2" accent3="accent3" accent4="accent4" accent5="accent5" accent6="accent6" hlink="hlink" folHlink="folHlink"/>
   </p:clrMapOvr>
-  <mc:AlternateContent xmlns:mc="http://schemas.openxmlformats.org/markup-compatibility/2006" xmlns:p14="http://schemas.microsoft.com/office/powerpoint/2010/main">
-    <mc:Choice Requires="p14">
-      <p:transition spd="med" p14:dur="700">
-        <p:fade/>
+  <mc:AlternateContent xmlns:mc="http://schemas.openxmlformats.org/markup-compatibility/2006">
+    <mc:Choice xmlns:p159="http://schemas.microsoft.com/office/powerpoint/2015/09/main" Requires="p159">
+      <p:transition xmlns:p14="http://schemas.microsoft.com/office/powerpoint/2010/main" spd="slow" p14:dur="2000">
+        <p159:morph option="byObject"/>
       </p:transition>
     </mc:Choice>
-    <mc:Fallback xmlns="">
-      <p:transition spd="med">
+    <mc:Fallback>
+      <p:transition spd="slow">
         <p:fade/>
       </p:transition>
     </mc:Fallback>
@@ -11937,14 +12244,14 @@
   <p:clrMapOvr>
     <a:masterClrMapping/>
   </p:clrMapOvr>
-  <mc:AlternateContent xmlns:mc="http://schemas.openxmlformats.org/markup-compatibility/2006" xmlns:p14="http://schemas.microsoft.com/office/powerpoint/2010/main">
-    <mc:Choice Requires="p14">
-      <p:transition spd="med" p14:dur="700">
-        <p:fade/>
+  <mc:AlternateContent xmlns:mc="http://schemas.openxmlformats.org/markup-compatibility/2006">
+    <mc:Choice xmlns:p159="http://schemas.microsoft.com/office/powerpoint/2015/09/main" Requires="p159">
+      <p:transition xmlns:p14="http://schemas.microsoft.com/office/powerpoint/2010/main" spd="slow" p14:dur="2000">
+        <p159:morph option="byObject"/>
       </p:transition>
     </mc:Choice>
-    <mc:Fallback xmlns="">
-      <p:transition spd="med">
+    <mc:Fallback>
+      <p:transition spd="slow">
         <p:fade/>
       </p:transition>
     </mc:Fallback>
@@ -12514,14 +12821,14 @@
   <p:clrMapOvr>
     <a:masterClrMapping/>
   </p:clrMapOvr>
-  <mc:AlternateContent xmlns:mc="http://schemas.openxmlformats.org/markup-compatibility/2006" xmlns:p14="http://schemas.microsoft.com/office/powerpoint/2010/main">
-    <mc:Choice Requires="p14">
-      <p:transition spd="med" p14:dur="700">
-        <p:fade/>
+  <mc:AlternateContent xmlns:mc="http://schemas.openxmlformats.org/markup-compatibility/2006">
+    <mc:Choice xmlns:p159="http://schemas.microsoft.com/office/powerpoint/2015/09/main" Requires="p159">
+      <p:transition xmlns:p14="http://schemas.microsoft.com/office/powerpoint/2010/main" spd="slow" p14:dur="2000">
+        <p159:morph option="byObject"/>
       </p:transition>
     </mc:Choice>
-    <mc:Fallback xmlns="">
-      <p:transition spd="med">
+    <mc:Fallback>
+      <p:transition spd="slow">
         <p:fade/>
       </p:transition>
     </mc:Fallback>
@@ -13020,14 +13327,14 @@
   <p:clrMapOvr>
     <a:masterClrMapping/>
   </p:clrMapOvr>
-  <mc:AlternateContent xmlns:mc="http://schemas.openxmlformats.org/markup-compatibility/2006" xmlns:p14="http://schemas.microsoft.com/office/powerpoint/2010/main">
-    <mc:Choice Requires="p14">
-      <p:transition spd="med" p14:dur="700">
-        <p:fade/>
+  <mc:AlternateContent xmlns:mc="http://schemas.openxmlformats.org/markup-compatibility/2006">
+    <mc:Choice xmlns:p159="http://schemas.microsoft.com/office/powerpoint/2015/09/main" Requires="p159">
+      <p:transition xmlns:p14="http://schemas.microsoft.com/office/powerpoint/2010/main" spd="slow" p14:dur="2000">
+        <p159:morph option="byObject"/>
       </p:transition>
     </mc:Choice>
-    <mc:Fallback xmlns="">
-      <p:transition spd="med">
+    <mc:Fallback>
+      <p:transition spd="slow">
         <p:fade/>
       </p:transition>
     </mc:Fallback>
@@ -13470,14 +13777,14 @@
   <p:clrMapOvr>
     <a:masterClrMapping/>
   </p:clrMapOvr>
-  <mc:AlternateContent xmlns:mc="http://schemas.openxmlformats.org/markup-compatibility/2006" xmlns:p14="http://schemas.microsoft.com/office/powerpoint/2010/main">
-    <mc:Choice Requires="p14">
-      <p:transition spd="med" p14:dur="700">
-        <p:fade/>
+  <mc:AlternateContent xmlns:mc="http://schemas.openxmlformats.org/markup-compatibility/2006">
+    <mc:Choice xmlns:p159="http://schemas.microsoft.com/office/powerpoint/2015/09/main" Requires="p159">
+      <p:transition xmlns:p14="http://schemas.microsoft.com/office/powerpoint/2010/main" spd="slow" p14:dur="2000">
+        <p159:morph option="byObject"/>
       </p:transition>
     </mc:Choice>
-    <mc:Fallback xmlns="">
-      <p:transition spd="med">
+    <mc:Fallback>
+      <p:transition spd="slow">
         <p:fade/>
       </p:transition>
     </mc:Fallback>
